--- a/Presentation/Final Project Presentation.pptx
+++ b/Presentation/Final Project Presentation.pptx
@@ -5,7 +5,7 @@
     <p:sldMasterId id="2147483659" r:id="rId1"/>
   </p:sldMasterIdLst>
   <p:notesMasterIdLst>
-    <p:notesMasterId r:id="rId19"/>
+    <p:notesMasterId r:id="rId17"/>
   </p:notesMasterIdLst>
   <p:sldIdLst>
     <p:sldId id="256" r:id="rId2"/>
@@ -19,27 +19,25 @@
     <p:sldId id="271" r:id="rId10"/>
     <p:sldId id="269" r:id="rId11"/>
     <p:sldId id="260" r:id="rId12"/>
-    <p:sldId id="270" r:id="rId13"/>
-    <p:sldId id="261" r:id="rId14"/>
-    <p:sldId id="273" r:id="rId15"/>
-    <p:sldId id="262" r:id="rId16"/>
-    <p:sldId id="263" r:id="rId17"/>
-    <p:sldId id="264" r:id="rId18"/>
+    <p:sldId id="261" r:id="rId13"/>
+    <p:sldId id="273" r:id="rId14"/>
+    <p:sldId id="263" r:id="rId15"/>
+    <p:sldId id="264" r:id="rId16"/>
   </p:sldIdLst>
   <p:sldSz cx="9144000" cy="5143500" type="screen16x9"/>
   <p:notesSz cx="6858000" cy="9144000"/>
   <p:embeddedFontLst>
     <p:embeddedFont>
       <p:font typeface="Maven Pro" panose="020B0604020202020204" charset="0"/>
-      <p:regular r:id="rId20"/>
-      <p:bold r:id="rId21"/>
+      <p:regular r:id="rId18"/>
+      <p:bold r:id="rId19"/>
     </p:embeddedFont>
     <p:embeddedFont>
       <p:font typeface="Nunito" pitchFamily="2" charset="0"/>
-      <p:regular r:id="rId22"/>
-      <p:bold r:id="rId23"/>
-      <p:italic r:id="rId24"/>
-      <p:boldItalic r:id="rId25"/>
+      <p:regular r:id="rId20"/>
+      <p:bold r:id="rId21"/>
+      <p:italic r:id="rId22"/>
+      <p:boldItalic r:id="rId23"/>
     </p:embeddedFont>
   </p:embeddedFontLst>
   <p:defaultTextStyle>
@@ -840,115 +838,6 @@
   <p:cSld>
     <p:spTree>
       <p:nvGrpSpPr>
-        <p:cNvPr id="1" name="Shape 297"/>
-        <p:cNvGrpSpPr/>
-        <p:nvPr/>
-      </p:nvGrpSpPr>
-      <p:grpSpPr>
-        <a:xfrm>
-          <a:off x="0" y="0"/>
-          <a:ext cx="0" cy="0"/>
-          <a:chOff x="0" y="0"/>
-          <a:chExt cx="0" cy="0"/>
-        </a:xfrm>
-      </p:grpSpPr>
-      <p:sp>
-        <p:nvSpPr>
-          <p:cNvPr id="298" name="Google Shape;298;g12a981a8416_0_329:notes"/>
-          <p:cNvSpPr>
-            <a:spLocks noGrp="1" noRot="1" noChangeAspect="1"/>
-          </p:cNvSpPr>
-          <p:nvPr>
-            <p:ph type="sldImg" idx="2"/>
-          </p:nvPr>
-        </p:nvSpPr>
-        <p:spPr>
-          <a:xfrm>
-            <a:off x="381000" y="685800"/>
-            <a:ext cx="6096000" cy="3429000"/>
-          </a:xfrm>
-          <a:custGeom>
-            <a:avLst/>
-            <a:gdLst/>
-            <a:ahLst/>
-            <a:cxnLst/>
-            <a:rect l="l" t="t" r="r" b="b"/>
-            <a:pathLst>
-              <a:path w="120000" h="120000" extrusionOk="0">
-                <a:moveTo>
-                  <a:pt x="0" y="0"/>
-                </a:moveTo>
-                <a:lnTo>
-                  <a:pt x="120000" y="0"/>
-                </a:lnTo>
-                <a:lnTo>
-                  <a:pt x="120000" y="120000"/>
-                </a:lnTo>
-                <a:lnTo>
-                  <a:pt x="0" y="120000"/>
-                </a:lnTo>
-                <a:close/>
-              </a:path>
-            </a:pathLst>
-          </a:custGeom>
-        </p:spPr>
-      </p:sp>
-      <p:sp>
-        <p:nvSpPr>
-          <p:cNvPr id="299" name="Google Shape;299;g12a981a8416_0_329:notes"/>
-          <p:cNvSpPr txBox="1">
-            <a:spLocks noGrp="1"/>
-          </p:cNvSpPr>
-          <p:nvPr>
-            <p:ph type="body" idx="1"/>
-          </p:nvPr>
-        </p:nvSpPr>
-        <p:spPr>
-          <a:xfrm>
-            <a:off x="685800" y="4343400"/>
-            <a:ext cx="5486400" cy="4114800"/>
-          </a:xfrm>
-          <a:prstGeom prst="rect">
-            <a:avLst/>
-          </a:prstGeom>
-        </p:spPr>
-        <p:txBody>
-          <a:bodyPr spcFirstLastPara="1" wrap="square" lIns="91425" tIns="91425" rIns="91425" bIns="91425" anchor="t" anchorCtr="0">
-            <a:noAutofit/>
-          </a:bodyPr>
-          <a:lstStyle/>
-          <a:p>
-            <a:pPr marL="0" lvl="0" indent="0" algn="l" rtl="0">
-              <a:spcBef>
-                <a:spcPts val="0"/>
-              </a:spcBef>
-              <a:spcAft>
-                <a:spcPts val="0"/>
-              </a:spcAft>
-              <a:buNone/>
-            </a:pPr>
-            <a:endParaRPr/>
-          </a:p>
-        </p:txBody>
-      </p:sp>
-    </p:spTree>
-    <p:extLst>
-      <p:ext uri="{BB962C8B-B14F-4D97-AF65-F5344CB8AC3E}">
-        <p14:creationId xmlns:p14="http://schemas.microsoft.com/office/powerpoint/2010/main" val="424320488"/>
-      </p:ext>
-    </p:extLst>
-  </p:cSld>
-  <p:clrMapOvr>
-    <a:masterClrMapping/>
-  </p:clrMapOvr>
-</p:notes>
-</file>
-
-<file path=ppt/notesSlides/notesSlide11.xml><?xml version="1.0" encoding="utf-8"?>
-<p:notes xmlns:a="http://schemas.openxmlformats.org/drawingml/2006/main" xmlns:r="http://schemas.openxmlformats.org/officeDocument/2006/relationships" xmlns:p="http://schemas.openxmlformats.org/presentationml/2006/main" showMasterSp="0" showMasterPhAnim="0">
-  <p:cSld>
-    <p:spTree>
-      <p:nvGrpSpPr>
         <p:cNvPr id="1" name="Shape 303"/>
         <p:cNvGrpSpPr/>
         <p:nvPr/>
@@ -1027,6 +916,318 @@
           </a:bodyPr>
           <a:lstStyle/>
           <a:p>
+            <a:pPr marR="0" algn="l" rtl="0" fontAlgn="t">
+              <a:spcBef>
+                <a:spcPts val="0"/>
+              </a:spcBef>
+              <a:spcAft>
+                <a:spcPts val="0"/>
+              </a:spcAft>
+            </a:pPr>
+            <a:r>
+              <a:rPr lang="en-US" sz="1800" b="1" i="0" u="none" strike="noStrike" dirty="0">
+                <a:solidFill>
+                  <a:srgbClr val="FFFFFF"/>
+                </a:solidFill>
+                <a:effectLst/>
+                <a:latin typeface="Arial" panose="020B0604020202020204" pitchFamily="34" charset="0"/>
+              </a:rPr>
+              <a:t>Model</a:t>
+            </a:r>
+            <a:endParaRPr lang="en-US" sz="1800" b="0" i="0" u="none" strike="noStrike" dirty="0">
+              <a:effectLst/>
+              <a:latin typeface="Arial" panose="020B0604020202020204" pitchFamily="34" charset="0"/>
+            </a:endParaRPr>
+          </a:p>
+          <a:p>
+            <a:pPr marR="0" algn="l" rtl="0" fontAlgn="t">
+              <a:spcBef>
+                <a:spcPts val="0"/>
+              </a:spcBef>
+              <a:spcAft>
+                <a:spcPts val="0"/>
+              </a:spcAft>
+            </a:pPr>
+            <a:r>
+              <a:rPr lang="en-US" sz="1800" b="1" i="0" u="none" strike="noStrike" dirty="0">
+                <a:solidFill>
+                  <a:srgbClr val="FFFFFF"/>
+                </a:solidFill>
+                <a:effectLst/>
+                <a:latin typeface="Arial" panose="020B0604020202020204" pitchFamily="34" charset="0"/>
+              </a:rPr>
+              <a:t>Accuracy Score</a:t>
+            </a:r>
+            <a:endParaRPr lang="en-US" sz="1800" b="0" i="0" u="none" strike="noStrike" dirty="0">
+              <a:effectLst/>
+              <a:latin typeface="Arial" panose="020B0604020202020204" pitchFamily="34" charset="0"/>
+            </a:endParaRPr>
+          </a:p>
+          <a:p>
+            <a:pPr marR="0" algn="l" rtl="0" fontAlgn="t">
+              <a:spcBef>
+                <a:spcPts val="0"/>
+              </a:spcBef>
+              <a:spcAft>
+                <a:spcPts val="0"/>
+              </a:spcAft>
+            </a:pPr>
+            <a:r>
+              <a:rPr lang="en-US" sz="1800" b="0" i="0" u="none" strike="noStrike" dirty="0">
+                <a:solidFill>
+                  <a:srgbClr val="424242"/>
+                </a:solidFill>
+                <a:effectLst/>
+                <a:latin typeface="Arial" panose="020B0604020202020204" pitchFamily="34" charset="0"/>
+              </a:rPr>
+              <a:t>Logistic Regression</a:t>
+            </a:r>
+            <a:endParaRPr lang="en-US" sz="1800" b="0" i="0" u="none" strike="noStrike" dirty="0">
+              <a:effectLst/>
+              <a:latin typeface="Arial" panose="020B0604020202020204" pitchFamily="34" charset="0"/>
+            </a:endParaRPr>
+          </a:p>
+          <a:p>
+            <a:pPr marL="0" marR="0" indent="0" algn="l" rtl="0" eaLnBrk="1" fontAlgn="auto" latinLnBrk="0" hangingPunct="1">
+              <a:spcBef>
+                <a:spcPts val="0"/>
+              </a:spcBef>
+              <a:spcAft>
+                <a:spcPts val="0"/>
+              </a:spcAft>
+            </a:pPr>
+            <a:r>
+              <a:rPr lang="en-US" sz="1800" b="0" i="0" u="none" strike="noStrike" dirty="0">
+                <a:solidFill>
+                  <a:srgbClr val="424242"/>
+                </a:solidFill>
+                <a:effectLst/>
+                <a:latin typeface="Arial" panose="020B0604020202020204" pitchFamily="34" charset="0"/>
+              </a:rPr>
+              <a:t>87.228%</a:t>
+            </a:r>
+            <a:endParaRPr lang="en-US" sz="1800" b="0" i="0" u="none" strike="noStrike" dirty="0">
+              <a:effectLst/>
+              <a:latin typeface="Arial" panose="020B0604020202020204" pitchFamily="34" charset="0"/>
+            </a:endParaRPr>
+          </a:p>
+          <a:p>
+            <a:pPr marL="0" marR="0" indent="0" algn="l" rtl="0" eaLnBrk="1" fontAlgn="auto" latinLnBrk="0" hangingPunct="1">
+              <a:lnSpc>
+                <a:spcPct val="115000"/>
+              </a:lnSpc>
+              <a:spcBef>
+                <a:spcPts val="0"/>
+              </a:spcBef>
+              <a:spcAft>
+                <a:spcPts val="1200"/>
+              </a:spcAft>
+            </a:pPr>
+            <a:r>
+              <a:rPr lang="en-US" sz="1800" b="0" i="0" u="none" strike="noStrike" spc="0" baseline="0" dirty="0">
+                <a:ln>
+                  <a:noFill/>
+                </a:ln>
+                <a:solidFill>
+                  <a:srgbClr val="424242"/>
+                </a:solidFill>
+                <a:effectLst/>
+                <a:latin typeface="Arial" panose="020B0604020202020204" pitchFamily="34" charset="0"/>
+              </a:rPr>
+              <a:t>Random Forest Classifier</a:t>
+            </a:r>
+            <a:endParaRPr lang="en-US" sz="1800" b="0" i="0" u="none" strike="noStrike" dirty="0">
+              <a:effectLst/>
+              <a:latin typeface="Arial" panose="020B0604020202020204" pitchFamily="34" charset="0"/>
+            </a:endParaRPr>
+          </a:p>
+          <a:p>
+            <a:pPr marR="0" algn="l" rtl="0" fontAlgn="t">
+              <a:spcBef>
+                <a:spcPts val="0"/>
+              </a:spcBef>
+              <a:spcAft>
+                <a:spcPts val="0"/>
+              </a:spcAft>
+            </a:pPr>
+            <a:r>
+              <a:rPr lang="en-US" sz="1800" b="0" i="0" u="none" strike="noStrike" dirty="0">
+                <a:solidFill>
+                  <a:srgbClr val="424242"/>
+                </a:solidFill>
+                <a:effectLst/>
+                <a:latin typeface="Arial" panose="020B0604020202020204" pitchFamily="34" charset="0"/>
+              </a:rPr>
+              <a:t>87.772%</a:t>
+            </a:r>
+            <a:endParaRPr lang="en-US" sz="1800" b="0" i="0" u="none" strike="noStrike" dirty="0">
+              <a:effectLst/>
+              <a:latin typeface="Arial" panose="020B0604020202020204" pitchFamily="34" charset="0"/>
+            </a:endParaRPr>
+          </a:p>
+          <a:p>
+            <a:pPr marL="0" marR="0" indent="0" algn="l" rtl="0" eaLnBrk="1" fontAlgn="auto" latinLnBrk="0" hangingPunct="1">
+              <a:lnSpc>
+                <a:spcPct val="115000"/>
+              </a:lnSpc>
+              <a:spcBef>
+                <a:spcPts val="0"/>
+              </a:spcBef>
+              <a:spcAft>
+                <a:spcPts val="1200"/>
+              </a:spcAft>
+            </a:pPr>
+            <a:r>
+              <a:rPr lang="en-US" sz="1800" b="0" i="0" u="none" strike="noStrike" spc="0" baseline="0" dirty="0">
+                <a:ln>
+                  <a:noFill/>
+                </a:ln>
+                <a:solidFill>
+                  <a:srgbClr val="424242"/>
+                </a:solidFill>
+                <a:effectLst/>
+                <a:latin typeface="Arial" panose="020B0604020202020204" pitchFamily="34" charset="0"/>
+              </a:rPr>
+              <a:t>Support Vector Machine</a:t>
+            </a:r>
+            <a:endParaRPr lang="en-US" sz="1800" b="0" i="0" u="none" strike="noStrike" dirty="0">
+              <a:effectLst/>
+              <a:latin typeface="Arial" panose="020B0604020202020204" pitchFamily="34" charset="0"/>
+            </a:endParaRPr>
+          </a:p>
+          <a:p>
+            <a:pPr marR="0" algn="l" rtl="0" fontAlgn="t">
+              <a:spcBef>
+                <a:spcPts val="0"/>
+              </a:spcBef>
+              <a:spcAft>
+                <a:spcPts val="0"/>
+              </a:spcAft>
+            </a:pPr>
+            <a:r>
+              <a:rPr lang="en-US" sz="1800" b="0" i="0" u="none" strike="noStrike" dirty="0">
+                <a:solidFill>
+                  <a:srgbClr val="424242"/>
+                </a:solidFill>
+                <a:effectLst/>
+                <a:latin typeface="Arial" panose="020B0604020202020204" pitchFamily="34" charset="0"/>
+              </a:rPr>
+              <a:t>87.228%</a:t>
+            </a:r>
+            <a:endParaRPr lang="en-US" sz="1800" b="0" i="0" u="none" strike="noStrike" dirty="0">
+              <a:effectLst/>
+              <a:latin typeface="Arial" panose="020B0604020202020204" pitchFamily="34" charset="0"/>
+            </a:endParaRPr>
+          </a:p>
+          <a:p>
+            <a:pPr marL="0" marR="0" indent="0" algn="l" rtl="0" eaLnBrk="1" fontAlgn="auto" latinLnBrk="0" hangingPunct="1">
+              <a:lnSpc>
+                <a:spcPct val="115000"/>
+              </a:lnSpc>
+              <a:spcBef>
+                <a:spcPts val="0"/>
+              </a:spcBef>
+              <a:spcAft>
+                <a:spcPts val="1200"/>
+              </a:spcAft>
+            </a:pPr>
+            <a:r>
+              <a:rPr lang="en-US" sz="1800" b="0" i="0" u="none" strike="noStrike" spc="0" baseline="0" dirty="0">
+                <a:ln>
+                  <a:noFill/>
+                </a:ln>
+                <a:solidFill>
+                  <a:srgbClr val="424242"/>
+                </a:solidFill>
+                <a:effectLst/>
+                <a:latin typeface="Arial" panose="020B0604020202020204" pitchFamily="34" charset="0"/>
+              </a:rPr>
+              <a:t>XG Boost</a:t>
+            </a:r>
+            <a:endParaRPr lang="en-US" sz="1800" b="0" i="0" u="none" strike="noStrike" dirty="0">
+              <a:effectLst/>
+              <a:latin typeface="Arial" panose="020B0604020202020204" pitchFamily="34" charset="0"/>
+            </a:endParaRPr>
+          </a:p>
+          <a:p>
+            <a:pPr marR="0" algn="l" rtl="0" fontAlgn="t">
+              <a:spcBef>
+                <a:spcPts val="0"/>
+              </a:spcBef>
+              <a:spcAft>
+                <a:spcPts val="0"/>
+              </a:spcAft>
+            </a:pPr>
+            <a:r>
+              <a:rPr lang="en-US" sz="1800" b="0" i="0" u="none" strike="noStrike" dirty="0">
+                <a:solidFill>
+                  <a:srgbClr val="424242"/>
+                </a:solidFill>
+                <a:effectLst/>
+                <a:latin typeface="Arial" panose="020B0604020202020204" pitchFamily="34" charset="0"/>
+              </a:rPr>
+              <a:t>88.315%</a:t>
+            </a:r>
+            <a:endParaRPr lang="en-US" sz="1800" b="0" i="0" u="none" strike="noStrike" dirty="0">
+              <a:effectLst/>
+              <a:latin typeface="Arial" panose="020B0604020202020204" pitchFamily="34" charset="0"/>
+            </a:endParaRPr>
+          </a:p>
+          <a:p>
+            <a:pPr marL="0" marR="0" indent="0" algn="l" rtl="0" eaLnBrk="1" fontAlgn="auto" latinLnBrk="0" hangingPunct="1">
+              <a:lnSpc>
+                <a:spcPct val="115000"/>
+              </a:lnSpc>
+              <a:spcBef>
+                <a:spcPts val="0"/>
+              </a:spcBef>
+              <a:spcAft>
+                <a:spcPts val="1200"/>
+              </a:spcAft>
+            </a:pPr>
+            <a:r>
+              <a:rPr lang="en-US" sz="1800" b="0" i="0" u="none" strike="noStrike" spc="0" baseline="0" dirty="0">
+                <a:ln>
+                  <a:noFill/>
+                </a:ln>
+                <a:solidFill>
+                  <a:srgbClr val="424242"/>
+                </a:solidFill>
+                <a:effectLst/>
+                <a:latin typeface="Arial" panose="020B0604020202020204" pitchFamily="34" charset="0"/>
+              </a:rPr>
+              <a:t>Naïve Bayes</a:t>
+            </a:r>
+            <a:endParaRPr lang="en-US" sz="1800" b="0" i="0" u="none" strike="noStrike" dirty="0">
+              <a:effectLst/>
+              <a:latin typeface="Arial" panose="020B0604020202020204" pitchFamily="34" charset="0"/>
+            </a:endParaRPr>
+          </a:p>
+          <a:p>
+            <a:pPr marR="0" algn="l" rtl="0" fontAlgn="t">
+              <a:spcBef>
+                <a:spcPts val="0"/>
+              </a:spcBef>
+              <a:spcAft>
+                <a:spcPts val="0"/>
+              </a:spcAft>
+            </a:pPr>
+            <a:r>
+              <a:rPr lang="en-US" sz="1800" b="0" i="0" u="none" strike="noStrike" dirty="0">
+                <a:solidFill>
+                  <a:srgbClr val="424242"/>
+                </a:solidFill>
+                <a:effectLst/>
+                <a:latin typeface="Arial" panose="020B0604020202020204" pitchFamily="34" charset="0"/>
+              </a:rPr>
+              <a:t>71.467%</a:t>
+            </a:r>
+            <a:endParaRPr lang="en-US" sz="1800" b="0" i="0" u="none" strike="noStrike" dirty="0">
+              <a:effectLst/>
+              <a:latin typeface="Arial" panose="020B0604020202020204" pitchFamily="34" charset="0"/>
+            </a:endParaRPr>
+          </a:p>
+          <a:p>
             <a:pPr marL="0" lvl="0" indent="0" algn="l" rtl="0">
               <a:spcBef>
                 <a:spcPts val="0"/>
@@ -1036,7 +1237,7 @@
               </a:spcAft>
               <a:buNone/>
             </a:pPr>
-            <a:endParaRPr/>
+            <a:endParaRPr dirty="0"/>
           </a:p>
         </p:txBody>
       </p:sp>
@@ -1048,111 +1249,7 @@
 </p:notes>
 </file>
 
-<file path=ppt/notesSlides/notesSlide12.xml><?xml version="1.0" encoding="utf-8"?>
-<p:notes xmlns:a="http://schemas.openxmlformats.org/drawingml/2006/main" xmlns:r="http://schemas.openxmlformats.org/officeDocument/2006/relationships" xmlns:p="http://schemas.openxmlformats.org/presentationml/2006/main" showMasterSp="0" showMasterPhAnim="0">
-  <p:cSld>
-    <p:spTree>
-      <p:nvGrpSpPr>
-        <p:cNvPr id="1" name="Shape 309"/>
-        <p:cNvGrpSpPr/>
-        <p:nvPr/>
-      </p:nvGrpSpPr>
-      <p:grpSpPr>
-        <a:xfrm>
-          <a:off x="0" y="0"/>
-          <a:ext cx="0" cy="0"/>
-          <a:chOff x="0" y="0"/>
-          <a:chExt cx="0" cy="0"/>
-        </a:xfrm>
-      </p:grpSpPr>
-      <p:sp>
-        <p:nvSpPr>
-          <p:cNvPr id="310" name="Google Shape;310;g12a981a8416_0_339:notes"/>
-          <p:cNvSpPr>
-            <a:spLocks noGrp="1" noRot="1" noChangeAspect="1"/>
-          </p:cNvSpPr>
-          <p:nvPr>
-            <p:ph type="sldImg" idx="2"/>
-          </p:nvPr>
-        </p:nvSpPr>
-        <p:spPr>
-          <a:xfrm>
-            <a:off x="381300" y="685800"/>
-            <a:ext cx="6096000" cy="3429000"/>
-          </a:xfrm>
-          <a:custGeom>
-            <a:avLst/>
-            <a:gdLst/>
-            <a:ahLst/>
-            <a:cxnLst/>
-            <a:rect l="l" t="t" r="r" b="b"/>
-            <a:pathLst>
-              <a:path w="120000" h="120000" extrusionOk="0">
-                <a:moveTo>
-                  <a:pt x="0" y="0"/>
-                </a:moveTo>
-                <a:lnTo>
-                  <a:pt x="120000" y="0"/>
-                </a:lnTo>
-                <a:lnTo>
-                  <a:pt x="120000" y="120000"/>
-                </a:lnTo>
-                <a:lnTo>
-                  <a:pt x="0" y="120000"/>
-                </a:lnTo>
-                <a:close/>
-              </a:path>
-            </a:pathLst>
-          </a:custGeom>
-        </p:spPr>
-      </p:sp>
-      <p:sp>
-        <p:nvSpPr>
-          <p:cNvPr id="311" name="Google Shape;311;g12a981a8416_0_339:notes"/>
-          <p:cNvSpPr txBox="1">
-            <a:spLocks noGrp="1"/>
-          </p:cNvSpPr>
-          <p:nvPr>
-            <p:ph type="body" idx="1"/>
-          </p:nvPr>
-        </p:nvSpPr>
-        <p:spPr>
-          <a:xfrm>
-            <a:off x="685800" y="4343400"/>
-            <a:ext cx="5486400" cy="4114800"/>
-          </a:xfrm>
-          <a:prstGeom prst="rect">
-            <a:avLst/>
-          </a:prstGeom>
-        </p:spPr>
-        <p:txBody>
-          <a:bodyPr spcFirstLastPara="1" wrap="square" lIns="91425" tIns="91425" rIns="91425" bIns="91425" anchor="t" anchorCtr="0">
-            <a:noAutofit/>
-          </a:bodyPr>
-          <a:lstStyle/>
-          <a:p>
-            <a:pPr marL="0" lvl="0" indent="0" algn="l" rtl="0">
-              <a:spcBef>
-                <a:spcPts val="0"/>
-              </a:spcBef>
-              <a:spcAft>
-                <a:spcPts val="0"/>
-              </a:spcAft>
-              <a:buNone/>
-            </a:pPr>
-            <a:endParaRPr/>
-          </a:p>
-        </p:txBody>
-      </p:sp>
-    </p:spTree>
-  </p:cSld>
-  <p:clrMapOvr>
-    <a:masterClrMapping/>
-  </p:clrMapOvr>
-</p:notes>
-</file>
-
-<file path=ppt/notesSlides/notesSlide13.xml><?xml version="1.0" encoding="utf-8"?>
+<file path=ppt/notesSlides/notesSlide11.xml><?xml version="1.0" encoding="utf-8"?>
 <p:notes xmlns:a="http://schemas.openxmlformats.org/drawingml/2006/main" xmlns:r="http://schemas.openxmlformats.org/officeDocument/2006/relationships" xmlns:p="http://schemas.openxmlformats.org/presentationml/2006/main" showMasterSp="0" showMasterPhAnim="0">
   <p:cSld>
     <p:spTree>
@@ -1256,7 +1353,7 @@
 </p:notes>
 </file>
 
-<file path=ppt/notesSlides/notesSlide14.xml><?xml version="1.0" encoding="utf-8"?>
+<file path=ppt/notesSlides/notesSlide12.xml><?xml version="1.0" encoding="utf-8"?>
 <p:notes xmlns:a="http://schemas.openxmlformats.org/drawingml/2006/main" xmlns:r="http://schemas.openxmlformats.org/officeDocument/2006/relationships" xmlns:p="http://schemas.openxmlformats.org/presentationml/2006/main" showMasterSp="0" showMasterPhAnim="0">
   <p:cSld>
     <p:spTree>
@@ -16339,6 +16436,30 @@
             <a:endParaRPr lang="en-US" dirty="0"/>
           </a:p>
           <a:p>
+            <a:pPr marL="285750" indent="-285750">
+              <a:spcAft>
+                <a:spcPts val="1200"/>
+              </a:spcAft>
+            </a:pPr>
+            <a:r>
+              <a:rPr lang="en-US" dirty="0"/>
+              <a:t>Scaling: </a:t>
+            </a:r>
+            <a:r>
+              <a:rPr lang="en-US" dirty="0" err="1"/>
+              <a:t>StandardScaler</a:t>
+            </a:r>
+            <a:endParaRPr lang="en-US" dirty="0"/>
+          </a:p>
+          <a:p>
+            <a:pPr marL="285750" indent="-285750">
+              <a:spcAft>
+                <a:spcPts val="1200"/>
+              </a:spcAft>
+            </a:pPr>
+            <a:endParaRPr lang="en-US" dirty="0"/>
+          </a:p>
+          <a:p>
             <a:pPr marL="742950" lvl="1" indent="-285750">
               <a:spcAft>
                 <a:spcPts val="1200"/>
@@ -16452,7 +16573,7 @@
             </a:pPr>
             <a:r>
               <a:rPr lang="en-US" dirty="0"/>
-              <a:t>Split data shapes</a:t>
+              <a:t>Split data shapes:</a:t>
             </a:r>
           </a:p>
           <a:p>
@@ -16527,120 +16648,6 @@
 </file>
 
 <file path=ppt/slides/slide12.xml><?xml version="1.0" encoding="utf-8"?>
-<p:sld xmlns:a="http://schemas.openxmlformats.org/drawingml/2006/main" xmlns:r="http://schemas.openxmlformats.org/officeDocument/2006/relationships" xmlns:p="http://schemas.openxmlformats.org/presentationml/2006/main">
-  <p:cSld>
-    <p:spTree>
-      <p:nvGrpSpPr>
-        <p:cNvPr id="1" name="Shape 300"/>
-        <p:cNvGrpSpPr/>
-        <p:nvPr/>
-      </p:nvGrpSpPr>
-      <p:grpSpPr>
-        <a:xfrm>
-          <a:off x="0" y="0"/>
-          <a:ext cx="0" cy="0"/>
-          <a:chOff x="0" y="0"/>
-          <a:chExt cx="0" cy="0"/>
-        </a:xfrm>
-      </p:grpSpPr>
-      <p:sp>
-        <p:nvSpPr>
-          <p:cNvPr id="301" name="Google Shape;301;p17"/>
-          <p:cNvSpPr txBox="1">
-            <a:spLocks noGrp="1"/>
-          </p:cNvSpPr>
-          <p:nvPr>
-            <p:ph type="title"/>
-          </p:nvPr>
-        </p:nvSpPr>
-        <p:spPr>
-          <a:xfrm>
-            <a:off x="1303800" y="598575"/>
-            <a:ext cx="7030500" cy="999300"/>
-          </a:xfrm>
-          <a:prstGeom prst="rect">
-            <a:avLst/>
-          </a:prstGeom>
-        </p:spPr>
-        <p:txBody>
-          <a:bodyPr spcFirstLastPara="1" wrap="square" lIns="91425" tIns="91425" rIns="91425" bIns="91425" anchor="t" anchorCtr="0">
-            <a:normAutofit/>
-          </a:bodyPr>
-          <a:lstStyle/>
-          <a:p>
-            <a:pPr marL="0" lvl="0" indent="0" algn="l" rtl="0">
-              <a:spcBef>
-                <a:spcPts val="0"/>
-              </a:spcBef>
-              <a:spcAft>
-                <a:spcPts val="0"/>
-              </a:spcAft>
-              <a:buNone/>
-            </a:pPr>
-            <a:r>
-              <a:rPr lang="en"/>
-              <a:t>Data Processing</a:t>
-            </a:r>
-            <a:endParaRPr/>
-          </a:p>
-        </p:txBody>
-      </p:sp>
-      <p:sp>
-        <p:nvSpPr>
-          <p:cNvPr id="302" name="Google Shape;302;p17"/>
-          <p:cNvSpPr txBox="1">
-            <a:spLocks noGrp="1"/>
-          </p:cNvSpPr>
-          <p:nvPr>
-            <p:ph type="body" idx="1"/>
-          </p:nvPr>
-        </p:nvSpPr>
-        <p:spPr>
-          <a:xfrm>
-            <a:off x="1303800" y="1990050"/>
-            <a:ext cx="7030500" cy="2541600"/>
-          </a:xfrm>
-          <a:prstGeom prst="rect">
-            <a:avLst/>
-          </a:prstGeom>
-        </p:spPr>
-        <p:txBody>
-          <a:bodyPr spcFirstLastPara="1" wrap="square" lIns="91425" tIns="91425" rIns="91425" bIns="91425" anchor="t" anchorCtr="0">
-            <a:normAutofit/>
-          </a:bodyPr>
-          <a:lstStyle/>
-          <a:p>
-            <a:pPr marL="285750" indent="-285750">
-              <a:spcAft>
-                <a:spcPts val="1200"/>
-              </a:spcAft>
-            </a:pPr>
-            <a:r>
-              <a:rPr lang="en-US" dirty="0"/>
-              <a:t>Scaling: </a:t>
-            </a:r>
-            <a:r>
-              <a:rPr lang="en-US" dirty="0" err="1"/>
-              <a:t>StandardScaler</a:t>
-            </a:r>
-            <a:endParaRPr lang="en-US" dirty="0"/>
-          </a:p>
-        </p:txBody>
-      </p:sp>
-    </p:spTree>
-    <p:extLst>
-      <p:ext uri="{BB962C8B-B14F-4D97-AF65-F5344CB8AC3E}">
-        <p14:creationId xmlns:p14="http://schemas.microsoft.com/office/powerpoint/2010/main" val="2983333963"/>
-      </p:ext>
-    </p:extLst>
-  </p:cSld>
-  <p:clrMapOvr>
-    <a:masterClrMapping/>
-  </p:clrMapOvr>
-</p:sld>
-</file>
-
-<file path=ppt/slides/slide13.xml><?xml version="1.0" encoding="utf-8"?>
 <p:sld xmlns:a="http://schemas.openxmlformats.org/drawingml/2006/main" xmlns:r="http://schemas.openxmlformats.org/officeDocument/2006/relationships" xmlns:p="http://schemas.openxmlformats.org/presentationml/2006/main">
   <p:cSld>
     <p:spTree>
@@ -17136,7 +17143,7 @@
 </p:sld>
 </file>
 
-<file path=ppt/slides/slide14.xml><?xml version="1.0" encoding="utf-8"?>
+<file path=ppt/slides/slide13.xml><?xml version="1.0" encoding="utf-8"?>
 <p:sld xmlns:a="http://schemas.openxmlformats.org/drawingml/2006/main" xmlns:r="http://schemas.openxmlformats.org/officeDocument/2006/relationships" xmlns:p="http://schemas.openxmlformats.org/presentationml/2006/main">
   <p:cSld>
     <p:spTree>
@@ -17454,112 +17461,7 @@
 </p:sld>
 </file>
 
-<file path=ppt/slides/slide15.xml><?xml version="1.0" encoding="utf-8"?>
-<p:sld xmlns:a="http://schemas.openxmlformats.org/drawingml/2006/main" xmlns:r="http://schemas.openxmlformats.org/officeDocument/2006/relationships" xmlns:p="http://schemas.openxmlformats.org/presentationml/2006/main">
-  <p:cSld>
-    <p:spTree>
-      <p:nvGrpSpPr>
-        <p:cNvPr id="1" name="Shape 312"/>
-        <p:cNvGrpSpPr/>
-        <p:nvPr/>
-      </p:nvGrpSpPr>
-      <p:grpSpPr>
-        <a:xfrm>
-          <a:off x="0" y="0"/>
-          <a:ext cx="0" cy="0"/>
-          <a:chOff x="0" y="0"/>
-          <a:chExt cx="0" cy="0"/>
-        </a:xfrm>
-      </p:grpSpPr>
-      <p:sp>
-        <p:nvSpPr>
-          <p:cNvPr id="313" name="Google Shape;313;p19"/>
-          <p:cNvSpPr txBox="1">
-            <a:spLocks noGrp="1"/>
-          </p:cNvSpPr>
-          <p:nvPr>
-            <p:ph type="title"/>
-          </p:nvPr>
-        </p:nvSpPr>
-        <p:spPr>
-          <a:xfrm>
-            <a:off x="1303800" y="598575"/>
-            <a:ext cx="7030500" cy="999300"/>
-          </a:xfrm>
-          <a:prstGeom prst="rect">
-            <a:avLst/>
-          </a:prstGeom>
-        </p:spPr>
-        <p:txBody>
-          <a:bodyPr spcFirstLastPara="1" wrap="square" lIns="91425" tIns="91425" rIns="91425" bIns="91425" anchor="t" anchorCtr="0">
-            <a:normAutofit/>
-          </a:bodyPr>
-          <a:lstStyle/>
-          <a:p>
-            <a:pPr marL="0" lvl="0" indent="0" algn="l" rtl="0">
-              <a:spcBef>
-                <a:spcPts val="0"/>
-              </a:spcBef>
-              <a:spcAft>
-                <a:spcPts val="0"/>
-              </a:spcAft>
-              <a:buNone/>
-            </a:pPr>
-            <a:r>
-              <a:rPr lang="en"/>
-              <a:t>Machine Learning Limitations</a:t>
-            </a:r>
-            <a:endParaRPr/>
-          </a:p>
-        </p:txBody>
-      </p:sp>
-      <p:sp>
-        <p:nvSpPr>
-          <p:cNvPr id="314" name="Google Shape;314;p19"/>
-          <p:cNvSpPr txBox="1">
-            <a:spLocks noGrp="1"/>
-          </p:cNvSpPr>
-          <p:nvPr>
-            <p:ph type="body" idx="1"/>
-          </p:nvPr>
-        </p:nvSpPr>
-        <p:spPr>
-          <a:xfrm>
-            <a:off x="1303800" y="1990050"/>
-            <a:ext cx="7030500" cy="2541600"/>
-          </a:xfrm>
-          <a:prstGeom prst="rect">
-            <a:avLst/>
-          </a:prstGeom>
-        </p:spPr>
-        <p:txBody>
-          <a:bodyPr spcFirstLastPara="1" wrap="square" lIns="91425" tIns="91425" rIns="91425" bIns="91425" anchor="t" anchorCtr="0">
-            <a:normAutofit/>
-          </a:bodyPr>
-          <a:lstStyle/>
-          <a:p>
-            <a:pPr marL="0" lvl="0" indent="0" algn="l" rtl="0">
-              <a:spcBef>
-                <a:spcPts val="0"/>
-              </a:spcBef>
-              <a:spcAft>
-                <a:spcPts val="1200"/>
-              </a:spcAft>
-              <a:buNone/>
-            </a:pPr>
-            <a:endParaRPr dirty="0"/>
-          </a:p>
-        </p:txBody>
-      </p:sp>
-    </p:spTree>
-  </p:cSld>
-  <p:clrMapOvr>
-    <a:masterClrMapping/>
-  </p:clrMapOvr>
-</p:sld>
-</file>
-
-<file path=ppt/slides/slide16.xml><?xml version="1.0" encoding="utf-8"?>
+<file path=ppt/slides/slide14.xml><?xml version="1.0" encoding="utf-8"?>
 <p:sld xmlns:a="http://schemas.openxmlformats.org/drawingml/2006/main" xmlns:r="http://schemas.openxmlformats.org/officeDocument/2006/relationships" xmlns:p="http://schemas.openxmlformats.org/presentationml/2006/main">
   <p:cSld>
     <p:spTree>
@@ -17653,9 +17555,23 @@
               <a:buNone/>
             </a:pPr>
             <a:r>
-              <a:rPr lang="en-US" dirty="0"/>
+              <a:rPr lang="en-US" dirty="0">
+                <a:hlinkClick r:id="rId3"/>
+              </a:rPr>
               <a:t>https://github.com/lykkelig/Group6_Final_Project/tree/Erik_branch/Web</a:t>
             </a:r>
+            <a:endParaRPr lang="en-US" dirty="0"/>
+          </a:p>
+          <a:p>
+            <a:pPr marL="0" lvl="0" indent="0" algn="l" rtl="0">
+              <a:spcBef>
+                <a:spcPts val="0"/>
+              </a:spcBef>
+              <a:spcAft>
+                <a:spcPts val="1200"/>
+              </a:spcAft>
+              <a:buNone/>
+            </a:pPr>
             <a:endParaRPr dirty="0"/>
           </a:p>
         </p:txBody>
@@ -17668,7 +17584,7 @@
 </p:sld>
 </file>
 
-<file path=ppt/slides/slide17.xml><?xml version="1.0" encoding="utf-8"?>
+<file path=ppt/slides/slide15.xml><?xml version="1.0" encoding="utf-8"?>
 <p:sld xmlns:a="http://schemas.openxmlformats.org/drawingml/2006/main" xmlns:r="http://schemas.openxmlformats.org/officeDocument/2006/relationships" xmlns:p="http://schemas.openxmlformats.org/presentationml/2006/main">
   <p:cSld>
     <p:spTree>
@@ -17762,9 +17678,23 @@
               <a:buNone/>
             </a:pPr>
             <a:r>
-              <a:rPr lang="en-US" dirty="0"/>
+              <a:rPr lang="en-US" dirty="0">
+                <a:hlinkClick r:id="rId3"/>
+              </a:rPr>
               <a:t>https://public.tableau.com/app/profile/erik.svoboda/viz/EmployeeAttrition_16528352408970/FinalProject?publish=yes</a:t>
             </a:r>
+            <a:endParaRPr lang="en-US" dirty="0"/>
+          </a:p>
+          <a:p>
+            <a:pPr marL="0" lvl="0" indent="0" algn="l" rtl="0">
+              <a:spcBef>
+                <a:spcPts val="0"/>
+              </a:spcBef>
+              <a:spcAft>
+                <a:spcPts val="1200"/>
+              </a:spcAft>
+              <a:buNone/>
+            </a:pPr>
             <a:endParaRPr dirty="0"/>
           </a:p>
         </p:txBody>
@@ -18634,7 +18564,7 @@
         <p:spPr>
           <a:xfrm>
             <a:off x="1303800" y="1990050"/>
-            <a:ext cx="2589774" cy="2541600"/>
+            <a:ext cx="2168047" cy="2541600"/>
           </a:xfrm>
           <a:prstGeom prst="rect">
             <a:avLst/>
@@ -18665,10 +18595,10 @@
       </p:sp>
       <p:pic>
         <p:nvPicPr>
-          <p:cNvPr id="4" name="Picture 3" descr="Chart&#10;&#10;Description automatically generated">
+          <p:cNvPr id="2" name="Picture 1">
             <a:extLst>
               <a:ext uri="{FF2B5EF4-FFF2-40B4-BE49-F238E27FC236}">
-                <a16:creationId xmlns:a16="http://schemas.microsoft.com/office/drawing/2014/main" id="{DB626B06-0C57-402F-AC2C-7D2B938BF0FF}"/>
+                <a16:creationId xmlns:a16="http://schemas.microsoft.com/office/drawing/2014/main" id="{8DD345FC-E5E8-426C-B124-C5B14D9AD4D2}"/>
               </a:ext>
             </a:extLst>
           </p:cNvPr>
@@ -18677,16 +18607,15 @@
           </p:cNvPicPr>
           <p:nvPr/>
         </p:nvPicPr>
-        <p:blipFill>
+        <p:blipFill rotWithShape="1">
           <a:blip r:embed="rId3"/>
-          <a:stretch>
-            <a:fillRect/>
-          </a:stretch>
+          <a:srcRect r="10364"/>
+          <a:stretch/>
         </p:blipFill>
         <p:spPr>
           <a:xfrm>
-            <a:off x="3767150" y="446731"/>
-            <a:ext cx="5371354" cy="4250042"/>
+            <a:off x="3275904" y="0"/>
+            <a:ext cx="5796844" cy="5143500"/>
           </a:xfrm>
           <a:prstGeom prst="rect">
             <a:avLst/>

--- a/Presentation/Final Project Presentation.pptx
+++ b/Presentation/Final Project Presentation.pptx
@@ -16717,14 +16717,14 @@
           <p:nvPr>
             <p:extLst>
               <p:ext uri="{D42A27DB-BD31-4B8C-83A1-F6EECF244321}">
-                <p14:modId xmlns:p14="http://schemas.microsoft.com/office/powerpoint/2010/main" val="2457522604"/>
+                <p14:modId xmlns:p14="http://schemas.microsoft.com/office/powerpoint/2010/main" val="2977263132"/>
               </p:ext>
             </p:extLst>
           </p:nvPr>
         </p:nvGraphicFramePr>
         <p:xfrm>
-          <a:off x="1734453" y="1896218"/>
-          <a:ext cx="4621530" cy="2225040"/>
+          <a:off x="1303800" y="1414995"/>
+          <a:ext cx="5026208" cy="2372360"/>
         </p:xfrm>
         <a:graphic>
           <a:graphicData uri="http://schemas.openxmlformats.org/drawingml/2006/table">
@@ -16733,17 +16733,24 @@
                 <a:tableStyleId>{5C22544A-7EE6-4342-B048-85BDC9FD1C3A}</a:tableStyleId>
               </a:tblPr>
               <a:tblGrid>
-                <a:gridCol w="3048000">
+                <a:gridCol w="2273815">
                   <a:extLst>
                     <a:ext uri="{9D8B030D-6E8A-4147-A177-3AD203B41FA5}">
                       <a16:colId xmlns:a16="http://schemas.microsoft.com/office/drawing/2014/main" val="1484092443"/>
                     </a:ext>
                   </a:extLst>
                 </a:gridCol>
-                <a:gridCol w="1573530">
+                <a:gridCol w="1173857">
                   <a:extLst>
                     <a:ext uri="{9D8B030D-6E8A-4147-A177-3AD203B41FA5}">
                       <a16:colId xmlns:a16="http://schemas.microsoft.com/office/drawing/2014/main" val="2334171009"/>
+                    </a:ext>
+                  </a:extLst>
+                </a:gridCol>
+                <a:gridCol w="1578536">
+                  <a:extLst>
+                    <a:ext uri="{9D8B030D-6E8A-4147-A177-3AD203B41FA5}">
+                      <a16:colId xmlns:a16="http://schemas.microsoft.com/office/drawing/2014/main" val="1603424885"/>
                     </a:ext>
                   </a:extLst>
                 </a:gridCol>
@@ -16770,6 +16777,19 @@
                       <a:r>
                         <a:rPr lang="en-US" dirty="0"/>
                         <a:t>Accuracy Score</a:t>
+                      </a:r>
+                    </a:p>
+                  </a:txBody>
+                  <a:tcPr/>
+                </a:tc>
+                <a:tc>
+                  <a:txBody>
+                    <a:bodyPr/>
+                    <a:lstStyle/>
+                    <a:p>
+                      <a:r>
+                        <a:rPr lang="en-US" dirty="0"/>
+                        <a:t>Tuned Accuracy Score</a:t>
                       </a:r>
                     </a:p>
                   </a:txBody>
@@ -16833,6 +16853,48 @@
                         </a:rPr>
                         <a:t>87.228%</a:t>
                       </a:r>
+                    </a:p>
+                  </a:txBody>
+                  <a:tcPr/>
+                </a:tc>
+                <a:tc>
+                  <a:txBody>
+                    <a:bodyPr/>
+                    <a:lstStyle/>
+                    <a:p>
+                      <a:pPr marL="0" marR="0" lvl="0" indent="0" algn="l" defTabSz="914400" rtl="0" eaLnBrk="1" fontAlgn="auto" latinLnBrk="0" hangingPunct="1">
+                        <a:lnSpc>
+                          <a:spcPct val="100000"/>
+                        </a:lnSpc>
+                        <a:spcBef>
+                          <a:spcPts val="0"/>
+                        </a:spcBef>
+                        <a:spcAft>
+                          <a:spcPts val="0"/>
+                        </a:spcAft>
+                        <a:buClr>
+                          <a:srgbClr val="000000"/>
+                        </a:buClr>
+                        <a:buSzTx/>
+                        <a:buFont typeface="Arial"/>
+                        <a:buNone/>
+                        <a:tabLst/>
+                        <a:defRPr/>
+                      </a:pPr>
+                      <a:r>
+                        <a:rPr lang="en-US" dirty="0">
+                          <a:solidFill>
+                            <a:schemeClr val="bg2"/>
+                          </a:solidFill>
+                        </a:rPr>
+                        <a:t>90.816%</a:t>
+                      </a:r>
+                      <a:endParaRPr lang="en-US" sz="1400" dirty="0">
+                        <a:solidFill>
+                          <a:schemeClr val="bg2"/>
+                        </a:solidFill>
+                        <a:latin typeface="+mj-lt"/>
+                      </a:endParaRPr>
                     </a:p>
                   </a:txBody>
                   <a:tcPr/>
@@ -16912,6 +16974,29 @@
                   </a:txBody>
                   <a:tcPr/>
                 </a:tc>
+                <a:tc>
+                  <a:txBody>
+                    <a:bodyPr/>
+                    <a:lstStyle/>
+                    <a:p>
+                      <a:r>
+                        <a:rPr lang="en-US" dirty="0">
+                          <a:solidFill>
+                            <a:schemeClr val="bg2"/>
+                          </a:solidFill>
+                        </a:rPr>
+                        <a:t>87.075%</a:t>
+                      </a:r>
+                      <a:endParaRPr lang="en-US" sz="1400" dirty="0">
+                        <a:solidFill>
+                          <a:schemeClr val="bg2"/>
+                        </a:solidFill>
+                        <a:latin typeface="+mj-lt"/>
+                      </a:endParaRPr>
+                    </a:p>
+                  </a:txBody>
+                  <a:tcPr/>
+                </a:tc>
                 <a:extLst>
                   <a:ext uri="{0D108BD9-81ED-4DB2-BD59-A6C34878D82A}">
                     <a16:rowId xmlns:a16="http://schemas.microsoft.com/office/drawing/2014/main" val="3780564495"/>
@@ -16981,6 +17066,29 @@
                   </a:txBody>
                   <a:tcPr/>
                 </a:tc>
+                <a:tc>
+                  <a:txBody>
+                    <a:bodyPr/>
+                    <a:lstStyle/>
+                    <a:p>
+                      <a:r>
+                        <a:rPr lang="en-US" dirty="0">
+                          <a:solidFill>
+                            <a:schemeClr val="bg2"/>
+                          </a:solidFill>
+                        </a:rPr>
+                        <a:t>85.714%</a:t>
+                      </a:r>
+                      <a:endParaRPr lang="en-US" sz="1400" dirty="0">
+                        <a:solidFill>
+                          <a:schemeClr val="bg2"/>
+                        </a:solidFill>
+                        <a:latin typeface="+mj-lt"/>
+                      </a:endParaRPr>
+                    </a:p>
+                  </a:txBody>
+                  <a:tcPr/>
+                </a:tc>
                 <a:extLst>
                   <a:ext uri="{0D108BD9-81ED-4DB2-BD59-A6C34878D82A}">
                     <a16:rowId xmlns:a16="http://schemas.microsoft.com/office/drawing/2014/main" val="1691465788"/>
@@ -17046,6 +17154,29 @@
                         </a:rPr>
                         <a:t>88.315%</a:t>
                       </a:r>
+                    </a:p>
+                  </a:txBody>
+                  <a:tcPr/>
+                </a:tc>
+                <a:tc>
+                  <a:txBody>
+                    <a:bodyPr/>
+                    <a:lstStyle/>
+                    <a:p>
+                      <a:r>
+                        <a:rPr lang="en-US" dirty="0">
+                          <a:solidFill>
+                            <a:schemeClr val="bg2"/>
+                          </a:solidFill>
+                        </a:rPr>
+                        <a:t>87.755%</a:t>
+                      </a:r>
+                      <a:endParaRPr lang="en-US" sz="1400" dirty="0">
+                        <a:solidFill>
+                          <a:schemeClr val="bg2"/>
+                        </a:solidFill>
+                        <a:latin typeface="+mj-lt"/>
+                      </a:endParaRPr>
                     </a:p>
                   </a:txBody>
                   <a:tcPr/>
@@ -17121,6 +17252,29 @@
                         </a:rPr>
                         <a:t>71.467%</a:t>
                       </a:r>
+                    </a:p>
+                  </a:txBody>
+                  <a:tcPr/>
+                </a:tc>
+                <a:tc>
+                  <a:txBody>
+                    <a:bodyPr/>
+                    <a:lstStyle/>
+                    <a:p>
+                      <a:r>
+                        <a:rPr lang="en-US" dirty="0">
+                          <a:solidFill>
+                            <a:schemeClr val="bg2"/>
+                          </a:solidFill>
+                        </a:rPr>
+                        <a:t>70.408%</a:t>
+                      </a:r>
+                      <a:endParaRPr lang="en-US" sz="1400" dirty="0">
+                        <a:solidFill>
+                          <a:schemeClr val="bg2"/>
+                        </a:solidFill>
+                        <a:latin typeface="+mj-lt"/>
+                      </a:endParaRPr>
                     </a:p>
                   </a:txBody>
                   <a:tcPr/>
@@ -17234,71 +17388,16 @@
             </a:r>
           </a:p>
           <a:p>
+            <a:pPr marL="146050" indent="0">
+              <a:buNone/>
+            </a:pPr>
+            <a:r>
+              <a:rPr lang="en-US" dirty="0"/>
+              <a:t>52: </a:t>
+            </a:r>
             <a:r>
               <a:rPr lang="en-US" dirty="0" err="1"/>
-              <a:t>MonthlyIncome</a:t>
-            </a:r>
-            <a:endParaRPr lang="en-US" dirty="0"/>
-          </a:p>
-          <a:p>
-            <a:r>
-              <a:rPr lang="en-US" dirty="0" err="1"/>
-              <a:t>YearsAtCompany</a:t>
-            </a:r>
-            <a:endParaRPr lang="en-US" dirty="0"/>
-          </a:p>
-          <a:p>
-            <a:r>
-              <a:rPr lang="en-US" dirty="0"/>
-              <a:t>Age</a:t>
-            </a:r>
-          </a:p>
-          <a:p>
-            <a:r>
-              <a:rPr lang="en-US" dirty="0" err="1"/>
-              <a:t>TotalWorkingYears</a:t>
-            </a:r>
-            <a:endParaRPr lang="en-US" dirty="0"/>
-          </a:p>
-          <a:p>
-            <a:r>
-              <a:rPr lang="en-US" dirty="0" err="1"/>
-              <a:t>DailyRate</a:t>
-            </a:r>
-            <a:endParaRPr lang="en-US" dirty="0"/>
-          </a:p>
-          <a:p>
-            <a:r>
-              <a:rPr lang="en-US" dirty="0" err="1"/>
-              <a:t>MonthlyRate</a:t>
-            </a:r>
-            <a:endParaRPr lang="en-US" dirty="0"/>
-          </a:p>
-          <a:p>
-            <a:r>
-              <a:rPr lang="en-US" dirty="0" err="1"/>
-              <a:t>HourlyRate</a:t>
-            </a:r>
-            <a:endParaRPr lang="en-US" dirty="0"/>
-          </a:p>
-          <a:p>
-            <a:r>
-              <a:rPr lang="en-US" dirty="0" err="1"/>
-              <a:t>DistanceFromHome</a:t>
-            </a:r>
-            <a:endParaRPr lang="en-US" dirty="0"/>
-          </a:p>
-          <a:p>
-            <a:r>
-              <a:rPr lang="en-US" dirty="0" err="1"/>
-              <a:t>YearsWithCurrManager</a:t>
-            </a:r>
-            <a:endParaRPr lang="en-US" dirty="0"/>
-          </a:p>
-          <a:p>
-            <a:r>
-              <a:rPr lang="en-US" dirty="0" err="1"/>
-              <a:t>OverTime_No</a:t>
+              <a:t>OverTime_Yes</a:t>
             </a:r>
             <a:endParaRPr lang="en-US" dirty="0"/>
           </a:p>
@@ -17306,6 +17405,135 @@
             <a:pPr marL="146050" indent="0">
               <a:buNone/>
             </a:pPr>
+            <a:r>
+              <a:rPr lang="en-US" dirty="0"/>
+              <a:t>13: </a:t>
+            </a:r>
+            <a:r>
+              <a:rPr lang="en-US" dirty="0" err="1"/>
+              <a:t>PerformanceRating</a:t>
+            </a:r>
+            <a:endParaRPr lang="en-US" dirty="0"/>
+          </a:p>
+          <a:p>
+            <a:pPr marL="146050" indent="0">
+              <a:buNone/>
+            </a:pPr>
+            <a:r>
+              <a:rPr lang="en-US" dirty="0"/>
+              <a:t>26: </a:t>
+            </a:r>
+            <a:r>
+              <a:rPr lang="en-US" dirty="0" err="1"/>
+              <a:t>BusinessTravel_Travel_Frequently</a:t>
+            </a:r>
+            <a:endParaRPr lang="en-US" dirty="0"/>
+          </a:p>
+          <a:p>
+            <a:pPr marL="146050" indent="0">
+              <a:buNone/>
+            </a:pPr>
+            <a:r>
+              <a:rPr lang="en-US" dirty="0"/>
+              <a:t>41: </a:t>
+            </a:r>
+            <a:r>
+              <a:rPr lang="en-US" dirty="0" err="1"/>
+              <a:t>JobRole_Laboratory</a:t>
+            </a:r>
+            <a:r>
+              <a:rPr lang="en-US" dirty="0"/>
+              <a:t> Technician</a:t>
+            </a:r>
+          </a:p>
+          <a:p>
+            <a:pPr marL="146050" indent="0">
+              <a:buNone/>
+            </a:pPr>
+            <a:r>
+              <a:rPr lang="en-US" dirty="0"/>
+              <a:t>50: </a:t>
+            </a:r>
+            <a:r>
+              <a:rPr lang="en-US" dirty="0" err="1"/>
+              <a:t>MaritalStatus_Single</a:t>
+            </a:r>
+            <a:endParaRPr lang="en-US" dirty="0"/>
+          </a:p>
+          <a:p>
+            <a:pPr marL="146050" indent="0">
+              <a:buNone/>
+            </a:pPr>
+            <a:r>
+              <a:rPr lang="en-US" dirty="0"/>
+              <a:t>36: </a:t>
+            </a:r>
+            <a:r>
+              <a:rPr lang="en-US" dirty="0" err="1"/>
+              <a:t>EducationField_Technical</a:t>
+            </a:r>
+            <a:r>
+              <a:rPr lang="en-US" dirty="0"/>
+              <a:t> Degree</a:t>
+            </a:r>
+          </a:p>
+          <a:p>
+            <a:pPr marL="146050" indent="0">
+              <a:buNone/>
+            </a:pPr>
+            <a:r>
+              <a:rPr lang="en-US" dirty="0"/>
+              <a:t>47: </a:t>
+            </a:r>
+            <a:r>
+              <a:rPr lang="en-US" dirty="0" err="1"/>
+              <a:t>JobRole_Sales</a:t>
+            </a:r>
+            <a:r>
+              <a:rPr lang="en-US" dirty="0"/>
+              <a:t> Representative</a:t>
+            </a:r>
+          </a:p>
+          <a:p>
+            <a:pPr marL="146050" indent="0">
+              <a:buNone/>
+            </a:pPr>
+            <a:r>
+              <a:rPr lang="en-US" dirty="0"/>
+              <a:t>38: </a:t>
+            </a:r>
+            <a:r>
+              <a:rPr lang="en-US" dirty="0" err="1"/>
+              <a:t>Gender_Male</a:t>
+            </a:r>
+            <a:endParaRPr lang="en-US" dirty="0"/>
+          </a:p>
+          <a:p>
+            <a:pPr marL="146050" indent="0">
+              <a:buNone/>
+            </a:pPr>
+            <a:r>
+              <a:rPr lang="en-US" dirty="0"/>
+              <a:t>30: </a:t>
+            </a:r>
+            <a:r>
+              <a:rPr lang="en-US" dirty="0" err="1"/>
+              <a:t>Department_Sales</a:t>
+            </a:r>
+            <a:endParaRPr lang="en-US" dirty="0"/>
+          </a:p>
+          <a:p>
+            <a:pPr marL="146050" indent="0">
+              <a:buNone/>
+            </a:pPr>
+            <a:r>
+              <a:rPr lang="en-US" dirty="0"/>
+              <a:t>33: </a:t>
+            </a:r>
+            <a:r>
+              <a:rPr lang="en-US" dirty="0" err="1"/>
+              <a:t>EducationField_Marketing</a:t>
+            </a:r>
             <a:endParaRPr lang="en-US" dirty="0"/>
           </a:p>
           <a:p>
@@ -17318,10 +17546,10 @@
       </p:sp>
       <p:sp>
         <p:nvSpPr>
-          <p:cNvPr id="5" name="Text Placeholder 4">
+          <p:cNvPr id="6" name="Text Placeholder 5">
             <a:extLst>
               <a:ext uri="{FF2B5EF4-FFF2-40B4-BE49-F238E27FC236}">
-                <a16:creationId xmlns:a16="http://schemas.microsoft.com/office/drawing/2014/main" id="{179F0659-0AAA-4C59-B1D2-6B5FE1AFF23B}"/>
+                <a16:creationId xmlns:a16="http://schemas.microsoft.com/office/drawing/2014/main" id="{D63DB17F-86CC-4067-9FBC-F5B3607B5C46}"/>
               </a:ext>
             </a:extLst>
           </p:cNvPr>
@@ -17332,122 +17560,62 @@
             <p:ph type="body" idx="2"/>
           </p:nvPr>
         </p:nvSpPr>
-        <p:spPr>
-          <a:xfrm>
-            <a:off x="4903650" y="1597875"/>
-            <a:ext cx="3615018" cy="2933775"/>
-          </a:xfrm>
-        </p:spPr>
+        <p:spPr/>
         <p:txBody>
-          <a:bodyPr>
-            <a:normAutofit/>
-          </a:bodyPr>
+          <a:bodyPr/>
           <a:lstStyle/>
           <a:p>
-            <a:pPr marL="146050" indent="0">
-              <a:buNone/>
-            </a:pPr>
-            <a:r>
-              <a:rPr lang="en-US" sz="1800" dirty="0"/>
-              <a:t>Bottom 10 Features</a:t>
-            </a:r>
-          </a:p>
-          <a:p>
-            <a:r>
-              <a:rPr lang="en-US" dirty="0" err="1"/>
-              <a:t>BUSINESSTRAVEL_Non</a:t>
-            </a:r>
-            <a:r>
-              <a:rPr lang="en-US" dirty="0"/>
-              <a:t>-Travel</a:t>
-            </a:r>
-          </a:p>
-          <a:p>
-            <a:r>
-              <a:rPr lang="en-US" dirty="0" err="1"/>
-              <a:t>PerformanceRating</a:t>
-            </a:r>
-            <a:endParaRPr lang="en-US" dirty="0"/>
-          </a:p>
-          <a:p>
-            <a:r>
-              <a:rPr lang="en-US" dirty="0" err="1"/>
-              <a:t>WorkplaceAccident</a:t>
-            </a:r>
-            <a:endParaRPr lang="en-US" dirty="0"/>
-          </a:p>
-          <a:p>
-            <a:r>
-              <a:rPr lang="en-US" dirty="0" err="1"/>
-              <a:t>JOBROLE_Healthcare</a:t>
-            </a:r>
-            <a:r>
-              <a:rPr lang="en-US" dirty="0"/>
-              <a:t> Representative</a:t>
-            </a:r>
-          </a:p>
-          <a:p>
-            <a:r>
-              <a:rPr lang="en-US" dirty="0" err="1"/>
-              <a:t>EDUCATIONFIELD_Other</a:t>
-            </a:r>
-            <a:endParaRPr lang="en-US" dirty="0"/>
-          </a:p>
-          <a:p>
-            <a:r>
-              <a:rPr lang="en-US" dirty="0" err="1"/>
-              <a:t>JOBROLE_Manager</a:t>
-            </a:r>
-            <a:endParaRPr lang="en-US" dirty="0"/>
-          </a:p>
-          <a:p>
-            <a:r>
-              <a:rPr lang="en-US" dirty="0" err="1"/>
-              <a:t>JOBROLE_Research</a:t>
-            </a:r>
-            <a:r>
-              <a:rPr lang="en-US" dirty="0"/>
-              <a:t> Director</a:t>
-            </a:r>
-          </a:p>
-          <a:p>
-            <a:r>
-              <a:rPr lang="en-US" dirty="0" err="1"/>
-              <a:t>JOBROLE_Human</a:t>
-            </a:r>
-            <a:r>
-              <a:rPr lang="en-US" dirty="0"/>
-              <a:t> Resources</a:t>
-            </a:r>
-          </a:p>
-          <a:p>
-            <a:r>
-              <a:rPr lang="en-US" dirty="0" err="1"/>
-              <a:t>DEPARTMENT_Human</a:t>
-            </a:r>
-            <a:r>
-              <a:rPr lang="en-US" dirty="0"/>
-              <a:t> Resources</a:t>
-            </a:r>
-          </a:p>
-          <a:p>
-            <a:r>
-              <a:rPr lang="en-US" dirty="0" err="1"/>
-              <a:t>EDUCATIONFIELD_Human</a:t>
-            </a:r>
-            <a:r>
-              <a:rPr lang="en-US" dirty="0"/>
-              <a:t> Resources</a:t>
-            </a:r>
-          </a:p>
-          <a:p>
-            <a:pPr marL="146050" indent="0">
-              <a:buNone/>
-            </a:pPr>
-            <a:endParaRPr lang="en-US" dirty="0"/>
+            <a:endParaRPr lang="en-US"/>
           </a:p>
         </p:txBody>
       </p:sp>
+      <p:pic>
+        <p:nvPicPr>
+          <p:cNvPr id="1026" name="Picture 2">
+            <a:extLst>
+              <a:ext uri="{FF2B5EF4-FFF2-40B4-BE49-F238E27FC236}">
+                <a16:creationId xmlns:a16="http://schemas.microsoft.com/office/drawing/2014/main" id="{E1E6C38E-805E-4036-B5AA-D95AF03F669D}"/>
+              </a:ext>
+            </a:extLst>
+          </p:cNvPr>
+          <p:cNvPicPr>
+            <a:picLocks noChangeAspect="1" noChangeArrowheads="1"/>
+          </p:cNvPicPr>
+          <p:nvPr/>
+        </p:nvPicPr>
+        <p:blipFill>
+          <a:blip r:embed="rId2">
+            <a:extLst>
+              <a:ext uri="{28A0092B-C50C-407E-A947-70E740481C1C}">
+                <a14:useLocalDpi xmlns:a14="http://schemas.microsoft.com/office/drawing/2010/main" val="0"/>
+              </a:ext>
+            </a:extLst>
+          </a:blip>
+          <a:srcRect/>
+          <a:stretch>
+            <a:fillRect/>
+          </a:stretch>
+        </p:blipFill>
+        <p:spPr bwMode="auto">
+          <a:xfrm>
+            <a:off x="4700521" y="1162172"/>
+            <a:ext cx="4137604" cy="3704303"/>
+          </a:xfrm>
+          <a:prstGeom prst="rect">
+            <a:avLst/>
+          </a:prstGeom>
+          <a:noFill/>
+          <a:extLst>
+            <a:ext uri="{909E8E84-426E-40DD-AFC4-6F175D3DCCD1}">
+              <a14:hiddenFill xmlns:a14="http://schemas.microsoft.com/office/drawing/2010/main">
+                <a:solidFill>
+                  <a:srgbClr val="FFFFFF"/>
+                </a:solidFill>
+              </a14:hiddenFill>
+            </a:ext>
+          </a:extLst>
+        </p:spPr>
+      </p:pic>
     </p:spTree>
     <p:extLst>
       <p:ext uri="{BB962C8B-B14F-4D97-AF65-F5344CB8AC3E}">

--- a/Presentation/Final Project Presentation.pptx
+++ b/Presentation/Final Project Presentation.pptx
@@ -17314,6 +17314,51 @@
           <a:chExt cx="0" cy="0"/>
         </a:xfrm>
       </p:grpSpPr>
+      <p:pic>
+        <p:nvPicPr>
+          <p:cNvPr id="4" name="Picture 2">
+            <a:extLst>
+              <a:ext uri="{FF2B5EF4-FFF2-40B4-BE49-F238E27FC236}">
+                <a16:creationId xmlns:a16="http://schemas.microsoft.com/office/drawing/2014/main" id="{577E0B18-9366-4AE8-B314-146950823AF9}"/>
+              </a:ext>
+            </a:extLst>
+          </p:cNvPr>
+          <p:cNvPicPr>
+            <a:picLocks noChangeAspect="1" noChangeArrowheads="1"/>
+          </p:cNvPicPr>
+          <p:nvPr/>
+        </p:nvPicPr>
+        <p:blipFill rotWithShape="1">
+          <a:blip r:embed="rId2">
+            <a:extLst>
+              <a:ext uri="{28A0092B-C50C-407E-A947-70E740481C1C}">
+                <a14:useLocalDpi xmlns:a14="http://schemas.microsoft.com/office/drawing/2010/main" val="0"/>
+              </a:ext>
+            </a:extLst>
+          </a:blip>
+          <a:srcRect t="4867"/>
+          <a:stretch/>
+        </p:blipFill>
+        <p:spPr bwMode="auto">
+          <a:xfrm>
+            <a:off x="3840745" y="1543050"/>
+            <a:ext cx="4224652" cy="3598161"/>
+          </a:xfrm>
+          <a:prstGeom prst="rect">
+            <a:avLst/>
+          </a:prstGeom>
+          <a:noFill/>
+          <a:extLst>
+            <a:ext uri="{909E8E84-426E-40DD-AFC4-6F175D3DCCD1}">
+              <a14:hiddenFill xmlns:a14="http://schemas.microsoft.com/office/drawing/2010/main">
+                <a:solidFill>
+                  <a:srgbClr val="FFFFFF"/>
+                </a:solidFill>
+              </a14:hiddenFill>
+            </a:ext>
+          </a:extLst>
+        </p:spPr>
+      </p:pic>
       <p:sp>
         <p:nvSpPr>
           <p:cNvPr id="2" name="Title 1">
@@ -17353,269 +17398,373 @@
       </p:sp>
       <p:sp>
         <p:nvSpPr>
-          <p:cNvPr id="3" name="Text Placeholder 2">
+          <p:cNvPr id="8" name="TextBox 7">
             <a:extLst>
               <a:ext uri="{FF2B5EF4-FFF2-40B4-BE49-F238E27FC236}">
-                <a16:creationId xmlns:a16="http://schemas.microsoft.com/office/drawing/2014/main" id="{827E25CA-4FF6-4BF4-A398-2DA766940524}"/>
+                <a16:creationId xmlns:a16="http://schemas.microsoft.com/office/drawing/2014/main" id="{E4C71649-2B7D-4671-8A4A-1A0563A0B0A2}"/>
               </a:ext>
             </a:extLst>
           </p:cNvPr>
-          <p:cNvSpPr>
-            <a:spLocks noGrp="1"/>
-          </p:cNvSpPr>
-          <p:nvPr>
-            <p:ph type="body" idx="1"/>
-          </p:nvPr>
+          <p:cNvSpPr txBox="1"/>
+          <p:nvPr/>
         </p:nvSpPr>
         <p:spPr>
           <a:xfrm>
-            <a:off x="1303800" y="1597875"/>
-            <a:ext cx="3545470" cy="2933775"/>
+            <a:off x="-595311" y="1589608"/>
+            <a:ext cx="4572000" cy="307777"/>
           </a:xfrm>
+          <a:prstGeom prst="rect">
+            <a:avLst/>
+          </a:prstGeom>
+          <a:noFill/>
         </p:spPr>
         <p:txBody>
-          <a:bodyPr>
-            <a:normAutofit/>
+          <a:bodyPr wrap="square">
+            <a:spAutoFit/>
           </a:bodyPr>
           <a:lstStyle/>
           <a:p>
-            <a:pPr marL="146050" indent="0">
-              <a:buNone/>
-            </a:pPr>
-            <a:r>
-              <a:rPr lang="en-US" sz="1800" dirty="0"/>
-              <a:t>Top 10 Features</a:t>
-            </a:r>
-          </a:p>
-          <a:p>
-            <a:pPr marL="146050" indent="0">
-              <a:buNone/>
-            </a:pPr>
-            <a:r>
-              <a:rPr lang="en-US" dirty="0"/>
-              <a:t>52: </a:t>
-            </a:r>
+            <a:pPr algn="r"/>
             <a:r>
               <a:rPr lang="en-US" dirty="0" err="1"/>
-              <a:t>OverTime_Yes</a:t>
+              <a:t>NumCompaniesWorked</a:t>
             </a:r>
-            <a:endParaRPr lang="en-US" dirty="0"/>
-          </a:p>
-          <a:p>
-            <a:pPr marL="146050" indent="0">
-              <a:buNone/>
-            </a:pPr>
-            <a:r>
-              <a:rPr lang="en-US" dirty="0"/>
-              <a:t>13: </a:t>
-            </a:r>
-            <a:r>
-              <a:rPr lang="en-US" dirty="0" err="1"/>
-              <a:t>PerformanceRating</a:t>
-            </a:r>
-            <a:endParaRPr lang="en-US" dirty="0"/>
-          </a:p>
-          <a:p>
-            <a:pPr marL="146050" indent="0">
-              <a:buNone/>
-            </a:pPr>
-            <a:r>
-              <a:rPr lang="en-US" dirty="0"/>
-              <a:t>26: </a:t>
-            </a:r>
-            <a:r>
-              <a:rPr lang="en-US" dirty="0" err="1"/>
-              <a:t>BusinessTravel_Travel_Frequently</a:t>
-            </a:r>
-            <a:endParaRPr lang="en-US" dirty="0"/>
-          </a:p>
-          <a:p>
-            <a:pPr marL="146050" indent="0">
-              <a:buNone/>
-            </a:pPr>
-            <a:r>
-              <a:rPr lang="en-US" dirty="0"/>
-              <a:t>41: </a:t>
-            </a:r>
-            <a:r>
-              <a:rPr lang="en-US" dirty="0" err="1"/>
-              <a:t>JobRole_Laboratory</a:t>
-            </a:r>
-            <a:r>
-              <a:rPr lang="en-US" dirty="0"/>
-              <a:t> Technician</a:t>
-            </a:r>
-          </a:p>
-          <a:p>
-            <a:pPr marL="146050" indent="0">
-              <a:buNone/>
-            </a:pPr>
-            <a:r>
-              <a:rPr lang="en-US" dirty="0"/>
-              <a:t>50: </a:t>
-            </a:r>
-            <a:r>
-              <a:rPr lang="en-US" dirty="0" err="1"/>
-              <a:t>MaritalStatus_Single</a:t>
-            </a:r>
-            <a:endParaRPr lang="en-US" dirty="0"/>
-          </a:p>
-          <a:p>
-            <a:pPr marL="146050" indent="0">
-              <a:buNone/>
-            </a:pPr>
-            <a:r>
-              <a:rPr lang="en-US" dirty="0"/>
-              <a:t>36: </a:t>
-            </a:r>
-            <a:r>
-              <a:rPr lang="en-US" dirty="0" err="1"/>
-              <a:t>EducationField_Technical</a:t>
-            </a:r>
-            <a:r>
-              <a:rPr lang="en-US" dirty="0"/>
-              <a:t> Degree</a:t>
-            </a:r>
-          </a:p>
-          <a:p>
-            <a:pPr marL="146050" indent="0">
-              <a:buNone/>
-            </a:pPr>
-            <a:r>
-              <a:rPr lang="en-US" dirty="0"/>
-              <a:t>47: </a:t>
-            </a:r>
-            <a:r>
-              <a:rPr lang="en-US" dirty="0" err="1"/>
-              <a:t>JobRole_Sales</a:t>
-            </a:r>
-            <a:r>
-              <a:rPr lang="en-US" dirty="0"/>
-              <a:t> Representative</a:t>
-            </a:r>
-          </a:p>
-          <a:p>
-            <a:pPr marL="146050" indent="0">
-              <a:buNone/>
-            </a:pPr>
-            <a:r>
-              <a:rPr lang="en-US" dirty="0"/>
-              <a:t>38: </a:t>
-            </a:r>
-            <a:r>
-              <a:rPr lang="en-US" dirty="0" err="1"/>
-              <a:t>Gender_Male</a:t>
-            </a:r>
-            <a:endParaRPr lang="en-US" dirty="0"/>
-          </a:p>
-          <a:p>
-            <a:pPr marL="146050" indent="0">
-              <a:buNone/>
-            </a:pPr>
-            <a:r>
-              <a:rPr lang="en-US" dirty="0"/>
-              <a:t>30: </a:t>
-            </a:r>
-            <a:r>
-              <a:rPr lang="en-US" dirty="0" err="1"/>
-              <a:t>Department_Sales</a:t>
-            </a:r>
-            <a:endParaRPr lang="en-US" dirty="0"/>
-          </a:p>
-          <a:p>
-            <a:pPr marL="146050" indent="0">
-              <a:buNone/>
-            </a:pPr>
-            <a:r>
-              <a:rPr lang="en-US" dirty="0"/>
-              <a:t>33: </a:t>
-            </a:r>
-            <a:r>
-              <a:rPr lang="en-US" dirty="0" err="1"/>
-              <a:t>EducationField_Marketing</a:t>
-            </a:r>
-            <a:endParaRPr lang="en-US" dirty="0"/>
-          </a:p>
-          <a:p>
-            <a:pPr marL="146050" indent="0">
-              <a:buNone/>
-            </a:pPr>
             <a:endParaRPr lang="en-US" dirty="0"/>
           </a:p>
         </p:txBody>
       </p:sp>
       <p:sp>
         <p:nvSpPr>
-          <p:cNvPr id="6" name="Text Placeholder 5">
+          <p:cNvPr id="10" name="TextBox 9">
             <a:extLst>
               <a:ext uri="{FF2B5EF4-FFF2-40B4-BE49-F238E27FC236}">
-                <a16:creationId xmlns:a16="http://schemas.microsoft.com/office/drawing/2014/main" id="{D63DB17F-86CC-4067-9FBC-F5B3607B5C46}"/>
+                <a16:creationId xmlns:a16="http://schemas.microsoft.com/office/drawing/2014/main" id="{048A0B49-B633-4909-996A-C1F57911DFB8}"/>
               </a:ext>
             </a:extLst>
           </p:cNvPr>
-          <p:cNvSpPr>
-            <a:spLocks noGrp="1"/>
-          </p:cNvSpPr>
-          <p:nvPr>
-            <p:ph type="body" idx="2"/>
-          </p:nvPr>
+          <p:cNvSpPr txBox="1"/>
+          <p:nvPr/>
         </p:nvSpPr>
-        <p:spPr/>
-        <p:txBody>
-          <a:bodyPr/>
-          <a:lstStyle/>
-          <a:p>
-            <a:endParaRPr lang="en-US"/>
-          </a:p>
-        </p:txBody>
-      </p:sp>
-      <p:pic>
-        <p:nvPicPr>
-          <p:cNvPr id="1026" name="Picture 2">
-            <a:extLst>
-              <a:ext uri="{FF2B5EF4-FFF2-40B4-BE49-F238E27FC236}">
-                <a16:creationId xmlns:a16="http://schemas.microsoft.com/office/drawing/2014/main" id="{E1E6C38E-805E-4036-B5AA-D95AF03F669D}"/>
-              </a:ext>
-            </a:extLst>
-          </p:cNvPr>
-          <p:cNvPicPr>
-            <a:picLocks noChangeAspect="1" noChangeArrowheads="1"/>
-          </p:cNvPicPr>
-          <p:nvPr/>
-        </p:nvPicPr>
-        <p:blipFill>
-          <a:blip r:embed="rId2">
-            <a:extLst>
-              <a:ext uri="{28A0092B-C50C-407E-A947-70E740481C1C}">
-                <a14:useLocalDpi xmlns:a14="http://schemas.microsoft.com/office/drawing/2010/main" val="0"/>
-              </a:ext>
-            </a:extLst>
-          </a:blip>
-          <a:srcRect/>
-          <a:stretch>
-            <a:fillRect/>
-          </a:stretch>
-        </p:blipFill>
-        <p:spPr bwMode="auto">
+        <p:spPr>
           <a:xfrm>
-            <a:off x="4700521" y="1162172"/>
-            <a:ext cx="4137604" cy="3704303"/>
+            <a:off x="-595311" y="1914992"/>
+            <a:ext cx="4572000" cy="307777"/>
           </a:xfrm>
           <a:prstGeom prst="rect">
             <a:avLst/>
           </a:prstGeom>
           <a:noFill/>
-          <a:extLst>
-            <a:ext uri="{909E8E84-426E-40DD-AFC4-6F175D3DCCD1}">
-              <a14:hiddenFill xmlns:a14="http://schemas.microsoft.com/office/drawing/2010/main">
-                <a:solidFill>
-                  <a:srgbClr val="FFFFFF"/>
-                </a:solidFill>
-              </a14:hiddenFill>
-            </a:ext>
-          </a:extLst>
         </p:spPr>
-      </p:pic>
+        <p:txBody>
+          <a:bodyPr wrap="square">
+            <a:spAutoFit/>
+          </a:bodyPr>
+          <a:lstStyle/>
+          <a:p>
+            <a:pPr algn="r"/>
+            <a:r>
+              <a:rPr lang="en-US" dirty="0" err="1"/>
+              <a:t>PercentSalaryHike</a:t>
+            </a:r>
+            <a:endParaRPr lang="en-US" dirty="0"/>
+          </a:p>
+        </p:txBody>
+      </p:sp>
+      <p:sp>
+        <p:nvSpPr>
+          <p:cNvPr id="12" name="TextBox 11">
+            <a:extLst>
+              <a:ext uri="{FF2B5EF4-FFF2-40B4-BE49-F238E27FC236}">
+                <a16:creationId xmlns:a16="http://schemas.microsoft.com/office/drawing/2014/main" id="{03125472-A38E-4D7E-B356-6660D650A652}"/>
+              </a:ext>
+            </a:extLst>
+          </p:cNvPr>
+          <p:cNvSpPr txBox="1"/>
+          <p:nvPr/>
+        </p:nvSpPr>
+        <p:spPr>
+          <a:xfrm>
+            <a:off x="-595311" y="2240376"/>
+            <a:ext cx="4572000" cy="307777"/>
+          </a:xfrm>
+          <a:prstGeom prst="rect">
+            <a:avLst/>
+          </a:prstGeom>
+          <a:noFill/>
+        </p:spPr>
+        <p:txBody>
+          <a:bodyPr wrap="square">
+            <a:spAutoFit/>
+          </a:bodyPr>
+          <a:lstStyle/>
+          <a:p>
+            <a:pPr algn="r"/>
+            <a:r>
+              <a:rPr lang="en-US" dirty="0" err="1"/>
+              <a:t>DistanceFromHome</a:t>
+            </a:r>
+            <a:endParaRPr lang="en-US" dirty="0"/>
+          </a:p>
+        </p:txBody>
+      </p:sp>
+      <p:sp>
+        <p:nvSpPr>
+          <p:cNvPr id="14" name="TextBox 13">
+            <a:extLst>
+              <a:ext uri="{FF2B5EF4-FFF2-40B4-BE49-F238E27FC236}">
+                <a16:creationId xmlns:a16="http://schemas.microsoft.com/office/drawing/2014/main" id="{D1A0F82F-5A86-4C14-8707-638151C478FD}"/>
+              </a:ext>
+            </a:extLst>
+          </p:cNvPr>
+          <p:cNvSpPr txBox="1"/>
+          <p:nvPr/>
+        </p:nvSpPr>
+        <p:spPr>
+          <a:xfrm>
+            <a:off x="-595311" y="2565760"/>
+            <a:ext cx="4572000" cy="307777"/>
+          </a:xfrm>
+          <a:prstGeom prst="rect">
+            <a:avLst/>
+          </a:prstGeom>
+          <a:noFill/>
+        </p:spPr>
+        <p:txBody>
+          <a:bodyPr wrap="square">
+            <a:spAutoFit/>
+          </a:bodyPr>
+          <a:lstStyle/>
+          <a:p>
+            <a:pPr algn="r"/>
+            <a:r>
+              <a:rPr lang="en-US" dirty="0" err="1"/>
+              <a:t>MonthlyRate</a:t>
+            </a:r>
+            <a:endParaRPr lang="en-US" dirty="0"/>
+          </a:p>
+        </p:txBody>
+      </p:sp>
+      <p:sp>
+        <p:nvSpPr>
+          <p:cNvPr id="16" name="TextBox 15">
+            <a:extLst>
+              <a:ext uri="{FF2B5EF4-FFF2-40B4-BE49-F238E27FC236}">
+                <a16:creationId xmlns:a16="http://schemas.microsoft.com/office/drawing/2014/main" id="{F18200CC-DC6E-4D2D-A98F-6432E3C0A848}"/>
+              </a:ext>
+            </a:extLst>
+          </p:cNvPr>
+          <p:cNvSpPr txBox="1"/>
+          <p:nvPr/>
+        </p:nvSpPr>
+        <p:spPr>
+          <a:xfrm>
+            <a:off x="-595311" y="2891144"/>
+            <a:ext cx="4572000" cy="307777"/>
+          </a:xfrm>
+          <a:prstGeom prst="rect">
+            <a:avLst/>
+          </a:prstGeom>
+          <a:noFill/>
+        </p:spPr>
+        <p:txBody>
+          <a:bodyPr wrap="square">
+            <a:spAutoFit/>
+          </a:bodyPr>
+          <a:lstStyle/>
+          <a:p>
+            <a:pPr algn="r"/>
+            <a:r>
+              <a:rPr lang="en-US" dirty="0" err="1"/>
+              <a:t>HourlyRate</a:t>
+            </a:r>
+            <a:endParaRPr lang="en-US" dirty="0"/>
+          </a:p>
+        </p:txBody>
+      </p:sp>
+      <p:sp>
+        <p:nvSpPr>
+          <p:cNvPr id="18" name="TextBox 17">
+            <a:extLst>
+              <a:ext uri="{FF2B5EF4-FFF2-40B4-BE49-F238E27FC236}">
+                <a16:creationId xmlns:a16="http://schemas.microsoft.com/office/drawing/2014/main" id="{77A079BE-167F-4B15-8496-EFCE0A1821E0}"/>
+              </a:ext>
+            </a:extLst>
+          </p:cNvPr>
+          <p:cNvSpPr txBox="1"/>
+          <p:nvPr/>
+        </p:nvSpPr>
+        <p:spPr>
+          <a:xfrm>
+            <a:off x="-595311" y="3216528"/>
+            <a:ext cx="4572000" cy="307777"/>
+          </a:xfrm>
+          <a:prstGeom prst="rect">
+            <a:avLst/>
+          </a:prstGeom>
+          <a:noFill/>
+        </p:spPr>
+        <p:txBody>
+          <a:bodyPr wrap="square">
+            <a:spAutoFit/>
+          </a:bodyPr>
+          <a:lstStyle/>
+          <a:p>
+            <a:pPr algn="r"/>
+            <a:r>
+              <a:rPr lang="en-US" dirty="0" err="1"/>
+              <a:t>DailyRate</a:t>
+            </a:r>
+            <a:endParaRPr lang="en-US" dirty="0"/>
+          </a:p>
+        </p:txBody>
+      </p:sp>
+      <p:sp>
+        <p:nvSpPr>
+          <p:cNvPr id="20" name="TextBox 19">
+            <a:extLst>
+              <a:ext uri="{FF2B5EF4-FFF2-40B4-BE49-F238E27FC236}">
+                <a16:creationId xmlns:a16="http://schemas.microsoft.com/office/drawing/2014/main" id="{DD9CF0E2-DD1A-4204-9615-B806904D39D1}"/>
+              </a:ext>
+            </a:extLst>
+          </p:cNvPr>
+          <p:cNvSpPr txBox="1"/>
+          <p:nvPr/>
+        </p:nvSpPr>
+        <p:spPr>
+          <a:xfrm>
+            <a:off x="-595311" y="3541912"/>
+            <a:ext cx="4572000" cy="307777"/>
+          </a:xfrm>
+          <a:prstGeom prst="rect">
+            <a:avLst/>
+          </a:prstGeom>
+          <a:noFill/>
+        </p:spPr>
+        <p:txBody>
+          <a:bodyPr wrap="square">
+            <a:spAutoFit/>
+          </a:bodyPr>
+          <a:lstStyle/>
+          <a:p>
+            <a:pPr algn="r"/>
+            <a:r>
+              <a:rPr lang="en-US" dirty="0" err="1"/>
+              <a:t>TotalWorkingYears</a:t>
+            </a:r>
+            <a:endParaRPr lang="en-US" dirty="0"/>
+          </a:p>
+        </p:txBody>
+      </p:sp>
+      <p:sp>
+        <p:nvSpPr>
+          <p:cNvPr id="22" name="TextBox 21">
+            <a:extLst>
+              <a:ext uri="{FF2B5EF4-FFF2-40B4-BE49-F238E27FC236}">
+                <a16:creationId xmlns:a16="http://schemas.microsoft.com/office/drawing/2014/main" id="{BAE3456C-A8C5-48A8-9A41-C2CC5EE845B7}"/>
+              </a:ext>
+            </a:extLst>
+          </p:cNvPr>
+          <p:cNvSpPr txBox="1"/>
+          <p:nvPr/>
+        </p:nvSpPr>
+        <p:spPr>
+          <a:xfrm>
+            <a:off x="-595311" y="3867296"/>
+            <a:ext cx="4572000" cy="307777"/>
+          </a:xfrm>
+          <a:prstGeom prst="rect">
+            <a:avLst/>
+          </a:prstGeom>
+          <a:noFill/>
+        </p:spPr>
+        <p:txBody>
+          <a:bodyPr wrap="square">
+            <a:spAutoFit/>
+          </a:bodyPr>
+          <a:lstStyle/>
+          <a:p>
+            <a:pPr algn="r"/>
+            <a:r>
+              <a:rPr lang="en-US" dirty="0" err="1"/>
+              <a:t>YearsAtCompany</a:t>
+            </a:r>
+            <a:endParaRPr lang="en-US" dirty="0"/>
+          </a:p>
+        </p:txBody>
+      </p:sp>
+      <p:sp>
+        <p:nvSpPr>
+          <p:cNvPr id="24" name="TextBox 23">
+            <a:extLst>
+              <a:ext uri="{FF2B5EF4-FFF2-40B4-BE49-F238E27FC236}">
+                <a16:creationId xmlns:a16="http://schemas.microsoft.com/office/drawing/2014/main" id="{63FFFD61-7A3A-41E4-9422-6629DD265965}"/>
+              </a:ext>
+            </a:extLst>
+          </p:cNvPr>
+          <p:cNvSpPr txBox="1"/>
+          <p:nvPr/>
+        </p:nvSpPr>
+        <p:spPr>
+          <a:xfrm>
+            <a:off x="-595311" y="4192680"/>
+            <a:ext cx="4572000" cy="307777"/>
+          </a:xfrm>
+          <a:prstGeom prst="rect">
+            <a:avLst/>
+          </a:prstGeom>
+          <a:noFill/>
+        </p:spPr>
+        <p:txBody>
+          <a:bodyPr wrap="square">
+            <a:spAutoFit/>
+          </a:bodyPr>
+          <a:lstStyle/>
+          <a:p>
+            <a:pPr algn="r"/>
+            <a:r>
+              <a:rPr lang="en-US" dirty="0"/>
+              <a:t>Age</a:t>
+            </a:r>
+          </a:p>
+        </p:txBody>
+      </p:sp>
+      <p:sp>
+        <p:nvSpPr>
+          <p:cNvPr id="28" name="TextBox 27">
+            <a:extLst>
+              <a:ext uri="{FF2B5EF4-FFF2-40B4-BE49-F238E27FC236}">
+                <a16:creationId xmlns:a16="http://schemas.microsoft.com/office/drawing/2014/main" id="{8453C82D-7321-4ECB-A8F9-7A99665E65D4}"/>
+              </a:ext>
+            </a:extLst>
+          </p:cNvPr>
+          <p:cNvSpPr txBox="1"/>
+          <p:nvPr/>
+        </p:nvSpPr>
+        <p:spPr>
+          <a:xfrm>
+            <a:off x="-595311" y="4518062"/>
+            <a:ext cx="4572000" cy="307777"/>
+          </a:xfrm>
+          <a:prstGeom prst="rect">
+            <a:avLst/>
+          </a:prstGeom>
+          <a:noFill/>
+        </p:spPr>
+        <p:txBody>
+          <a:bodyPr wrap="square">
+            <a:spAutoFit/>
+          </a:bodyPr>
+          <a:lstStyle/>
+          <a:p>
+            <a:pPr algn="r"/>
+            <a:r>
+              <a:rPr lang="en-US" dirty="0" err="1"/>
+              <a:t>MonthlyIncome</a:t>
+            </a:r>
+            <a:endParaRPr lang="en-US" dirty="0"/>
+          </a:p>
+        </p:txBody>
+      </p:sp>
     </p:spTree>
     <p:extLst>
       <p:ext uri="{BB962C8B-B14F-4D97-AF65-F5344CB8AC3E}">

--- a/Presentation/Final Project Presentation.pptx
+++ b/Presentation/Final Project Presentation.pptx
@@ -16717,7 +16717,7 @@
           <p:nvPr>
             <p:extLst>
               <p:ext uri="{D42A27DB-BD31-4B8C-83A1-F6EECF244321}">
-                <p14:modId xmlns:p14="http://schemas.microsoft.com/office/powerpoint/2010/main" val="2977263132"/>
+                <p14:modId xmlns:p14="http://schemas.microsoft.com/office/powerpoint/2010/main" val="4231869132"/>
               </p:ext>
             </p:extLst>
           </p:nvPr>
@@ -16887,7 +16887,7 @@
                             <a:schemeClr val="bg2"/>
                           </a:solidFill>
                         </a:rPr>
-                        <a:t>90.816%</a:t>
+                        <a:t>89.796%</a:t>
                       </a:r>
                       <a:endParaRPr lang="en-US" sz="1400" dirty="0">
                         <a:solidFill>
@@ -16985,7 +16985,7 @@
                             <a:schemeClr val="bg2"/>
                           </a:solidFill>
                         </a:rPr>
-                        <a:t>87.075%</a:t>
+                        <a:t>86.735%</a:t>
                       </a:r>
                       <a:endParaRPr lang="en-US" sz="1400" dirty="0">
                         <a:solidFill>
@@ -17077,7 +17077,7 @@
                             <a:schemeClr val="bg2"/>
                           </a:solidFill>
                         </a:rPr>
-                        <a:t>85.714%</a:t>
+                        <a:t>89.116%</a:t>
                       </a:r>
                       <a:endParaRPr lang="en-US" sz="1400" dirty="0">
                         <a:solidFill>
@@ -17267,7 +17267,7 @@
                             <a:schemeClr val="bg2"/>
                           </a:solidFill>
                         </a:rPr>
-                        <a:t>70.408%</a:t>
+                        <a:t>62.585%</a:t>
                       </a:r>
                       <a:endParaRPr lang="en-US" sz="1400" dirty="0">
                         <a:solidFill>

--- a/Presentation/Final Project Presentation.pptx
+++ b/Presentation/Final Project Presentation.pptx
@@ -5,39 +5,40 @@
     <p:sldMasterId id="2147483659" r:id="rId1"/>
   </p:sldMasterIdLst>
   <p:notesMasterIdLst>
-    <p:notesMasterId r:id="rId17"/>
+    <p:notesMasterId r:id="rId18"/>
   </p:notesMasterIdLst>
   <p:sldIdLst>
     <p:sldId id="256" r:id="rId2"/>
     <p:sldId id="257" r:id="rId3"/>
     <p:sldId id="258" r:id="rId4"/>
     <p:sldId id="272" r:id="rId5"/>
-    <p:sldId id="259" r:id="rId6"/>
-    <p:sldId id="265" r:id="rId7"/>
-    <p:sldId id="267" r:id="rId8"/>
-    <p:sldId id="268" r:id="rId9"/>
-    <p:sldId id="271" r:id="rId10"/>
-    <p:sldId id="269" r:id="rId11"/>
-    <p:sldId id="260" r:id="rId12"/>
-    <p:sldId id="261" r:id="rId13"/>
-    <p:sldId id="273" r:id="rId14"/>
-    <p:sldId id="263" r:id="rId15"/>
-    <p:sldId id="264" r:id="rId16"/>
+    <p:sldId id="265" r:id="rId6"/>
+    <p:sldId id="267" r:id="rId7"/>
+    <p:sldId id="268" r:id="rId8"/>
+    <p:sldId id="271" r:id="rId9"/>
+    <p:sldId id="269" r:id="rId10"/>
+    <p:sldId id="260" r:id="rId11"/>
+    <p:sldId id="261" r:id="rId12"/>
+    <p:sldId id="273" r:id="rId13"/>
+    <p:sldId id="274" r:id="rId14"/>
+    <p:sldId id="275" r:id="rId15"/>
+    <p:sldId id="263" r:id="rId16"/>
+    <p:sldId id="264" r:id="rId17"/>
   </p:sldIdLst>
   <p:sldSz cx="9144000" cy="5143500" type="screen16x9"/>
   <p:notesSz cx="6858000" cy="9144000"/>
   <p:embeddedFontLst>
     <p:embeddedFont>
       <p:font typeface="Maven Pro" panose="020B0604020202020204" charset="0"/>
-      <p:regular r:id="rId18"/>
-      <p:bold r:id="rId19"/>
+      <p:regular r:id="rId19"/>
+      <p:bold r:id="rId20"/>
     </p:embeddedFont>
     <p:embeddedFont>
       <p:font typeface="Nunito" pitchFamily="2" charset="0"/>
-      <p:regular r:id="rId20"/>
-      <p:bold r:id="rId21"/>
-      <p:italic r:id="rId22"/>
-      <p:boldItalic r:id="rId23"/>
+      <p:regular r:id="rId21"/>
+      <p:bold r:id="rId22"/>
+      <p:italic r:id="rId23"/>
+      <p:boldItalic r:id="rId24"/>
     </p:embeddedFont>
   </p:embeddedFontLst>
   <p:defaultTextStyle>
@@ -838,422 +839,6 @@
   <p:cSld>
     <p:spTree>
       <p:nvGrpSpPr>
-        <p:cNvPr id="1" name="Shape 303"/>
-        <p:cNvGrpSpPr/>
-        <p:nvPr/>
-      </p:nvGrpSpPr>
-      <p:grpSpPr>
-        <a:xfrm>
-          <a:off x="0" y="0"/>
-          <a:ext cx="0" cy="0"/>
-          <a:chOff x="0" y="0"/>
-          <a:chExt cx="0" cy="0"/>
-        </a:xfrm>
-      </p:grpSpPr>
-      <p:sp>
-        <p:nvSpPr>
-          <p:cNvPr id="304" name="Google Shape;304;g12a981a8416_0_334:notes"/>
-          <p:cNvSpPr>
-            <a:spLocks noGrp="1" noRot="1" noChangeAspect="1"/>
-          </p:cNvSpPr>
-          <p:nvPr>
-            <p:ph type="sldImg" idx="2"/>
-          </p:nvPr>
-        </p:nvSpPr>
-        <p:spPr>
-          <a:xfrm>
-            <a:off x="381000" y="685800"/>
-            <a:ext cx="6096000" cy="3429000"/>
-          </a:xfrm>
-          <a:custGeom>
-            <a:avLst/>
-            <a:gdLst/>
-            <a:ahLst/>
-            <a:cxnLst/>
-            <a:rect l="l" t="t" r="r" b="b"/>
-            <a:pathLst>
-              <a:path w="120000" h="120000" extrusionOk="0">
-                <a:moveTo>
-                  <a:pt x="0" y="0"/>
-                </a:moveTo>
-                <a:lnTo>
-                  <a:pt x="120000" y="0"/>
-                </a:lnTo>
-                <a:lnTo>
-                  <a:pt x="120000" y="120000"/>
-                </a:lnTo>
-                <a:lnTo>
-                  <a:pt x="0" y="120000"/>
-                </a:lnTo>
-                <a:close/>
-              </a:path>
-            </a:pathLst>
-          </a:custGeom>
-        </p:spPr>
-      </p:sp>
-      <p:sp>
-        <p:nvSpPr>
-          <p:cNvPr id="305" name="Google Shape;305;g12a981a8416_0_334:notes"/>
-          <p:cNvSpPr txBox="1">
-            <a:spLocks noGrp="1"/>
-          </p:cNvSpPr>
-          <p:nvPr>
-            <p:ph type="body" idx="1"/>
-          </p:nvPr>
-        </p:nvSpPr>
-        <p:spPr>
-          <a:xfrm>
-            <a:off x="685800" y="4343400"/>
-            <a:ext cx="5486400" cy="4114800"/>
-          </a:xfrm>
-          <a:prstGeom prst="rect">
-            <a:avLst/>
-          </a:prstGeom>
-        </p:spPr>
-        <p:txBody>
-          <a:bodyPr spcFirstLastPara="1" wrap="square" lIns="91425" tIns="91425" rIns="91425" bIns="91425" anchor="t" anchorCtr="0">
-            <a:noAutofit/>
-          </a:bodyPr>
-          <a:lstStyle/>
-          <a:p>
-            <a:pPr marR="0" algn="l" rtl="0" fontAlgn="t">
-              <a:spcBef>
-                <a:spcPts val="0"/>
-              </a:spcBef>
-              <a:spcAft>
-                <a:spcPts val="0"/>
-              </a:spcAft>
-            </a:pPr>
-            <a:r>
-              <a:rPr lang="en-US" sz="1800" b="1" i="0" u="none" strike="noStrike" dirty="0">
-                <a:solidFill>
-                  <a:srgbClr val="FFFFFF"/>
-                </a:solidFill>
-                <a:effectLst/>
-                <a:latin typeface="Arial" panose="020B0604020202020204" pitchFamily="34" charset="0"/>
-              </a:rPr>
-              <a:t>Model</a:t>
-            </a:r>
-            <a:endParaRPr lang="en-US" sz="1800" b="0" i="0" u="none" strike="noStrike" dirty="0">
-              <a:effectLst/>
-              <a:latin typeface="Arial" panose="020B0604020202020204" pitchFamily="34" charset="0"/>
-            </a:endParaRPr>
-          </a:p>
-          <a:p>
-            <a:pPr marR="0" algn="l" rtl="0" fontAlgn="t">
-              <a:spcBef>
-                <a:spcPts val="0"/>
-              </a:spcBef>
-              <a:spcAft>
-                <a:spcPts val="0"/>
-              </a:spcAft>
-            </a:pPr>
-            <a:r>
-              <a:rPr lang="en-US" sz="1800" b="1" i="0" u="none" strike="noStrike" dirty="0">
-                <a:solidFill>
-                  <a:srgbClr val="FFFFFF"/>
-                </a:solidFill>
-                <a:effectLst/>
-                <a:latin typeface="Arial" panose="020B0604020202020204" pitchFamily="34" charset="0"/>
-              </a:rPr>
-              <a:t>Accuracy Score</a:t>
-            </a:r>
-            <a:endParaRPr lang="en-US" sz="1800" b="0" i="0" u="none" strike="noStrike" dirty="0">
-              <a:effectLst/>
-              <a:latin typeface="Arial" panose="020B0604020202020204" pitchFamily="34" charset="0"/>
-            </a:endParaRPr>
-          </a:p>
-          <a:p>
-            <a:pPr marR="0" algn="l" rtl="0" fontAlgn="t">
-              <a:spcBef>
-                <a:spcPts val="0"/>
-              </a:spcBef>
-              <a:spcAft>
-                <a:spcPts val="0"/>
-              </a:spcAft>
-            </a:pPr>
-            <a:r>
-              <a:rPr lang="en-US" sz="1800" b="0" i="0" u="none" strike="noStrike" dirty="0">
-                <a:solidFill>
-                  <a:srgbClr val="424242"/>
-                </a:solidFill>
-                <a:effectLst/>
-                <a:latin typeface="Arial" panose="020B0604020202020204" pitchFamily="34" charset="0"/>
-              </a:rPr>
-              <a:t>Logistic Regression</a:t>
-            </a:r>
-            <a:endParaRPr lang="en-US" sz="1800" b="0" i="0" u="none" strike="noStrike" dirty="0">
-              <a:effectLst/>
-              <a:latin typeface="Arial" panose="020B0604020202020204" pitchFamily="34" charset="0"/>
-            </a:endParaRPr>
-          </a:p>
-          <a:p>
-            <a:pPr marL="0" marR="0" indent="0" algn="l" rtl="0" eaLnBrk="1" fontAlgn="auto" latinLnBrk="0" hangingPunct="1">
-              <a:spcBef>
-                <a:spcPts val="0"/>
-              </a:spcBef>
-              <a:spcAft>
-                <a:spcPts val="0"/>
-              </a:spcAft>
-            </a:pPr>
-            <a:r>
-              <a:rPr lang="en-US" sz="1800" b="0" i="0" u="none" strike="noStrike" dirty="0">
-                <a:solidFill>
-                  <a:srgbClr val="424242"/>
-                </a:solidFill>
-                <a:effectLst/>
-                <a:latin typeface="Arial" panose="020B0604020202020204" pitchFamily="34" charset="0"/>
-              </a:rPr>
-              <a:t>87.228%</a:t>
-            </a:r>
-            <a:endParaRPr lang="en-US" sz="1800" b="0" i="0" u="none" strike="noStrike" dirty="0">
-              <a:effectLst/>
-              <a:latin typeface="Arial" panose="020B0604020202020204" pitchFamily="34" charset="0"/>
-            </a:endParaRPr>
-          </a:p>
-          <a:p>
-            <a:pPr marL="0" marR="0" indent="0" algn="l" rtl="0" eaLnBrk="1" fontAlgn="auto" latinLnBrk="0" hangingPunct="1">
-              <a:lnSpc>
-                <a:spcPct val="115000"/>
-              </a:lnSpc>
-              <a:spcBef>
-                <a:spcPts val="0"/>
-              </a:spcBef>
-              <a:spcAft>
-                <a:spcPts val="1200"/>
-              </a:spcAft>
-            </a:pPr>
-            <a:r>
-              <a:rPr lang="en-US" sz="1800" b="0" i="0" u="none" strike="noStrike" spc="0" baseline="0" dirty="0">
-                <a:ln>
-                  <a:noFill/>
-                </a:ln>
-                <a:solidFill>
-                  <a:srgbClr val="424242"/>
-                </a:solidFill>
-                <a:effectLst/>
-                <a:latin typeface="Arial" panose="020B0604020202020204" pitchFamily="34" charset="0"/>
-              </a:rPr>
-              <a:t>Random Forest Classifier</a:t>
-            </a:r>
-            <a:endParaRPr lang="en-US" sz="1800" b="0" i="0" u="none" strike="noStrike" dirty="0">
-              <a:effectLst/>
-              <a:latin typeface="Arial" panose="020B0604020202020204" pitchFamily="34" charset="0"/>
-            </a:endParaRPr>
-          </a:p>
-          <a:p>
-            <a:pPr marR="0" algn="l" rtl="0" fontAlgn="t">
-              <a:spcBef>
-                <a:spcPts val="0"/>
-              </a:spcBef>
-              <a:spcAft>
-                <a:spcPts val="0"/>
-              </a:spcAft>
-            </a:pPr>
-            <a:r>
-              <a:rPr lang="en-US" sz="1800" b="0" i="0" u="none" strike="noStrike" dirty="0">
-                <a:solidFill>
-                  <a:srgbClr val="424242"/>
-                </a:solidFill>
-                <a:effectLst/>
-                <a:latin typeface="Arial" panose="020B0604020202020204" pitchFamily="34" charset="0"/>
-              </a:rPr>
-              <a:t>87.772%</a:t>
-            </a:r>
-            <a:endParaRPr lang="en-US" sz="1800" b="0" i="0" u="none" strike="noStrike" dirty="0">
-              <a:effectLst/>
-              <a:latin typeface="Arial" panose="020B0604020202020204" pitchFamily="34" charset="0"/>
-            </a:endParaRPr>
-          </a:p>
-          <a:p>
-            <a:pPr marL="0" marR="0" indent="0" algn="l" rtl="0" eaLnBrk="1" fontAlgn="auto" latinLnBrk="0" hangingPunct="1">
-              <a:lnSpc>
-                <a:spcPct val="115000"/>
-              </a:lnSpc>
-              <a:spcBef>
-                <a:spcPts val="0"/>
-              </a:spcBef>
-              <a:spcAft>
-                <a:spcPts val="1200"/>
-              </a:spcAft>
-            </a:pPr>
-            <a:r>
-              <a:rPr lang="en-US" sz="1800" b="0" i="0" u="none" strike="noStrike" spc="0" baseline="0" dirty="0">
-                <a:ln>
-                  <a:noFill/>
-                </a:ln>
-                <a:solidFill>
-                  <a:srgbClr val="424242"/>
-                </a:solidFill>
-                <a:effectLst/>
-                <a:latin typeface="Arial" panose="020B0604020202020204" pitchFamily="34" charset="0"/>
-              </a:rPr>
-              <a:t>Support Vector Machine</a:t>
-            </a:r>
-            <a:endParaRPr lang="en-US" sz="1800" b="0" i="0" u="none" strike="noStrike" dirty="0">
-              <a:effectLst/>
-              <a:latin typeface="Arial" panose="020B0604020202020204" pitchFamily="34" charset="0"/>
-            </a:endParaRPr>
-          </a:p>
-          <a:p>
-            <a:pPr marR="0" algn="l" rtl="0" fontAlgn="t">
-              <a:spcBef>
-                <a:spcPts val="0"/>
-              </a:spcBef>
-              <a:spcAft>
-                <a:spcPts val="0"/>
-              </a:spcAft>
-            </a:pPr>
-            <a:r>
-              <a:rPr lang="en-US" sz="1800" b="0" i="0" u="none" strike="noStrike" dirty="0">
-                <a:solidFill>
-                  <a:srgbClr val="424242"/>
-                </a:solidFill>
-                <a:effectLst/>
-                <a:latin typeface="Arial" panose="020B0604020202020204" pitchFamily="34" charset="0"/>
-              </a:rPr>
-              <a:t>87.228%</a:t>
-            </a:r>
-            <a:endParaRPr lang="en-US" sz="1800" b="0" i="0" u="none" strike="noStrike" dirty="0">
-              <a:effectLst/>
-              <a:latin typeface="Arial" panose="020B0604020202020204" pitchFamily="34" charset="0"/>
-            </a:endParaRPr>
-          </a:p>
-          <a:p>
-            <a:pPr marL="0" marR="0" indent="0" algn="l" rtl="0" eaLnBrk="1" fontAlgn="auto" latinLnBrk="0" hangingPunct="1">
-              <a:lnSpc>
-                <a:spcPct val="115000"/>
-              </a:lnSpc>
-              <a:spcBef>
-                <a:spcPts val="0"/>
-              </a:spcBef>
-              <a:spcAft>
-                <a:spcPts val="1200"/>
-              </a:spcAft>
-            </a:pPr>
-            <a:r>
-              <a:rPr lang="en-US" sz="1800" b="0" i="0" u="none" strike="noStrike" spc="0" baseline="0" dirty="0">
-                <a:ln>
-                  <a:noFill/>
-                </a:ln>
-                <a:solidFill>
-                  <a:srgbClr val="424242"/>
-                </a:solidFill>
-                <a:effectLst/>
-                <a:latin typeface="Arial" panose="020B0604020202020204" pitchFamily="34" charset="0"/>
-              </a:rPr>
-              <a:t>XG Boost</a:t>
-            </a:r>
-            <a:endParaRPr lang="en-US" sz="1800" b="0" i="0" u="none" strike="noStrike" dirty="0">
-              <a:effectLst/>
-              <a:latin typeface="Arial" panose="020B0604020202020204" pitchFamily="34" charset="0"/>
-            </a:endParaRPr>
-          </a:p>
-          <a:p>
-            <a:pPr marR="0" algn="l" rtl="0" fontAlgn="t">
-              <a:spcBef>
-                <a:spcPts val="0"/>
-              </a:spcBef>
-              <a:spcAft>
-                <a:spcPts val="0"/>
-              </a:spcAft>
-            </a:pPr>
-            <a:r>
-              <a:rPr lang="en-US" sz="1800" b="0" i="0" u="none" strike="noStrike" dirty="0">
-                <a:solidFill>
-                  <a:srgbClr val="424242"/>
-                </a:solidFill>
-                <a:effectLst/>
-                <a:latin typeface="Arial" panose="020B0604020202020204" pitchFamily="34" charset="0"/>
-              </a:rPr>
-              <a:t>88.315%</a:t>
-            </a:r>
-            <a:endParaRPr lang="en-US" sz="1800" b="0" i="0" u="none" strike="noStrike" dirty="0">
-              <a:effectLst/>
-              <a:latin typeface="Arial" panose="020B0604020202020204" pitchFamily="34" charset="0"/>
-            </a:endParaRPr>
-          </a:p>
-          <a:p>
-            <a:pPr marL="0" marR="0" indent="0" algn="l" rtl="0" eaLnBrk="1" fontAlgn="auto" latinLnBrk="0" hangingPunct="1">
-              <a:lnSpc>
-                <a:spcPct val="115000"/>
-              </a:lnSpc>
-              <a:spcBef>
-                <a:spcPts val="0"/>
-              </a:spcBef>
-              <a:spcAft>
-                <a:spcPts val="1200"/>
-              </a:spcAft>
-            </a:pPr>
-            <a:r>
-              <a:rPr lang="en-US" sz="1800" b="0" i="0" u="none" strike="noStrike" spc="0" baseline="0" dirty="0">
-                <a:ln>
-                  <a:noFill/>
-                </a:ln>
-                <a:solidFill>
-                  <a:srgbClr val="424242"/>
-                </a:solidFill>
-                <a:effectLst/>
-                <a:latin typeface="Arial" panose="020B0604020202020204" pitchFamily="34" charset="0"/>
-              </a:rPr>
-              <a:t>Naïve Bayes</a:t>
-            </a:r>
-            <a:endParaRPr lang="en-US" sz="1800" b="0" i="0" u="none" strike="noStrike" dirty="0">
-              <a:effectLst/>
-              <a:latin typeface="Arial" panose="020B0604020202020204" pitchFamily="34" charset="0"/>
-            </a:endParaRPr>
-          </a:p>
-          <a:p>
-            <a:pPr marR="0" algn="l" rtl="0" fontAlgn="t">
-              <a:spcBef>
-                <a:spcPts val="0"/>
-              </a:spcBef>
-              <a:spcAft>
-                <a:spcPts val="0"/>
-              </a:spcAft>
-            </a:pPr>
-            <a:r>
-              <a:rPr lang="en-US" sz="1800" b="0" i="0" u="none" strike="noStrike" dirty="0">
-                <a:solidFill>
-                  <a:srgbClr val="424242"/>
-                </a:solidFill>
-                <a:effectLst/>
-                <a:latin typeface="Arial" panose="020B0604020202020204" pitchFamily="34" charset="0"/>
-              </a:rPr>
-              <a:t>71.467%</a:t>
-            </a:r>
-            <a:endParaRPr lang="en-US" sz="1800" b="0" i="0" u="none" strike="noStrike" dirty="0">
-              <a:effectLst/>
-              <a:latin typeface="Arial" panose="020B0604020202020204" pitchFamily="34" charset="0"/>
-            </a:endParaRPr>
-          </a:p>
-          <a:p>
-            <a:pPr marL="0" lvl="0" indent="0" algn="l" rtl="0">
-              <a:spcBef>
-                <a:spcPts val="0"/>
-              </a:spcBef>
-              <a:spcAft>
-                <a:spcPts val="0"/>
-              </a:spcAft>
-              <a:buNone/>
-            </a:pPr>
-            <a:endParaRPr dirty="0"/>
-          </a:p>
-        </p:txBody>
-      </p:sp>
-    </p:spTree>
-  </p:cSld>
-  <p:clrMapOvr>
-    <a:masterClrMapping/>
-  </p:clrMapOvr>
-</p:notes>
-</file>
-
-<file path=ppt/notesSlides/notesSlide11.xml><?xml version="1.0" encoding="utf-8"?>
-<p:notes xmlns:a="http://schemas.openxmlformats.org/drawingml/2006/main" xmlns:r="http://schemas.openxmlformats.org/officeDocument/2006/relationships" xmlns:p="http://schemas.openxmlformats.org/presentationml/2006/main" showMasterSp="0" showMasterPhAnim="0">
-  <p:cSld>
-    <p:spTree>
-      <p:nvGrpSpPr>
         <p:cNvPr id="1" name="Shape 315"/>
         <p:cNvGrpSpPr/>
         <p:nvPr/>
@@ -1353,7 +938,7 @@
 </p:notes>
 </file>
 
-<file path=ppt/notesSlides/notesSlide12.xml><?xml version="1.0" encoding="utf-8"?>
+<file path=ppt/notesSlides/notesSlide11.xml><?xml version="1.0" encoding="utf-8"?>
 <p:notes xmlns:a="http://schemas.openxmlformats.org/drawingml/2006/main" xmlns:r="http://schemas.openxmlformats.org/officeDocument/2006/relationships" xmlns:p="http://schemas.openxmlformats.org/presentationml/2006/main" showMasterSp="0" showMasterPhAnim="0">
   <p:cSld>
     <p:spTree>
@@ -1762,6 +1347,11 @@
         </p:txBody>
       </p:sp>
     </p:spTree>
+    <p:extLst>
+      <p:ext uri="{BB962C8B-B14F-4D97-AF65-F5344CB8AC3E}">
+        <p14:creationId xmlns:p14="http://schemas.microsoft.com/office/powerpoint/2010/main" val="162903394"/>
+      </p:ext>
+    </p:extLst>
   </p:cSld>
   <p:clrMapOvr>
     <a:masterClrMapping/>
@@ -1868,7 +1458,7 @@
     </p:spTree>
     <p:extLst>
       <p:ext uri="{BB962C8B-B14F-4D97-AF65-F5344CB8AC3E}">
-        <p14:creationId xmlns:p14="http://schemas.microsoft.com/office/powerpoint/2010/main" val="162903394"/>
+        <p14:creationId xmlns:p14="http://schemas.microsoft.com/office/powerpoint/2010/main" val="2219406720"/>
       </p:ext>
     </p:extLst>
   </p:cSld>
@@ -1977,7 +1567,7 @@
     </p:spTree>
     <p:extLst>
       <p:ext uri="{BB962C8B-B14F-4D97-AF65-F5344CB8AC3E}">
-        <p14:creationId xmlns:p14="http://schemas.microsoft.com/office/powerpoint/2010/main" val="2219406720"/>
+        <p14:creationId xmlns:p14="http://schemas.microsoft.com/office/powerpoint/2010/main" val="2870374241"/>
       </p:ext>
     </p:extLst>
   </p:cSld>
@@ -1992,7 +1582,7 @@
   <p:cSld>
     <p:spTree>
       <p:nvGrpSpPr>
-        <p:cNvPr id="1" name="Shape 291"/>
+        <p:cNvPr id="1" name="Shape 297"/>
         <p:cNvGrpSpPr/>
         <p:nvPr/>
       </p:nvGrpSpPr>
@@ -2006,7 +1596,7 @@
       </p:grpSpPr>
       <p:sp>
         <p:nvSpPr>
-          <p:cNvPr id="292" name="Google Shape;292;g12a981a8416_0_324:notes"/>
+          <p:cNvPr id="298" name="Google Shape;298;g12a981a8416_0_329:notes"/>
           <p:cNvSpPr>
             <a:spLocks noGrp="1" noRot="1" noChangeAspect="1"/>
           </p:cNvSpPr>
@@ -2047,7 +1637,7 @@
       </p:sp>
       <p:sp>
         <p:nvSpPr>
-          <p:cNvPr id="293" name="Google Shape;293;g12a981a8416_0_324:notes"/>
+          <p:cNvPr id="299" name="Google Shape;299;g12a981a8416_0_329:notes"/>
           <p:cNvSpPr txBox="1">
             <a:spLocks noGrp="1"/>
           </p:cNvSpPr>
@@ -2086,7 +1676,7 @@
     </p:spTree>
     <p:extLst>
       <p:ext uri="{BB962C8B-B14F-4D97-AF65-F5344CB8AC3E}">
-        <p14:creationId xmlns:p14="http://schemas.microsoft.com/office/powerpoint/2010/main" val="2870374241"/>
+        <p14:creationId xmlns:p14="http://schemas.microsoft.com/office/powerpoint/2010/main" val="1775244555"/>
       </p:ext>
     </p:extLst>
   </p:cSld>
@@ -2193,11 +1783,6 @@
         </p:txBody>
       </p:sp>
     </p:spTree>
-    <p:extLst>
-      <p:ext uri="{BB962C8B-B14F-4D97-AF65-F5344CB8AC3E}">
-        <p14:creationId xmlns:p14="http://schemas.microsoft.com/office/powerpoint/2010/main" val="1775244555"/>
-      </p:ext>
-    </p:extLst>
   </p:cSld>
   <p:clrMapOvr>
     <a:masterClrMapping/>
@@ -2210,7 +1795,7 @@
   <p:cSld>
     <p:spTree>
       <p:nvGrpSpPr>
-        <p:cNvPr id="1" name="Shape 297"/>
+        <p:cNvPr id="1" name="Shape 303"/>
         <p:cNvGrpSpPr/>
         <p:nvPr/>
       </p:nvGrpSpPr>
@@ -2224,7 +1809,7 @@
       </p:grpSpPr>
       <p:sp>
         <p:nvSpPr>
-          <p:cNvPr id="298" name="Google Shape;298;g12a981a8416_0_329:notes"/>
+          <p:cNvPr id="304" name="Google Shape;304;g12a981a8416_0_334:notes"/>
           <p:cNvSpPr>
             <a:spLocks noGrp="1" noRot="1" noChangeAspect="1"/>
           </p:cNvSpPr>
@@ -2265,7 +1850,7 @@
       </p:sp>
       <p:sp>
         <p:nvSpPr>
-          <p:cNvPr id="299" name="Google Shape;299;g12a981a8416_0_329:notes"/>
+          <p:cNvPr id="305" name="Google Shape;305;g12a981a8416_0_334:notes"/>
           <p:cNvSpPr txBox="1">
             <a:spLocks noGrp="1"/>
           </p:cNvSpPr>
@@ -2288,6 +1873,318 @@
           </a:bodyPr>
           <a:lstStyle/>
           <a:p>
+            <a:pPr marR="0" algn="l" rtl="0" fontAlgn="t">
+              <a:spcBef>
+                <a:spcPts val="0"/>
+              </a:spcBef>
+              <a:spcAft>
+                <a:spcPts val="0"/>
+              </a:spcAft>
+            </a:pPr>
+            <a:r>
+              <a:rPr lang="en-US" sz="1800" b="1" i="0" u="none" strike="noStrike" dirty="0">
+                <a:solidFill>
+                  <a:srgbClr val="FFFFFF"/>
+                </a:solidFill>
+                <a:effectLst/>
+                <a:latin typeface="Arial" panose="020B0604020202020204" pitchFamily="34" charset="0"/>
+              </a:rPr>
+              <a:t>Model</a:t>
+            </a:r>
+            <a:endParaRPr lang="en-US" sz="1800" b="0" i="0" u="none" strike="noStrike" dirty="0">
+              <a:effectLst/>
+              <a:latin typeface="Arial" panose="020B0604020202020204" pitchFamily="34" charset="0"/>
+            </a:endParaRPr>
+          </a:p>
+          <a:p>
+            <a:pPr marR="0" algn="l" rtl="0" fontAlgn="t">
+              <a:spcBef>
+                <a:spcPts val="0"/>
+              </a:spcBef>
+              <a:spcAft>
+                <a:spcPts val="0"/>
+              </a:spcAft>
+            </a:pPr>
+            <a:r>
+              <a:rPr lang="en-US" sz="1800" b="1" i="0" u="none" strike="noStrike" dirty="0">
+                <a:solidFill>
+                  <a:srgbClr val="FFFFFF"/>
+                </a:solidFill>
+                <a:effectLst/>
+                <a:latin typeface="Arial" panose="020B0604020202020204" pitchFamily="34" charset="0"/>
+              </a:rPr>
+              <a:t>Accuracy Score</a:t>
+            </a:r>
+            <a:endParaRPr lang="en-US" sz="1800" b="0" i="0" u="none" strike="noStrike" dirty="0">
+              <a:effectLst/>
+              <a:latin typeface="Arial" panose="020B0604020202020204" pitchFamily="34" charset="0"/>
+            </a:endParaRPr>
+          </a:p>
+          <a:p>
+            <a:pPr marR="0" algn="l" rtl="0" fontAlgn="t">
+              <a:spcBef>
+                <a:spcPts val="0"/>
+              </a:spcBef>
+              <a:spcAft>
+                <a:spcPts val="0"/>
+              </a:spcAft>
+            </a:pPr>
+            <a:r>
+              <a:rPr lang="en-US" sz="1800" b="0" i="0" u="none" strike="noStrike" dirty="0">
+                <a:solidFill>
+                  <a:srgbClr val="424242"/>
+                </a:solidFill>
+                <a:effectLst/>
+                <a:latin typeface="Arial" panose="020B0604020202020204" pitchFamily="34" charset="0"/>
+              </a:rPr>
+              <a:t>Logistic Regression</a:t>
+            </a:r>
+            <a:endParaRPr lang="en-US" sz="1800" b="0" i="0" u="none" strike="noStrike" dirty="0">
+              <a:effectLst/>
+              <a:latin typeface="Arial" panose="020B0604020202020204" pitchFamily="34" charset="0"/>
+            </a:endParaRPr>
+          </a:p>
+          <a:p>
+            <a:pPr marL="0" marR="0" indent="0" algn="l" rtl="0" eaLnBrk="1" fontAlgn="auto" latinLnBrk="0" hangingPunct="1">
+              <a:spcBef>
+                <a:spcPts val="0"/>
+              </a:spcBef>
+              <a:spcAft>
+                <a:spcPts val="0"/>
+              </a:spcAft>
+            </a:pPr>
+            <a:r>
+              <a:rPr lang="en-US" sz="1800" b="0" i="0" u="none" strike="noStrike" dirty="0">
+                <a:solidFill>
+                  <a:srgbClr val="424242"/>
+                </a:solidFill>
+                <a:effectLst/>
+                <a:latin typeface="Arial" panose="020B0604020202020204" pitchFamily="34" charset="0"/>
+              </a:rPr>
+              <a:t>87.228%</a:t>
+            </a:r>
+            <a:endParaRPr lang="en-US" sz="1800" b="0" i="0" u="none" strike="noStrike" dirty="0">
+              <a:effectLst/>
+              <a:latin typeface="Arial" panose="020B0604020202020204" pitchFamily="34" charset="0"/>
+            </a:endParaRPr>
+          </a:p>
+          <a:p>
+            <a:pPr marL="0" marR="0" indent="0" algn="l" rtl="0" eaLnBrk="1" fontAlgn="auto" latinLnBrk="0" hangingPunct="1">
+              <a:lnSpc>
+                <a:spcPct val="115000"/>
+              </a:lnSpc>
+              <a:spcBef>
+                <a:spcPts val="0"/>
+              </a:spcBef>
+              <a:spcAft>
+                <a:spcPts val="1200"/>
+              </a:spcAft>
+            </a:pPr>
+            <a:r>
+              <a:rPr lang="en-US" sz="1800" b="0" i="0" u="none" strike="noStrike" spc="0" baseline="0" dirty="0">
+                <a:ln>
+                  <a:noFill/>
+                </a:ln>
+                <a:solidFill>
+                  <a:srgbClr val="424242"/>
+                </a:solidFill>
+                <a:effectLst/>
+                <a:latin typeface="Arial" panose="020B0604020202020204" pitchFamily="34" charset="0"/>
+              </a:rPr>
+              <a:t>Random Forest Classifier</a:t>
+            </a:r>
+            <a:endParaRPr lang="en-US" sz="1800" b="0" i="0" u="none" strike="noStrike" dirty="0">
+              <a:effectLst/>
+              <a:latin typeface="Arial" panose="020B0604020202020204" pitchFamily="34" charset="0"/>
+            </a:endParaRPr>
+          </a:p>
+          <a:p>
+            <a:pPr marR="0" algn="l" rtl="0" fontAlgn="t">
+              <a:spcBef>
+                <a:spcPts val="0"/>
+              </a:spcBef>
+              <a:spcAft>
+                <a:spcPts val="0"/>
+              </a:spcAft>
+            </a:pPr>
+            <a:r>
+              <a:rPr lang="en-US" sz="1800" b="0" i="0" u="none" strike="noStrike" dirty="0">
+                <a:solidFill>
+                  <a:srgbClr val="424242"/>
+                </a:solidFill>
+                <a:effectLst/>
+                <a:latin typeface="Arial" panose="020B0604020202020204" pitchFamily="34" charset="0"/>
+              </a:rPr>
+              <a:t>87.772%</a:t>
+            </a:r>
+            <a:endParaRPr lang="en-US" sz="1800" b="0" i="0" u="none" strike="noStrike" dirty="0">
+              <a:effectLst/>
+              <a:latin typeface="Arial" panose="020B0604020202020204" pitchFamily="34" charset="0"/>
+            </a:endParaRPr>
+          </a:p>
+          <a:p>
+            <a:pPr marL="0" marR="0" indent="0" algn="l" rtl="0" eaLnBrk="1" fontAlgn="auto" latinLnBrk="0" hangingPunct="1">
+              <a:lnSpc>
+                <a:spcPct val="115000"/>
+              </a:lnSpc>
+              <a:spcBef>
+                <a:spcPts val="0"/>
+              </a:spcBef>
+              <a:spcAft>
+                <a:spcPts val="1200"/>
+              </a:spcAft>
+            </a:pPr>
+            <a:r>
+              <a:rPr lang="en-US" sz="1800" b="0" i="0" u="none" strike="noStrike" spc="0" baseline="0" dirty="0">
+                <a:ln>
+                  <a:noFill/>
+                </a:ln>
+                <a:solidFill>
+                  <a:srgbClr val="424242"/>
+                </a:solidFill>
+                <a:effectLst/>
+                <a:latin typeface="Arial" panose="020B0604020202020204" pitchFamily="34" charset="0"/>
+              </a:rPr>
+              <a:t>Support Vector Machine</a:t>
+            </a:r>
+            <a:endParaRPr lang="en-US" sz="1800" b="0" i="0" u="none" strike="noStrike" dirty="0">
+              <a:effectLst/>
+              <a:latin typeface="Arial" panose="020B0604020202020204" pitchFamily="34" charset="0"/>
+            </a:endParaRPr>
+          </a:p>
+          <a:p>
+            <a:pPr marR="0" algn="l" rtl="0" fontAlgn="t">
+              <a:spcBef>
+                <a:spcPts val="0"/>
+              </a:spcBef>
+              <a:spcAft>
+                <a:spcPts val="0"/>
+              </a:spcAft>
+            </a:pPr>
+            <a:r>
+              <a:rPr lang="en-US" sz="1800" b="0" i="0" u="none" strike="noStrike" dirty="0">
+                <a:solidFill>
+                  <a:srgbClr val="424242"/>
+                </a:solidFill>
+                <a:effectLst/>
+                <a:latin typeface="Arial" panose="020B0604020202020204" pitchFamily="34" charset="0"/>
+              </a:rPr>
+              <a:t>87.228%</a:t>
+            </a:r>
+            <a:endParaRPr lang="en-US" sz="1800" b="0" i="0" u="none" strike="noStrike" dirty="0">
+              <a:effectLst/>
+              <a:latin typeface="Arial" panose="020B0604020202020204" pitchFamily="34" charset="0"/>
+            </a:endParaRPr>
+          </a:p>
+          <a:p>
+            <a:pPr marL="0" marR="0" indent="0" algn="l" rtl="0" eaLnBrk="1" fontAlgn="auto" latinLnBrk="0" hangingPunct="1">
+              <a:lnSpc>
+                <a:spcPct val="115000"/>
+              </a:lnSpc>
+              <a:spcBef>
+                <a:spcPts val="0"/>
+              </a:spcBef>
+              <a:spcAft>
+                <a:spcPts val="1200"/>
+              </a:spcAft>
+            </a:pPr>
+            <a:r>
+              <a:rPr lang="en-US" sz="1800" b="0" i="0" u="none" strike="noStrike" spc="0" baseline="0" dirty="0">
+                <a:ln>
+                  <a:noFill/>
+                </a:ln>
+                <a:solidFill>
+                  <a:srgbClr val="424242"/>
+                </a:solidFill>
+                <a:effectLst/>
+                <a:latin typeface="Arial" panose="020B0604020202020204" pitchFamily="34" charset="0"/>
+              </a:rPr>
+              <a:t>XG Boost</a:t>
+            </a:r>
+            <a:endParaRPr lang="en-US" sz="1800" b="0" i="0" u="none" strike="noStrike" dirty="0">
+              <a:effectLst/>
+              <a:latin typeface="Arial" panose="020B0604020202020204" pitchFamily="34" charset="0"/>
+            </a:endParaRPr>
+          </a:p>
+          <a:p>
+            <a:pPr marR="0" algn="l" rtl="0" fontAlgn="t">
+              <a:spcBef>
+                <a:spcPts val="0"/>
+              </a:spcBef>
+              <a:spcAft>
+                <a:spcPts val="0"/>
+              </a:spcAft>
+            </a:pPr>
+            <a:r>
+              <a:rPr lang="en-US" sz="1800" b="0" i="0" u="none" strike="noStrike" dirty="0">
+                <a:solidFill>
+                  <a:srgbClr val="424242"/>
+                </a:solidFill>
+                <a:effectLst/>
+                <a:latin typeface="Arial" panose="020B0604020202020204" pitchFamily="34" charset="0"/>
+              </a:rPr>
+              <a:t>88.315%</a:t>
+            </a:r>
+            <a:endParaRPr lang="en-US" sz="1800" b="0" i="0" u="none" strike="noStrike" dirty="0">
+              <a:effectLst/>
+              <a:latin typeface="Arial" panose="020B0604020202020204" pitchFamily="34" charset="0"/>
+            </a:endParaRPr>
+          </a:p>
+          <a:p>
+            <a:pPr marL="0" marR="0" indent="0" algn="l" rtl="0" eaLnBrk="1" fontAlgn="auto" latinLnBrk="0" hangingPunct="1">
+              <a:lnSpc>
+                <a:spcPct val="115000"/>
+              </a:lnSpc>
+              <a:spcBef>
+                <a:spcPts val="0"/>
+              </a:spcBef>
+              <a:spcAft>
+                <a:spcPts val="1200"/>
+              </a:spcAft>
+            </a:pPr>
+            <a:r>
+              <a:rPr lang="en-US" sz="1800" b="0" i="0" u="none" strike="noStrike" spc="0" baseline="0" dirty="0">
+                <a:ln>
+                  <a:noFill/>
+                </a:ln>
+                <a:solidFill>
+                  <a:srgbClr val="424242"/>
+                </a:solidFill>
+                <a:effectLst/>
+                <a:latin typeface="Arial" panose="020B0604020202020204" pitchFamily="34" charset="0"/>
+              </a:rPr>
+              <a:t>Naïve Bayes</a:t>
+            </a:r>
+            <a:endParaRPr lang="en-US" sz="1800" b="0" i="0" u="none" strike="noStrike" dirty="0">
+              <a:effectLst/>
+              <a:latin typeface="Arial" panose="020B0604020202020204" pitchFamily="34" charset="0"/>
+            </a:endParaRPr>
+          </a:p>
+          <a:p>
+            <a:pPr marR="0" algn="l" rtl="0" fontAlgn="t">
+              <a:spcBef>
+                <a:spcPts val="0"/>
+              </a:spcBef>
+              <a:spcAft>
+                <a:spcPts val="0"/>
+              </a:spcAft>
+            </a:pPr>
+            <a:r>
+              <a:rPr lang="en-US" sz="1800" b="0" i="0" u="none" strike="noStrike" dirty="0">
+                <a:solidFill>
+                  <a:srgbClr val="424242"/>
+                </a:solidFill>
+                <a:effectLst/>
+                <a:latin typeface="Arial" panose="020B0604020202020204" pitchFamily="34" charset="0"/>
+              </a:rPr>
+              <a:t>71.467%</a:t>
+            </a:r>
+            <a:endParaRPr lang="en-US" sz="1800" b="0" i="0" u="none" strike="noStrike" dirty="0">
+              <a:effectLst/>
+              <a:latin typeface="Arial" panose="020B0604020202020204" pitchFamily="34" charset="0"/>
+            </a:endParaRPr>
+          </a:p>
+          <a:p>
             <a:pPr marL="0" lvl="0" indent="0" algn="l" rtl="0">
               <a:spcBef>
                 <a:spcPts val="0"/>
@@ -2297,7 +2194,7 @@
               </a:spcAft>
               <a:buNone/>
             </a:pPr>
-            <a:endParaRPr/>
+            <a:endParaRPr dirty="0"/>
           </a:p>
         </p:txBody>
       </p:sp>
@@ -16370,209 +16267,6 @@
             </a:pPr>
             <a:r>
               <a:rPr lang="en-US" dirty="0"/>
-              <a:t>Transform categorical columns using </a:t>
-            </a:r>
-            <a:r>
-              <a:rPr lang="en-US" dirty="0" err="1"/>
-              <a:t>OneHotEncoder</a:t>
-            </a:r>
-            <a:endParaRPr lang="en-US" dirty="0"/>
-          </a:p>
-          <a:p>
-            <a:pPr marL="742950" lvl="1" indent="-285750">
-              <a:spcAft>
-                <a:spcPts val="1200"/>
-              </a:spcAft>
-            </a:pPr>
-            <a:r>
-              <a:rPr lang="en-US" dirty="0"/>
-              <a:t>8 of 33 columns transformed</a:t>
-            </a:r>
-          </a:p>
-          <a:p>
-            <a:pPr marL="285750" indent="-285750">
-              <a:spcAft>
-                <a:spcPts val="1200"/>
-              </a:spcAft>
-            </a:pPr>
-            <a:r>
-              <a:rPr lang="en-US" dirty="0"/>
-              <a:t>Split data into feature &amp; target</a:t>
-            </a:r>
-          </a:p>
-          <a:p>
-            <a:pPr marL="742950" lvl="1" indent="-285750">
-              <a:spcAft>
-                <a:spcPts val="1200"/>
-              </a:spcAft>
-            </a:pPr>
-            <a:r>
-              <a:rPr lang="en-US" dirty="0"/>
-              <a:t>Target: ‘</a:t>
-            </a:r>
-            <a:r>
-              <a:rPr lang="en-US" dirty="0" err="1"/>
-              <a:t>Attrition_Yes</a:t>
-            </a:r>
-            <a:r>
-              <a:rPr lang="en-US" dirty="0"/>
-              <a:t>’</a:t>
-            </a:r>
-          </a:p>
-          <a:p>
-            <a:pPr marL="742950" lvl="1" indent="-285750">
-              <a:spcAft>
-                <a:spcPts val="1200"/>
-              </a:spcAft>
-            </a:pPr>
-            <a:r>
-              <a:rPr lang="en-US" dirty="0"/>
-              <a:t>Split using </a:t>
-            </a:r>
-            <a:r>
-              <a:rPr lang="en-US" dirty="0" err="1"/>
-              <a:t>train_test_split</a:t>
-            </a:r>
-            <a:endParaRPr lang="en-US" dirty="0"/>
-          </a:p>
-          <a:p>
-            <a:pPr marL="285750" indent="-285750">
-              <a:spcAft>
-                <a:spcPts val="1200"/>
-              </a:spcAft>
-            </a:pPr>
-            <a:r>
-              <a:rPr lang="en-US" dirty="0"/>
-              <a:t>Scaling: </a:t>
-            </a:r>
-            <a:r>
-              <a:rPr lang="en-US" dirty="0" err="1"/>
-              <a:t>StandardScaler</a:t>
-            </a:r>
-            <a:endParaRPr lang="en-US" dirty="0"/>
-          </a:p>
-          <a:p>
-            <a:pPr marL="285750" indent="-285750">
-              <a:spcAft>
-                <a:spcPts val="1200"/>
-              </a:spcAft>
-            </a:pPr>
-            <a:endParaRPr lang="en-US" dirty="0"/>
-          </a:p>
-          <a:p>
-            <a:pPr marL="742950" lvl="1" indent="-285750">
-              <a:spcAft>
-                <a:spcPts val="1200"/>
-              </a:spcAft>
-            </a:pPr>
-            <a:endParaRPr dirty="0"/>
-          </a:p>
-        </p:txBody>
-      </p:sp>
-    </p:spTree>
-    <p:extLst>
-      <p:ext uri="{BB962C8B-B14F-4D97-AF65-F5344CB8AC3E}">
-        <p14:creationId xmlns:p14="http://schemas.microsoft.com/office/powerpoint/2010/main" val="1012585142"/>
-      </p:ext>
-    </p:extLst>
-  </p:cSld>
-  <p:clrMapOvr>
-    <a:masterClrMapping/>
-  </p:clrMapOvr>
-</p:sld>
-</file>
-
-<file path=ppt/slides/slide11.xml><?xml version="1.0" encoding="utf-8"?>
-<p:sld xmlns:a="http://schemas.openxmlformats.org/drawingml/2006/main" xmlns:r="http://schemas.openxmlformats.org/officeDocument/2006/relationships" xmlns:p="http://schemas.openxmlformats.org/presentationml/2006/main">
-  <p:cSld>
-    <p:spTree>
-      <p:nvGrpSpPr>
-        <p:cNvPr id="1" name="Shape 300"/>
-        <p:cNvGrpSpPr/>
-        <p:nvPr/>
-      </p:nvGrpSpPr>
-      <p:grpSpPr>
-        <a:xfrm>
-          <a:off x="0" y="0"/>
-          <a:ext cx="0" cy="0"/>
-          <a:chOff x="0" y="0"/>
-          <a:chExt cx="0" cy="0"/>
-        </a:xfrm>
-      </p:grpSpPr>
-      <p:sp>
-        <p:nvSpPr>
-          <p:cNvPr id="301" name="Google Shape;301;p17"/>
-          <p:cNvSpPr txBox="1">
-            <a:spLocks noGrp="1"/>
-          </p:cNvSpPr>
-          <p:nvPr>
-            <p:ph type="title"/>
-          </p:nvPr>
-        </p:nvSpPr>
-        <p:spPr>
-          <a:xfrm>
-            <a:off x="1303800" y="598575"/>
-            <a:ext cx="7030500" cy="999300"/>
-          </a:xfrm>
-          <a:prstGeom prst="rect">
-            <a:avLst/>
-          </a:prstGeom>
-        </p:spPr>
-        <p:txBody>
-          <a:bodyPr spcFirstLastPara="1" wrap="square" lIns="91425" tIns="91425" rIns="91425" bIns="91425" anchor="t" anchorCtr="0">
-            <a:normAutofit/>
-          </a:bodyPr>
-          <a:lstStyle/>
-          <a:p>
-            <a:pPr marL="0" lvl="0" indent="0" algn="l" rtl="0">
-              <a:spcBef>
-                <a:spcPts val="0"/>
-              </a:spcBef>
-              <a:spcAft>
-                <a:spcPts val="0"/>
-              </a:spcAft>
-              <a:buNone/>
-            </a:pPr>
-            <a:r>
-              <a:rPr lang="en"/>
-              <a:t>Data Processing</a:t>
-            </a:r>
-            <a:endParaRPr/>
-          </a:p>
-        </p:txBody>
-      </p:sp>
-      <p:sp>
-        <p:nvSpPr>
-          <p:cNvPr id="302" name="Google Shape;302;p17"/>
-          <p:cNvSpPr txBox="1">
-            <a:spLocks noGrp="1"/>
-          </p:cNvSpPr>
-          <p:nvPr>
-            <p:ph type="body" idx="1"/>
-          </p:nvPr>
-        </p:nvSpPr>
-        <p:spPr>
-          <a:xfrm>
-            <a:off x="1303800" y="1990050"/>
-            <a:ext cx="7030500" cy="2541600"/>
-          </a:xfrm>
-          <a:prstGeom prst="rect">
-            <a:avLst/>
-          </a:prstGeom>
-        </p:spPr>
-        <p:txBody>
-          <a:bodyPr spcFirstLastPara="1" wrap="square" lIns="91425" tIns="91425" rIns="91425" bIns="91425" anchor="t" anchorCtr="0">
-            <a:normAutofit/>
-          </a:bodyPr>
-          <a:lstStyle/>
-          <a:p>
-            <a:pPr marL="285750" indent="-285750">
-              <a:spcAft>
-                <a:spcPts val="1200"/>
-              </a:spcAft>
-            </a:pPr>
-            <a:r>
-              <a:rPr lang="en-US" dirty="0"/>
               <a:t>Split data shapes:</a:t>
             </a:r>
           </a:p>
@@ -16588,7 +16282,7 @@
             </a:r>
             <a:r>
               <a:rPr lang="fr-FR" dirty="0"/>
-              <a:t> (1102, 53)</a:t>
+              <a:t> (1176, 53)</a:t>
             </a:r>
           </a:p>
           <a:p>
@@ -16603,7 +16297,7 @@
             </a:r>
             <a:r>
               <a:rPr lang="fr-FR" dirty="0"/>
-              <a:t> (368, 53)</a:t>
+              <a:t> (294, 53)</a:t>
             </a:r>
           </a:p>
           <a:p>
@@ -16618,7 +16312,7 @@
             </a:r>
             <a:r>
               <a:rPr lang="fr-FR" dirty="0"/>
-              <a:t> (1102,)</a:t>
+              <a:t> (1176,)</a:t>
             </a:r>
           </a:p>
           <a:p>
@@ -16633,7 +16327,7 @@
             </a:r>
             <a:r>
               <a:rPr lang="fr-FR" dirty="0"/>
-              <a:t> (368,)</a:t>
+              <a:t> (294,)</a:t>
             </a:r>
             <a:endParaRPr dirty="0"/>
           </a:p>
@@ -16647,7 +16341,7 @@
 </p:sld>
 </file>
 
-<file path=ppt/slides/slide12.xml><?xml version="1.0" encoding="utf-8"?>
+<file path=ppt/slides/slide11.xml><?xml version="1.0" encoding="utf-8"?>
 <p:sld xmlns:a="http://schemas.openxmlformats.org/drawingml/2006/main" xmlns:r="http://schemas.openxmlformats.org/officeDocument/2006/relationships" xmlns:p="http://schemas.openxmlformats.org/presentationml/2006/main">
   <p:cSld>
     <p:spTree>
@@ -16695,10 +16389,10 @@
               <a:buNone/>
             </a:pPr>
             <a:r>
-              <a:rPr lang="en"/>
-              <a:t>Machine Learning Models Used</a:t>
+              <a:rPr lang="en" dirty="0"/>
+              <a:t>Machine Learning Models Evaluated</a:t>
             </a:r>
-            <a:endParaRPr/>
+            <a:endParaRPr dirty="0"/>
           </a:p>
         </p:txBody>
       </p:sp>
@@ -16717,13 +16411,13 @@
           <p:nvPr>
             <p:extLst>
               <p:ext uri="{D42A27DB-BD31-4B8C-83A1-F6EECF244321}">
-                <p14:modId xmlns:p14="http://schemas.microsoft.com/office/powerpoint/2010/main" val="4231869132"/>
+                <p14:modId xmlns:p14="http://schemas.microsoft.com/office/powerpoint/2010/main" val="4008771619"/>
               </p:ext>
             </p:extLst>
           </p:nvPr>
         </p:nvGraphicFramePr>
         <p:xfrm>
-          <a:off x="1303800" y="1414995"/>
+          <a:off x="2058896" y="1774926"/>
           <a:ext cx="5026208" cy="2372360"/>
         </p:xfrm>
         <a:graphic>
@@ -16767,7 +16461,7 @@
                       </a:r>
                     </a:p>
                   </a:txBody>
-                  <a:tcPr/>
+                  <a:tcPr anchor="ctr"/>
                 </a:tc>
                 <a:tc>
                   <a:txBody>
@@ -16780,7 +16474,7 @@
                       </a:r>
                     </a:p>
                   </a:txBody>
-                  <a:tcPr/>
+                  <a:tcPr anchor="ctr"/>
                 </a:tc>
                 <a:tc>
                   <a:txBody>
@@ -16793,7 +16487,7 @@
                       </a:r>
                     </a:p>
                   </a:txBody>
-                  <a:tcPr/>
+                  <a:tcPr anchor="ctr"/>
                 </a:tc>
                 <a:extLst>
                   <a:ext uri="{0D108BD9-81ED-4DB2-BD59-A6C34878D82A}">
@@ -16818,7 +16512,7 @@
                       </a:r>
                     </a:p>
                   </a:txBody>
-                  <a:tcPr/>
+                  <a:tcPr anchor="ctr"/>
                 </a:tc>
                 <a:tc>
                   <a:txBody>
@@ -16855,7 +16549,7 @@
                       </a:r>
                     </a:p>
                   </a:txBody>
-                  <a:tcPr/>
+                  <a:tcPr anchor="ctr"/>
                 </a:tc>
                 <a:tc>
                   <a:txBody>
@@ -16897,7 +16591,7 @@
                       </a:endParaRPr>
                     </a:p>
                   </a:txBody>
-                  <a:tcPr/>
+                  <a:tcPr anchor="ctr"/>
                 </a:tc>
                 <a:extLst>
                   <a:ext uri="{0D108BD9-81ED-4DB2-BD59-A6C34878D82A}">
@@ -16954,7 +16648,7 @@
                       </a:endParaRPr>
                     </a:p>
                   </a:txBody>
-                  <a:tcPr/>
+                  <a:tcPr anchor="ctr"/>
                 </a:tc>
                 <a:tc>
                   <a:txBody>
@@ -16972,7 +16666,7 @@
                       </a:r>
                     </a:p>
                   </a:txBody>
-                  <a:tcPr/>
+                  <a:tcPr anchor="ctr"/>
                 </a:tc>
                 <a:tc>
                   <a:txBody>
@@ -16995,7 +16689,7 @@
                       </a:endParaRPr>
                     </a:p>
                   </a:txBody>
-                  <a:tcPr/>
+                  <a:tcPr anchor="ctr"/>
                 </a:tc>
                 <a:extLst>
                   <a:ext uri="{0D108BD9-81ED-4DB2-BD59-A6C34878D82A}">
@@ -17046,7 +16740,7 @@
                       </a:r>
                     </a:p>
                   </a:txBody>
-                  <a:tcPr/>
+                  <a:tcPr anchor="ctr"/>
                 </a:tc>
                 <a:tc>
                   <a:txBody>
@@ -17064,7 +16758,7 @@
                       </a:r>
                     </a:p>
                   </a:txBody>
-                  <a:tcPr/>
+                  <a:tcPr anchor="ctr"/>
                 </a:tc>
                 <a:tc>
                   <a:txBody>
@@ -17087,7 +16781,7 @@
                       </a:endParaRPr>
                     </a:p>
                   </a:txBody>
-                  <a:tcPr/>
+                  <a:tcPr anchor="ctr"/>
                 </a:tc>
                 <a:extLst>
                   <a:ext uri="{0D108BD9-81ED-4DB2-BD59-A6C34878D82A}">
@@ -17138,7 +16832,7 @@
                       </a:r>
                     </a:p>
                   </a:txBody>
-                  <a:tcPr/>
+                  <a:tcPr anchor="ctr"/>
                 </a:tc>
                 <a:tc>
                   <a:txBody>
@@ -17156,7 +16850,7 @@
                       </a:r>
                     </a:p>
                   </a:txBody>
-                  <a:tcPr/>
+                  <a:tcPr anchor="ctr"/>
                 </a:tc>
                 <a:tc>
                   <a:txBody>
@@ -17179,7 +16873,7 @@
                       </a:endParaRPr>
                     </a:p>
                   </a:txBody>
-                  <a:tcPr/>
+                  <a:tcPr anchor="ctr"/>
                 </a:tc>
                 <a:extLst>
                   <a:ext uri="{0D108BD9-81ED-4DB2-BD59-A6C34878D82A}">
@@ -17236,7 +16930,7 @@
                       </a:endParaRPr>
                     </a:p>
                   </a:txBody>
-                  <a:tcPr/>
+                  <a:tcPr anchor="ctr"/>
                 </a:tc>
                 <a:tc>
                   <a:txBody>
@@ -17254,7 +16948,7 @@
                       </a:r>
                     </a:p>
                   </a:txBody>
-                  <a:tcPr/>
+                  <a:tcPr anchor="ctr"/>
                 </a:tc>
                 <a:tc>
                   <a:txBody>
@@ -17277,7 +16971,7 @@
                       </a:endParaRPr>
                     </a:p>
                   </a:txBody>
-                  <a:tcPr/>
+                  <a:tcPr anchor="ctr"/>
                 </a:tc>
                 <a:extLst>
                   <a:ext uri="{0D108BD9-81ED-4DB2-BD59-A6C34878D82A}">
@@ -17289,6 +16983,60 @@
           </a:graphicData>
         </a:graphic>
       </p:graphicFrame>
+      <p:sp>
+        <p:nvSpPr>
+          <p:cNvPr id="3" name="Rectangle 2">
+            <a:extLst>
+              <a:ext uri="{FF2B5EF4-FFF2-40B4-BE49-F238E27FC236}">
+                <a16:creationId xmlns:a16="http://schemas.microsoft.com/office/drawing/2014/main" id="{675EDB52-AADA-4A83-8211-16BA59A46467}"/>
+              </a:ext>
+            </a:extLst>
+          </p:cNvPr>
+          <p:cNvSpPr/>
+          <p:nvPr/>
+        </p:nvSpPr>
+        <p:spPr>
+          <a:xfrm>
+            <a:off x="2058896" y="2318446"/>
+            <a:ext cx="5026208" cy="348062"/>
+          </a:xfrm>
+          <a:prstGeom prst="rect">
+            <a:avLst/>
+          </a:prstGeom>
+          <a:noFill/>
+          <a:ln>
+            <a:solidFill>
+              <a:schemeClr val="tx2">
+                <a:lumMod val="50000"/>
+              </a:schemeClr>
+            </a:solidFill>
+          </a:ln>
+        </p:spPr>
+        <p:style>
+          <a:lnRef idx="2">
+            <a:schemeClr val="accent1">
+              <a:shade val="50000"/>
+            </a:schemeClr>
+          </a:lnRef>
+          <a:fillRef idx="1">
+            <a:schemeClr val="accent1"/>
+          </a:fillRef>
+          <a:effectRef idx="0">
+            <a:schemeClr val="accent1"/>
+          </a:effectRef>
+          <a:fontRef idx="minor">
+            <a:schemeClr val="lt1"/>
+          </a:fontRef>
+        </p:style>
+        <p:txBody>
+          <a:bodyPr rtlCol="0" anchor="ctr"/>
+          <a:lstStyle/>
+          <a:p>
+            <a:pPr algn="ctr"/>
+            <a:endParaRPr lang="en-US"/>
+          </a:p>
+        </p:txBody>
+      </p:sp>
     </p:spTree>
   </p:cSld>
   <p:clrMapOvr>
@@ -17297,7 +17045,7 @@
 </p:sld>
 </file>
 
-<file path=ppt/slides/slide13.xml><?xml version="1.0" encoding="utf-8"?>
+<file path=ppt/slides/slide12.xml><?xml version="1.0" encoding="utf-8"?>
 <p:sld xmlns:a="http://schemas.openxmlformats.org/drawingml/2006/main" xmlns:r="http://schemas.openxmlformats.org/officeDocument/2006/relationships" xmlns:p="http://schemas.openxmlformats.org/presentationml/2006/main">
   <p:cSld>
     <p:spTree>
@@ -17391,7 +17139,7 @@
             </a:br>
             <a:r>
               <a:rPr lang="en-US" dirty="0"/>
-              <a:t>Feature Importance</a:t>
+              <a:t>Logistic Regression Feature Importance</a:t>
             </a:r>
           </a:p>
         </p:txBody>
@@ -17778,7 +17526,212 @@
 </p:sld>
 </file>
 
+<file path=ppt/slides/slide13.xml><?xml version="1.0" encoding="utf-8"?>
+<p:sld xmlns:a="http://schemas.openxmlformats.org/drawingml/2006/main" xmlns:r="http://schemas.openxmlformats.org/officeDocument/2006/relationships" xmlns:p="http://schemas.openxmlformats.org/presentationml/2006/main">
+  <p:cSld>
+    <p:spTree>
+      <p:nvGrpSpPr>
+        <p:cNvPr id="1" name=""/>
+        <p:cNvGrpSpPr/>
+        <p:nvPr/>
+      </p:nvGrpSpPr>
+      <p:grpSpPr>
+        <a:xfrm>
+          <a:off x="0" y="0"/>
+          <a:ext cx="0" cy="0"/>
+          <a:chOff x="0" y="0"/>
+          <a:chExt cx="0" cy="0"/>
+        </a:xfrm>
+      </p:grpSpPr>
+      <p:sp>
+        <p:nvSpPr>
+          <p:cNvPr id="2" name="Title 1">
+            <a:extLst>
+              <a:ext uri="{FF2B5EF4-FFF2-40B4-BE49-F238E27FC236}">
+                <a16:creationId xmlns:a16="http://schemas.microsoft.com/office/drawing/2014/main" id="{AA1F41D6-C32D-4CBA-A6FD-A6553A95D63B}"/>
+              </a:ext>
+            </a:extLst>
+          </p:cNvPr>
+          <p:cNvSpPr>
+            <a:spLocks noGrp="1"/>
+          </p:cNvSpPr>
+          <p:nvPr>
+            <p:ph type="title"/>
+          </p:nvPr>
+        </p:nvSpPr>
+        <p:spPr/>
+        <p:txBody>
+          <a:bodyPr/>
+          <a:lstStyle/>
+          <a:p>
+            <a:r>
+              <a:rPr lang="en-US" dirty="0"/>
+              <a:t>Recommendation for Future Analysis</a:t>
+            </a:r>
+          </a:p>
+        </p:txBody>
+      </p:sp>
+      <p:sp>
+        <p:nvSpPr>
+          <p:cNvPr id="3" name="Text Placeholder 2">
+            <a:extLst>
+              <a:ext uri="{FF2B5EF4-FFF2-40B4-BE49-F238E27FC236}">
+                <a16:creationId xmlns:a16="http://schemas.microsoft.com/office/drawing/2014/main" id="{ED3D189C-2A32-4917-9E7E-00D1D3D83A81}"/>
+              </a:ext>
+            </a:extLst>
+          </p:cNvPr>
+          <p:cNvSpPr>
+            <a:spLocks noGrp="1"/>
+          </p:cNvSpPr>
+          <p:nvPr>
+            <p:ph type="body" idx="1"/>
+          </p:nvPr>
+        </p:nvSpPr>
+        <p:spPr/>
+        <p:txBody>
+          <a:bodyPr>
+            <a:normAutofit/>
+          </a:bodyPr>
+          <a:lstStyle/>
+          <a:p>
+            <a:r>
+              <a:rPr lang="en-US" sz="1800" dirty="0"/>
+              <a:t>Explore parameter tuning options</a:t>
+            </a:r>
+          </a:p>
+          <a:p>
+            <a:r>
+              <a:rPr lang="en-US" sz="1800" dirty="0"/>
+              <a:t>Feature reduction</a:t>
+            </a:r>
+          </a:p>
+          <a:p>
+            <a:endParaRPr lang="en-US" sz="1800" dirty="0"/>
+          </a:p>
+        </p:txBody>
+      </p:sp>
+    </p:spTree>
+    <p:extLst>
+      <p:ext uri="{BB962C8B-B14F-4D97-AF65-F5344CB8AC3E}">
+        <p14:creationId xmlns:p14="http://schemas.microsoft.com/office/powerpoint/2010/main" val="3361753742"/>
+      </p:ext>
+    </p:extLst>
+  </p:cSld>
+  <p:clrMapOvr>
+    <a:masterClrMapping/>
+  </p:clrMapOvr>
+</p:sld>
+</file>
+
 <file path=ppt/slides/slide14.xml><?xml version="1.0" encoding="utf-8"?>
+<p:sld xmlns:a="http://schemas.openxmlformats.org/drawingml/2006/main" xmlns:r="http://schemas.openxmlformats.org/officeDocument/2006/relationships" xmlns:p="http://schemas.openxmlformats.org/presentationml/2006/main">
+  <p:cSld>
+    <p:spTree>
+      <p:nvGrpSpPr>
+        <p:cNvPr id="1" name=""/>
+        <p:cNvGrpSpPr/>
+        <p:nvPr/>
+      </p:nvGrpSpPr>
+      <p:grpSpPr>
+        <a:xfrm>
+          <a:off x="0" y="0"/>
+          <a:ext cx="0" cy="0"/>
+          <a:chOff x="0" y="0"/>
+          <a:chExt cx="0" cy="0"/>
+        </a:xfrm>
+      </p:grpSpPr>
+      <p:sp>
+        <p:nvSpPr>
+          <p:cNvPr id="2" name="Title 1">
+            <a:extLst>
+              <a:ext uri="{FF2B5EF4-FFF2-40B4-BE49-F238E27FC236}">
+                <a16:creationId xmlns:a16="http://schemas.microsoft.com/office/drawing/2014/main" id="{FB6C3D3E-0437-49B1-9C57-C71422888C11}"/>
+              </a:ext>
+            </a:extLst>
+          </p:cNvPr>
+          <p:cNvSpPr>
+            <a:spLocks noGrp="1"/>
+          </p:cNvSpPr>
+          <p:nvPr>
+            <p:ph type="title"/>
+          </p:nvPr>
+        </p:nvSpPr>
+        <p:spPr/>
+        <p:txBody>
+          <a:bodyPr>
+            <a:noAutofit/>
+          </a:bodyPr>
+          <a:lstStyle/>
+          <a:p>
+            <a:r>
+              <a:rPr lang="en-US" dirty="0"/>
+              <a:t>Anything the team would have done differently?</a:t>
+            </a:r>
+          </a:p>
+        </p:txBody>
+      </p:sp>
+      <p:sp>
+        <p:nvSpPr>
+          <p:cNvPr id="3" name="Text Placeholder 2">
+            <a:extLst>
+              <a:ext uri="{FF2B5EF4-FFF2-40B4-BE49-F238E27FC236}">
+                <a16:creationId xmlns:a16="http://schemas.microsoft.com/office/drawing/2014/main" id="{994AAC1C-DF27-48D7-9CAF-A960B6642EA1}"/>
+              </a:ext>
+            </a:extLst>
+          </p:cNvPr>
+          <p:cNvSpPr>
+            <a:spLocks noGrp="1"/>
+          </p:cNvSpPr>
+          <p:nvPr>
+            <p:ph type="body" idx="1"/>
+          </p:nvPr>
+        </p:nvSpPr>
+        <p:spPr/>
+        <p:txBody>
+          <a:bodyPr>
+            <a:normAutofit/>
+          </a:bodyPr>
+          <a:lstStyle/>
+          <a:p>
+            <a:r>
+              <a:rPr lang="en-US" sz="1800" dirty="0"/>
+              <a:t>Try additional models</a:t>
+            </a:r>
+          </a:p>
+          <a:p>
+            <a:r>
+              <a:rPr lang="en-US" sz="1800" dirty="0"/>
+              <a:t>Explore additional hyperparameter tuning options</a:t>
+            </a:r>
+          </a:p>
+          <a:p>
+            <a:r>
+              <a:rPr lang="en-US" sz="1800" dirty="0"/>
+              <a:t>Play with modifying variables</a:t>
+            </a:r>
+          </a:p>
+          <a:p>
+            <a:endParaRPr lang="en-US" sz="1800" dirty="0"/>
+          </a:p>
+          <a:p>
+            <a:endParaRPr lang="en-US" sz="1800" dirty="0"/>
+          </a:p>
+        </p:txBody>
+      </p:sp>
+    </p:spTree>
+    <p:extLst>
+      <p:ext uri="{BB962C8B-B14F-4D97-AF65-F5344CB8AC3E}">
+        <p14:creationId xmlns:p14="http://schemas.microsoft.com/office/powerpoint/2010/main" val="1748518353"/>
+      </p:ext>
+    </p:extLst>
+  </p:cSld>
+  <p:clrMapOvr>
+    <a:masterClrMapping/>
+  </p:clrMapOvr>
+</p:sld>
+</file>
+
+<file path=ppt/slides/slide15.xml><?xml version="1.0" encoding="utf-8"?>
 <p:sld xmlns:a="http://schemas.openxmlformats.org/drawingml/2006/main" xmlns:r="http://schemas.openxmlformats.org/officeDocument/2006/relationships" xmlns:p="http://schemas.openxmlformats.org/presentationml/2006/main">
   <p:cSld>
     <p:spTree>
@@ -17901,7 +17854,7 @@
 </p:sld>
 </file>
 
-<file path=ppt/slides/slide15.xml><?xml version="1.0" encoding="utf-8"?>
+<file path=ppt/slides/slide16.xml><?xml version="1.0" encoding="utf-8"?>
 <p:sld xmlns:a="http://schemas.openxmlformats.org/drawingml/2006/main" xmlns:r="http://schemas.openxmlformats.org/officeDocument/2006/relationships" xmlns:p="http://schemas.openxmlformats.org/presentationml/2006/main">
   <p:cSld>
     <p:spTree>
@@ -18296,10 +18249,7 @@
             <a:endParaRPr dirty="0"/>
           </a:p>
           <a:p>
-            <a:pPr marL="457200" lvl="0" indent="-311150" algn="l" rtl="0">
-              <a:spcBef>
-                <a:spcPts val="1200"/>
-              </a:spcBef>
+            <a:pPr lvl="0" indent="-311150" algn="l" rtl="0">
               <a:spcAft>
                 <a:spcPts val="0"/>
               </a:spcAft>
@@ -18307,16 +18257,22 @@
               <a:buChar char="-"/>
             </a:pPr>
             <a:r>
-              <a:rPr lang="en" dirty="0"/>
+              <a:rPr lang="en" sz="1200" dirty="0"/>
               <a:t>Jupyter Notebook</a:t>
             </a:r>
-            <a:endParaRPr dirty="0"/>
           </a:p>
           <a:p>
-            <a:pPr marL="457200" lvl="0" indent="-311150" algn="l" rtl="0">
-              <a:spcBef>
-                <a:spcPts val="0"/>
-              </a:spcBef>
+            <a:pPr>
+              <a:buFont typeface="Nunito"/>
+              <a:buChar char="-"/>
+            </a:pPr>
+            <a:r>
+              <a:rPr lang="en-US" sz="1200" dirty="0"/>
+              <a:t>Python</a:t>
+            </a:r>
+          </a:p>
+          <a:p>
+            <a:pPr lvl="0" indent="-311150" algn="l" rtl="0">
               <a:spcAft>
                 <a:spcPts val="0"/>
               </a:spcAft>
@@ -18324,16 +18280,12 @@
               <a:buChar char="-"/>
             </a:pPr>
             <a:r>
-              <a:rPr lang="en" dirty="0"/>
+              <a:rPr lang="en-US" sz="1200" dirty="0"/>
               <a:t>Pandas</a:t>
             </a:r>
-            <a:endParaRPr dirty="0"/>
           </a:p>
           <a:p>
-            <a:pPr marL="457200" lvl="0" indent="-311150" algn="l" rtl="0">
-              <a:spcBef>
-                <a:spcPts val="0"/>
-              </a:spcBef>
+            <a:pPr lvl="0" indent="-311150" algn="l" rtl="0">
               <a:spcAft>
                 <a:spcPts val="0"/>
               </a:spcAft>
@@ -18341,16 +18293,16 @@
               <a:buChar char="-"/>
             </a:pPr>
             <a:r>
-              <a:rPr lang="en" dirty="0"/>
-              <a:t>Python</a:t>
+              <a:rPr lang="en-US" sz="1200" dirty="0" err="1"/>
+              <a:t>Numpy</a:t>
             </a:r>
-            <a:endParaRPr dirty="0"/>
+            <a:r>
+              <a:rPr lang="en-US" sz="1200" dirty="0"/>
+              <a:t> </a:t>
+            </a:r>
           </a:p>
           <a:p>
-            <a:pPr marL="457200" lvl="0" indent="-311150" algn="l" rtl="0">
-              <a:spcBef>
-                <a:spcPts val="0"/>
-              </a:spcBef>
+            <a:pPr lvl="0" indent="-311150" algn="l" rtl="0">
               <a:spcAft>
                 <a:spcPts val="0"/>
               </a:spcAft>
@@ -18358,7 +18310,34 @@
               <a:buChar char="-"/>
             </a:pPr>
             <a:r>
-              <a:rPr lang="en" dirty="0"/>
+              <a:rPr lang="en-US" sz="1200" dirty="0"/>
+              <a:t>Matplotlib</a:t>
+            </a:r>
+          </a:p>
+          <a:p>
+            <a:pPr lvl="0" indent="-311150" algn="l" rtl="0">
+              <a:spcAft>
+                <a:spcPts val="0"/>
+              </a:spcAft>
+              <a:buSzPts val="1300"/>
+              <a:buChar char="-"/>
+            </a:pPr>
+            <a:r>
+              <a:rPr lang="en-US" sz="1200" dirty="0"/>
+              <a:t>Seaborn </a:t>
+            </a:r>
+            <a:endParaRPr sz="1200" dirty="0"/>
+          </a:p>
+          <a:p>
+            <a:pPr lvl="0" indent="-311150" algn="l" rtl="0">
+              <a:spcAft>
+                <a:spcPts val="0"/>
+              </a:spcAft>
+              <a:buSzPts val="1300"/>
+              <a:buChar char="-"/>
+            </a:pPr>
+            <a:r>
+              <a:rPr lang="en" sz="1200" dirty="0"/>
               <a:t>Tableau</a:t>
             </a:r>
           </a:p>
@@ -18368,7 +18347,7 @@
               <a:buChar char="-"/>
             </a:pPr>
             <a:r>
-              <a:rPr lang="en" dirty="0"/>
+              <a:rPr lang="en" sz="1200" dirty="0"/>
               <a:t>PostgreSQL</a:t>
             </a:r>
           </a:p>
@@ -18648,9 +18627,78 @@
               <a:t>Explore data types</a:t>
             </a:r>
           </a:p>
+          <a:p>
+            <a:pPr marL="285750" indent="-285750">
+              <a:spcAft>
+                <a:spcPts val="1200"/>
+              </a:spcAft>
+            </a:pPr>
+            <a:r>
+              <a:rPr lang="en-US" dirty="0"/>
+              <a:t>Count target variable values</a:t>
+            </a:r>
+          </a:p>
+          <a:p>
+            <a:pPr marL="742950" lvl="1" indent="-285750">
+              <a:spcAft>
+                <a:spcPts val="1200"/>
+              </a:spcAft>
+            </a:pPr>
+            <a:r>
+              <a:rPr lang="en-US" dirty="0"/>
+              <a:t>Attrition – No: 1233 </a:t>
+            </a:r>
+          </a:p>
+          <a:p>
+            <a:pPr marL="742950" lvl="1" indent="-285750">
+              <a:spcAft>
+                <a:spcPts val="1200"/>
+              </a:spcAft>
+            </a:pPr>
+            <a:r>
+              <a:rPr lang="en-US" dirty="0"/>
+              <a:t>Attrition – Yes: 237</a:t>
+            </a:r>
+            <a:endParaRPr dirty="0"/>
+          </a:p>
         </p:txBody>
       </p:sp>
+      <p:pic>
+        <p:nvPicPr>
+          <p:cNvPr id="3" name="Picture 2" descr="Chart, bar chart&#10;&#10;Description automatically generated">
+            <a:extLst>
+              <a:ext uri="{FF2B5EF4-FFF2-40B4-BE49-F238E27FC236}">
+                <a16:creationId xmlns:a16="http://schemas.microsoft.com/office/drawing/2014/main" id="{65C9EA43-F078-4387-AE19-025A2E6750E1}"/>
+              </a:ext>
+            </a:extLst>
+          </p:cNvPr>
+          <p:cNvPicPr>
+            <a:picLocks noChangeAspect="1"/>
+          </p:cNvPicPr>
+          <p:nvPr/>
+        </p:nvPicPr>
+        <p:blipFill>
+          <a:blip r:embed="rId3"/>
+          <a:stretch>
+            <a:fillRect/>
+          </a:stretch>
+        </p:blipFill>
+        <p:spPr>
+          <a:xfrm>
+            <a:off x="4509758" y="1422039"/>
+            <a:ext cx="3891002" cy="3109611"/>
+          </a:xfrm>
+          <a:prstGeom prst="rect">
+            <a:avLst/>
+          </a:prstGeom>
+        </p:spPr>
+      </p:pic>
     </p:spTree>
+    <p:extLst>
+      <p:ext uri="{BB962C8B-B14F-4D97-AF65-F5344CB8AC3E}">
+        <p14:creationId xmlns:p14="http://schemas.microsoft.com/office/powerpoint/2010/main" val="3073238611"/>
+      </p:ext>
+    </p:extLst>
   </p:cSld>
   <p:clrMapOvr>
     <a:masterClrMapping/>
@@ -18696,7 +18744,7 @@
         </p:spPr>
         <p:txBody>
           <a:bodyPr spcFirstLastPara="1" wrap="square" lIns="91425" tIns="91425" rIns="91425" bIns="91425" anchor="t" anchorCtr="0">
-            <a:normAutofit/>
+            <a:normAutofit fontScale="90000"/>
           </a:bodyPr>
           <a:lstStyle/>
           <a:p>
@@ -18710,10 +18758,17 @@
               <a:buNone/>
             </a:pPr>
             <a:r>
-              <a:rPr lang="en"/>
-              <a:t>Data Exploration</a:t>
+              <a:rPr lang="en" dirty="0"/>
+              <a:t>Data </a:t>
             </a:r>
-            <a:endParaRPr/>
+            <a:br>
+              <a:rPr lang="en" dirty="0"/>
+            </a:br>
+            <a:r>
+              <a:rPr lang="en" dirty="0"/>
+              <a:t>Exploration</a:t>
+            </a:r>
+            <a:endParaRPr dirty="0"/>
           </a:p>
         </p:txBody>
       </p:sp>
@@ -18730,7 +18785,7 @@
         <p:spPr>
           <a:xfrm>
             <a:off x="1303800" y="1990050"/>
-            <a:ext cx="7030500" cy="2541600"/>
+            <a:ext cx="2168047" cy="2541600"/>
           </a:xfrm>
           <a:prstGeom prst="rect">
             <a:avLst/>
@@ -18753,7 +18808,7 @@
             </a:pPr>
             <a:r>
               <a:rPr lang="en-US" dirty="0"/>
-              <a:t>Count target variable values</a:t>
+              <a:t>Examine correlations between features</a:t>
             </a:r>
             <a:endParaRPr dirty="0"/>
           </a:p>
@@ -18761,10 +18816,10 @@
       </p:sp>
       <p:pic>
         <p:nvPicPr>
-          <p:cNvPr id="3" name="Picture 2" descr="Chart, bar chart&#10;&#10;Description automatically generated">
+          <p:cNvPr id="2" name="Picture 1">
             <a:extLst>
               <a:ext uri="{FF2B5EF4-FFF2-40B4-BE49-F238E27FC236}">
-                <a16:creationId xmlns:a16="http://schemas.microsoft.com/office/drawing/2014/main" id="{65C9EA43-F078-4387-AE19-025A2E6750E1}"/>
+                <a16:creationId xmlns:a16="http://schemas.microsoft.com/office/drawing/2014/main" id="{8DD345FC-E5E8-426C-B124-C5B14D9AD4D2}"/>
               </a:ext>
             </a:extLst>
           </p:cNvPr>
@@ -18773,16 +18828,15 @@
           </p:cNvPicPr>
           <p:nvPr/>
         </p:nvPicPr>
-        <p:blipFill>
+        <p:blipFill rotWithShape="1">
           <a:blip r:embed="rId3"/>
-          <a:stretch>
-            <a:fillRect/>
-          </a:stretch>
+          <a:srcRect r="10364"/>
+          <a:stretch/>
         </p:blipFill>
         <p:spPr>
           <a:xfrm>
-            <a:off x="4348542" y="1422039"/>
-            <a:ext cx="4052218" cy="3238452"/>
+            <a:off x="3275904" y="0"/>
+            <a:ext cx="5796844" cy="5143500"/>
           </a:xfrm>
           <a:prstGeom prst="rect">
             <a:avLst/>
@@ -18792,7 +18846,7 @@
     </p:spTree>
     <p:extLst>
       <p:ext uri="{BB962C8B-B14F-4D97-AF65-F5344CB8AC3E}">
-        <p14:creationId xmlns:p14="http://schemas.microsoft.com/office/powerpoint/2010/main" val="3073238611"/>
+        <p14:creationId xmlns:p14="http://schemas.microsoft.com/office/powerpoint/2010/main" val="220192495"/>
       </p:ext>
     </p:extLst>
   </p:cSld>
@@ -18881,156 +18935,6 @@
         <p:spPr>
           <a:xfrm>
             <a:off x="1303800" y="1990050"/>
-            <a:ext cx="2168047" cy="2541600"/>
-          </a:xfrm>
-          <a:prstGeom prst="rect">
-            <a:avLst/>
-          </a:prstGeom>
-        </p:spPr>
-        <p:txBody>
-          <a:bodyPr spcFirstLastPara="1" wrap="square" lIns="91425" tIns="91425" rIns="91425" bIns="91425" anchor="t" anchorCtr="0">
-            <a:normAutofit/>
-          </a:bodyPr>
-          <a:lstStyle/>
-          <a:p>
-            <a:pPr marL="0" lvl="0" indent="0" algn="l" rtl="0">
-              <a:spcBef>
-                <a:spcPts val="0"/>
-              </a:spcBef>
-              <a:spcAft>
-                <a:spcPts val="1200"/>
-              </a:spcAft>
-              <a:buNone/>
-            </a:pPr>
-            <a:r>
-              <a:rPr lang="en-US" dirty="0"/>
-              <a:t>Examine correlations between features</a:t>
-            </a:r>
-            <a:endParaRPr dirty="0"/>
-          </a:p>
-        </p:txBody>
-      </p:sp>
-      <p:pic>
-        <p:nvPicPr>
-          <p:cNvPr id="2" name="Picture 1">
-            <a:extLst>
-              <a:ext uri="{FF2B5EF4-FFF2-40B4-BE49-F238E27FC236}">
-                <a16:creationId xmlns:a16="http://schemas.microsoft.com/office/drawing/2014/main" id="{8DD345FC-E5E8-426C-B124-C5B14D9AD4D2}"/>
-              </a:ext>
-            </a:extLst>
-          </p:cNvPr>
-          <p:cNvPicPr>
-            <a:picLocks noChangeAspect="1"/>
-          </p:cNvPicPr>
-          <p:nvPr/>
-        </p:nvPicPr>
-        <p:blipFill rotWithShape="1">
-          <a:blip r:embed="rId3"/>
-          <a:srcRect r="10364"/>
-          <a:stretch/>
-        </p:blipFill>
-        <p:spPr>
-          <a:xfrm>
-            <a:off x="3275904" y="0"/>
-            <a:ext cx="5796844" cy="5143500"/>
-          </a:xfrm>
-          <a:prstGeom prst="rect">
-            <a:avLst/>
-          </a:prstGeom>
-        </p:spPr>
-      </p:pic>
-    </p:spTree>
-    <p:extLst>
-      <p:ext uri="{BB962C8B-B14F-4D97-AF65-F5344CB8AC3E}">
-        <p14:creationId xmlns:p14="http://schemas.microsoft.com/office/powerpoint/2010/main" val="220192495"/>
-      </p:ext>
-    </p:extLst>
-  </p:cSld>
-  <p:clrMapOvr>
-    <a:masterClrMapping/>
-  </p:clrMapOvr>
-</p:sld>
-</file>
-
-<file path=ppt/slides/slide8.xml><?xml version="1.0" encoding="utf-8"?>
-<p:sld xmlns:a="http://schemas.openxmlformats.org/drawingml/2006/main" xmlns:r="http://schemas.openxmlformats.org/officeDocument/2006/relationships" xmlns:p="http://schemas.openxmlformats.org/presentationml/2006/main">
-  <p:cSld>
-    <p:spTree>
-      <p:nvGrpSpPr>
-        <p:cNvPr id="1" name="Shape 294"/>
-        <p:cNvGrpSpPr/>
-        <p:nvPr/>
-      </p:nvGrpSpPr>
-      <p:grpSpPr>
-        <a:xfrm>
-          <a:off x="0" y="0"/>
-          <a:ext cx="0" cy="0"/>
-          <a:chOff x="0" y="0"/>
-          <a:chExt cx="0" cy="0"/>
-        </a:xfrm>
-      </p:grpSpPr>
-      <p:sp>
-        <p:nvSpPr>
-          <p:cNvPr id="295" name="Google Shape;295;p16"/>
-          <p:cNvSpPr txBox="1">
-            <a:spLocks noGrp="1"/>
-          </p:cNvSpPr>
-          <p:nvPr>
-            <p:ph type="title"/>
-          </p:nvPr>
-        </p:nvSpPr>
-        <p:spPr>
-          <a:xfrm>
-            <a:off x="1303800" y="598575"/>
-            <a:ext cx="7030500" cy="999300"/>
-          </a:xfrm>
-          <a:prstGeom prst="rect">
-            <a:avLst/>
-          </a:prstGeom>
-        </p:spPr>
-        <p:txBody>
-          <a:bodyPr spcFirstLastPara="1" wrap="square" lIns="91425" tIns="91425" rIns="91425" bIns="91425" anchor="t" anchorCtr="0">
-            <a:normAutofit fontScale="90000"/>
-          </a:bodyPr>
-          <a:lstStyle/>
-          <a:p>
-            <a:pPr marL="0" lvl="0" indent="0" algn="l" rtl="0">
-              <a:spcBef>
-                <a:spcPts val="0"/>
-              </a:spcBef>
-              <a:spcAft>
-                <a:spcPts val="0"/>
-              </a:spcAft>
-              <a:buNone/>
-            </a:pPr>
-            <a:r>
-              <a:rPr lang="en" dirty="0"/>
-              <a:t>Data </a:t>
-            </a:r>
-            <a:br>
-              <a:rPr lang="en" dirty="0"/>
-            </a:br>
-            <a:r>
-              <a:rPr lang="en" dirty="0"/>
-              <a:t>Exploration</a:t>
-            </a:r>
-            <a:endParaRPr dirty="0"/>
-          </a:p>
-        </p:txBody>
-      </p:sp>
-      <p:sp>
-        <p:nvSpPr>
-          <p:cNvPr id="296" name="Google Shape;296;p16"/>
-          <p:cNvSpPr txBox="1">
-            <a:spLocks noGrp="1"/>
-          </p:cNvSpPr>
-          <p:nvPr>
-            <p:ph type="body" idx="1"/>
-          </p:nvPr>
-        </p:nvSpPr>
-        <p:spPr>
-          <a:xfrm>
-            <a:off x="1303800" y="1990050"/>
             <a:ext cx="2589774" cy="2541600"/>
           </a:xfrm>
           <a:prstGeom prst="rect">
@@ -19062,32 +18966,49 @@
       </p:sp>
       <p:pic>
         <p:nvPicPr>
-          <p:cNvPr id="3" name="Picture 2" descr="Chart, calendar, treemap chart&#10;&#10;Description automatically generated">
+          <p:cNvPr id="2050" name="Picture 2">
             <a:extLst>
               <a:ext uri="{FF2B5EF4-FFF2-40B4-BE49-F238E27FC236}">
-                <a16:creationId xmlns:a16="http://schemas.microsoft.com/office/drawing/2014/main" id="{E5BF1E0C-D656-4581-B556-F68066B1BF44}"/>
+                <a16:creationId xmlns:a16="http://schemas.microsoft.com/office/drawing/2014/main" id="{85D57057-393E-4938-9D6C-09441B94FB3C}"/>
               </a:ext>
             </a:extLst>
           </p:cNvPr>
           <p:cNvPicPr>
-            <a:picLocks noChangeAspect="1"/>
+            <a:picLocks noChangeAspect="1" noChangeArrowheads="1"/>
           </p:cNvPicPr>
           <p:nvPr/>
         </p:nvPicPr>
         <p:blipFill>
-          <a:blip r:embed="rId3"/>
+          <a:blip r:embed="rId3">
+            <a:extLst>
+              <a:ext uri="{28A0092B-C50C-407E-A947-70E740481C1C}">
+                <a14:useLocalDpi xmlns:a14="http://schemas.microsoft.com/office/drawing/2010/main" val="0"/>
+              </a:ext>
+            </a:extLst>
+          </a:blip>
+          <a:srcRect/>
           <a:stretch>
             <a:fillRect/>
           </a:stretch>
         </p:blipFill>
-        <p:spPr>
+        <p:spPr bwMode="auto">
           <a:xfrm>
-            <a:off x="3804184" y="28397"/>
-            <a:ext cx="5282546" cy="5115104"/>
+            <a:off x="3784836" y="0"/>
+            <a:ext cx="5265737" cy="5143500"/>
           </a:xfrm>
           <a:prstGeom prst="rect">
             <a:avLst/>
           </a:prstGeom>
+          <a:noFill/>
+          <a:extLst>
+            <a:ext uri="{909E8E84-426E-40DD-AFC4-6F175D3DCCD1}">
+              <a14:hiddenFill xmlns:a14="http://schemas.microsoft.com/office/drawing/2010/main">
+                <a:solidFill>
+                  <a:srgbClr val="FFFFFF"/>
+                </a:solidFill>
+              </a14:hiddenFill>
+            </a:ext>
+          </a:extLst>
         </p:spPr>
       </p:pic>
     </p:spTree>
@@ -19103,7 +19024,7 @@
 </p:sld>
 </file>
 
-<file path=ppt/slides/slide9.xml><?xml version="1.0" encoding="utf-8"?>
+<file path=ppt/slides/slide8.xml><?xml version="1.0" encoding="utf-8"?>
 <p:sld xmlns:a="http://schemas.openxmlformats.org/drawingml/2006/main" xmlns:r="http://schemas.openxmlformats.org/officeDocument/2006/relationships" xmlns:p="http://schemas.openxmlformats.org/presentationml/2006/main">
   <p:cSld>
     <p:spTree>
@@ -19166,25 +19087,27 @@
         </p:nvSpPr>
         <p:spPr/>
         <p:txBody>
-          <a:bodyPr/>
+          <a:bodyPr>
+            <a:normAutofit/>
+          </a:bodyPr>
           <a:lstStyle/>
           <a:p>
             <a:r>
-              <a:rPr lang="en-US" dirty="0"/>
+              <a:rPr lang="en-US" sz="1400" dirty="0"/>
               <a:t>Eliminate columns that are not useful: 4 columns dropped</a:t>
             </a:r>
           </a:p>
           <a:p>
             <a:pPr lvl="1"/>
             <a:r>
-              <a:rPr lang="en-US" dirty="0"/>
+              <a:rPr lang="en-US" sz="1200" dirty="0"/>
               <a:t>ID numbers</a:t>
             </a:r>
           </a:p>
           <a:p>
             <a:pPr lvl="1"/>
             <a:r>
-              <a:rPr lang="en-US" dirty="0"/>
+              <a:rPr lang="en-US" sz="1200" dirty="0"/>
               <a:t>Columns with 1 unique value</a:t>
             </a:r>
           </a:p>
@@ -19194,6 +19117,209 @@
     <p:extLst>
       <p:ext uri="{BB962C8B-B14F-4D97-AF65-F5344CB8AC3E}">
         <p14:creationId xmlns:p14="http://schemas.microsoft.com/office/powerpoint/2010/main" val="3692123054"/>
+      </p:ext>
+    </p:extLst>
+  </p:cSld>
+  <p:clrMapOvr>
+    <a:masterClrMapping/>
+  </p:clrMapOvr>
+</p:sld>
+</file>
+
+<file path=ppt/slides/slide9.xml><?xml version="1.0" encoding="utf-8"?>
+<p:sld xmlns:a="http://schemas.openxmlformats.org/drawingml/2006/main" xmlns:r="http://schemas.openxmlformats.org/officeDocument/2006/relationships" xmlns:p="http://schemas.openxmlformats.org/presentationml/2006/main">
+  <p:cSld>
+    <p:spTree>
+      <p:nvGrpSpPr>
+        <p:cNvPr id="1" name="Shape 300"/>
+        <p:cNvGrpSpPr/>
+        <p:nvPr/>
+      </p:nvGrpSpPr>
+      <p:grpSpPr>
+        <a:xfrm>
+          <a:off x="0" y="0"/>
+          <a:ext cx="0" cy="0"/>
+          <a:chOff x="0" y="0"/>
+          <a:chExt cx="0" cy="0"/>
+        </a:xfrm>
+      </p:grpSpPr>
+      <p:sp>
+        <p:nvSpPr>
+          <p:cNvPr id="301" name="Google Shape;301;p17"/>
+          <p:cNvSpPr txBox="1">
+            <a:spLocks noGrp="1"/>
+          </p:cNvSpPr>
+          <p:nvPr>
+            <p:ph type="title"/>
+          </p:nvPr>
+        </p:nvSpPr>
+        <p:spPr>
+          <a:xfrm>
+            <a:off x="1303800" y="598575"/>
+            <a:ext cx="7030500" cy="999300"/>
+          </a:xfrm>
+          <a:prstGeom prst="rect">
+            <a:avLst/>
+          </a:prstGeom>
+        </p:spPr>
+        <p:txBody>
+          <a:bodyPr spcFirstLastPara="1" wrap="square" lIns="91425" tIns="91425" rIns="91425" bIns="91425" anchor="t" anchorCtr="0">
+            <a:normAutofit/>
+          </a:bodyPr>
+          <a:lstStyle/>
+          <a:p>
+            <a:pPr marL="0" lvl="0" indent="0" algn="l" rtl="0">
+              <a:spcBef>
+                <a:spcPts val="0"/>
+              </a:spcBef>
+              <a:spcAft>
+                <a:spcPts val="0"/>
+              </a:spcAft>
+              <a:buNone/>
+            </a:pPr>
+            <a:r>
+              <a:rPr lang="en"/>
+              <a:t>Data Processing</a:t>
+            </a:r>
+            <a:endParaRPr/>
+          </a:p>
+        </p:txBody>
+      </p:sp>
+      <p:sp>
+        <p:nvSpPr>
+          <p:cNvPr id="302" name="Google Shape;302;p17"/>
+          <p:cNvSpPr txBox="1">
+            <a:spLocks noGrp="1"/>
+          </p:cNvSpPr>
+          <p:nvPr>
+            <p:ph type="body" idx="1"/>
+          </p:nvPr>
+        </p:nvSpPr>
+        <p:spPr>
+          <a:xfrm>
+            <a:off x="1303800" y="1990050"/>
+            <a:ext cx="7030500" cy="2541600"/>
+          </a:xfrm>
+          <a:prstGeom prst="rect">
+            <a:avLst/>
+          </a:prstGeom>
+        </p:spPr>
+        <p:txBody>
+          <a:bodyPr spcFirstLastPara="1" wrap="square" lIns="91425" tIns="91425" rIns="91425" bIns="91425" anchor="t" anchorCtr="0">
+            <a:normAutofit/>
+          </a:bodyPr>
+          <a:lstStyle/>
+          <a:p>
+            <a:pPr marL="285750" indent="-285750">
+              <a:spcAft>
+                <a:spcPts val="1200"/>
+              </a:spcAft>
+            </a:pPr>
+            <a:r>
+              <a:rPr lang="en-US" dirty="0"/>
+              <a:t>Transform categorical columns using </a:t>
+            </a:r>
+            <a:r>
+              <a:rPr lang="en-US" dirty="0" err="1"/>
+              <a:t>OneHotEncoder</a:t>
+            </a:r>
+            <a:endParaRPr lang="en-US" dirty="0"/>
+          </a:p>
+          <a:p>
+            <a:pPr marL="742950" lvl="1" indent="-285750">
+              <a:spcAft>
+                <a:spcPts val="1200"/>
+              </a:spcAft>
+            </a:pPr>
+            <a:r>
+              <a:rPr lang="en-US" dirty="0"/>
+              <a:t>8 of 33 columns transformed</a:t>
+            </a:r>
+          </a:p>
+          <a:p>
+            <a:pPr marL="285750" indent="-285750">
+              <a:spcAft>
+                <a:spcPts val="1200"/>
+              </a:spcAft>
+            </a:pPr>
+            <a:r>
+              <a:rPr lang="en-US" dirty="0"/>
+              <a:t>Split data into feature &amp; target</a:t>
+            </a:r>
+          </a:p>
+          <a:p>
+            <a:pPr marL="742950" lvl="1" indent="-285750">
+              <a:spcAft>
+                <a:spcPts val="1200"/>
+              </a:spcAft>
+            </a:pPr>
+            <a:r>
+              <a:rPr lang="en-US" dirty="0"/>
+              <a:t>Target: ‘</a:t>
+            </a:r>
+            <a:r>
+              <a:rPr lang="en-US" dirty="0" err="1"/>
+              <a:t>Attrition_Yes</a:t>
+            </a:r>
+            <a:r>
+              <a:rPr lang="en-US" dirty="0"/>
+              <a:t>’</a:t>
+            </a:r>
+          </a:p>
+          <a:p>
+            <a:pPr marL="742950" lvl="1" indent="-285750">
+              <a:spcAft>
+                <a:spcPts val="1200"/>
+              </a:spcAft>
+            </a:pPr>
+            <a:r>
+              <a:rPr lang="en-US" dirty="0"/>
+              <a:t>Split using </a:t>
+            </a:r>
+            <a:r>
+              <a:rPr lang="en-US" dirty="0" err="1"/>
+              <a:t>train_test_split</a:t>
+            </a:r>
+            <a:endParaRPr lang="en-US" dirty="0"/>
+          </a:p>
+          <a:p>
+            <a:pPr marL="285750" indent="-285750">
+              <a:spcAft>
+                <a:spcPts val="1200"/>
+              </a:spcAft>
+            </a:pPr>
+            <a:r>
+              <a:rPr lang="en-US" dirty="0"/>
+              <a:t>Scaling: </a:t>
+            </a:r>
+            <a:r>
+              <a:rPr lang="en-US" dirty="0" err="1"/>
+              <a:t>StandardScaler</a:t>
+            </a:r>
+            <a:endParaRPr lang="en-US" dirty="0"/>
+          </a:p>
+          <a:p>
+            <a:pPr marL="285750" indent="-285750">
+              <a:spcAft>
+                <a:spcPts val="1200"/>
+              </a:spcAft>
+            </a:pPr>
+            <a:endParaRPr lang="en-US" dirty="0"/>
+          </a:p>
+          <a:p>
+            <a:pPr marL="742950" lvl="1" indent="-285750">
+              <a:spcAft>
+                <a:spcPts val="1200"/>
+              </a:spcAft>
+            </a:pPr>
+            <a:endParaRPr dirty="0"/>
+          </a:p>
+        </p:txBody>
+      </p:sp>
+    </p:spTree>
+    <p:extLst>
+      <p:ext uri="{BB962C8B-B14F-4D97-AF65-F5344CB8AC3E}">
+        <p14:creationId xmlns:p14="http://schemas.microsoft.com/office/powerpoint/2010/main" val="1012585142"/>
       </p:ext>
     </p:extLst>
   </p:cSld>

--- a/Presentation/Final Project Presentation.pptx
+++ b/Presentation/Final Project Presentation.pptx
@@ -8,22 +8,22 @@
     <p:notesMasterId r:id="rId18"/>
   </p:notesMasterIdLst>
   <p:sldIdLst>
-    <p:sldId id="256" r:id="rId2"/>
-    <p:sldId id="257" r:id="rId3"/>
-    <p:sldId id="258" r:id="rId4"/>
-    <p:sldId id="272" r:id="rId5"/>
-    <p:sldId id="265" r:id="rId6"/>
-    <p:sldId id="267" r:id="rId7"/>
-    <p:sldId id="268" r:id="rId8"/>
-    <p:sldId id="271" r:id="rId9"/>
-    <p:sldId id="269" r:id="rId10"/>
-    <p:sldId id="260" r:id="rId11"/>
-    <p:sldId id="261" r:id="rId12"/>
-    <p:sldId id="273" r:id="rId13"/>
-    <p:sldId id="274" r:id="rId14"/>
-    <p:sldId id="275" r:id="rId15"/>
-    <p:sldId id="263" r:id="rId16"/>
-    <p:sldId id="264" r:id="rId17"/>
+    <p:sldId id="279" r:id="rId2"/>
+    <p:sldId id="256" r:id="rId3"/>
+    <p:sldId id="276" r:id="rId4"/>
+    <p:sldId id="258" r:id="rId5"/>
+    <p:sldId id="277" r:id="rId6"/>
+    <p:sldId id="272" r:id="rId7"/>
+    <p:sldId id="265" r:id="rId8"/>
+    <p:sldId id="267" r:id="rId9"/>
+    <p:sldId id="268" r:id="rId10"/>
+    <p:sldId id="271" r:id="rId11"/>
+    <p:sldId id="269" r:id="rId12"/>
+    <p:sldId id="261" r:id="rId13"/>
+    <p:sldId id="273" r:id="rId14"/>
+    <p:sldId id="278" r:id="rId15"/>
+    <p:sldId id="274" r:id="rId16"/>
+    <p:sldId id="263" r:id="rId17"/>
   </p:sldIdLst>
   <p:sldSz cx="9144000" cy="5143500" type="screen16x9"/>
   <p:notesSz cx="6858000" cy="9144000"/>
@@ -287,6 +287,3031 @@
     </p:ext>
   </p:extLst>
 </p:presentation>
+</file>
+
+<file path=ppt/diagrams/colors1.xml><?xml version="1.0" encoding="utf-8"?>
+<dgm:colorsDef xmlns:dgm="http://schemas.openxmlformats.org/drawingml/2006/diagram" xmlns:a="http://schemas.openxmlformats.org/drawingml/2006/main" uniqueId="urn:microsoft.com/office/officeart/2005/8/colors/accent1_2">
+  <dgm:title val=""/>
+  <dgm:desc val=""/>
+  <dgm:catLst>
+    <dgm:cat type="accent1" pri="11200"/>
+  </dgm:catLst>
+  <dgm:styleLbl name="node0">
+    <dgm:fillClrLst meth="repeat">
+      <a:schemeClr val="accent1"/>
+    </dgm:fillClrLst>
+    <dgm:linClrLst meth="repeat">
+      <a:schemeClr val="lt1"/>
+    </dgm:linClrLst>
+    <dgm:effectClrLst/>
+    <dgm:txLinClrLst/>
+    <dgm:txFillClrLst/>
+    <dgm:txEffectClrLst/>
+  </dgm:styleLbl>
+  <dgm:styleLbl name="alignNode1">
+    <dgm:fillClrLst meth="repeat">
+      <a:schemeClr val="accent1"/>
+    </dgm:fillClrLst>
+    <dgm:linClrLst meth="repeat">
+      <a:schemeClr val="accent1"/>
+    </dgm:linClrLst>
+    <dgm:effectClrLst/>
+    <dgm:txLinClrLst/>
+    <dgm:txFillClrLst/>
+    <dgm:txEffectClrLst/>
+  </dgm:styleLbl>
+  <dgm:styleLbl name="node1">
+    <dgm:fillClrLst meth="repeat">
+      <a:schemeClr val="accent1"/>
+    </dgm:fillClrLst>
+    <dgm:linClrLst meth="repeat">
+      <a:schemeClr val="lt1"/>
+    </dgm:linClrLst>
+    <dgm:effectClrLst/>
+    <dgm:txLinClrLst/>
+    <dgm:txFillClrLst/>
+    <dgm:txEffectClrLst/>
+  </dgm:styleLbl>
+  <dgm:styleLbl name="lnNode1">
+    <dgm:fillClrLst meth="repeat">
+      <a:schemeClr val="accent1"/>
+    </dgm:fillClrLst>
+    <dgm:linClrLst meth="repeat">
+      <a:schemeClr val="lt1"/>
+    </dgm:linClrLst>
+    <dgm:effectClrLst/>
+    <dgm:txLinClrLst/>
+    <dgm:txFillClrLst/>
+    <dgm:txEffectClrLst/>
+  </dgm:styleLbl>
+  <dgm:styleLbl name="vennNode1">
+    <dgm:fillClrLst meth="repeat">
+      <a:schemeClr val="accent1">
+        <a:alpha val="50000"/>
+      </a:schemeClr>
+    </dgm:fillClrLst>
+    <dgm:linClrLst meth="repeat">
+      <a:schemeClr val="lt1"/>
+    </dgm:linClrLst>
+    <dgm:effectClrLst/>
+    <dgm:txLinClrLst/>
+    <dgm:txFillClrLst/>
+    <dgm:txEffectClrLst/>
+  </dgm:styleLbl>
+  <dgm:styleLbl name="node2">
+    <dgm:fillClrLst meth="repeat">
+      <a:schemeClr val="accent1"/>
+    </dgm:fillClrLst>
+    <dgm:linClrLst meth="repeat">
+      <a:schemeClr val="lt1"/>
+    </dgm:linClrLst>
+    <dgm:effectClrLst/>
+    <dgm:txLinClrLst/>
+    <dgm:txFillClrLst/>
+    <dgm:txEffectClrLst/>
+  </dgm:styleLbl>
+  <dgm:styleLbl name="node3">
+    <dgm:fillClrLst meth="repeat">
+      <a:schemeClr val="accent1"/>
+    </dgm:fillClrLst>
+    <dgm:linClrLst meth="repeat">
+      <a:schemeClr val="lt1"/>
+    </dgm:linClrLst>
+    <dgm:effectClrLst/>
+    <dgm:txLinClrLst/>
+    <dgm:txFillClrLst/>
+    <dgm:txEffectClrLst/>
+  </dgm:styleLbl>
+  <dgm:styleLbl name="node4">
+    <dgm:fillClrLst meth="repeat">
+      <a:schemeClr val="accent1"/>
+    </dgm:fillClrLst>
+    <dgm:linClrLst meth="repeat">
+      <a:schemeClr val="lt1"/>
+    </dgm:linClrLst>
+    <dgm:effectClrLst/>
+    <dgm:txLinClrLst/>
+    <dgm:txFillClrLst/>
+    <dgm:txEffectClrLst/>
+  </dgm:styleLbl>
+  <dgm:styleLbl name="fgImgPlace1">
+    <dgm:fillClrLst meth="repeat">
+      <a:schemeClr val="accent1">
+        <a:tint val="50000"/>
+      </a:schemeClr>
+    </dgm:fillClrLst>
+    <dgm:linClrLst meth="repeat">
+      <a:schemeClr val="lt1"/>
+    </dgm:linClrLst>
+    <dgm:effectClrLst/>
+    <dgm:txLinClrLst/>
+    <dgm:txFillClrLst meth="repeat">
+      <a:schemeClr val="lt1"/>
+    </dgm:txFillClrLst>
+    <dgm:txEffectClrLst/>
+  </dgm:styleLbl>
+  <dgm:styleLbl name="alignImgPlace1">
+    <dgm:fillClrLst meth="repeat">
+      <a:schemeClr val="accent1">
+        <a:tint val="50000"/>
+      </a:schemeClr>
+    </dgm:fillClrLst>
+    <dgm:linClrLst meth="repeat">
+      <a:schemeClr val="lt1"/>
+    </dgm:linClrLst>
+    <dgm:effectClrLst/>
+    <dgm:txLinClrLst/>
+    <dgm:txFillClrLst meth="repeat">
+      <a:schemeClr val="lt1"/>
+    </dgm:txFillClrLst>
+    <dgm:txEffectClrLst/>
+  </dgm:styleLbl>
+  <dgm:styleLbl name="bgImgPlace1">
+    <dgm:fillClrLst meth="repeat">
+      <a:schemeClr val="accent1">
+        <a:tint val="50000"/>
+      </a:schemeClr>
+    </dgm:fillClrLst>
+    <dgm:linClrLst meth="repeat">
+      <a:schemeClr val="lt1"/>
+    </dgm:linClrLst>
+    <dgm:effectClrLst/>
+    <dgm:txLinClrLst/>
+    <dgm:txFillClrLst meth="repeat">
+      <a:schemeClr val="lt1"/>
+    </dgm:txFillClrLst>
+    <dgm:txEffectClrLst/>
+  </dgm:styleLbl>
+  <dgm:styleLbl name="sibTrans2D1">
+    <dgm:fillClrLst meth="repeat">
+      <a:schemeClr val="accent1">
+        <a:tint val="60000"/>
+      </a:schemeClr>
+    </dgm:fillClrLst>
+    <dgm:linClrLst meth="repeat">
+      <a:schemeClr val="accent1">
+        <a:tint val="60000"/>
+      </a:schemeClr>
+    </dgm:linClrLst>
+    <dgm:effectClrLst/>
+    <dgm:txLinClrLst/>
+    <dgm:txFillClrLst/>
+    <dgm:txEffectClrLst/>
+  </dgm:styleLbl>
+  <dgm:styleLbl name="fgSibTrans2D1">
+    <dgm:fillClrLst meth="repeat">
+      <a:schemeClr val="accent1">
+        <a:tint val="60000"/>
+      </a:schemeClr>
+    </dgm:fillClrLst>
+    <dgm:linClrLst meth="repeat">
+      <a:schemeClr val="accent1">
+        <a:tint val="60000"/>
+      </a:schemeClr>
+    </dgm:linClrLst>
+    <dgm:effectClrLst/>
+    <dgm:txLinClrLst/>
+    <dgm:txFillClrLst/>
+    <dgm:txEffectClrLst/>
+  </dgm:styleLbl>
+  <dgm:styleLbl name="bgSibTrans2D1">
+    <dgm:fillClrLst meth="repeat">
+      <a:schemeClr val="accent1">
+        <a:tint val="60000"/>
+      </a:schemeClr>
+    </dgm:fillClrLst>
+    <dgm:linClrLst meth="repeat">
+      <a:schemeClr val="accent1">
+        <a:tint val="60000"/>
+      </a:schemeClr>
+    </dgm:linClrLst>
+    <dgm:effectClrLst/>
+    <dgm:txLinClrLst/>
+    <dgm:txFillClrLst/>
+    <dgm:txEffectClrLst/>
+  </dgm:styleLbl>
+  <dgm:styleLbl name="sibTrans1D1">
+    <dgm:fillClrLst meth="repeat">
+      <a:schemeClr val="accent1"/>
+    </dgm:fillClrLst>
+    <dgm:linClrLst meth="repeat">
+      <a:schemeClr val="accent1"/>
+    </dgm:linClrLst>
+    <dgm:effectClrLst/>
+    <dgm:txLinClrLst/>
+    <dgm:txFillClrLst meth="repeat">
+      <a:schemeClr val="tx1"/>
+    </dgm:txFillClrLst>
+    <dgm:txEffectClrLst/>
+  </dgm:styleLbl>
+  <dgm:styleLbl name="callout">
+    <dgm:fillClrLst meth="repeat">
+      <a:schemeClr val="accent1"/>
+    </dgm:fillClrLst>
+    <dgm:linClrLst meth="repeat">
+      <a:schemeClr val="accent1">
+        <a:tint val="50000"/>
+      </a:schemeClr>
+    </dgm:linClrLst>
+    <dgm:effectClrLst/>
+    <dgm:txLinClrLst/>
+    <dgm:txFillClrLst meth="repeat">
+      <a:schemeClr val="tx1"/>
+    </dgm:txFillClrLst>
+    <dgm:txEffectClrLst/>
+  </dgm:styleLbl>
+  <dgm:styleLbl name="asst0">
+    <dgm:fillClrLst meth="repeat">
+      <a:schemeClr val="accent1"/>
+    </dgm:fillClrLst>
+    <dgm:linClrLst meth="repeat">
+      <a:schemeClr val="lt1"/>
+    </dgm:linClrLst>
+    <dgm:effectClrLst/>
+    <dgm:txLinClrLst/>
+    <dgm:txFillClrLst/>
+    <dgm:txEffectClrLst/>
+  </dgm:styleLbl>
+  <dgm:styleLbl name="asst1">
+    <dgm:fillClrLst meth="repeat">
+      <a:schemeClr val="accent1"/>
+    </dgm:fillClrLst>
+    <dgm:linClrLst meth="repeat">
+      <a:schemeClr val="lt1"/>
+    </dgm:linClrLst>
+    <dgm:effectClrLst/>
+    <dgm:txLinClrLst/>
+    <dgm:txFillClrLst/>
+    <dgm:txEffectClrLst/>
+  </dgm:styleLbl>
+  <dgm:styleLbl name="asst2">
+    <dgm:fillClrLst meth="repeat">
+      <a:schemeClr val="accent1"/>
+    </dgm:fillClrLst>
+    <dgm:linClrLst meth="repeat">
+      <a:schemeClr val="lt1"/>
+    </dgm:linClrLst>
+    <dgm:effectClrLst/>
+    <dgm:txLinClrLst/>
+    <dgm:txFillClrLst/>
+    <dgm:txEffectClrLst/>
+  </dgm:styleLbl>
+  <dgm:styleLbl name="asst3">
+    <dgm:fillClrLst meth="repeat">
+      <a:schemeClr val="accent1"/>
+    </dgm:fillClrLst>
+    <dgm:linClrLst meth="repeat">
+      <a:schemeClr val="lt1"/>
+    </dgm:linClrLst>
+    <dgm:effectClrLst/>
+    <dgm:txLinClrLst/>
+    <dgm:txFillClrLst/>
+    <dgm:txEffectClrLst/>
+  </dgm:styleLbl>
+  <dgm:styleLbl name="asst4">
+    <dgm:fillClrLst meth="repeat">
+      <a:schemeClr val="accent1"/>
+    </dgm:fillClrLst>
+    <dgm:linClrLst meth="repeat">
+      <a:schemeClr val="lt1"/>
+    </dgm:linClrLst>
+    <dgm:effectClrLst/>
+    <dgm:txLinClrLst/>
+    <dgm:txFillClrLst/>
+    <dgm:txEffectClrLst/>
+  </dgm:styleLbl>
+  <dgm:styleLbl name="parChTrans2D1">
+    <dgm:fillClrLst meth="repeat">
+      <a:schemeClr val="accent1">
+        <a:tint val="60000"/>
+      </a:schemeClr>
+    </dgm:fillClrLst>
+    <dgm:linClrLst meth="repeat">
+      <a:schemeClr val="accent1">
+        <a:tint val="60000"/>
+      </a:schemeClr>
+    </dgm:linClrLst>
+    <dgm:effectClrLst/>
+    <dgm:txLinClrLst/>
+    <dgm:txFillClrLst meth="repeat">
+      <a:schemeClr val="lt1"/>
+    </dgm:txFillClrLst>
+    <dgm:txEffectClrLst/>
+  </dgm:styleLbl>
+  <dgm:styleLbl name="parChTrans2D2">
+    <dgm:fillClrLst meth="repeat">
+      <a:schemeClr val="accent1"/>
+    </dgm:fillClrLst>
+    <dgm:linClrLst meth="repeat">
+      <a:schemeClr val="accent1"/>
+    </dgm:linClrLst>
+    <dgm:effectClrLst/>
+    <dgm:txLinClrLst/>
+    <dgm:txFillClrLst meth="repeat">
+      <a:schemeClr val="lt1"/>
+    </dgm:txFillClrLst>
+    <dgm:txEffectClrLst/>
+  </dgm:styleLbl>
+  <dgm:styleLbl name="parChTrans2D3">
+    <dgm:fillClrLst meth="repeat">
+      <a:schemeClr val="accent1"/>
+    </dgm:fillClrLst>
+    <dgm:linClrLst meth="repeat">
+      <a:schemeClr val="accent1"/>
+    </dgm:linClrLst>
+    <dgm:effectClrLst/>
+    <dgm:txLinClrLst/>
+    <dgm:txFillClrLst meth="repeat">
+      <a:schemeClr val="lt1"/>
+    </dgm:txFillClrLst>
+    <dgm:txEffectClrLst/>
+  </dgm:styleLbl>
+  <dgm:styleLbl name="parChTrans2D4">
+    <dgm:fillClrLst meth="repeat">
+      <a:schemeClr val="accent1"/>
+    </dgm:fillClrLst>
+    <dgm:linClrLst meth="repeat">
+      <a:schemeClr val="accent1"/>
+    </dgm:linClrLst>
+    <dgm:effectClrLst/>
+    <dgm:txLinClrLst/>
+    <dgm:txFillClrLst meth="repeat">
+      <a:schemeClr val="lt1"/>
+    </dgm:txFillClrLst>
+    <dgm:txEffectClrLst/>
+  </dgm:styleLbl>
+  <dgm:styleLbl name="parChTrans1D1">
+    <dgm:fillClrLst meth="repeat">
+      <a:schemeClr val="accent1"/>
+    </dgm:fillClrLst>
+    <dgm:linClrLst meth="repeat">
+      <a:schemeClr val="accent1">
+        <a:shade val="60000"/>
+      </a:schemeClr>
+    </dgm:linClrLst>
+    <dgm:effectClrLst/>
+    <dgm:txLinClrLst/>
+    <dgm:txFillClrLst meth="repeat">
+      <a:schemeClr val="tx1"/>
+    </dgm:txFillClrLst>
+    <dgm:txEffectClrLst/>
+  </dgm:styleLbl>
+  <dgm:styleLbl name="parChTrans1D2">
+    <dgm:fillClrLst meth="repeat">
+      <a:schemeClr val="accent1"/>
+    </dgm:fillClrLst>
+    <dgm:linClrLst meth="repeat">
+      <a:schemeClr val="accent1">
+        <a:shade val="60000"/>
+      </a:schemeClr>
+    </dgm:linClrLst>
+    <dgm:effectClrLst/>
+    <dgm:txLinClrLst/>
+    <dgm:txFillClrLst meth="repeat">
+      <a:schemeClr val="tx1"/>
+    </dgm:txFillClrLst>
+    <dgm:txEffectClrLst/>
+  </dgm:styleLbl>
+  <dgm:styleLbl name="parChTrans1D3">
+    <dgm:fillClrLst meth="repeat">
+      <a:schemeClr val="accent1"/>
+    </dgm:fillClrLst>
+    <dgm:linClrLst meth="repeat">
+      <a:schemeClr val="accent1">
+        <a:shade val="80000"/>
+      </a:schemeClr>
+    </dgm:linClrLst>
+    <dgm:effectClrLst/>
+    <dgm:txLinClrLst/>
+    <dgm:txFillClrLst meth="repeat">
+      <a:schemeClr val="tx1"/>
+    </dgm:txFillClrLst>
+    <dgm:txEffectClrLst/>
+  </dgm:styleLbl>
+  <dgm:styleLbl name="parChTrans1D4">
+    <dgm:fillClrLst meth="repeat">
+      <a:schemeClr val="accent1"/>
+    </dgm:fillClrLst>
+    <dgm:linClrLst meth="repeat">
+      <a:schemeClr val="accent1">
+        <a:shade val="80000"/>
+      </a:schemeClr>
+    </dgm:linClrLst>
+    <dgm:effectClrLst/>
+    <dgm:txLinClrLst/>
+    <dgm:txFillClrLst meth="repeat">
+      <a:schemeClr val="tx1"/>
+    </dgm:txFillClrLst>
+    <dgm:txEffectClrLst/>
+  </dgm:styleLbl>
+  <dgm:styleLbl name="fgAcc1">
+    <dgm:fillClrLst meth="repeat">
+      <a:schemeClr val="lt1">
+        <a:alpha val="90000"/>
+      </a:schemeClr>
+    </dgm:fillClrLst>
+    <dgm:linClrLst meth="repeat">
+      <a:schemeClr val="accent1"/>
+    </dgm:linClrLst>
+    <dgm:effectClrLst/>
+    <dgm:txLinClrLst/>
+    <dgm:txFillClrLst meth="repeat">
+      <a:schemeClr val="dk1"/>
+    </dgm:txFillClrLst>
+    <dgm:txEffectClrLst/>
+  </dgm:styleLbl>
+  <dgm:styleLbl name="conFgAcc1">
+    <dgm:fillClrLst meth="repeat">
+      <a:schemeClr val="lt1">
+        <a:alpha val="90000"/>
+      </a:schemeClr>
+    </dgm:fillClrLst>
+    <dgm:linClrLst meth="repeat">
+      <a:schemeClr val="accent1"/>
+    </dgm:linClrLst>
+    <dgm:effectClrLst/>
+    <dgm:txLinClrLst/>
+    <dgm:txFillClrLst meth="repeat">
+      <a:schemeClr val="dk1"/>
+    </dgm:txFillClrLst>
+    <dgm:txEffectClrLst/>
+  </dgm:styleLbl>
+  <dgm:styleLbl name="alignAcc1">
+    <dgm:fillClrLst meth="repeat">
+      <a:schemeClr val="lt1">
+        <a:alpha val="90000"/>
+      </a:schemeClr>
+    </dgm:fillClrLst>
+    <dgm:linClrLst meth="repeat">
+      <a:schemeClr val="accent1"/>
+    </dgm:linClrLst>
+    <dgm:effectClrLst/>
+    <dgm:txLinClrLst/>
+    <dgm:txFillClrLst meth="repeat">
+      <a:schemeClr val="dk1"/>
+    </dgm:txFillClrLst>
+    <dgm:txEffectClrLst/>
+  </dgm:styleLbl>
+  <dgm:styleLbl name="trAlignAcc1">
+    <dgm:fillClrLst meth="repeat">
+      <a:schemeClr val="lt1">
+        <a:alpha val="40000"/>
+      </a:schemeClr>
+    </dgm:fillClrLst>
+    <dgm:linClrLst meth="repeat">
+      <a:schemeClr val="accent1"/>
+    </dgm:linClrLst>
+    <dgm:effectClrLst/>
+    <dgm:txLinClrLst/>
+    <dgm:txFillClrLst meth="repeat">
+      <a:schemeClr val="dk1"/>
+    </dgm:txFillClrLst>
+    <dgm:txEffectClrLst/>
+  </dgm:styleLbl>
+  <dgm:styleLbl name="bgAcc1">
+    <dgm:fillClrLst meth="repeat">
+      <a:schemeClr val="lt1">
+        <a:alpha val="90000"/>
+      </a:schemeClr>
+    </dgm:fillClrLst>
+    <dgm:linClrLst meth="repeat">
+      <a:schemeClr val="accent1"/>
+    </dgm:linClrLst>
+    <dgm:effectClrLst/>
+    <dgm:txLinClrLst/>
+    <dgm:txFillClrLst meth="repeat">
+      <a:schemeClr val="dk1"/>
+    </dgm:txFillClrLst>
+    <dgm:txEffectClrLst/>
+  </dgm:styleLbl>
+  <dgm:styleLbl name="solidFgAcc1">
+    <dgm:fillClrLst meth="repeat">
+      <a:schemeClr val="lt1"/>
+    </dgm:fillClrLst>
+    <dgm:linClrLst meth="repeat">
+      <a:schemeClr val="accent1"/>
+    </dgm:linClrLst>
+    <dgm:effectClrLst/>
+    <dgm:txLinClrLst/>
+    <dgm:txFillClrLst meth="repeat">
+      <a:schemeClr val="dk1"/>
+    </dgm:txFillClrLst>
+    <dgm:txEffectClrLst/>
+  </dgm:styleLbl>
+  <dgm:styleLbl name="solidAlignAcc1">
+    <dgm:fillClrLst meth="repeat">
+      <a:schemeClr val="lt1"/>
+    </dgm:fillClrLst>
+    <dgm:linClrLst meth="repeat">
+      <a:schemeClr val="accent1"/>
+    </dgm:linClrLst>
+    <dgm:effectClrLst/>
+    <dgm:txLinClrLst/>
+    <dgm:txFillClrLst meth="repeat">
+      <a:schemeClr val="dk1"/>
+    </dgm:txFillClrLst>
+    <dgm:txEffectClrLst/>
+  </dgm:styleLbl>
+  <dgm:styleLbl name="solidBgAcc1">
+    <dgm:fillClrLst meth="repeat">
+      <a:schemeClr val="lt1"/>
+    </dgm:fillClrLst>
+    <dgm:linClrLst meth="repeat">
+      <a:schemeClr val="accent1"/>
+    </dgm:linClrLst>
+    <dgm:effectClrLst/>
+    <dgm:txLinClrLst/>
+    <dgm:txFillClrLst meth="repeat">
+      <a:schemeClr val="dk1"/>
+    </dgm:txFillClrLst>
+    <dgm:txEffectClrLst/>
+  </dgm:styleLbl>
+  <dgm:styleLbl name="fgAccFollowNode1">
+    <dgm:fillClrLst meth="repeat">
+      <a:schemeClr val="accent1">
+        <a:alpha val="90000"/>
+        <a:tint val="40000"/>
+      </a:schemeClr>
+    </dgm:fillClrLst>
+    <dgm:linClrLst meth="repeat">
+      <a:schemeClr val="accent1">
+        <a:alpha val="90000"/>
+        <a:tint val="40000"/>
+      </a:schemeClr>
+    </dgm:linClrLst>
+    <dgm:effectClrLst/>
+    <dgm:txLinClrLst/>
+    <dgm:txFillClrLst meth="repeat">
+      <a:schemeClr val="dk1"/>
+    </dgm:txFillClrLst>
+    <dgm:txEffectClrLst/>
+  </dgm:styleLbl>
+  <dgm:styleLbl name="alignAccFollowNode1">
+    <dgm:fillClrLst meth="repeat">
+      <a:schemeClr val="accent1">
+        <a:alpha val="90000"/>
+        <a:tint val="40000"/>
+      </a:schemeClr>
+    </dgm:fillClrLst>
+    <dgm:linClrLst meth="repeat">
+      <a:schemeClr val="accent1">
+        <a:alpha val="90000"/>
+        <a:tint val="40000"/>
+      </a:schemeClr>
+    </dgm:linClrLst>
+    <dgm:effectClrLst/>
+    <dgm:txLinClrLst/>
+    <dgm:txFillClrLst meth="repeat">
+      <a:schemeClr val="dk1"/>
+    </dgm:txFillClrLst>
+    <dgm:txEffectClrLst/>
+  </dgm:styleLbl>
+  <dgm:styleLbl name="bgAccFollowNode1">
+    <dgm:fillClrLst meth="repeat">
+      <a:schemeClr val="accent1">
+        <a:alpha val="90000"/>
+        <a:tint val="40000"/>
+      </a:schemeClr>
+    </dgm:fillClrLst>
+    <dgm:linClrLst meth="repeat">
+      <a:schemeClr val="accent1">
+        <a:alpha val="90000"/>
+        <a:tint val="40000"/>
+      </a:schemeClr>
+    </dgm:linClrLst>
+    <dgm:effectClrLst/>
+    <dgm:txLinClrLst/>
+    <dgm:txFillClrLst meth="repeat">
+      <a:schemeClr val="dk1"/>
+    </dgm:txFillClrLst>
+    <dgm:txEffectClrLst/>
+  </dgm:styleLbl>
+  <dgm:styleLbl name="fgAcc0">
+    <dgm:fillClrLst meth="repeat">
+      <a:schemeClr val="lt1">
+        <a:alpha val="90000"/>
+      </a:schemeClr>
+    </dgm:fillClrLst>
+    <dgm:linClrLst meth="repeat">
+      <a:schemeClr val="accent1"/>
+    </dgm:linClrLst>
+    <dgm:effectClrLst/>
+    <dgm:txLinClrLst/>
+    <dgm:txFillClrLst meth="repeat">
+      <a:schemeClr val="dk1"/>
+    </dgm:txFillClrLst>
+    <dgm:txEffectClrLst/>
+  </dgm:styleLbl>
+  <dgm:styleLbl name="fgAcc2">
+    <dgm:fillClrLst meth="repeat">
+      <a:schemeClr val="lt1">
+        <a:alpha val="90000"/>
+      </a:schemeClr>
+    </dgm:fillClrLst>
+    <dgm:linClrLst meth="repeat">
+      <a:schemeClr val="accent1"/>
+    </dgm:linClrLst>
+    <dgm:effectClrLst/>
+    <dgm:txLinClrLst/>
+    <dgm:txFillClrLst meth="repeat">
+      <a:schemeClr val="dk1"/>
+    </dgm:txFillClrLst>
+    <dgm:txEffectClrLst/>
+  </dgm:styleLbl>
+  <dgm:styleLbl name="fgAcc3">
+    <dgm:fillClrLst meth="repeat">
+      <a:schemeClr val="lt1">
+        <a:alpha val="90000"/>
+      </a:schemeClr>
+    </dgm:fillClrLst>
+    <dgm:linClrLst meth="repeat">
+      <a:schemeClr val="accent1"/>
+    </dgm:linClrLst>
+    <dgm:effectClrLst/>
+    <dgm:txLinClrLst/>
+    <dgm:txFillClrLst meth="repeat">
+      <a:schemeClr val="dk1"/>
+    </dgm:txFillClrLst>
+    <dgm:txEffectClrLst/>
+  </dgm:styleLbl>
+  <dgm:styleLbl name="fgAcc4">
+    <dgm:fillClrLst meth="repeat">
+      <a:schemeClr val="lt1">
+        <a:alpha val="90000"/>
+      </a:schemeClr>
+    </dgm:fillClrLst>
+    <dgm:linClrLst meth="repeat">
+      <a:schemeClr val="accent1"/>
+    </dgm:linClrLst>
+    <dgm:effectClrLst/>
+    <dgm:txLinClrLst/>
+    <dgm:txFillClrLst meth="repeat">
+      <a:schemeClr val="dk1"/>
+    </dgm:txFillClrLst>
+    <dgm:txEffectClrLst/>
+  </dgm:styleLbl>
+  <dgm:styleLbl name="bgShp">
+    <dgm:fillClrLst meth="repeat">
+      <a:schemeClr val="accent1">
+        <a:tint val="40000"/>
+      </a:schemeClr>
+    </dgm:fillClrLst>
+    <dgm:linClrLst meth="repeat">
+      <a:schemeClr val="accent1"/>
+    </dgm:linClrLst>
+    <dgm:effectClrLst/>
+    <dgm:txLinClrLst/>
+    <dgm:txFillClrLst meth="repeat">
+      <a:schemeClr val="dk1"/>
+    </dgm:txFillClrLst>
+    <dgm:txEffectClrLst/>
+  </dgm:styleLbl>
+  <dgm:styleLbl name="dkBgShp">
+    <dgm:fillClrLst meth="repeat">
+      <a:schemeClr val="accent1">
+        <a:shade val="80000"/>
+      </a:schemeClr>
+    </dgm:fillClrLst>
+    <dgm:linClrLst meth="repeat">
+      <a:schemeClr val="accent1"/>
+    </dgm:linClrLst>
+    <dgm:effectClrLst/>
+    <dgm:txLinClrLst/>
+    <dgm:txFillClrLst meth="repeat">
+      <a:schemeClr val="lt1"/>
+    </dgm:txFillClrLst>
+    <dgm:txEffectClrLst/>
+  </dgm:styleLbl>
+  <dgm:styleLbl name="trBgShp">
+    <dgm:fillClrLst meth="repeat">
+      <a:schemeClr val="accent1">
+        <a:tint val="50000"/>
+        <a:alpha val="40000"/>
+      </a:schemeClr>
+    </dgm:fillClrLst>
+    <dgm:linClrLst meth="repeat">
+      <a:schemeClr val="accent1"/>
+    </dgm:linClrLst>
+    <dgm:effectClrLst/>
+    <dgm:txLinClrLst/>
+    <dgm:txFillClrLst meth="repeat">
+      <a:schemeClr val="lt1"/>
+    </dgm:txFillClrLst>
+    <dgm:txEffectClrLst/>
+  </dgm:styleLbl>
+  <dgm:styleLbl name="fgShp">
+    <dgm:fillClrLst meth="repeat">
+      <a:schemeClr val="accent1">
+        <a:tint val="60000"/>
+      </a:schemeClr>
+    </dgm:fillClrLst>
+    <dgm:linClrLst meth="repeat">
+      <a:schemeClr val="lt1"/>
+    </dgm:linClrLst>
+    <dgm:effectClrLst/>
+    <dgm:txLinClrLst/>
+    <dgm:txFillClrLst meth="repeat">
+      <a:schemeClr val="dk1"/>
+    </dgm:txFillClrLst>
+    <dgm:txEffectClrLst/>
+  </dgm:styleLbl>
+  <dgm:styleLbl name="revTx">
+    <dgm:fillClrLst meth="repeat">
+      <a:schemeClr val="lt1">
+        <a:alpha val="0"/>
+      </a:schemeClr>
+    </dgm:fillClrLst>
+    <dgm:linClrLst meth="repeat">
+      <a:schemeClr val="dk1">
+        <a:alpha val="0"/>
+      </a:schemeClr>
+    </dgm:linClrLst>
+    <dgm:effectClrLst/>
+    <dgm:txLinClrLst/>
+    <dgm:txFillClrLst meth="repeat">
+      <a:schemeClr val="tx1"/>
+    </dgm:txFillClrLst>
+    <dgm:txEffectClrLst/>
+  </dgm:styleLbl>
+</dgm:colorsDef>
+</file>
+
+<file path=ppt/diagrams/data1.xml><?xml version="1.0" encoding="utf-8"?>
+<dgm:dataModel xmlns:dgm="http://schemas.openxmlformats.org/drawingml/2006/diagram" xmlns:a="http://schemas.openxmlformats.org/drawingml/2006/main">
+  <dgm:ptLst>
+    <dgm:pt modelId="{04248A31-2E22-4F9C-8B86-0CE4BD8A20F4}" type="doc">
+      <dgm:prSet loTypeId="urn:microsoft.com/office/officeart/2005/8/layout/default" loCatId="list" qsTypeId="urn:microsoft.com/office/officeart/2005/8/quickstyle/simple1" qsCatId="simple" csTypeId="urn:microsoft.com/office/officeart/2005/8/colors/accent1_2" csCatId="accent1" phldr="1"/>
+      <dgm:spPr/>
+      <dgm:t>
+        <a:bodyPr/>
+        <a:lstStyle/>
+        <a:p>
+          <a:endParaRPr lang="en-US"/>
+        </a:p>
+      </dgm:t>
+    </dgm:pt>
+    <dgm:pt modelId="{4F0B2DCE-9D68-4139-AA78-C37639664567}">
+      <dgm:prSet phldrT="[Text]"/>
+      <dgm:spPr/>
+      <dgm:t>
+        <a:bodyPr/>
+        <a:lstStyle/>
+        <a:p>
+          <a:r>
+            <a:rPr lang="en-US" dirty="0" err="1"/>
+            <a:t>Jupyter</a:t>
+          </a:r>
+          <a:r>
+            <a:rPr lang="en-US" dirty="0"/>
+            <a:t> Notebook</a:t>
+          </a:r>
+        </a:p>
+      </dgm:t>
+    </dgm:pt>
+    <dgm:pt modelId="{1E4A9669-834F-409E-B044-837FB99ABF0E}" type="parTrans" cxnId="{19B0F0EB-F32E-4841-BB3B-DA17483B58C9}">
+      <dgm:prSet/>
+      <dgm:spPr/>
+      <dgm:t>
+        <a:bodyPr/>
+        <a:lstStyle/>
+        <a:p>
+          <a:endParaRPr lang="en-US"/>
+        </a:p>
+      </dgm:t>
+    </dgm:pt>
+    <dgm:pt modelId="{D32376BC-5FAE-4B77-8A32-728179F59F12}" type="sibTrans" cxnId="{19B0F0EB-F32E-4841-BB3B-DA17483B58C9}">
+      <dgm:prSet/>
+      <dgm:spPr/>
+      <dgm:t>
+        <a:bodyPr/>
+        <a:lstStyle/>
+        <a:p>
+          <a:endParaRPr lang="en-US"/>
+        </a:p>
+      </dgm:t>
+    </dgm:pt>
+    <dgm:pt modelId="{2E96561D-4FA7-45A8-A653-06E5515BD439}">
+      <dgm:prSet phldrT="[Text]"/>
+      <dgm:spPr/>
+      <dgm:t>
+        <a:bodyPr/>
+        <a:lstStyle/>
+        <a:p>
+          <a:r>
+            <a:rPr lang="en-US" dirty="0"/>
+            <a:t>Pandas</a:t>
+          </a:r>
+        </a:p>
+      </dgm:t>
+    </dgm:pt>
+    <dgm:pt modelId="{D2336CD2-05A1-4CB7-BD47-90DFDB907511}" type="parTrans" cxnId="{54DFF65D-9A86-4EB4-B8A1-8903F374A34F}">
+      <dgm:prSet/>
+      <dgm:spPr/>
+      <dgm:t>
+        <a:bodyPr/>
+        <a:lstStyle/>
+        <a:p>
+          <a:endParaRPr lang="en-US"/>
+        </a:p>
+      </dgm:t>
+    </dgm:pt>
+    <dgm:pt modelId="{06923513-EADC-4CE9-B6B1-63E0CA63D6E7}" type="sibTrans" cxnId="{54DFF65D-9A86-4EB4-B8A1-8903F374A34F}">
+      <dgm:prSet/>
+      <dgm:spPr/>
+      <dgm:t>
+        <a:bodyPr/>
+        <a:lstStyle/>
+        <a:p>
+          <a:endParaRPr lang="en-US"/>
+        </a:p>
+      </dgm:t>
+    </dgm:pt>
+    <dgm:pt modelId="{74FA83E2-771B-4035-A2F1-B40EE6F73AD8}">
+      <dgm:prSet phldrT="[Text]"/>
+      <dgm:spPr/>
+      <dgm:t>
+        <a:bodyPr/>
+        <a:lstStyle/>
+        <a:p>
+          <a:r>
+            <a:rPr lang="en-US" dirty="0"/>
+            <a:t>PostgreSQL</a:t>
+          </a:r>
+        </a:p>
+      </dgm:t>
+    </dgm:pt>
+    <dgm:pt modelId="{E2E1F783-45C9-4216-B734-4AB0E15047C3}" type="parTrans" cxnId="{35D26407-C516-4E9A-9A52-33ED163B8A01}">
+      <dgm:prSet/>
+      <dgm:spPr/>
+      <dgm:t>
+        <a:bodyPr/>
+        <a:lstStyle/>
+        <a:p>
+          <a:endParaRPr lang="en-US"/>
+        </a:p>
+      </dgm:t>
+    </dgm:pt>
+    <dgm:pt modelId="{59D1ACA5-3A0A-4697-BE79-722A2BC7D4AA}" type="sibTrans" cxnId="{35D26407-C516-4E9A-9A52-33ED163B8A01}">
+      <dgm:prSet/>
+      <dgm:spPr/>
+      <dgm:t>
+        <a:bodyPr/>
+        <a:lstStyle/>
+        <a:p>
+          <a:endParaRPr lang="en-US"/>
+        </a:p>
+      </dgm:t>
+    </dgm:pt>
+    <dgm:pt modelId="{A148ECA6-0191-42A1-9992-AF515D26F4DC}">
+      <dgm:prSet phldrT="[Text]"/>
+      <dgm:spPr/>
+      <dgm:t>
+        <a:bodyPr/>
+        <a:lstStyle/>
+        <a:p>
+          <a:r>
+            <a:rPr lang="en-US" dirty="0"/>
+            <a:t>Tableau</a:t>
+          </a:r>
+        </a:p>
+      </dgm:t>
+    </dgm:pt>
+    <dgm:pt modelId="{1A481358-827F-4369-9238-68002901BC6B}" type="parTrans" cxnId="{544DCAD3-F340-4D01-9C61-1D32CA7A921C}">
+      <dgm:prSet/>
+      <dgm:spPr/>
+      <dgm:t>
+        <a:bodyPr/>
+        <a:lstStyle/>
+        <a:p>
+          <a:endParaRPr lang="en-US"/>
+        </a:p>
+      </dgm:t>
+    </dgm:pt>
+    <dgm:pt modelId="{94797850-F758-4EBC-BC69-C499B5D75C28}" type="sibTrans" cxnId="{544DCAD3-F340-4D01-9C61-1D32CA7A921C}">
+      <dgm:prSet/>
+      <dgm:spPr/>
+      <dgm:t>
+        <a:bodyPr/>
+        <a:lstStyle/>
+        <a:p>
+          <a:endParaRPr lang="en-US"/>
+        </a:p>
+      </dgm:t>
+    </dgm:pt>
+    <dgm:pt modelId="{C2EE082A-E0D6-468B-8006-992F9AD7AA29}">
+      <dgm:prSet phldrT="[Text]"/>
+      <dgm:spPr/>
+      <dgm:t>
+        <a:bodyPr/>
+        <a:lstStyle/>
+        <a:p>
+          <a:pPr>
+            <a:buSzPts val="1300"/>
+            <a:buChar char="-"/>
+          </a:pPr>
+          <a:r>
+            <a:rPr lang="en-US" dirty="0" err="1"/>
+            <a:t>Numpy</a:t>
+          </a:r>
+          <a:r>
+            <a:rPr lang="en-US" dirty="0"/>
+            <a:t> </a:t>
+          </a:r>
+        </a:p>
+      </dgm:t>
+    </dgm:pt>
+    <dgm:pt modelId="{5D415919-11C1-4311-B6C5-B7617909F635}" type="parTrans" cxnId="{A124E583-663E-4534-A02A-84E950194E3D}">
+      <dgm:prSet/>
+      <dgm:spPr/>
+      <dgm:t>
+        <a:bodyPr/>
+        <a:lstStyle/>
+        <a:p>
+          <a:endParaRPr lang="en-US"/>
+        </a:p>
+      </dgm:t>
+    </dgm:pt>
+    <dgm:pt modelId="{085B2E33-5B27-4536-8621-A1FDAB21630C}" type="sibTrans" cxnId="{A124E583-663E-4534-A02A-84E950194E3D}">
+      <dgm:prSet/>
+      <dgm:spPr/>
+      <dgm:t>
+        <a:bodyPr/>
+        <a:lstStyle/>
+        <a:p>
+          <a:endParaRPr lang="en-US"/>
+        </a:p>
+      </dgm:t>
+    </dgm:pt>
+    <dgm:pt modelId="{342E5CF8-10F6-430A-AF75-65FFA75C21AB}">
+      <dgm:prSet/>
+      <dgm:spPr/>
+      <dgm:t>
+        <a:bodyPr/>
+        <a:lstStyle/>
+        <a:p>
+          <a:r>
+            <a:rPr lang="en-US" dirty="0"/>
+            <a:t>Matplotlib</a:t>
+          </a:r>
+        </a:p>
+      </dgm:t>
+    </dgm:pt>
+    <dgm:pt modelId="{B0680985-7CE5-4B93-9826-8573196C2576}" type="parTrans" cxnId="{9C1D8AEE-3757-49F5-99DB-C32AAD784056}">
+      <dgm:prSet/>
+      <dgm:spPr/>
+      <dgm:t>
+        <a:bodyPr/>
+        <a:lstStyle/>
+        <a:p>
+          <a:endParaRPr lang="en-US"/>
+        </a:p>
+      </dgm:t>
+    </dgm:pt>
+    <dgm:pt modelId="{7320C8C8-2330-47FD-963A-3677C287F49E}" type="sibTrans" cxnId="{9C1D8AEE-3757-49F5-99DB-C32AAD784056}">
+      <dgm:prSet/>
+      <dgm:spPr/>
+      <dgm:t>
+        <a:bodyPr/>
+        <a:lstStyle/>
+        <a:p>
+          <a:endParaRPr lang="en-US"/>
+        </a:p>
+      </dgm:t>
+    </dgm:pt>
+    <dgm:pt modelId="{482D279E-169F-4F7C-A56A-AAA3B877DA2F}">
+      <dgm:prSet/>
+      <dgm:spPr/>
+      <dgm:t>
+        <a:bodyPr/>
+        <a:lstStyle/>
+        <a:p>
+          <a:r>
+            <a:rPr lang="en-US" dirty="0"/>
+            <a:t>Seaborn </a:t>
+          </a:r>
+        </a:p>
+      </dgm:t>
+    </dgm:pt>
+    <dgm:pt modelId="{F47DDC69-F69C-4B37-A042-4053DA2692EA}" type="parTrans" cxnId="{28CB4C75-245A-401D-835B-144C4AE59415}">
+      <dgm:prSet/>
+      <dgm:spPr/>
+      <dgm:t>
+        <a:bodyPr/>
+        <a:lstStyle/>
+        <a:p>
+          <a:endParaRPr lang="en-US"/>
+        </a:p>
+      </dgm:t>
+    </dgm:pt>
+    <dgm:pt modelId="{ED026685-7E7E-4AC8-BBC0-5E074245DCA4}" type="sibTrans" cxnId="{28CB4C75-245A-401D-835B-144C4AE59415}">
+      <dgm:prSet/>
+      <dgm:spPr/>
+      <dgm:t>
+        <a:bodyPr/>
+        <a:lstStyle/>
+        <a:p>
+          <a:endParaRPr lang="en-US"/>
+        </a:p>
+      </dgm:t>
+    </dgm:pt>
+    <dgm:pt modelId="{FA99CB80-2B2E-4694-9A72-59F686AF71F3}">
+      <dgm:prSet/>
+      <dgm:spPr/>
+      <dgm:t>
+        <a:bodyPr/>
+        <a:lstStyle/>
+        <a:p>
+          <a:r>
+            <a:rPr lang="en-US" dirty="0"/>
+            <a:t>Python</a:t>
+          </a:r>
+        </a:p>
+      </dgm:t>
+    </dgm:pt>
+    <dgm:pt modelId="{27C95ADB-6DDF-4DFB-BDA0-612D58778894}" type="parTrans" cxnId="{2F842DD3-9687-4DEC-9A9D-BA8680AD641A}">
+      <dgm:prSet/>
+      <dgm:spPr/>
+      <dgm:t>
+        <a:bodyPr/>
+        <a:lstStyle/>
+        <a:p>
+          <a:endParaRPr lang="en-US"/>
+        </a:p>
+      </dgm:t>
+    </dgm:pt>
+    <dgm:pt modelId="{5C9EF034-2D00-45BA-85B2-0A62C50213ED}" type="sibTrans" cxnId="{2F842DD3-9687-4DEC-9A9D-BA8680AD641A}">
+      <dgm:prSet/>
+      <dgm:spPr/>
+      <dgm:t>
+        <a:bodyPr/>
+        <a:lstStyle/>
+        <a:p>
+          <a:endParaRPr lang="en-US"/>
+        </a:p>
+      </dgm:t>
+    </dgm:pt>
+    <dgm:pt modelId="{E6141DDC-5591-4575-AA4B-947B86571CD6}" type="pres">
+      <dgm:prSet presAssocID="{04248A31-2E22-4F9C-8B86-0CE4BD8A20F4}" presName="diagram" presStyleCnt="0">
+        <dgm:presLayoutVars>
+          <dgm:dir/>
+          <dgm:resizeHandles val="exact"/>
+        </dgm:presLayoutVars>
+      </dgm:prSet>
+      <dgm:spPr/>
+    </dgm:pt>
+    <dgm:pt modelId="{7E5F061B-F0AB-4340-88BB-63B3B10326F0}" type="pres">
+      <dgm:prSet presAssocID="{4F0B2DCE-9D68-4139-AA78-C37639664567}" presName="node" presStyleLbl="node1" presStyleIdx="0" presStyleCnt="8">
+        <dgm:presLayoutVars>
+          <dgm:bulletEnabled val="1"/>
+        </dgm:presLayoutVars>
+      </dgm:prSet>
+      <dgm:spPr/>
+    </dgm:pt>
+    <dgm:pt modelId="{CF7C25E9-3319-4F89-842C-F4595D5666C7}" type="pres">
+      <dgm:prSet presAssocID="{D32376BC-5FAE-4B77-8A32-728179F59F12}" presName="sibTrans" presStyleCnt="0"/>
+      <dgm:spPr/>
+    </dgm:pt>
+    <dgm:pt modelId="{72043AA2-2216-40C9-ACCC-02D5BBFB5D1A}" type="pres">
+      <dgm:prSet presAssocID="{FA99CB80-2B2E-4694-9A72-59F686AF71F3}" presName="node" presStyleLbl="node1" presStyleIdx="1" presStyleCnt="8">
+        <dgm:presLayoutVars>
+          <dgm:bulletEnabled val="1"/>
+        </dgm:presLayoutVars>
+      </dgm:prSet>
+      <dgm:spPr/>
+    </dgm:pt>
+    <dgm:pt modelId="{D87FE095-2BFD-431A-AA94-0082F5E7BDBE}" type="pres">
+      <dgm:prSet presAssocID="{5C9EF034-2D00-45BA-85B2-0A62C50213ED}" presName="sibTrans" presStyleCnt="0"/>
+      <dgm:spPr/>
+    </dgm:pt>
+    <dgm:pt modelId="{601449FA-3A3B-4538-83C8-667AF28A1841}" type="pres">
+      <dgm:prSet presAssocID="{2E96561D-4FA7-45A8-A653-06E5515BD439}" presName="node" presStyleLbl="node1" presStyleIdx="2" presStyleCnt="8">
+        <dgm:presLayoutVars>
+          <dgm:bulletEnabled val="1"/>
+        </dgm:presLayoutVars>
+      </dgm:prSet>
+      <dgm:spPr/>
+    </dgm:pt>
+    <dgm:pt modelId="{36C4D7B4-D229-4864-9C9A-ECBE20890FD2}" type="pres">
+      <dgm:prSet presAssocID="{06923513-EADC-4CE9-B6B1-63E0CA63D6E7}" presName="sibTrans" presStyleCnt="0"/>
+      <dgm:spPr/>
+    </dgm:pt>
+    <dgm:pt modelId="{F4BC1FE9-BFB8-4396-B0D5-517BAACBF7BB}" type="pres">
+      <dgm:prSet presAssocID="{C2EE082A-E0D6-468B-8006-992F9AD7AA29}" presName="node" presStyleLbl="node1" presStyleIdx="3" presStyleCnt="8">
+        <dgm:presLayoutVars>
+          <dgm:bulletEnabled val="1"/>
+        </dgm:presLayoutVars>
+      </dgm:prSet>
+      <dgm:spPr/>
+    </dgm:pt>
+    <dgm:pt modelId="{B7BEC91A-4EFD-4529-8375-017818B5C564}" type="pres">
+      <dgm:prSet presAssocID="{085B2E33-5B27-4536-8621-A1FDAB21630C}" presName="sibTrans" presStyleCnt="0"/>
+      <dgm:spPr/>
+    </dgm:pt>
+    <dgm:pt modelId="{13111B22-C0C0-4DDE-883F-E2D164C7609A}" type="pres">
+      <dgm:prSet presAssocID="{342E5CF8-10F6-430A-AF75-65FFA75C21AB}" presName="node" presStyleLbl="node1" presStyleIdx="4" presStyleCnt="8">
+        <dgm:presLayoutVars>
+          <dgm:bulletEnabled val="1"/>
+        </dgm:presLayoutVars>
+      </dgm:prSet>
+      <dgm:spPr/>
+    </dgm:pt>
+    <dgm:pt modelId="{FB6BED58-2B36-4427-B0D8-40DBD45BD85D}" type="pres">
+      <dgm:prSet presAssocID="{7320C8C8-2330-47FD-963A-3677C287F49E}" presName="sibTrans" presStyleCnt="0"/>
+      <dgm:spPr/>
+    </dgm:pt>
+    <dgm:pt modelId="{59273E72-B6A7-4456-8077-55EA41EF9293}" type="pres">
+      <dgm:prSet presAssocID="{482D279E-169F-4F7C-A56A-AAA3B877DA2F}" presName="node" presStyleLbl="node1" presStyleIdx="5" presStyleCnt="8">
+        <dgm:presLayoutVars>
+          <dgm:bulletEnabled val="1"/>
+        </dgm:presLayoutVars>
+      </dgm:prSet>
+      <dgm:spPr/>
+    </dgm:pt>
+    <dgm:pt modelId="{12230B5F-9DB3-4BF3-9AC6-B04D9EBDAC03}" type="pres">
+      <dgm:prSet presAssocID="{ED026685-7E7E-4AC8-BBC0-5E074245DCA4}" presName="sibTrans" presStyleCnt="0"/>
+      <dgm:spPr/>
+    </dgm:pt>
+    <dgm:pt modelId="{F1FC2892-F90A-48F2-A560-6E5C38FF20AC}" type="pres">
+      <dgm:prSet presAssocID="{74FA83E2-771B-4035-A2F1-B40EE6F73AD8}" presName="node" presStyleLbl="node1" presStyleIdx="6" presStyleCnt="8">
+        <dgm:presLayoutVars>
+          <dgm:bulletEnabled val="1"/>
+        </dgm:presLayoutVars>
+      </dgm:prSet>
+      <dgm:spPr/>
+    </dgm:pt>
+    <dgm:pt modelId="{72124174-086B-4550-9010-B5949F2442FD}" type="pres">
+      <dgm:prSet presAssocID="{59D1ACA5-3A0A-4697-BE79-722A2BC7D4AA}" presName="sibTrans" presStyleCnt="0"/>
+      <dgm:spPr/>
+    </dgm:pt>
+    <dgm:pt modelId="{2F9C212C-7694-4401-929D-DCAF5735E1DE}" type="pres">
+      <dgm:prSet presAssocID="{A148ECA6-0191-42A1-9992-AF515D26F4DC}" presName="node" presStyleLbl="node1" presStyleIdx="7" presStyleCnt="8">
+        <dgm:presLayoutVars>
+          <dgm:bulletEnabled val="1"/>
+        </dgm:presLayoutVars>
+      </dgm:prSet>
+      <dgm:spPr/>
+    </dgm:pt>
+  </dgm:ptLst>
+  <dgm:cxnLst>
+    <dgm:cxn modelId="{76AF6000-F894-4222-91E7-C45B908C0304}" type="presOf" srcId="{FA99CB80-2B2E-4694-9A72-59F686AF71F3}" destId="{72043AA2-2216-40C9-ACCC-02D5BBFB5D1A}" srcOrd="0" destOrd="0" presId="urn:microsoft.com/office/officeart/2005/8/layout/default"/>
+    <dgm:cxn modelId="{35D26407-C516-4E9A-9A52-33ED163B8A01}" srcId="{04248A31-2E22-4F9C-8B86-0CE4BD8A20F4}" destId="{74FA83E2-771B-4035-A2F1-B40EE6F73AD8}" srcOrd="6" destOrd="0" parTransId="{E2E1F783-45C9-4216-B734-4AB0E15047C3}" sibTransId="{59D1ACA5-3A0A-4697-BE79-722A2BC7D4AA}"/>
+    <dgm:cxn modelId="{1678FF30-12C8-4B56-8688-3996330785B4}" type="presOf" srcId="{482D279E-169F-4F7C-A56A-AAA3B877DA2F}" destId="{59273E72-B6A7-4456-8077-55EA41EF9293}" srcOrd="0" destOrd="0" presId="urn:microsoft.com/office/officeart/2005/8/layout/default"/>
+    <dgm:cxn modelId="{54DFF65D-9A86-4EB4-B8A1-8903F374A34F}" srcId="{04248A31-2E22-4F9C-8B86-0CE4BD8A20F4}" destId="{2E96561D-4FA7-45A8-A653-06E5515BD439}" srcOrd="2" destOrd="0" parTransId="{D2336CD2-05A1-4CB7-BD47-90DFDB907511}" sibTransId="{06923513-EADC-4CE9-B6B1-63E0CA63D6E7}"/>
+    <dgm:cxn modelId="{FAB8CE4E-254F-43C6-B6C6-812901ED1606}" type="presOf" srcId="{C2EE082A-E0D6-468B-8006-992F9AD7AA29}" destId="{F4BC1FE9-BFB8-4396-B0D5-517BAACBF7BB}" srcOrd="0" destOrd="0" presId="urn:microsoft.com/office/officeart/2005/8/layout/default"/>
+    <dgm:cxn modelId="{28CB4C75-245A-401D-835B-144C4AE59415}" srcId="{04248A31-2E22-4F9C-8B86-0CE4BD8A20F4}" destId="{482D279E-169F-4F7C-A56A-AAA3B877DA2F}" srcOrd="5" destOrd="0" parTransId="{F47DDC69-F69C-4B37-A042-4053DA2692EA}" sibTransId="{ED026685-7E7E-4AC8-BBC0-5E074245DCA4}"/>
+    <dgm:cxn modelId="{F0AED975-3B8B-4676-915F-03091A8B0A42}" type="presOf" srcId="{2E96561D-4FA7-45A8-A653-06E5515BD439}" destId="{601449FA-3A3B-4538-83C8-667AF28A1841}" srcOrd="0" destOrd="0" presId="urn:microsoft.com/office/officeart/2005/8/layout/default"/>
+    <dgm:cxn modelId="{A124E583-663E-4534-A02A-84E950194E3D}" srcId="{04248A31-2E22-4F9C-8B86-0CE4BD8A20F4}" destId="{C2EE082A-E0D6-468B-8006-992F9AD7AA29}" srcOrd="3" destOrd="0" parTransId="{5D415919-11C1-4311-B6C5-B7617909F635}" sibTransId="{085B2E33-5B27-4536-8621-A1FDAB21630C}"/>
+    <dgm:cxn modelId="{E4F9889A-5392-4BE7-97D4-9A288FDF2C1C}" type="presOf" srcId="{342E5CF8-10F6-430A-AF75-65FFA75C21AB}" destId="{13111B22-C0C0-4DDE-883F-E2D164C7609A}" srcOrd="0" destOrd="0" presId="urn:microsoft.com/office/officeart/2005/8/layout/default"/>
+    <dgm:cxn modelId="{24CF42B9-BF3A-46FA-AE3F-256EA8183669}" type="presOf" srcId="{4F0B2DCE-9D68-4139-AA78-C37639664567}" destId="{7E5F061B-F0AB-4340-88BB-63B3B10326F0}" srcOrd="0" destOrd="0" presId="urn:microsoft.com/office/officeart/2005/8/layout/default"/>
+    <dgm:cxn modelId="{258C71D1-D73A-431D-9819-C1B86FDB717B}" type="presOf" srcId="{A148ECA6-0191-42A1-9992-AF515D26F4DC}" destId="{2F9C212C-7694-4401-929D-DCAF5735E1DE}" srcOrd="0" destOrd="0" presId="urn:microsoft.com/office/officeart/2005/8/layout/default"/>
+    <dgm:cxn modelId="{2F842DD3-9687-4DEC-9A9D-BA8680AD641A}" srcId="{04248A31-2E22-4F9C-8B86-0CE4BD8A20F4}" destId="{FA99CB80-2B2E-4694-9A72-59F686AF71F3}" srcOrd="1" destOrd="0" parTransId="{27C95ADB-6DDF-4DFB-BDA0-612D58778894}" sibTransId="{5C9EF034-2D00-45BA-85B2-0A62C50213ED}"/>
+    <dgm:cxn modelId="{544DCAD3-F340-4D01-9C61-1D32CA7A921C}" srcId="{04248A31-2E22-4F9C-8B86-0CE4BD8A20F4}" destId="{A148ECA6-0191-42A1-9992-AF515D26F4DC}" srcOrd="7" destOrd="0" parTransId="{1A481358-827F-4369-9238-68002901BC6B}" sibTransId="{94797850-F758-4EBC-BC69-C499B5D75C28}"/>
+    <dgm:cxn modelId="{60B901D6-5DDE-4D7F-960E-A7FF7EA3EE61}" type="presOf" srcId="{74FA83E2-771B-4035-A2F1-B40EE6F73AD8}" destId="{F1FC2892-F90A-48F2-A560-6E5C38FF20AC}" srcOrd="0" destOrd="0" presId="urn:microsoft.com/office/officeart/2005/8/layout/default"/>
+    <dgm:cxn modelId="{ED0DF3E4-3F58-4F92-8323-B5FB80999A48}" type="presOf" srcId="{04248A31-2E22-4F9C-8B86-0CE4BD8A20F4}" destId="{E6141DDC-5591-4575-AA4B-947B86571CD6}" srcOrd="0" destOrd="0" presId="urn:microsoft.com/office/officeart/2005/8/layout/default"/>
+    <dgm:cxn modelId="{19B0F0EB-F32E-4841-BB3B-DA17483B58C9}" srcId="{04248A31-2E22-4F9C-8B86-0CE4BD8A20F4}" destId="{4F0B2DCE-9D68-4139-AA78-C37639664567}" srcOrd="0" destOrd="0" parTransId="{1E4A9669-834F-409E-B044-837FB99ABF0E}" sibTransId="{D32376BC-5FAE-4B77-8A32-728179F59F12}"/>
+    <dgm:cxn modelId="{9C1D8AEE-3757-49F5-99DB-C32AAD784056}" srcId="{04248A31-2E22-4F9C-8B86-0CE4BD8A20F4}" destId="{342E5CF8-10F6-430A-AF75-65FFA75C21AB}" srcOrd="4" destOrd="0" parTransId="{B0680985-7CE5-4B93-9826-8573196C2576}" sibTransId="{7320C8C8-2330-47FD-963A-3677C287F49E}"/>
+    <dgm:cxn modelId="{BC627470-3819-4D0E-BA1F-AD3EED5B693A}" type="presParOf" srcId="{E6141DDC-5591-4575-AA4B-947B86571CD6}" destId="{7E5F061B-F0AB-4340-88BB-63B3B10326F0}" srcOrd="0" destOrd="0" presId="urn:microsoft.com/office/officeart/2005/8/layout/default"/>
+    <dgm:cxn modelId="{8216C619-2E8E-4701-9F16-DFC9A3A0FD51}" type="presParOf" srcId="{E6141DDC-5591-4575-AA4B-947B86571CD6}" destId="{CF7C25E9-3319-4F89-842C-F4595D5666C7}" srcOrd="1" destOrd="0" presId="urn:microsoft.com/office/officeart/2005/8/layout/default"/>
+    <dgm:cxn modelId="{45FF2040-5995-4CA5-8DB7-F17D13150CC0}" type="presParOf" srcId="{E6141DDC-5591-4575-AA4B-947B86571CD6}" destId="{72043AA2-2216-40C9-ACCC-02D5BBFB5D1A}" srcOrd="2" destOrd="0" presId="urn:microsoft.com/office/officeart/2005/8/layout/default"/>
+    <dgm:cxn modelId="{5A3F4E3A-0530-495C-8753-7D91952F473C}" type="presParOf" srcId="{E6141DDC-5591-4575-AA4B-947B86571CD6}" destId="{D87FE095-2BFD-431A-AA94-0082F5E7BDBE}" srcOrd="3" destOrd="0" presId="urn:microsoft.com/office/officeart/2005/8/layout/default"/>
+    <dgm:cxn modelId="{3361ED1E-DA45-4786-B32F-7FA79935C6B6}" type="presParOf" srcId="{E6141DDC-5591-4575-AA4B-947B86571CD6}" destId="{601449FA-3A3B-4538-83C8-667AF28A1841}" srcOrd="4" destOrd="0" presId="urn:microsoft.com/office/officeart/2005/8/layout/default"/>
+    <dgm:cxn modelId="{F4C42E4B-90DA-44EB-BF2F-3347F801B53C}" type="presParOf" srcId="{E6141DDC-5591-4575-AA4B-947B86571CD6}" destId="{36C4D7B4-D229-4864-9C9A-ECBE20890FD2}" srcOrd="5" destOrd="0" presId="urn:microsoft.com/office/officeart/2005/8/layout/default"/>
+    <dgm:cxn modelId="{ED29D044-4944-45FC-BCA5-52EF629E2E61}" type="presParOf" srcId="{E6141DDC-5591-4575-AA4B-947B86571CD6}" destId="{F4BC1FE9-BFB8-4396-B0D5-517BAACBF7BB}" srcOrd="6" destOrd="0" presId="urn:microsoft.com/office/officeart/2005/8/layout/default"/>
+    <dgm:cxn modelId="{A282CD44-5293-46AA-AAA5-6A11382A1D08}" type="presParOf" srcId="{E6141DDC-5591-4575-AA4B-947B86571CD6}" destId="{B7BEC91A-4EFD-4529-8375-017818B5C564}" srcOrd="7" destOrd="0" presId="urn:microsoft.com/office/officeart/2005/8/layout/default"/>
+    <dgm:cxn modelId="{095FB9C6-2E92-4252-A819-243A213BE0C9}" type="presParOf" srcId="{E6141DDC-5591-4575-AA4B-947B86571CD6}" destId="{13111B22-C0C0-4DDE-883F-E2D164C7609A}" srcOrd="8" destOrd="0" presId="urn:microsoft.com/office/officeart/2005/8/layout/default"/>
+    <dgm:cxn modelId="{C5E9B2ED-1436-4190-AA63-F25E5CD217A5}" type="presParOf" srcId="{E6141DDC-5591-4575-AA4B-947B86571CD6}" destId="{FB6BED58-2B36-4427-B0D8-40DBD45BD85D}" srcOrd="9" destOrd="0" presId="urn:microsoft.com/office/officeart/2005/8/layout/default"/>
+    <dgm:cxn modelId="{62656295-1805-4536-8703-109905A6152F}" type="presParOf" srcId="{E6141DDC-5591-4575-AA4B-947B86571CD6}" destId="{59273E72-B6A7-4456-8077-55EA41EF9293}" srcOrd="10" destOrd="0" presId="urn:microsoft.com/office/officeart/2005/8/layout/default"/>
+    <dgm:cxn modelId="{35374F2C-B884-4F47-AD69-681D3CB425E3}" type="presParOf" srcId="{E6141DDC-5591-4575-AA4B-947B86571CD6}" destId="{12230B5F-9DB3-4BF3-9AC6-B04D9EBDAC03}" srcOrd="11" destOrd="0" presId="urn:microsoft.com/office/officeart/2005/8/layout/default"/>
+    <dgm:cxn modelId="{8940D58F-02EB-4326-97C1-4490689356EF}" type="presParOf" srcId="{E6141DDC-5591-4575-AA4B-947B86571CD6}" destId="{F1FC2892-F90A-48F2-A560-6E5C38FF20AC}" srcOrd="12" destOrd="0" presId="urn:microsoft.com/office/officeart/2005/8/layout/default"/>
+    <dgm:cxn modelId="{63A8695E-0A49-40FF-9416-E727D76715FB}" type="presParOf" srcId="{E6141DDC-5591-4575-AA4B-947B86571CD6}" destId="{72124174-086B-4550-9010-B5949F2442FD}" srcOrd="13" destOrd="0" presId="urn:microsoft.com/office/officeart/2005/8/layout/default"/>
+    <dgm:cxn modelId="{548DAA52-87E5-4AC4-91A8-EAB6FB670FC8}" type="presParOf" srcId="{E6141DDC-5591-4575-AA4B-947B86571CD6}" destId="{2F9C212C-7694-4401-929D-DCAF5735E1DE}" srcOrd="14" destOrd="0" presId="urn:microsoft.com/office/officeart/2005/8/layout/default"/>
+  </dgm:cxnLst>
+  <dgm:bg/>
+  <dgm:whole/>
+  <dgm:extLst>
+    <a:ext uri="http://schemas.microsoft.com/office/drawing/2008/diagram">
+      <dsp:dataModelExt xmlns:dsp="http://schemas.microsoft.com/office/drawing/2008/diagram" relId="rId6" minVer="http://schemas.openxmlformats.org/drawingml/2006/diagram"/>
+    </a:ext>
+  </dgm:extLst>
+</dgm:dataModel>
+</file>
+
+<file path=ppt/diagrams/drawing1.xml><?xml version="1.0" encoding="utf-8"?>
+<dsp:drawing xmlns:dgm="http://schemas.openxmlformats.org/drawingml/2006/diagram" xmlns:dsp="http://schemas.microsoft.com/office/drawing/2008/diagram" xmlns:a="http://schemas.openxmlformats.org/drawingml/2006/main">
+  <dsp:spTree>
+    <dsp:nvGrpSpPr>
+      <dsp:cNvPr id="0" name=""/>
+      <dsp:cNvGrpSpPr/>
+    </dsp:nvGrpSpPr>
+    <dsp:grpSpPr/>
+    <dsp:sp modelId="{7E5F061B-F0AB-4340-88BB-63B3B10326F0}">
+      <dsp:nvSpPr>
+        <dsp:cNvPr id="0" name=""/>
+        <dsp:cNvSpPr/>
+      </dsp:nvSpPr>
+      <dsp:spPr>
+        <a:xfrm>
+          <a:off x="2566" y="359302"/>
+          <a:ext cx="2036466" cy="1221880"/>
+        </a:xfrm>
+        <a:prstGeom prst="rect">
+          <a:avLst/>
+        </a:prstGeom>
+        <a:solidFill>
+          <a:schemeClr val="accent1">
+            <a:hueOff val="0"/>
+            <a:satOff val="0"/>
+            <a:lumOff val="0"/>
+            <a:alphaOff val="0"/>
+          </a:schemeClr>
+        </a:solidFill>
+        <a:ln w="25400" cap="flat" cmpd="sng" algn="ctr">
+          <a:solidFill>
+            <a:schemeClr val="lt1">
+              <a:hueOff val="0"/>
+              <a:satOff val="0"/>
+              <a:lumOff val="0"/>
+              <a:alphaOff val="0"/>
+            </a:schemeClr>
+          </a:solidFill>
+          <a:prstDash val="solid"/>
+        </a:ln>
+        <a:effectLst/>
+      </dsp:spPr>
+      <dsp:style>
+        <a:lnRef idx="2">
+          <a:scrgbClr r="0" g="0" b="0"/>
+        </a:lnRef>
+        <a:fillRef idx="1">
+          <a:scrgbClr r="0" g="0" b="0"/>
+        </a:fillRef>
+        <a:effectRef idx="0">
+          <a:scrgbClr r="0" g="0" b="0"/>
+        </a:effectRef>
+        <a:fontRef idx="minor">
+          <a:schemeClr val="lt1"/>
+        </a:fontRef>
+      </dsp:style>
+      <dsp:txBody>
+        <a:bodyPr spcFirstLastPara="0" vert="horz" wrap="square" lIns="99060" tIns="99060" rIns="99060" bIns="99060" numCol="1" spcCol="1270" anchor="ctr" anchorCtr="0">
+          <a:noAutofit/>
+        </a:bodyPr>
+        <a:lstStyle/>
+        <a:p>
+          <a:pPr marL="0" lvl="0" indent="0" algn="ctr" defTabSz="1155700">
+            <a:lnSpc>
+              <a:spcPct val="90000"/>
+            </a:lnSpc>
+            <a:spcBef>
+              <a:spcPct val="0"/>
+            </a:spcBef>
+            <a:spcAft>
+              <a:spcPct val="35000"/>
+            </a:spcAft>
+            <a:buNone/>
+          </a:pPr>
+          <a:r>
+            <a:rPr lang="en-US" sz="2600" kern="1200" dirty="0" err="1"/>
+            <a:t>Jupyter</a:t>
+          </a:r>
+          <a:r>
+            <a:rPr lang="en-US" sz="2600" kern="1200" dirty="0"/>
+            <a:t> Notebook</a:t>
+          </a:r>
+        </a:p>
+      </dsp:txBody>
+      <dsp:txXfrm>
+        <a:off x="2566" y="359302"/>
+        <a:ext cx="2036466" cy="1221880"/>
+      </dsp:txXfrm>
+    </dsp:sp>
+    <dsp:sp modelId="{72043AA2-2216-40C9-ACCC-02D5BBFB5D1A}">
+      <dsp:nvSpPr>
+        <dsp:cNvPr id="0" name=""/>
+        <dsp:cNvSpPr/>
+      </dsp:nvSpPr>
+      <dsp:spPr>
+        <a:xfrm>
+          <a:off x="2242680" y="359302"/>
+          <a:ext cx="2036466" cy="1221880"/>
+        </a:xfrm>
+        <a:prstGeom prst="rect">
+          <a:avLst/>
+        </a:prstGeom>
+        <a:solidFill>
+          <a:schemeClr val="accent1">
+            <a:hueOff val="0"/>
+            <a:satOff val="0"/>
+            <a:lumOff val="0"/>
+            <a:alphaOff val="0"/>
+          </a:schemeClr>
+        </a:solidFill>
+        <a:ln w="25400" cap="flat" cmpd="sng" algn="ctr">
+          <a:solidFill>
+            <a:schemeClr val="lt1">
+              <a:hueOff val="0"/>
+              <a:satOff val="0"/>
+              <a:lumOff val="0"/>
+              <a:alphaOff val="0"/>
+            </a:schemeClr>
+          </a:solidFill>
+          <a:prstDash val="solid"/>
+        </a:ln>
+        <a:effectLst/>
+      </dsp:spPr>
+      <dsp:style>
+        <a:lnRef idx="2">
+          <a:scrgbClr r="0" g="0" b="0"/>
+        </a:lnRef>
+        <a:fillRef idx="1">
+          <a:scrgbClr r="0" g="0" b="0"/>
+        </a:fillRef>
+        <a:effectRef idx="0">
+          <a:scrgbClr r="0" g="0" b="0"/>
+        </a:effectRef>
+        <a:fontRef idx="minor">
+          <a:schemeClr val="lt1"/>
+        </a:fontRef>
+      </dsp:style>
+      <dsp:txBody>
+        <a:bodyPr spcFirstLastPara="0" vert="horz" wrap="square" lIns="99060" tIns="99060" rIns="99060" bIns="99060" numCol="1" spcCol="1270" anchor="ctr" anchorCtr="0">
+          <a:noAutofit/>
+        </a:bodyPr>
+        <a:lstStyle/>
+        <a:p>
+          <a:pPr marL="0" lvl="0" indent="0" algn="ctr" defTabSz="1155700">
+            <a:lnSpc>
+              <a:spcPct val="90000"/>
+            </a:lnSpc>
+            <a:spcBef>
+              <a:spcPct val="0"/>
+            </a:spcBef>
+            <a:spcAft>
+              <a:spcPct val="35000"/>
+            </a:spcAft>
+            <a:buNone/>
+          </a:pPr>
+          <a:r>
+            <a:rPr lang="en-US" sz="2600" kern="1200" dirty="0"/>
+            <a:t>Python</a:t>
+          </a:r>
+        </a:p>
+      </dsp:txBody>
+      <dsp:txXfrm>
+        <a:off x="2242680" y="359302"/>
+        <a:ext cx="2036466" cy="1221880"/>
+      </dsp:txXfrm>
+    </dsp:sp>
+    <dsp:sp modelId="{601449FA-3A3B-4538-83C8-667AF28A1841}">
+      <dsp:nvSpPr>
+        <dsp:cNvPr id="0" name=""/>
+        <dsp:cNvSpPr/>
+      </dsp:nvSpPr>
+      <dsp:spPr>
+        <a:xfrm>
+          <a:off x="4482793" y="359302"/>
+          <a:ext cx="2036466" cy="1221880"/>
+        </a:xfrm>
+        <a:prstGeom prst="rect">
+          <a:avLst/>
+        </a:prstGeom>
+        <a:solidFill>
+          <a:schemeClr val="accent1">
+            <a:hueOff val="0"/>
+            <a:satOff val="0"/>
+            <a:lumOff val="0"/>
+            <a:alphaOff val="0"/>
+          </a:schemeClr>
+        </a:solidFill>
+        <a:ln w="25400" cap="flat" cmpd="sng" algn="ctr">
+          <a:solidFill>
+            <a:schemeClr val="lt1">
+              <a:hueOff val="0"/>
+              <a:satOff val="0"/>
+              <a:lumOff val="0"/>
+              <a:alphaOff val="0"/>
+            </a:schemeClr>
+          </a:solidFill>
+          <a:prstDash val="solid"/>
+        </a:ln>
+        <a:effectLst/>
+      </dsp:spPr>
+      <dsp:style>
+        <a:lnRef idx="2">
+          <a:scrgbClr r="0" g="0" b="0"/>
+        </a:lnRef>
+        <a:fillRef idx="1">
+          <a:scrgbClr r="0" g="0" b="0"/>
+        </a:fillRef>
+        <a:effectRef idx="0">
+          <a:scrgbClr r="0" g="0" b="0"/>
+        </a:effectRef>
+        <a:fontRef idx="minor">
+          <a:schemeClr val="lt1"/>
+        </a:fontRef>
+      </dsp:style>
+      <dsp:txBody>
+        <a:bodyPr spcFirstLastPara="0" vert="horz" wrap="square" lIns="99060" tIns="99060" rIns="99060" bIns="99060" numCol="1" spcCol="1270" anchor="ctr" anchorCtr="0">
+          <a:noAutofit/>
+        </a:bodyPr>
+        <a:lstStyle/>
+        <a:p>
+          <a:pPr marL="0" lvl="0" indent="0" algn="ctr" defTabSz="1155700">
+            <a:lnSpc>
+              <a:spcPct val="90000"/>
+            </a:lnSpc>
+            <a:spcBef>
+              <a:spcPct val="0"/>
+            </a:spcBef>
+            <a:spcAft>
+              <a:spcPct val="35000"/>
+            </a:spcAft>
+            <a:buNone/>
+          </a:pPr>
+          <a:r>
+            <a:rPr lang="en-US" sz="2600" kern="1200" dirty="0"/>
+            <a:t>Pandas</a:t>
+          </a:r>
+        </a:p>
+      </dsp:txBody>
+      <dsp:txXfrm>
+        <a:off x="4482793" y="359302"/>
+        <a:ext cx="2036466" cy="1221880"/>
+      </dsp:txXfrm>
+    </dsp:sp>
+    <dsp:sp modelId="{F4BC1FE9-BFB8-4396-B0D5-517BAACBF7BB}">
+      <dsp:nvSpPr>
+        <dsp:cNvPr id="0" name=""/>
+        <dsp:cNvSpPr/>
+      </dsp:nvSpPr>
+      <dsp:spPr>
+        <a:xfrm>
+          <a:off x="6722907" y="359302"/>
+          <a:ext cx="2036466" cy="1221880"/>
+        </a:xfrm>
+        <a:prstGeom prst="rect">
+          <a:avLst/>
+        </a:prstGeom>
+        <a:solidFill>
+          <a:schemeClr val="accent1">
+            <a:hueOff val="0"/>
+            <a:satOff val="0"/>
+            <a:lumOff val="0"/>
+            <a:alphaOff val="0"/>
+          </a:schemeClr>
+        </a:solidFill>
+        <a:ln w="25400" cap="flat" cmpd="sng" algn="ctr">
+          <a:solidFill>
+            <a:schemeClr val="lt1">
+              <a:hueOff val="0"/>
+              <a:satOff val="0"/>
+              <a:lumOff val="0"/>
+              <a:alphaOff val="0"/>
+            </a:schemeClr>
+          </a:solidFill>
+          <a:prstDash val="solid"/>
+        </a:ln>
+        <a:effectLst/>
+      </dsp:spPr>
+      <dsp:style>
+        <a:lnRef idx="2">
+          <a:scrgbClr r="0" g="0" b="0"/>
+        </a:lnRef>
+        <a:fillRef idx="1">
+          <a:scrgbClr r="0" g="0" b="0"/>
+        </a:fillRef>
+        <a:effectRef idx="0">
+          <a:scrgbClr r="0" g="0" b="0"/>
+        </a:effectRef>
+        <a:fontRef idx="minor">
+          <a:schemeClr val="lt1"/>
+        </a:fontRef>
+      </dsp:style>
+      <dsp:txBody>
+        <a:bodyPr spcFirstLastPara="0" vert="horz" wrap="square" lIns="99060" tIns="99060" rIns="99060" bIns="99060" numCol="1" spcCol="1270" anchor="ctr" anchorCtr="0">
+          <a:noAutofit/>
+        </a:bodyPr>
+        <a:lstStyle/>
+        <a:p>
+          <a:pPr marL="0" lvl="0" indent="0" algn="ctr" defTabSz="1155700">
+            <a:lnSpc>
+              <a:spcPct val="90000"/>
+            </a:lnSpc>
+            <a:spcBef>
+              <a:spcPct val="0"/>
+            </a:spcBef>
+            <a:spcAft>
+              <a:spcPct val="35000"/>
+            </a:spcAft>
+            <a:buSzPts val="1300"/>
+            <a:buNone/>
+          </a:pPr>
+          <a:r>
+            <a:rPr lang="en-US" sz="2600" kern="1200" dirty="0" err="1"/>
+            <a:t>Numpy</a:t>
+          </a:r>
+          <a:r>
+            <a:rPr lang="en-US" sz="2600" kern="1200" dirty="0"/>
+            <a:t> </a:t>
+          </a:r>
+        </a:p>
+      </dsp:txBody>
+      <dsp:txXfrm>
+        <a:off x="6722907" y="359302"/>
+        <a:ext cx="2036466" cy="1221880"/>
+      </dsp:txXfrm>
+    </dsp:sp>
+    <dsp:sp modelId="{13111B22-C0C0-4DDE-883F-E2D164C7609A}">
+      <dsp:nvSpPr>
+        <dsp:cNvPr id="0" name=""/>
+        <dsp:cNvSpPr/>
+      </dsp:nvSpPr>
+      <dsp:spPr>
+        <a:xfrm>
+          <a:off x="2566" y="1784828"/>
+          <a:ext cx="2036466" cy="1221880"/>
+        </a:xfrm>
+        <a:prstGeom prst="rect">
+          <a:avLst/>
+        </a:prstGeom>
+        <a:solidFill>
+          <a:schemeClr val="accent1">
+            <a:hueOff val="0"/>
+            <a:satOff val="0"/>
+            <a:lumOff val="0"/>
+            <a:alphaOff val="0"/>
+          </a:schemeClr>
+        </a:solidFill>
+        <a:ln w="25400" cap="flat" cmpd="sng" algn="ctr">
+          <a:solidFill>
+            <a:schemeClr val="lt1">
+              <a:hueOff val="0"/>
+              <a:satOff val="0"/>
+              <a:lumOff val="0"/>
+              <a:alphaOff val="0"/>
+            </a:schemeClr>
+          </a:solidFill>
+          <a:prstDash val="solid"/>
+        </a:ln>
+        <a:effectLst/>
+      </dsp:spPr>
+      <dsp:style>
+        <a:lnRef idx="2">
+          <a:scrgbClr r="0" g="0" b="0"/>
+        </a:lnRef>
+        <a:fillRef idx="1">
+          <a:scrgbClr r="0" g="0" b="0"/>
+        </a:fillRef>
+        <a:effectRef idx="0">
+          <a:scrgbClr r="0" g="0" b="0"/>
+        </a:effectRef>
+        <a:fontRef idx="minor">
+          <a:schemeClr val="lt1"/>
+        </a:fontRef>
+      </dsp:style>
+      <dsp:txBody>
+        <a:bodyPr spcFirstLastPara="0" vert="horz" wrap="square" lIns="99060" tIns="99060" rIns="99060" bIns="99060" numCol="1" spcCol="1270" anchor="ctr" anchorCtr="0">
+          <a:noAutofit/>
+        </a:bodyPr>
+        <a:lstStyle/>
+        <a:p>
+          <a:pPr marL="0" lvl="0" indent="0" algn="ctr" defTabSz="1155700">
+            <a:lnSpc>
+              <a:spcPct val="90000"/>
+            </a:lnSpc>
+            <a:spcBef>
+              <a:spcPct val="0"/>
+            </a:spcBef>
+            <a:spcAft>
+              <a:spcPct val="35000"/>
+            </a:spcAft>
+            <a:buNone/>
+          </a:pPr>
+          <a:r>
+            <a:rPr lang="en-US" sz="2600" kern="1200" dirty="0"/>
+            <a:t>Matplotlib</a:t>
+          </a:r>
+        </a:p>
+      </dsp:txBody>
+      <dsp:txXfrm>
+        <a:off x="2566" y="1784828"/>
+        <a:ext cx="2036466" cy="1221880"/>
+      </dsp:txXfrm>
+    </dsp:sp>
+    <dsp:sp modelId="{59273E72-B6A7-4456-8077-55EA41EF9293}">
+      <dsp:nvSpPr>
+        <dsp:cNvPr id="0" name=""/>
+        <dsp:cNvSpPr/>
+      </dsp:nvSpPr>
+      <dsp:spPr>
+        <a:xfrm>
+          <a:off x="2242680" y="1784828"/>
+          <a:ext cx="2036466" cy="1221880"/>
+        </a:xfrm>
+        <a:prstGeom prst="rect">
+          <a:avLst/>
+        </a:prstGeom>
+        <a:solidFill>
+          <a:schemeClr val="accent1">
+            <a:hueOff val="0"/>
+            <a:satOff val="0"/>
+            <a:lumOff val="0"/>
+            <a:alphaOff val="0"/>
+          </a:schemeClr>
+        </a:solidFill>
+        <a:ln w="25400" cap="flat" cmpd="sng" algn="ctr">
+          <a:solidFill>
+            <a:schemeClr val="lt1">
+              <a:hueOff val="0"/>
+              <a:satOff val="0"/>
+              <a:lumOff val="0"/>
+              <a:alphaOff val="0"/>
+            </a:schemeClr>
+          </a:solidFill>
+          <a:prstDash val="solid"/>
+        </a:ln>
+        <a:effectLst/>
+      </dsp:spPr>
+      <dsp:style>
+        <a:lnRef idx="2">
+          <a:scrgbClr r="0" g="0" b="0"/>
+        </a:lnRef>
+        <a:fillRef idx="1">
+          <a:scrgbClr r="0" g="0" b="0"/>
+        </a:fillRef>
+        <a:effectRef idx="0">
+          <a:scrgbClr r="0" g="0" b="0"/>
+        </a:effectRef>
+        <a:fontRef idx="minor">
+          <a:schemeClr val="lt1"/>
+        </a:fontRef>
+      </dsp:style>
+      <dsp:txBody>
+        <a:bodyPr spcFirstLastPara="0" vert="horz" wrap="square" lIns="99060" tIns="99060" rIns="99060" bIns="99060" numCol="1" spcCol="1270" anchor="ctr" anchorCtr="0">
+          <a:noAutofit/>
+        </a:bodyPr>
+        <a:lstStyle/>
+        <a:p>
+          <a:pPr marL="0" lvl="0" indent="0" algn="ctr" defTabSz="1155700">
+            <a:lnSpc>
+              <a:spcPct val="90000"/>
+            </a:lnSpc>
+            <a:spcBef>
+              <a:spcPct val="0"/>
+            </a:spcBef>
+            <a:spcAft>
+              <a:spcPct val="35000"/>
+            </a:spcAft>
+            <a:buNone/>
+          </a:pPr>
+          <a:r>
+            <a:rPr lang="en-US" sz="2600" kern="1200" dirty="0"/>
+            <a:t>Seaborn </a:t>
+          </a:r>
+        </a:p>
+      </dsp:txBody>
+      <dsp:txXfrm>
+        <a:off x="2242680" y="1784828"/>
+        <a:ext cx="2036466" cy="1221880"/>
+      </dsp:txXfrm>
+    </dsp:sp>
+    <dsp:sp modelId="{F1FC2892-F90A-48F2-A560-6E5C38FF20AC}">
+      <dsp:nvSpPr>
+        <dsp:cNvPr id="0" name=""/>
+        <dsp:cNvSpPr/>
+      </dsp:nvSpPr>
+      <dsp:spPr>
+        <a:xfrm>
+          <a:off x="4482793" y="1784828"/>
+          <a:ext cx="2036466" cy="1221880"/>
+        </a:xfrm>
+        <a:prstGeom prst="rect">
+          <a:avLst/>
+        </a:prstGeom>
+        <a:solidFill>
+          <a:schemeClr val="accent1">
+            <a:hueOff val="0"/>
+            <a:satOff val="0"/>
+            <a:lumOff val="0"/>
+            <a:alphaOff val="0"/>
+          </a:schemeClr>
+        </a:solidFill>
+        <a:ln w="25400" cap="flat" cmpd="sng" algn="ctr">
+          <a:solidFill>
+            <a:schemeClr val="lt1">
+              <a:hueOff val="0"/>
+              <a:satOff val="0"/>
+              <a:lumOff val="0"/>
+              <a:alphaOff val="0"/>
+            </a:schemeClr>
+          </a:solidFill>
+          <a:prstDash val="solid"/>
+        </a:ln>
+        <a:effectLst/>
+      </dsp:spPr>
+      <dsp:style>
+        <a:lnRef idx="2">
+          <a:scrgbClr r="0" g="0" b="0"/>
+        </a:lnRef>
+        <a:fillRef idx="1">
+          <a:scrgbClr r="0" g="0" b="0"/>
+        </a:fillRef>
+        <a:effectRef idx="0">
+          <a:scrgbClr r="0" g="0" b="0"/>
+        </a:effectRef>
+        <a:fontRef idx="minor">
+          <a:schemeClr val="lt1"/>
+        </a:fontRef>
+      </dsp:style>
+      <dsp:txBody>
+        <a:bodyPr spcFirstLastPara="0" vert="horz" wrap="square" lIns="99060" tIns="99060" rIns="99060" bIns="99060" numCol="1" spcCol="1270" anchor="ctr" anchorCtr="0">
+          <a:noAutofit/>
+        </a:bodyPr>
+        <a:lstStyle/>
+        <a:p>
+          <a:pPr marL="0" lvl="0" indent="0" algn="ctr" defTabSz="1155700">
+            <a:lnSpc>
+              <a:spcPct val="90000"/>
+            </a:lnSpc>
+            <a:spcBef>
+              <a:spcPct val="0"/>
+            </a:spcBef>
+            <a:spcAft>
+              <a:spcPct val="35000"/>
+            </a:spcAft>
+            <a:buNone/>
+          </a:pPr>
+          <a:r>
+            <a:rPr lang="en-US" sz="2600" kern="1200" dirty="0"/>
+            <a:t>PostgreSQL</a:t>
+          </a:r>
+        </a:p>
+      </dsp:txBody>
+      <dsp:txXfrm>
+        <a:off x="4482793" y="1784828"/>
+        <a:ext cx="2036466" cy="1221880"/>
+      </dsp:txXfrm>
+    </dsp:sp>
+    <dsp:sp modelId="{2F9C212C-7694-4401-929D-DCAF5735E1DE}">
+      <dsp:nvSpPr>
+        <dsp:cNvPr id="0" name=""/>
+        <dsp:cNvSpPr/>
+      </dsp:nvSpPr>
+      <dsp:spPr>
+        <a:xfrm>
+          <a:off x="6722907" y="1784828"/>
+          <a:ext cx="2036466" cy="1221880"/>
+        </a:xfrm>
+        <a:prstGeom prst="rect">
+          <a:avLst/>
+        </a:prstGeom>
+        <a:solidFill>
+          <a:schemeClr val="accent1">
+            <a:hueOff val="0"/>
+            <a:satOff val="0"/>
+            <a:lumOff val="0"/>
+            <a:alphaOff val="0"/>
+          </a:schemeClr>
+        </a:solidFill>
+        <a:ln w="25400" cap="flat" cmpd="sng" algn="ctr">
+          <a:solidFill>
+            <a:schemeClr val="lt1">
+              <a:hueOff val="0"/>
+              <a:satOff val="0"/>
+              <a:lumOff val="0"/>
+              <a:alphaOff val="0"/>
+            </a:schemeClr>
+          </a:solidFill>
+          <a:prstDash val="solid"/>
+        </a:ln>
+        <a:effectLst/>
+      </dsp:spPr>
+      <dsp:style>
+        <a:lnRef idx="2">
+          <a:scrgbClr r="0" g="0" b="0"/>
+        </a:lnRef>
+        <a:fillRef idx="1">
+          <a:scrgbClr r="0" g="0" b="0"/>
+        </a:fillRef>
+        <a:effectRef idx="0">
+          <a:scrgbClr r="0" g="0" b="0"/>
+        </a:effectRef>
+        <a:fontRef idx="minor">
+          <a:schemeClr val="lt1"/>
+        </a:fontRef>
+      </dsp:style>
+      <dsp:txBody>
+        <a:bodyPr spcFirstLastPara="0" vert="horz" wrap="square" lIns="99060" tIns="99060" rIns="99060" bIns="99060" numCol="1" spcCol="1270" anchor="ctr" anchorCtr="0">
+          <a:noAutofit/>
+        </a:bodyPr>
+        <a:lstStyle/>
+        <a:p>
+          <a:pPr marL="0" lvl="0" indent="0" algn="ctr" defTabSz="1155700">
+            <a:lnSpc>
+              <a:spcPct val="90000"/>
+            </a:lnSpc>
+            <a:spcBef>
+              <a:spcPct val="0"/>
+            </a:spcBef>
+            <a:spcAft>
+              <a:spcPct val="35000"/>
+            </a:spcAft>
+            <a:buNone/>
+          </a:pPr>
+          <a:r>
+            <a:rPr lang="en-US" sz="2600" kern="1200" dirty="0"/>
+            <a:t>Tableau</a:t>
+          </a:r>
+        </a:p>
+      </dsp:txBody>
+      <dsp:txXfrm>
+        <a:off x="6722907" y="1784828"/>
+        <a:ext cx="2036466" cy="1221880"/>
+      </dsp:txXfrm>
+    </dsp:sp>
+  </dsp:spTree>
+</dsp:drawing>
+</file>
+
+<file path=ppt/diagrams/layout1.xml><?xml version="1.0" encoding="utf-8"?>
+<dgm:layoutDef xmlns:dgm="http://schemas.openxmlformats.org/drawingml/2006/diagram" xmlns:a="http://schemas.openxmlformats.org/drawingml/2006/main" uniqueId="urn:microsoft.com/office/officeart/2005/8/layout/default">
+  <dgm:title val=""/>
+  <dgm:desc val=""/>
+  <dgm:catLst>
+    <dgm:cat type="list" pri="400"/>
+  </dgm:catLst>
+  <dgm:sampData>
+    <dgm:dataModel>
+      <dgm:ptLst>
+        <dgm:pt modelId="0" type="doc"/>
+        <dgm:pt modelId="1">
+          <dgm:prSet phldr="1"/>
+        </dgm:pt>
+        <dgm:pt modelId="2">
+          <dgm:prSet phldr="1"/>
+        </dgm:pt>
+        <dgm:pt modelId="3">
+          <dgm:prSet phldr="1"/>
+        </dgm:pt>
+        <dgm:pt modelId="4">
+          <dgm:prSet phldr="1"/>
+        </dgm:pt>
+        <dgm:pt modelId="5">
+          <dgm:prSet phldr="1"/>
+        </dgm:pt>
+      </dgm:ptLst>
+      <dgm:cxnLst>
+        <dgm:cxn modelId="6" srcId="0" destId="1" srcOrd="0" destOrd="0"/>
+        <dgm:cxn modelId="7" srcId="0" destId="2" srcOrd="1" destOrd="0"/>
+        <dgm:cxn modelId="8" srcId="0" destId="3" srcOrd="2" destOrd="0"/>
+        <dgm:cxn modelId="9" srcId="0" destId="4" srcOrd="3" destOrd="0"/>
+        <dgm:cxn modelId="10" srcId="0" destId="5" srcOrd="4" destOrd="0"/>
+      </dgm:cxnLst>
+      <dgm:bg/>
+      <dgm:whole/>
+    </dgm:dataModel>
+  </dgm:sampData>
+  <dgm:styleData>
+    <dgm:dataModel>
+      <dgm:ptLst>
+        <dgm:pt modelId="0" type="doc"/>
+        <dgm:pt modelId="1"/>
+        <dgm:pt modelId="2"/>
+      </dgm:ptLst>
+      <dgm:cxnLst>
+        <dgm:cxn modelId="3" srcId="0" destId="1" srcOrd="0" destOrd="0"/>
+        <dgm:cxn modelId="4" srcId="0" destId="2" srcOrd="1" destOrd="0"/>
+      </dgm:cxnLst>
+      <dgm:bg/>
+      <dgm:whole/>
+    </dgm:dataModel>
+  </dgm:styleData>
+  <dgm:clrData>
+    <dgm:dataModel>
+      <dgm:ptLst>
+        <dgm:pt modelId="0" type="doc"/>
+        <dgm:pt modelId="1"/>
+        <dgm:pt modelId="2"/>
+        <dgm:pt modelId="3"/>
+        <dgm:pt modelId="4"/>
+        <dgm:pt modelId="5"/>
+        <dgm:pt modelId="6"/>
+      </dgm:ptLst>
+      <dgm:cxnLst>
+        <dgm:cxn modelId="7" srcId="0" destId="1" srcOrd="0" destOrd="0"/>
+        <dgm:cxn modelId="8" srcId="0" destId="2" srcOrd="1" destOrd="0"/>
+        <dgm:cxn modelId="9" srcId="0" destId="3" srcOrd="2" destOrd="0"/>
+        <dgm:cxn modelId="10" srcId="0" destId="4" srcOrd="3" destOrd="0"/>
+        <dgm:cxn modelId="11" srcId="0" destId="5" srcOrd="4" destOrd="0"/>
+        <dgm:cxn modelId="12" srcId="0" destId="6" srcOrd="5" destOrd="0"/>
+      </dgm:cxnLst>
+      <dgm:bg/>
+      <dgm:whole/>
+    </dgm:dataModel>
+  </dgm:clrData>
+  <dgm:layoutNode name="diagram">
+    <dgm:varLst>
+      <dgm:dir/>
+      <dgm:resizeHandles val="exact"/>
+    </dgm:varLst>
+    <dgm:choose name="Name0">
+      <dgm:if name="Name1" func="var" arg="dir" op="equ" val="norm">
+        <dgm:alg type="snake">
+          <dgm:param type="grDir" val="tL"/>
+          <dgm:param type="flowDir" val="row"/>
+          <dgm:param type="contDir" val="sameDir"/>
+          <dgm:param type="off" val="ctr"/>
+        </dgm:alg>
+      </dgm:if>
+      <dgm:else name="Name2">
+        <dgm:alg type="snake">
+          <dgm:param type="grDir" val="tR"/>
+          <dgm:param type="flowDir" val="row"/>
+          <dgm:param type="contDir" val="sameDir"/>
+          <dgm:param type="off" val="ctr"/>
+        </dgm:alg>
+      </dgm:else>
+    </dgm:choose>
+    <dgm:shape xmlns:r="http://schemas.openxmlformats.org/officeDocument/2006/relationships" r:blip="">
+      <dgm:adjLst/>
+    </dgm:shape>
+    <dgm:presOf/>
+    <dgm:constrLst>
+      <dgm:constr type="w" for="ch" forName="node" refType="w"/>
+      <dgm:constr type="h" for="ch" forName="node" refType="w" refFor="ch" refForName="node" fact="0.6"/>
+      <dgm:constr type="w" for="ch" forName="sibTrans" refType="w" refFor="ch" refForName="node" fact="0.1"/>
+      <dgm:constr type="sp" refType="w" refFor="ch" refForName="sibTrans"/>
+      <dgm:constr type="primFontSz" for="ch" forName="node" op="equ" val="65"/>
+    </dgm:constrLst>
+    <dgm:ruleLst/>
+    <dgm:forEach name="Name3" axis="ch" ptType="node">
+      <dgm:layoutNode name="node">
+        <dgm:varLst>
+          <dgm:bulletEnabled val="1"/>
+        </dgm:varLst>
+        <dgm:alg type="tx"/>
+        <dgm:shape xmlns:r="http://schemas.openxmlformats.org/officeDocument/2006/relationships" type="rect" r:blip="">
+          <dgm:adjLst/>
+        </dgm:shape>
+        <dgm:presOf axis="desOrSelf" ptType="node"/>
+        <dgm:constrLst>
+          <dgm:constr type="lMarg" refType="primFontSz" fact="0.3"/>
+          <dgm:constr type="rMarg" refType="primFontSz" fact="0.3"/>
+          <dgm:constr type="tMarg" refType="primFontSz" fact="0.3"/>
+          <dgm:constr type="bMarg" refType="primFontSz" fact="0.3"/>
+        </dgm:constrLst>
+        <dgm:ruleLst>
+          <dgm:rule type="primFontSz" val="5" fact="NaN" max="NaN"/>
+        </dgm:ruleLst>
+      </dgm:layoutNode>
+      <dgm:forEach name="Name4" axis="followSib" ptType="sibTrans" cnt="1">
+        <dgm:layoutNode name="sibTrans">
+          <dgm:alg type="sp"/>
+          <dgm:shape xmlns:r="http://schemas.openxmlformats.org/officeDocument/2006/relationships" r:blip="">
+            <dgm:adjLst/>
+          </dgm:shape>
+          <dgm:presOf/>
+          <dgm:constrLst/>
+          <dgm:ruleLst/>
+        </dgm:layoutNode>
+      </dgm:forEach>
+    </dgm:forEach>
+  </dgm:layoutNode>
+</dgm:layoutDef>
+</file>
+
+<file path=ppt/diagrams/quickStyle1.xml><?xml version="1.0" encoding="utf-8"?>
+<dgm:styleDef xmlns:dgm="http://schemas.openxmlformats.org/drawingml/2006/diagram" xmlns:a="http://schemas.openxmlformats.org/drawingml/2006/main" uniqueId="urn:microsoft.com/office/officeart/2005/8/quickstyle/simple1">
+  <dgm:title val=""/>
+  <dgm:desc val=""/>
+  <dgm:catLst>
+    <dgm:cat type="simple" pri="10100"/>
+  </dgm:catLst>
+  <dgm:scene3d>
+    <a:camera prst="orthographicFront"/>
+    <a:lightRig rig="threePt" dir="t"/>
+  </dgm:scene3d>
+  <dgm:styleLbl name="node0">
+    <dgm:scene3d>
+      <a:camera prst="orthographicFront"/>
+      <a:lightRig rig="threePt" dir="t"/>
+    </dgm:scene3d>
+    <dgm:sp3d/>
+    <dgm:txPr/>
+    <dgm:style>
+      <a:lnRef idx="2">
+        <a:scrgbClr r="0" g="0" b="0"/>
+      </a:lnRef>
+      <a:fillRef idx="1">
+        <a:scrgbClr r="0" g="0" b="0"/>
+      </a:fillRef>
+      <a:effectRef idx="0">
+        <a:scrgbClr r="0" g="0" b="0"/>
+      </a:effectRef>
+      <a:fontRef idx="minor">
+        <a:schemeClr val="lt1"/>
+      </a:fontRef>
+    </dgm:style>
+  </dgm:styleLbl>
+  <dgm:styleLbl name="lnNode1">
+    <dgm:scene3d>
+      <a:camera prst="orthographicFront"/>
+      <a:lightRig rig="threePt" dir="t"/>
+    </dgm:scene3d>
+    <dgm:sp3d/>
+    <dgm:txPr/>
+    <dgm:style>
+      <a:lnRef idx="2">
+        <a:scrgbClr r="0" g="0" b="0"/>
+      </a:lnRef>
+      <a:fillRef idx="1">
+        <a:scrgbClr r="0" g="0" b="0"/>
+      </a:fillRef>
+      <a:effectRef idx="0">
+        <a:scrgbClr r="0" g="0" b="0"/>
+      </a:effectRef>
+      <a:fontRef idx="minor">
+        <a:schemeClr val="lt1"/>
+      </a:fontRef>
+    </dgm:style>
+  </dgm:styleLbl>
+  <dgm:styleLbl name="vennNode1">
+    <dgm:scene3d>
+      <a:camera prst="orthographicFront"/>
+      <a:lightRig rig="threePt" dir="t"/>
+    </dgm:scene3d>
+    <dgm:sp3d/>
+    <dgm:txPr/>
+    <dgm:style>
+      <a:lnRef idx="2">
+        <a:scrgbClr r="0" g="0" b="0"/>
+      </a:lnRef>
+      <a:fillRef idx="1">
+        <a:scrgbClr r="0" g="0" b="0"/>
+      </a:fillRef>
+      <a:effectRef idx="0">
+        <a:scrgbClr r="0" g="0" b="0"/>
+      </a:effectRef>
+      <a:fontRef idx="minor">
+        <a:schemeClr val="tx1"/>
+      </a:fontRef>
+    </dgm:style>
+  </dgm:styleLbl>
+  <dgm:styleLbl name="alignNode1">
+    <dgm:scene3d>
+      <a:camera prst="orthographicFront"/>
+      <a:lightRig rig="threePt" dir="t"/>
+    </dgm:scene3d>
+    <dgm:sp3d/>
+    <dgm:txPr/>
+    <dgm:style>
+      <a:lnRef idx="2">
+        <a:scrgbClr r="0" g="0" b="0"/>
+      </a:lnRef>
+      <a:fillRef idx="1">
+        <a:scrgbClr r="0" g="0" b="0"/>
+      </a:fillRef>
+      <a:effectRef idx="0">
+        <a:scrgbClr r="0" g="0" b="0"/>
+      </a:effectRef>
+      <a:fontRef idx="minor">
+        <a:schemeClr val="lt1"/>
+      </a:fontRef>
+    </dgm:style>
+  </dgm:styleLbl>
+  <dgm:styleLbl name="node1">
+    <dgm:scene3d>
+      <a:camera prst="orthographicFront"/>
+      <a:lightRig rig="threePt" dir="t"/>
+    </dgm:scene3d>
+    <dgm:sp3d/>
+    <dgm:txPr/>
+    <dgm:style>
+      <a:lnRef idx="2">
+        <a:scrgbClr r="0" g="0" b="0"/>
+      </a:lnRef>
+      <a:fillRef idx="1">
+        <a:scrgbClr r="0" g="0" b="0"/>
+      </a:fillRef>
+      <a:effectRef idx="0">
+        <a:scrgbClr r="0" g="0" b="0"/>
+      </a:effectRef>
+      <a:fontRef idx="minor">
+        <a:schemeClr val="lt1"/>
+      </a:fontRef>
+    </dgm:style>
+  </dgm:styleLbl>
+  <dgm:styleLbl name="node2">
+    <dgm:scene3d>
+      <a:camera prst="orthographicFront"/>
+      <a:lightRig rig="threePt" dir="t"/>
+    </dgm:scene3d>
+    <dgm:sp3d/>
+    <dgm:txPr/>
+    <dgm:style>
+      <a:lnRef idx="2">
+        <a:scrgbClr r="0" g="0" b="0"/>
+      </a:lnRef>
+      <a:fillRef idx="1">
+        <a:scrgbClr r="0" g="0" b="0"/>
+      </a:fillRef>
+      <a:effectRef idx="0">
+        <a:scrgbClr r="0" g="0" b="0"/>
+      </a:effectRef>
+      <a:fontRef idx="minor">
+        <a:schemeClr val="lt1"/>
+      </a:fontRef>
+    </dgm:style>
+  </dgm:styleLbl>
+  <dgm:styleLbl name="node3">
+    <dgm:scene3d>
+      <a:camera prst="orthographicFront"/>
+      <a:lightRig rig="threePt" dir="t"/>
+    </dgm:scene3d>
+    <dgm:sp3d/>
+    <dgm:txPr/>
+    <dgm:style>
+      <a:lnRef idx="2">
+        <a:scrgbClr r="0" g="0" b="0"/>
+      </a:lnRef>
+      <a:fillRef idx="1">
+        <a:scrgbClr r="0" g="0" b="0"/>
+      </a:fillRef>
+      <a:effectRef idx="0">
+        <a:scrgbClr r="0" g="0" b="0"/>
+      </a:effectRef>
+      <a:fontRef idx="minor">
+        <a:schemeClr val="lt1"/>
+      </a:fontRef>
+    </dgm:style>
+  </dgm:styleLbl>
+  <dgm:styleLbl name="node4">
+    <dgm:scene3d>
+      <a:camera prst="orthographicFront"/>
+      <a:lightRig rig="threePt" dir="t"/>
+    </dgm:scene3d>
+    <dgm:sp3d/>
+    <dgm:txPr/>
+    <dgm:style>
+      <a:lnRef idx="2">
+        <a:scrgbClr r="0" g="0" b="0"/>
+      </a:lnRef>
+      <a:fillRef idx="1">
+        <a:scrgbClr r="0" g="0" b="0"/>
+      </a:fillRef>
+      <a:effectRef idx="0">
+        <a:scrgbClr r="0" g="0" b="0"/>
+      </a:effectRef>
+      <a:fontRef idx="minor">
+        <a:schemeClr val="lt1"/>
+      </a:fontRef>
+    </dgm:style>
+  </dgm:styleLbl>
+  <dgm:styleLbl name="fgImgPlace1">
+    <dgm:scene3d>
+      <a:camera prst="orthographicFront"/>
+      <a:lightRig rig="threePt" dir="t"/>
+    </dgm:scene3d>
+    <dgm:sp3d/>
+    <dgm:txPr/>
+    <dgm:style>
+      <a:lnRef idx="2">
+        <a:scrgbClr r="0" g="0" b="0"/>
+      </a:lnRef>
+      <a:fillRef idx="1">
+        <a:scrgbClr r="0" g="0" b="0"/>
+      </a:fillRef>
+      <a:effectRef idx="0">
+        <a:scrgbClr r="0" g="0" b="0"/>
+      </a:effectRef>
+      <a:fontRef idx="minor"/>
+    </dgm:style>
+  </dgm:styleLbl>
+  <dgm:styleLbl name="alignImgPlace1">
+    <dgm:scene3d>
+      <a:camera prst="orthographicFront"/>
+      <a:lightRig rig="threePt" dir="t"/>
+    </dgm:scene3d>
+    <dgm:sp3d/>
+    <dgm:txPr/>
+    <dgm:style>
+      <a:lnRef idx="2">
+        <a:scrgbClr r="0" g="0" b="0"/>
+      </a:lnRef>
+      <a:fillRef idx="1">
+        <a:scrgbClr r="0" g="0" b="0"/>
+      </a:fillRef>
+      <a:effectRef idx="0">
+        <a:scrgbClr r="0" g="0" b="0"/>
+      </a:effectRef>
+      <a:fontRef idx="minor"/>
+    </dgm:style>
+  </dgm:styleLbl>
+  <dgm:styleLbl name="bgImgPlace1">
+    <dgm:scene3d>
+      <a:camera prst="orthographicFront"/>
+      <a:lightRig rig="threePt" dir="t"/>
+    </dgm:scene3d>
+    <dgm:sp3d/>
+    <dgm:txPr/>
+    <dgm:style>
+      <a:lnRef idx="2">
+        <a:scrgbClr r="0" g="0" b="0"/>
+      </a:lnRef>
+      <a:fillRef idx="1">
+        <a:scrgbClr r="0" g="0" b="0"/>
+      </a:fillRef>
+      <a:effectRef idx="0">
+        <a:scrgbClr r="0" g="0" b="0"/>
+      </a:effectRef>
+      <a:fontRef idx="minor"/>
+    </dgm:style>
+  </dgm:styleLbl>
+  <dgm:styleLbl name="sibTrans2D1">
+    <dgm:scene3d>
+      <a:camera prst="orthographicFront"/>
+      <a:lightRig rig="threePt" dir="t"/>
+    </dgm:scene3d>
+    <dgm:sp3d/>
+    <dgm:txPr/>
+    <dgm:style>
+      <a:lnRef idx="0">
+        <a:scrgbClr r="0" g="0" b="0"/>
+      </a:lnRef>
+      <a:fillRef idx="1">
+        <a:scrgbClr r="0" g="0" b="0"/>
+      </a:fillRef>
+      <a:effectRef idx="0">
+        <a:scrgbClr r="0" g="0" b="0"/>
+      </a:effectRef>
+      <a:fontRef idx="minor">
+        <a:schemeClr val="lt1"/>
+      </a:fontRef>
+    </dgm:style>
+  </dgm:styleLbl>
+  <dgm:styleLbl name="fgSibTrans2D1">
+    <dgm:scene3d>
+      <a:camera prst="orthographicFront"/>
+      <a:lightRig rig="threePt" dir="t"/>
+    </dgm:scene3d>
+    <dgm:sp3d/>
+    <dgm:txPr/>
+    <dgm:style>
+      <a:lnRef idx="0">
+        <a:scrgbClr r="0" g="0" b="0"/>
+      </a:lnRef>
+      <a:fillRef idx="1">
+        <a:scrgbClr r="0" g="0" b="0"/>
+      </a:fillRef>
+      <a:effectRef idx="0">
+        <a:scrgbClr r="0" g="0" b="0"/>
+      </a:effectRef>
+      <a:fontRef idx="minor">
+        <a:schemeClr val="lt1"/>
+      </a:fontRef>
+    </dgm:style>
+  </dgm:styleLbl>
+  <dgm:styleLbl name="bgSibTrans2D1">
+    <dgm:scene3d>
+      <a:camera prst="orthographicFront"/>
+      <a:lightRig rig="threePt" dir="t"/>
+    </dgm:scene3d>
+    <dgm:sp3d/>
+    <dgm:txPr/>
+    <dgm:style>
+      <a:lnRef idx="0">
+        <a:scrgbClr r="0" g="0" b="0"/>
+      </a:lnRef>
+      <a:fillRef idx="1">
+        <a:scrgbClr r="0" g="0" b="0"/>
+      </a:fillRef>
+      <a:effectRef idx="0">
+        <a:scrgbClr r="0" g="0" b="0"/>
+      </a:effectRef>
+      <a:fontRef idx="minor">
+        <a:schemeClr val="lt1"/>
+      </a:fontRef>
+    </dgm:style>
+  </dgm:styleLbl>
+  <dgm:styleLbl name="sibTrans1D1">
+    <dgm:scene3d>
+      <a:camera prst="orthographicFront"/>
+      <a:lightRig rig="threePt" dir="t"/>
+    </dgm:scene3d>
+    <dgm:sp3d/>
+    <dgm:txPr/>
+    <dgm:style>
+      <a:lnRef idx="1">
+        <a:scrgbClr r="0" g="0" b="0"/>
+      </a:lnRef>
+      <a:fillRef idx="0">
+        <a:scrgbClr r="0" g="0" b="0"/>
+      </a:fillRef>
+      <a:effectRef idx="0">
+        <a:scrgbClr r="0" g="0" b="0"/>
+      </a:effectRef>
+      <a:fontRef idx="minor"/>
+    </dgm:style>
+  </dgm:styleLbl>
+  <dgm:styleLbl name="callout">
+    <dgm:scene3d>
+      <a:camera prst="orthographicFront"/>
+      <a:lightRig rig="threePt" dir="t"/>
+    </dgm:scene3d>
+    <dgm:sp3d/>
+    <dgm:txPr/>
+    <dgm:style>
+      <a:lnRef idx="2">
+        <a:scrgbClr r="0" g="0" b="0"/>
+      </a:lnRef>
+      <a:fillRef idx="1">
+        <a:scrgbClr r="0" g="0" b="0"/>
+      </a:fillRef>
+      <a:effectRef idx="0">
+        <a:scrgbClr r="0" g="0" b="0"/>
+      </a:effectRef>
+      <a:fontRef idx="minor"/>
+    </dgm:style>
+  </dgm:styleLbl>
+  <dgm:styleLbl name="asst0">
+    <dgm:scene3d>
+      <a:camera prst="orthographicFront"/>
+      <a:lightRig rig="threePt" dir="t"/>
+    </dgm:scene3d>
+    <dgm:sp3d/>
+    <dgm:txPr/>
+    <dgm:style>
+      <a:lnRef idx="2">
+        <a:scrgbClr r="0" g="0" b="0"/>
+      </a:lnRef>
+      <a:fillRef idx="1">
+        <a:scrgbClr r="0" g="0" b="0"/>
+      </a:fillRef>
+      <a:effectRef idx="0">
+        <a:scrgbClr r="0" g="0" b="0"/>
+      </a:effectRef>
+      <a:fontRef idx="minor">
+        <a:schemeClr val="lt1"/>
+      </a:fontRef>
+    </dgm:style>
+  </dgm:styleLbl>
+  <dgm:styleLbl name="asst1">
+    <dgm:scene3d>
+      <a:camera prst="orthographicFront"/>
+      <a:lightRig rig="threePt" dir="t"/>
+    </dgm:scene3d>
+    <dgm:sp3d/>
+    <dgm:txPr/>
+    <dgm:style>
+      <a:lnRef idx="2">
+        <a:scrgbClr r="0" g="0" b="0"/>
+      </a:lnRef>
+      <a:fillRef idx="1">
+        <a:scrgbClr r="0" g="0" b="0"/>
+      </a:fillRef>
+      <a:effectRef idx="0">
+        <a:scrgbClr r="0" g="0" b="0"/>
+      </a:effectRef>
+      <a:fontRef idx="minor">
+        <a:schemeClr val="lt1"/>
+      </a:fontRef>
+    </dgm:style>
+  </dgm:styleLbl>
+  <dgm:styleLbl name="asst2">
+    <dgm:scene3d>
+      <a:camera prst="orthographicFront"/>
+      <a:lightRig rig="threePt" dir="t"/>
+    </dgm:scene3d>
+    <dgm:sp3d/>
+    <dgm:txPr/>
+    <dgm:style>
+      <a:lnRef idx="2">
+        <a:scrgbClr r="0" g="0" b="0"/>
+      </a:lnRef>
+      <a:fillRef idx="1">
+        <a:scrgbClr r="0" g="0" b="0"/>
+      </a:fillRef>
+      <a:effectRef idx="0">
+        <a:scrgbClr r="0" g="0" b="0"/>
+      </a:effectRef>
+      <a:fontRef idx="minor">
+        <a:schemeClr val="lt1"/>
+      </a:fontRef>
+    </dgm:style>
+  </dgm:styleLbl>
+  <dgm:styleLbl name="asst3">
+    <dgm:scene3d>
+      <a:camera prst="orthographicFront"/>
+      <a:lightRig rig="threePt" dir="t"/>
+    </dgm:scene3d>
+    <dgm:sp3d/>
+    <dgm:txPr/>
+    <dgm:style>
+      <a:lnRef idx="2">
+        <a:scrgbClr r="0" g="0" b="0"/>
+      </a:lnRef>
+      <a:fillRef idx="1">
+        <a:scrgbClr r="0" g="0" b="0"/>
+      </a:fillRef>
+      <a:effectRef idx="0">
+        <a:scrgbClr r="0" g="0" b="0"/>
+      </a:effectRef>
+      <a:fontRef idx="minor">
+        <a:schemeClr val="lt1"/>
+      </a:fontRef>
+    </dgm:style>
+  </dgm:styleLbl>
+  <dgm:styleLbl name="asst4">
+    <dgm:scene3d>
+      <a:camera prst="orthographicFront"/>
+      <a:lightRig rig="threePt" dir="t"/>
+    </dgm:scene3d>
+    <dgm:sp3d/>
+    <dgm:txPr/>
+    <dgm:style>
+      <a:lnRef idx="2">
+        <a:scrgbClr r="0" g="0" b="0"/>
+      </a:lnRef>
+      <a:fillRef idx="1">
+        <a:scrgbClr r="0" g="0" b="0"/>
+      </a:fillRef>
+      <a:effectRef idx="0">
+        <a:scrgbClr r="0" g="0" b="0"/>
+      </a:effectRef>
+      <a:fontRef idx="minor">
+        <a:schemeClr val="lt1"/>
+      </a:fontRef>
+    </dgm:style>
+  </dgm:styleLbl>
+  <dgm:styleLbl name="parChTrans2D1">
+    <dgm:scene3d>
+      <a:camera prst="orthographicFront"/>
+      <a:lightRig rig="threePt" dir="t"/>
+    </dgm:scene3d>
+    <dgm:sp3d/>
+    <dgm:txPr/>
+    <dgm:style>
+      <a:lnRef idx="2">
+        <a:scrgbClr r="0" g="0" b="0"/>
+      </a:lnRef>
+      <a:fillRef idx="1">
+        <a:scrgbClr r="0" g="0" b="0"/>
+      </a:fillRef>
+      <a:effectRef idx="0">
+        <a:scrgbClr r="0" g="0" b="0"/>
+      </a:effectRef>
+      <a:fontRef idx="minor">
+        <a:schemeClr val="lt1"/>
+      </a:fontRef>
+    </dgm:style>
+  </dgm:styleLbl>
+  <dgm:styleLbl name="parChTrans2D2">
+    <dgm:scene3d>
+      <a:camera prst="orthographicFront"/>
+      <a:lightRig rig="threePt" dir="t"/>
+    </dgm:scene3d>
+    <dgm:sp3d/>
+    <dgm:txPr/>
+    <dgm:style>
+      <a:lnRef idx="2">
+        <a:scrgbClr r="0" g="0" b="0"/>
+      </a:lnRef>
+      <a:fillRef idx="1">
+        <a:scrgbClr r="0" g="0" b="0"/>
+      </a:fillRef>
+      <a:effectRef idx="0">
+        <a:scrgbClr r="0" g="0" b="0"/>
+      </a:effectRef>
+      <a:fontRef idx="minor">
+        <a:schemeClr val="lt1"/>
+      </a:fontRef>
+    </dgm:style>
+  </dgm:styleLbl>
+  <dgm:styleLbl name="parChTrans2D3">
+    <dgm:scene3d>
+      <a:camera prst="orthographicFront"/>
+      <a:lightRig rig="threePt" dir="t"/>
+    </dgm:scene3d>
+    <dgm:sp3d/>
+    <dgm:txPr/>
+    <dgm:style>
+      <a:lnRef idx="2">
+        <a:scrgbClr r="0" g="0" b="0"/>
+      </a:lnRef>
+      <a:fillRef idx="1">
+        <a:scrgbClr r="0" g="0" b="0"/>
+      </a:fillRef>
+      <a:effectRef idx="0">
+        <a:scrgbClr r="0" g="0" b="0"/>
+      </a:effectRef>
+      <a:fontRef idx="minor">
+        <a:schemeClr val="lt1"/>
+      </a:fontRef>
+    </dgm:style>
+  </dgm:styleLbl>
+  <dgm:styleLbl name="parChTrans2D4">
+    <dgm:scene3d>
+      <a:camera prst="orthographicFront"/>
+      <a:lightRig rig="threePt" dir="t"/>
+    </dgm:scene3d>
+    <dgm:sp3d/>
+    <dgm:txPr/>
+    <dgm:style>
+      <a:lnRef idx="2">
+        <a:scrgbClr r="0" g="0" b="0"/>
+      </a:lnRef>
+      <a:fillRef idx="1">
+        <a:scrgbClr r="0" g="0" b="0"/>
+      </a:fillRef>
+      <a:effectRef idx="0">
+        <a:scrgbClr r="0" g="0" b="0"/>
+      </a:effectRef>
+      <a:fontRef idx="minor">
+        <a:schemeClr val="lt1"/>
+      </a:fontRef>
+    </dgm:style>
+  </dgm:styleLbl>
+  <dgm:styleLbl name="parChTrans1D1">
+    <dgm:scene3d>
+      <a:camera prst="orthographicFront"/>
+      <a:lightRig rig="threePt" dir="t"/>
+    </dgm:scene3d>
+    <dgm:sp3d/>
+    <dgm:txPr/>
+    <dgm:style>
+      <a:lnRef idx="2">
+        <a:scrgbClr r="0" g="0" b="0"/>
+      </a:lnRef>
+      <a:fillRef idx="0">
+        <a:scrgbClr r="0" g="0" b="0"/>
+      </a:fillRef>
+      <a:effectRef idx="0">
+        <a:scrgbClr r="0" g="0" b="0"/>
+      </a:effectRef>
+      <a:fontRef idx="minor"/>
+    </dgm:style>
+  </dgm:styleLbl>
+  <dgm:styleLbl name="parChTrans1D2">
+    <dgm:scene3d>
+      <a:camera prst="orthographicFront"/>
+      <a:lightRig rig="threePt" dir="t"/>
+    </dgm:scene3d>
+    <dgm:sp3d/>
+    <dgm:txPr/>
+    <dgm:style>
+      <a:lnRef idx="2">
+        <a:scrgbClr r="0" g="0" b="0"/>
+      </a:lnRef>
+      <a:fillRef idx="0">
+        <a:scrgbClr r="0" g="0" b="0"/>
+      </a:fillRef>
+      <a:effectRef idx="0">
+        <a:scrgbClr r="0" g="0" b="0"/>
+      </a:effectRef>
+      <a:fontRef idx="minor"/>
+    </dgm:style>
+  </dgm:styleLbl>
+  <dgm:styleLbl name="parChTrans1D3">
+    <dgm:scene3d>
+      <a:camera prst="orthographicFront"/>
+      <a:lightRig rig="threePt" dir="t"/>
+    </dgm:scene3d>
+    <dgm:sp3d/>
+    <dgm:txPr/>
+    <dgm:style>
+      <a:lnRef idx="2">
+        <a:scrgbClr r="0" g="0" b="0"/>
+      </a:lnRef>
+      <a:fillRef idx="0">
+        <a:scrgbClr r="0" g="0" b="0"/>
+      </a:fillRef>
+      <a:effectRef idx="0">
+        <a:scrgbClr r="0" g="0" b="0"/>
+      </a:effectRef>
+      <a:fontRef idx="minor"/>
+    </dgm:style>
+  </dgm:styleLbl>
+  <dgm:styleLbl name="parChTrans1D4">
+    <dgm:scene3d>
+      <a:camera prst="orthographicFront"/>
+      <a:lightRig rig="threePt" dir="t"/>
+    </dgm:scene3d>
+    <dgm:sp3d/>
+    <dgm:txPr/>
+    <dgm:style>
+      <a:lnRef idx="2">
+        <a:scrgbClr r="0" g="0" b="0"/>
+      </a:lnRef>
+      <a:fillRef idx="0">
+        <a:scrgbClr r="0" g="0" b="0"/>
+      </a:fillRef>
+      <a:effectRef idx="0">
+        <a:scrgbClr r="0" g="0" b="0"/>
+      </a:effectRef>
+      <a:fontRef idx="minor"/>
+    </dgm:style>
+  </dgm:styleLbl>
+  <dgm:styleLbl name="fgAcc1">
+    <dgm:scene3d>
+      <a:camera prst="orthographicFront"/>
+      <a:lightRig rig="threePt" dir="t"/>
+    </dgm:scene3d>
+    <dgm:sp3d/>
+    <dgm:txPr/>
+    <dgm:style>
+      <a:lnRef idx="2">
+        <a:scrgbClr r="0" g="0" b="0"/>
+      </a:lnRef>
+      <a:fillRef idx="1">
+        <a:scrgbClr r="0" g="0" b="0"/>
+      </a:fillRef>
+      <a:effectRef idx="0">
+        <a:scrgbClr r="0" g="0" b="0"/>
+      </a:effectRef>
+      <a:fontRef idx="minor"/>
+    </dgm:style>
+  </dgm:styleLbl>
+  <dgm:styleLbl name="conFgAcc1">
+    <dgm:scene3d>
+      <a:camera prst="orthographicFront"/>
+      <a:lightRig rig="threePt" dir="t"/>
+    </dgm:scene3d>
+    <dgm:sp3d/>
+    <dgm:txPr/>
+    <dgm:style>
+      <a:lnRef idx="2">
+        <a:scrgbClr r="0" g="0" b="0"/>
+      </a:lnRef>
+      <a:fillRef idx="1">
+        <a:scrgbClr r="0" g="0" b="0"/>
+      </a:fillRef>
+      <a:effectRef idx="0">
+        <a:scrgbClr r="0" g="0" b="0"/>
+      </a:effectRef>
+      <a:fontRef idx="minor"/>
+    </dgm:style>
+  </dgm:styleLbl>
+  <dgm:styleLbl name="alignAcc1">
+    <dgm:scene3d>
+      <a:camera prst="orthographicFront"/>
+      <a:lightRig rig="threePt" dir="t"/>
+    </dgm:scene3d>
+    <dgm:sp3d/>
+    <dgm:txPr/>
+    <dgm:style>
+      <a:lnRef idx="2">
+        <a:scrgbClr r="0" g="0" b="0"/>
+      </a:lnRef>
+      <a:fillRef idx="1">
+        <a:scrgbClr r="0" g="0" b="0"/>
+      </a:fillRef>
+      <a:effectRef idx="0">
+        <a:scrgbClr r="0" g="0" b="0"/>
+      </a:effectRef>
+      <a:fontRef idx="minor"/>
+    </dgm:style>
+  </dgm:styleLbl>
+  <dgm:styleLbl name="trAlignAcc1">
+    <dgm:scene3d>
+      <a:camera prst="orthographicFront"/>
+      <a:lightRig rig="threePt" dir="t"/>
+    </dgm:scene3d>
+    <dgm:sp3d/>
+    <dgm:txPr/>
+    <dgm:style>
+      <a:lnRef idx="1">
+        <a:scrgbClr r="0" g="0" b="0"/>
+      </a:lnRef>
+      <a:fillRef idx="1">
+        <a:scrgbClr r="0" g="0" b="0"/>
+      </a:fillRef>
+      <a:effectRef idx="0">
+        <a:scrgbClr r="0" g="0" b="0"/>
+      </a:effectRef>
+      <a:fontRef idx="minor"/>
+    </dgm:style>
+  </dgm:styleLbl>
+  <dgm:styleLbl name="bgAcc1">
+    <dgm:scene3d>
+      <a:camera prst="orthographicFront"/>
+      <a:lightRig rig="threePt" dir="t"/>
+    </dgm:scene3d>
+    <dgm:sp3d/>
+    <dgm:txPr/>
+    <dgm:style>
+      <a:lnRef idx="2">
+        <a:scrgbClr r="0" g="0" b="0"/>
+      </a:lnRef>
+      <a:fillRef idx="1">
+        <a:scrgbClr r="0" g="0" b="0"/>
+      </a:fillRef>
+      <a:effectRef idx="0">
+        <a:scrgbClr r="0" g="0" b="0"/>
+      </a:effectRef>
+      <a:fontRef idx="minor"/>
+    </dgm:style>
+  </dgm:styleLbl>
+  <dgm:styleLbl name="solidFgAcc1">
+    <dgm:scene3d>
+      <a:camera prst="orthographicFront"/>
+      <a:lightRig rig="threePt" dir="t"/>
+    </dgm:scene3d>
+    <dgm:sp3d/>
+    <dgm:txPr/>
+    <dgm:style>
+      <a:lnRef idx="2">
+        <a:scrgbClr r="0" g="0" b="0"/>
+      </a:lnRef>
+      <a:fillRef idx="1">
+        <a:scrgbClr r="0" g="0" b="0"/>
+      </a:fillRef>
+      <a:effectRef idx="0">
+        <a:scrgbClr r="0" g="0" b="0"/>
+      </a:effectRef>
+      <a:fontRef idx="minor"/>
+    </dgm:style>
+  </dgm:styleLbl>
+  <dgm:styleLbl name="solidAlignAcc1">
+    <dgm:scene3d>
+      <a:camera prst="orthographicFront"/>
+      <a:lightRig rig="threePt" dir="t"/>
+    </dgm:scene3d>
+    <dgm:sp3d/>
+    <dgm:txPr/>
+    <dgm:style>
+      <a:lnRef idx="2">
+        <a:scrgbClr r="0" g="0" b="0"/>
+      </a:lnRef>
+      <a:fillRef idx="1">
+        <a:scrgbClr r="0" g="0" b="0"/>
+      </a:fillRef>
+      <a:effectRef idx="0">
+        <a:scrgbClr r="0" g="0" b="0"/>
+      </a:effectRef>
+      <a:fontRef idx="minor"/>
+    </dgm:style>
+  </dgm:styleLbl>
+  <dgm:styleLbl name="solidBgAcc1">
+    <dgm:scene3d>
+      <a:camera prst="orthographicFront"/>
+      <a:lightRig rig="threePt" dir="t"/>
+    </dgm:scene3d>
+    <dgm:sp3d/>
+    <dgm:txPr/>
+    <dgm:style>
+      <a:lnRef idx="2">
+        <a:scrgbClr r="0" g="0" b="0"/>
+      </a:lnRef>
+      <a:fillRef idx="1">
+        <a:scrgbClr r="0" g="0" b="0"/>
+      </a:fillRef>
+      <a:effectRef idx="0">
+        <a:scrgbClr r="0" g="0" b="0"/>
+      </a:effectRef>
+      <a:fontRef idx="minor"/>
+    </dgm:style>
+  </dgm:styleLbl>
+  <dgm:styleLbl name="fgAccFollowNode1">
+    <dgm:scene3d>
+      <a:camera prst="orthographicFront"/>
+      <a:lightRig rig="threePt" dir="t"/>
+    </dgm:scene3d>
+    <dgm:sp3d/>
+    <dgm:txPr/>
+    <dgm:style>
+      <a:lnRef idx="2">
+        <a:scrgbClr r="0" g="0" b="0"/>
+      </a:lnRef>
+      <a:fillRef idx="1">
+        <a:scrgbClr r="0" g="0" b="0"/>
+      </a:fillRef>
+      <a:effectRef idx="0">
+        <a:scrgbClr r="0" g="0" b="0"/>
+      </a:effectRef>
+      <a:fontRef idx="minor"/>
+    </dgm:style>
+  </dgm:styleLbl>
+  <dgm:styleLbl name="alignAccFollowNode1">
+    <dgm:scene3d>
+      <a:camera prst="orthographicFront"/>
+      <a:lightRig rig="threePt" dir="t"/>
+    </dgm:scene3d>
+    <dgm:sp3d/>
+    <dgm:txPr/>
+    <dgm:style>
+      <a:lnRef idx="2">
+        <a:scrgbClr r="0" g="0" b="0"/>
+      </a:lnRef>
+      <a:fillRef idx="1">
+        <a:scrgbClr r="0" g="0" b="0"/>
+      </a:fillRef>
+      <a:effectRef idx="0">
+        <a:scrgbClr r="0" g="0" b="0"/>
+      </a:effectRef>
+      <a:fontRef idx="minor"/>
+    </dgm:style>
+  </dgm:styleLbl>
+  <dgm:styleLbl name="bgAccFollowNode1">
+    <dgm:scene3d>
+      <a:camera prst="orthographicFront"/>
+      <a:lightRig rig="threePt" dir="t"/>
+    </dgm:scene3d>
+    <dgm:sp3d/>
+    <dgm:txPr/>
+    <dgm:style>
+      <a:lnRef idx="2">
+        <a:scrgbClr r="0" g="0" b="0"/>
+      </a:lnRef>
+      <a:fillRef idx="1">
+        <a:scrgbClr r="0" g="0" b="0"/>
+      </a:fillRef>
+      <a:effectRef idx="0">
+        <a:scrgbClr r="0" g="0" b="0"/>
+      </a:effectRef>
+      <a:fontRef idx="minor"/>
+    </dgm:style>
+  </dgm:styleLbl>
+  <dgm:styleLbl name="fgAcc0">
+    <dgm:scene3d>
+      <a:camera prst="orthographicFront"/>
+      <a:lightRig rig="threePt" dir="t"/>
+    </dgm:scene3d>
+    <dgm:sp3d/>
+    <dgm:txPr/>
+    <dgm:style>
+      <a:lnRef idx="2">
+        <a:scrgbClr r="0" g="0" b="0"/>
+      </a:lnRef>
+      <a:fillRef idx="1">
+        <a:scrgbClr r="0" g="0" b="0"/>
+      </a:fillRef>
+      <a:effectRef idx="0">
+        <a:scrgbClr r="0" g="0" b="0"/>
+      </a:effectRef>
+      <a:fontRef idx="minor"/>
+    </dgm:style>
+  </dgm:styleLbl>
+  <dgm:styleLbl name="fgAcc2">
+    <dgm:scene3d>
+      <a:camera prst="orthographicFront"/>
+      <a:lightRig rig="threePt" dir="t"/>
+    </dgm:scene3d>
+    <dgm:sp3d/>
+    <dgm:txPr/>
+    <dgm:style>
+      <a:lnRef idx="2">
+        <a:scrgbClr r="0" g="0" b="0"/>
+      </a:lnRef>
+      <a:fillRef idx="1">
+        <a:scrgbClr r="0" g="0" b="0"/>
+      </a:fillRef>
+      <a:effectRef idx="0">
+        <a:scrgbClr r="0" g="0" b="0"/>
+      </a:effectRef>
+      <a:fontRef idx="minor"/>
+    </dgm:style>
+  </dgm:styleLbl>
+  <dgm:styleLbl name="fgAcc3">
+    <dgm:scene3d>
+      <a:camera prst="orthographicFront"/>
+      <a:lightRig rig="threePt" dir="t"/>
+    </dgm:scene3d>
+    <dgm:sp3d/>
+    <dgm:txPr/>
+    <dgm:style>
+      <a:lnRef idx="2">
+        <a:scrgbClr r="0" g="0" b="0"/>
+      </a:lnRef>
+      <a:fillRef idx="1">
+        <a:scrgbClr r="0" g="0" b="0"/>
+      </a:fillRef>
+      <a:effectRef idx="0">
+        <a:scrgbClr r="0" g="0" b="0"/>
+      </a:effectRef>
+      <a:fontRef idx="minor"/>
+    </dgm:style>
+  </dgm:styleLbl>
+  <dgm:styleLbl name="fgAcc4">
+    <dgm:scene3d>
+      <a:camera prst="orthographicFront"/>
+      <a:lightRig rig="threePt" dir="t"/>
+    </dgm:scene3d>
+    <dgm:sp3d/>
+    <dgm:txPr/>
+    <dgm:style>
+      <a:lnRef idx="2">
+        <a:scrgbClr r="0" g="0" b="0"/>
+      </a:lnRef>
+      <a:fillRef idx="1">
+        <a:scrgbClr r="0" g="0" b="0"/>
+      </a:fillRef>
+      <a:effectRef idx="0">
+        <a:scrgbClr r="0" g="0" b="0"/>
+      </a:effectRef>
+      <a:fontRef idx="minor"/>
+    </dgm:style>
+  </dgm:styleLbl>
+  <dgm:styleLbl name="bgShp">
+    <dgm:scene3d>
+      <a:camera prst="orthographicFront"/>
+      <a:lightRig rig="threePt" dir="t"/>
+    </dgm:scene3d>
+    <dgm:sp3d/>
+    <dgm:txPr/>
+    <dgm:style>
+      <a:lnRef idx="0">
+        <a:scrgbClr r="0" g="0" b="0"/>
+      </a:lnRef>
+      <a:fillRef idx="1">
+        <a:scrgbClr r="0" g="0" b="0"/>
+      </a:fillRef>
+      <a:effectRef idx="0">
+        <a:scrgbClr r="0" g="0" b="0"/>
+      </a:effectRef>
+      <a:fontRef idx="minor"/>
+    </dgm:style>
+  </dgm:styleLbl>
+  <dgm:styleLbl name="dkBgShp">
+    <dgm:scene3d>
+      <a:camera prst="orthographicFront"/>
+      <a:lightRig rig="threePt" dir="t"/>
+    </dgm:scene3d>
+    <dgm:sp3d/>
+    <dgm:txPr/>
+    <dgm:style>
+      <a:lnRef idx="0">
+        <a:scrgbClr r="0" g="0" b="0"/>
+      </a:lnRef>
+      <a:fillRef idx="1">
+        <a:scrgbClr r="0" g="0" b="0"/>
+      </a:fillRef>
+      <a:effectRef idx="0">
+        <a:scrgbClr r="0" g="0" b="0"/>
+      </a:effectRef>
+      <a:fontRef idx="minor"/>
+    </dgm:style>
+  </dgm:styleLbl>
+  <dgm:styleLbl name="trBgShp">
+    <dgm:scene3d>
+      <a:camera prst="orthographicFront"/>
+      <a:lightRig rig="threePt" dir="t"/>
+    </dgm:scene3d>
+    <dgm:sp3d/>
+    <dgm:txPr/>
+    <dgm:style>
+      <a:lnRef idx="0">
+        <a:scrgbClr r="0" g="0" b="0"/>
+      </a:lnRef>
+      <a:fillRef idx="1">
+        <a:scrgbClr r="0" g="0" b="0"/>
+      </a:fillRef>
+      <a:effectRef idx="0">
+        <a:scrgbClr r="0" g="0" b="0"/>
+      </a:effectRef>
+      <a:fontRef idx="minor"/>
+    </dgm:style>
+  </dgm:styleLbl>
+  <dgm:styleLbl name="fgShp">
+    <dgm:scene3d>
+      <a:camera prst="orthographicFront"/>
+      <a:lightRig rig="threePt" dir="t"/>
+    </dgm:scene3d>
+    <dgm:sp3d/>
+    <dgm:txPr/>
+    <dgm:style>
+      <a:lnRef idx="2">
+        <a:scrgbClr r="0" g="0" b="0"/>
+      </a:lnRef>
+      <a:fillRef idx="1">
+        <a:scrgbClr r="0" g="0" b="0"/>
+      </a:fillRef>
+      <a:effectRef idx="0">
+        <a:scrgbClr r="0" g="0" b="0"/>
+      </a:effectRef>
+      <a:fontRef idx="minor"/>
+    </dgm:style>
+  </dgm:styleLbl>
+  <dgm:styleLbl name="revTx">
+    <dgm:scene3d>
+      <a:camera prst="orthographicFront"/>
+      <a:lightRig rig="threePt" dir="t"/>
+    </dgm:scene3d>
+    <dgm:sp3d/>
+    <dgm:txPr/>
+    <dgm:style>
+      <a:lnRef idx="0">
+        <a:scrgbClr r="0" g="0" b="0"/>
+      </a:lnRef>
+      <a:fillRef idx="0">
+        <a:scrgbClr r="0" g="0" b="0"/>
+      </a:fillRef>
+      <a:effectRef idx="0">
+        <a:scrgbClr r="0" g="0" b="0"/>
+      </a:effectRef>
+      <a:fontRef idx="minor"/>
+    </dgm:style>
+  </dgm:styleLbl>
+</dgm:styleDef>
 </file>
 
 <file path=ppt/notesMasters/notesMaster1.xml><?xml version="1.0" encoding="utf-8"?>
@@ -759,8 +3784,8 @@
         </p:nvSpPr>
         <p:spPr>
           <a:xfrm>
-            <a:off x="381300" y="685800"/>
-            <a:ext cx="6096075" cy="3429000"/>
+            <a:off x="381000" y="685800"/>
+            <a:ext cx="6096000" cy="3429000"/>
           </a:xfrm>
           <a:custGeom>
             <a:avLst/>
@@ -938,110 +3963,6 @@
 </p:notes>
 </file>
 
-<file path=ppt/notesSlides/notesSlide11.xml><?xml version="1.0" encoding="utf-8"?>
-<p:notes xmlns:a="http://schemas.openxmlformats.org/drawingml/2006/main" xmlns:r="http://schemas.openxmlformats.org/officeDocument/2006/relationships" xmlns:p="http://schemas.openxmlformats.org/presentationml/2006/main" showMasterSp="0" showMasterPhAnim="0">
-  <p:cSld>
-    <p:spTree>
-      <p:nvGrpSpPr>
-        <p:cNvPr id="1" name="Shape 321"/>
-        <p:cNvGrpSpPr/>
-        <p:nvPr/>
-      </p:nvGrpSpPr>
-      <p:grpSpPr>
-        <a:xfrm>
-          <a:off x="0" y="0"/>
-          <a:ext cx="0" cy="0"/>
-          <a:chOff x="0" y="0"/>
-          <a:chExt cx="0" cy="0"/>
-        </a:xfrm>
-      </p:grpSpPr>
-      <p:sp>
-        <p:nvSpPr>
-          <p:cNvPr id="322" name="Google Shape;322;g12a981a8416_0_349:notes"/>
-          <p:cNvSpPr>
-            <a:spLocks noGrp="1" noRot="1" noChangeAspect="1"/>
-          </p:cNvSpPr>
-          <p:nvPr>
-            <p:ph type="sldImg" idx="2"/>
-          </p:nvPr>
-        </p:nvSpPr>
-        <p:spPr>
-          <a:xfrm>
-            <a:off x="381000" y="685800"/>
-            <a:ext cx="6096000" cy="3429000"/>
-          </a:xfrm>
-          <a:custGeom>
-            <a:avLst/>
-            <a:gdLst/>
-            <a:ahLst/>
-            <a:cxnLst/>
-            <a:rect l="l" t="t" r="r" b="b"/>
-            <a:pathLst>
-              <a:path w="120000" h="120000" extrusionOk="0">
-                <a:moveTo>
-                  <a:pt x="0" y="0"/>
-                </a:moveTo>
-                <a:lnTo>
-                  <a:pt x="120000" y="0"/>
-                </a:lnTo>
-                <a:lnTo>
-                  <a:pt x="120000" y="120000"/>
-                </a:lnTo>
-                <a:lnTo>
-                  <a:pt x="0" y="120000"/>
-                </a:lnTo>
-                <a:close/>
-              </a:path>
-            </a:pathLst>
-          </a:custGeom>
-        </p:spPr>
-      </p:sp>
-      <p:sp>
-        <p:nvSpPr>
-          <p:cNvPr id="323" name="Google Shape;323;g12a981a8416_0_349:notes"/>
-          <p:cNvSpPr txBox="1">
-            <a:spLocks noGrp="1"/>
-          </p:cNvSpPr>
-          <p:nvPr>
-            <p:ph type="body" idx="1"/>
-          </p:nvPr>
-        </p:nvSpPr>
-        <p:spPr>
-          <a:xfrm>
-            <a:off x="685800" y="4343400"/>
-            <a:ext cx="5486400" cy="4114800"/>
-          </a:xfrm>
-          <a:prstGeom prst="rect">
-            <a:avLst/>
-          </a:prstGeom>
-        </p:spPr>
-        <p:txBody>
-          <a:bodyPr spcFirstLastPara="1" wrap="square" lIns="91425" tIns="91425" rIns="91425" bIns="91425" anchor="t" anchorCtr="0">
-            <a:noAutofit/>
-          </a:bodyPr>
-          <a:lstStyle/>
-          <a:p>
-            <a:pPr marL="0" lvl="0" indent="0" algn="l" rtl="0">
-              <a:spcBef>
-                <a:spcPts val="0"/>
-              </a:spcBef>
-              <a:spcAft>
-                <a:spcPts val="0"/>
-              </a:spcAft>
-              <a:buNone/>
-            </a:pPr>
-            <a:endParaRPr/>
-          </a:p>
-        </p:txBody>
-      </p:sp>
-    </p:spTree>
-  </p:cSld>
-  <p:clrMapOvr>
-    <a:masterClrMapping/>
-  </p:clrMapOvr>
-</p:notes>
-</file>
-
 <file path=ppt/notesSlides/notesSlide2.xml><?xml version="1.0" encoding="utf-8"?>
 <p:notes xmlns:a="http://schemas.openxmlformats.org/drawingml/2006/main" xmlns:r="http://schemas.openxmlformats.org/officeDocument/2006/relationships" xmlns:p="http://schemas.openxmlformats.org/presentationml/2006/main" showMasterSp="0" showMasterPhAnim="0">
   <p:cSld>
@@ -1071,7 +3992,7 @@
         </p:nvSpPr>
         <p:spPr>
           <a:xfrm>
-            <a:off x="381300" y="685800"/>
+            <a:off x="381000" y="685800"/>
             <a:ext cx="6096000" cy="3429000"/>
           </a:xfrm>
           <a:custGeom>
@@ -1139,6 +4060,11 @@
         </p:txBody>
       </p:sp>
     </p:spTree>
+    <p:extLst>
+      <p:ext uri="{BB962C8B-B14F-4D97-AF65-F5344CB8AC3E}">
+        <p14:creationId xmlns:p14="http://schemas.microsoft.com/office/powerpoint/2010/main" val="3508248499"/>
+      </p:ext>
+    </p:extLst>
   </p:cSld>
   <p:clrMapOvr>
     <a:masterClrMapping/>
@@ -1578,11 +4504,11 @@
 </file>
 
 <file path=ppt/notesSlides/notesSlide7.xml><?xml version="1.0" encoding="utf-8"?>
-<p:notes xmlns:a="http://schemas.openxmlformats.org/drawingml/2006/main" xmlns:r="http://schemas.openxmlformats.org/officeDocument/2006/relationships" xmlns:p="http://schemas.openxmlformats.org/presentationml/2006/main" showMasterSp="0" showMasterPhAnim="0">
+<p:notes xmlns:a="http://schemas.openxmlformats.org/drawingml/2006/main" xmlns:r="http://schemas.openxmlformats.org/officeDocument/2006/relationships" xmlns:p="http://schemas.openxmlformats.org/presentationml/2006/main">
   <p:cSld>
     <p:spTree>
       <p:nvGrpSpPr>
-        <p:cNvPr id="1" name="Shape 297"/>
+        <p:cNvPr id="1" name=""/>
         <p:cNvGrpSpPr/>
         <p:nvPr/>
       </p:nvGrpSpPr>
@@ -1596,12 +4522,12 @@
       </p:grpSpPr>
       <p:sp>
         <p:nvSpPr>
-          <p:cNvPr id="298" name="Google Shape;298;g12a981a8416_0_329:notes"/>
+          <p:cNvPr id="2" name="Slide Image Placeholder 1"/>
           <p:cNvSpPr>
             <a:spLocks noGrp="1" noRot="1" noChangeAspect="1"/>
           </p:cNvSpPr>
           <p:nvPr>
-            <p:ph type="sldImg" idx="2"/>
+            <p:ph type="sldImg"/>
           </p:nvPr>
         </p:nvSpPr>
         <p:spPr>
@@ -1609,74 +4535,31 @@
             <a:off x="381000" y="685800"/>
             <a:ext cx="6096000" cy="3429000"/>
           </a:xfrm>
-          <a:custGeom>
-            <a:avLst/>
-            <a:gdLst/>
-            <a:ahLst/>
-            <a:cxnLst/>
-            <a:rect l="l" t="t" r="r" b="b"/>
-            <a:pathLst>
-              <a:path w="120000" h="120000" extrusionOk="0">
-                <a:moveTo>
-                  <a:pt x="0" y="0"/>
-                </a:moveTo>
-                <a:lnTo>
-                  <a:pt x="120000" y="0"/>
-                </a:lnTo>
-                <a:lnTo>
-                  <a:pt x="120000" y="120000"/>
-                </a:lnTo>
-                <a:lnTo>
-                  <a:pt x="0" y="120000"/>
-                </a:lnTo>
-                <a:close/>
-              </a:path>
-            </a:pathLst>
-          </a:custGeom>
         </p:spPr>
       </p:sp>
       <p:sp>
         <p:nvSpPr>
-          <p:cNvPr id="299" name="Google Shape;299;g12a981a8416_0_329:notes"/>
-          <p:cNvSpPr txBox="1">
+          <p:cNvPr id="3" name="Notes Placeholder 2"/>
+          <p:cNvSpPr>
             <a:spLocks noGrp="1"/>
           </p:cNvSpPr>
           <p:nvPr>
             <p:ph type="body" idx="1"/>
           </p:nvPr>
         </p:nvSpPr>
-        <p:spPr>
-          <a:xfrm>
-            <a:off x="685800" y="4343400"/>
-            <a:ext cx="5486400" cy="4114800"/>
-          </a:xfrm>
-          <a:prstGeom prst="rect">
-            <a:avLst/>
-          </a:prstGeom>
-        </p:spPr>
+        <p:spPr/>
         <p:txBody>
-          <a:bodyPr spcFirstLastPara="1" wrap="square" lIns="91425" tIns="91425" rIns="91425" bIns="91425" anchor="t" anchorCtr="0">
-            <a:noAutofit/>
-          </a:bodyPr>
+          <a:bodyPr/>
           <a:lstStyle/>
           <a:p>
-            <a:pPr marL="0" lvl="0" indent="0" algn="l" rtl="0">
-              <a:spcBef>
-                <a:spcPts val="0"/>
-              </a:spcBef>
-              <a:spcAft>
-                <a:spcPts val="0"/>
-              </a:spcAft>
-              <a:buNone/>
-            </a:pPr>
-            <a:endParaRPr/>
+            <a:endParaRPr lang="en-US" dirty="0"/>
           </a:p>
         </p:txBody>
       </p:sp>
     </p:spTree>
     <p:extLst>
       <p:ext uri="{BB962C8B-B14F-4D97-AF65-F5344CB8AC3E}">
-        <p14:creationId xmlns:p14="http://schemas.microsoft.com/office/powerpoint/2010/main" val="1775244555"/>
+        <p14:creationId xmlns:p14="http://schemas.microsoft.com/office/powerpoint/2010/main" val="2571820694"/>
       </p:ext>
     </p:extLst>
   </p:cSld>
@@ -1778,11 +4661,114 @@
               </a:spcAft>
               <a:buNone/>
             </a:pPr>
-            <a:endParaRPr/>
+            <a:r>
+              <a:rPr lang="en-US" dirty="0"/>
+              <a:t>Graph is an example of one of the categorical variables transformed with one-hot encoder</a:t>
+            </a:r>
+          </a:p>
+          <a:p>
+            <a:pPr marL="0" lvl="0" indent="0" algn="l" rtl="0">
+              <a:spcBef>
+                <a:spcPts val="0"/>
+              </a:spcBef>
+              <a:spcAft>
+                <a:spcPts val="0"/>
+              </a:spcAft>
+              <a:buNone/>
+            </a:pPr>
+            <a:endParaRPr lang="en-US" dirty="0"/>
+          </a:p>
+          <a:p>
+            <a:pPr marL="285750" indent="-285750">
+              <a:spcAft>
+                <a:spcPts val="1200"/>
+              </a:spcAft>
+            </a:pPr>
+            <a:r>
+              <a:rPr lang="en-US" dirty="0"/>
+              <a:t>Split data shapes:</a:t>
+            </a:r>
+          </a:p>
+          <a:p>
+            <a:pPr marL="742950" lvl="1" indent="-285750">
+              <a:spcAft>
+                <a:spcPts val="1200"/>
+              </a:spcAft>
+            </a:pPr>
+            <a:r>
+              <a:rPr lang="en-US" dirty="0" err="1"/>
+              <a:t>X_train</a:t>
+            </a:r>
+            <a:r>
+              <a:rPr lang="en-US" dirty="0"/>
+              <a:t> (1176, 53)</a:t>
+            </a:r>
+          </a:p>
+          <a:p>
+            <a:pPr marL="742950" lvl="1" indent="-285750">
+              <a:spcAft>
+                <a:spcPts val="1200"/>
+              </a:spcAft>
+            </a:pPr>
+            <a:r>
+              <a:rPr lang="en-US" dirty="0" err="1"/>
+              <a:t>X_test</a:t>
+            </a:r>
+            <a:r>
+              <a:rPr lang="en-US" dirty="0"/>
+              <a:t> (294, 53)</a:t>
+            </a:r>
+          </a:p>
+          <a:p>
+            <a:pPr marL="742950" lvl="1" indent="-285750">
+              <a:spcAft>
+                <a:spcPts val="1200"/>
+              </a:spcAft>
+            </a:pPr>
+            <a:r>
+              <a:rPr lang="en-US" dirty="0" err="1"/>
+              <a:t>y_train</a:t>
+            </a:r>
+            <a:r>
+              <a:rPr lang="en-US" dirty="0"/>
+              <a:t> (1176,)</a:t>
+            </a:r>
+          </a:p>
+          <a:p>
+            <a:pPr marL="742950" lvl="1" indent="-285750">
+              <a:spcAft>
+                <a:spcPts val="1200"/>
+              </a:spcAft>
+            </a:pPr>
+            <a:r>
+              <a:rPr lang="en-US" dirty="0" err="1"/>
+              <a:t>y_test</a:t>
+            </a:r>
+            <a:r>
+              <a:rPr lang="en-US" dirty="0"/>
+              <a:t> (294,)</a:t>
+            </a:r>
+          </a:p>
+          <a:p>
+            <a:pPr marL="0" lvl="0" indent="0" algn="l" rtl="0">
+              <a:spcBef>
+                <a:spcPts val="0"/>
+              </a:spcBef>
+              <a:spcAft>
+                <a:spcPts val="0"/>
+              </a:spcAft>
+              <a:buNone/>
+            </a:pPr>
+            <a:endParaRPr dirty="0"/>
           </a:p>
         </p:txBody>
       </p:sp>
     </p:spTree>
+    <p:extLst>
+      <p:ext uri="{BB962C8B-B14F-4D97-AF65-F5344CB8AC3E}">
+        <p14:creationId xmlns:p14="http://schemas.microsoft.com/office/powerpoint/2010/main" val="1775244555"/>
+      </p:ext>
+    </p:extLst>
   </p:cSld>
   <p:clrMapOvr>
     <a:masterClrMapping/>
@@ -1873,327 +4859,19 @@
           </a:bodyPr>
           <a:lstStyle/>
           <a:p>
-            <a:pPr marR="0" algn="l" rtl="0" fontAlgn="t">
-              <a:spcBef>
-                <a:spcPts val="0"/>
-              </a:spcBef>
-              <a:spcAft>
-                <a:spcPts val="0"/>
-              </a:spcAft>
+            <a:pPr marL="0" lvl="0" indent="0" algn="l" rtl="0">
+              <a:spcBef>
+                <a:spcPts val="0"/>
+              </a:spcBef>
+              <a:spcAft>
+                <a:spcPts val="0"/>
+              </a:spcAft>
+              <a:buNone/>
             </a:pPr>
             <a:r>
-              <a:rPr lang="en-US" sz="1800" b="1" i="0" u="none" strike="noStrike" dirty="0">
-                <a:solidFill>
-                  <a:srgbClr val="FFFFFF"/>
-                </a:solidFill>
-                <a:effectLst/>
-                <a:latin typeface="Arial" panose="020B0604020202020204" pitchFamily="34" charset="0"/>
-              </a:rPr>
-              <a:t>Model</a:t>
+              <a:rPr lang="en-US" dirty="0"/>
+              <a:t>Based on accuracy score, we selected logistic regression</a:t>
             </a:r>
-            <a:endParaRPr lang="en-US" sz="1800" b="0" i="0" u="none" strike="noStrike" dirty="0">
-              <a:effectLst/>
-              <a:latin typeface="Arial" panose="020B0604020202020204" pitchFamily="34" charset="0"/>
-            </a:endParaRPr>
-          </a:p>
-          <a:p>
-            <a:pPr marR="0" algn="l" rtl="0" fontAlgn="t">
-              <a:spcBef>
-                <a:spcPts val="0"/>
-              </a:spcBef>
-              <a:spcAft>
-                <a:spcPts val="0"/>
-              </a:spcAft>
-            </a:pPr>
-            <a:r>
-              <a:rPr lang="en-US" sz="1800" b="1" i="0" u="none" strike="noStrike" dirty="0">
-                <a:solidFill>
-                  <a:srgbClr val="FFFFFF"/>
-                </a:solidFill>
-                <a:effectLst/>
-                <a:latin typeface="Arial" panose="020B0604020202020204" pitchFamily="34" charset="0"/>
-              </a:rPr>
-              <a:t>Accuracy Score</a:t>
-            </a:r>
-            <a:endParaRPr lang="en-US" sz="1800" b="0" i="0" u="none" strike="noStrike" dirty="0">
-              <a:effectLst/>
-              <a:latin typeface="Arial" panose="020B0604020202020204" pitchFamily="34" charset="0"/>
-            </a:endParaRPr>
-          </a:p>
-          <a:p>
-            <a:pPr marR="0" algn="l" rtl="0" fontAlgn="t">
-              <a:spcBef>
-                <a:spcPts val="0"/>
-              </a:spcBef>
-              <a:spcAft>
-                <a:spcPts val="0"/>
-              </a:spcAft>
-            </a:pPr>
-            <a:r>
-              <a:rPr lang="en-US" sz="1800" b="0" i="0" u="none" strike="noStrike" dirty="0">
-                <a:solidFill>
-                  <a:srgbClr val="424242"/>
-                </a:solidFill>
-                <a:effectLst/>
-                <a:latin typeface="Arial" panose="020B0604020202020204" pitchFamily="34" charset="0"/>
-              </a:rPr>
-              <a:t>Logistic Regression</a:t>
-            </a:r>
-            <a:endParaRPr lang="en-US" sz="1800" b="0" i="0" u="none" strike="noStrike" dirty="0">
-              <a:effectLst/>
-              <a:latin typeface="Arial" panose="020B0604020202020204" pitchFamily="34" charset="0"/>
-            </a:endParaRPr>
-          </a:p>
-          <a:p>
-            <a:pPr marL="0" marR="0" indent="0" algn="l" rtl="0" eaLnBrk="1" fontAlgn="auto" latinLnBrk="0" hangingPunct="1">
-              <a:spcBef>
-                <a:spcPts val="0"/>
-              </a:spcBef>
-              <a:spcAft>
-                <a:spcPts val="0"/>
-              </a:spcAft>
-            </a:pPr>
-            <a:r>
-              <a:rPr lang="en-US" sz="1800" b="0" i="0" u="none" strike="noStrike" dirty="0">
-                <a:solidFill>
-                  <a:srgbClr val="424242"/>
-                </a:solidFill>
-                <a:effectLst/>
-                <a:latin typeface="Arial" panose="020B0604020202020204" pitchFamily="34" charset="0"/>
-              </a:rPr>
-              <a:t>87.228%</a:t>
-            </a:r>
-            <a:endParaRPr lang="en-US" sz="1800" b="0" i="0" u="none" strike="noStrike" dirty="0">
-              <a:effectLst/>
-              <a:latin typeface="Arial" panose="020B0604020202020204" pitchFamily="34" charset="0"/>
-            </a:endParaRPr>
-          </a:p>
-          <a:p>
-            <a:pPr marL="0" marR="0" indent="0" algn="l" rtl="0" eaLnBrk="1" fontAlgn="auto" latinLnBrk="0" hangingPunct="1">
-              <a:lnSpc>
-                <a:spcPct val="115000"/>
-              </a:lnSpc>
-              <a:spcBef>
-                <a:spcPts val="0"/>
-              </a:spcBef>
-              <a:spcAft>
-                <a:spcPts val="1200"/>
-              </a:spcAft>
-            </a:pPr>
-            <a:r>
-              <a:rPr lang="en-US" sz="1800" b="0" i="0" u="none" strike="noStrike" spc="0" baseline="0" dirty="0">
-                <a:ln>
-                  <a:noFill/>
-                </a:ln>
-                <a:solidFill>
-                  <a:srgbClr val="424242"/>
-                </a:solidFill>
-                <a:effectLst/>
-                <a:latin typeface="Arial" panose="020B0604020202020204" pitchFamily="34" charset="0"/>
-              </a:rPr>
-              <a:t>Random Forest Classifier</a:t>
-            </a:r>
-            <a:endParaRPr lang="en-US" sz="1800" b="0" i="0" u="none" strike="noStrike" dirty="0">
-              <a:effectLst/>
-              <a:latin typeface="Arial" panose="020B0604020202020204" pitchFamily="34" charset="0"/>
-            </a:endParaRPr>
-          </a:p>
-          <a:p>
-            <a:pPr marR="0" algn="l" rtl="0" fontAlgn="t">
-              <a:spcBef>
-                <a:spcPts val="0"/>
-              </a:spcBef>
-              <a:spcAft>
-                <a:spcPts val="0"/>
-              </a:spcAft>
-            </a:pPr>
-            <a:r>
-              <a:rPr lang="en-US" sz="1800" b="0" i="0" u="none" strike="noStrike" dirty="0">
-                <a:solidFill>
-                  <a:srgbClr val="424242"/>
-                </a:solidFill>
-                <a:effectLst/>
-                <a:latin typeface="Arial" panose="020B0604020202020204" pitchFamily="34" charset="0"/>
-              </a:rPr>
-              <a:t>87.772%</a:t>
-            </a:r>
-            <a:endParaRPr lang="en-US" sz="1800" b="0" i="0" u="none" strike="noStrike" dirty="0">
-              <a:effectLst/>
-              <a:latin typeface="Arial" panose="020B0604020202020204" pitchFamily="34" charset="0"/>
-            </a:endParaRPr>
-          </a:p>
-          <a:p>
-            <a:pPr marL="0" marR="0" indent="0" algn="l" rtl="0" eaLnBrk="1" fontAlgn="auto" latinLnBrk="0" hangingPunct="1">
-              <a:lnSpc>
-                <a:spcPct val="115000"/>
-              </a:lnSpc>
-              <a:spcBef>
-                <a:spcPts val="0"/>
-              </a:spcBef>
-              <a:spcAft>
-                <a:spcPts val="1200"/>
-              </a:spcAft>
-            </a:pPr>
-            <a:r>
-              <a:rPr lang="en-US" sz="1800" b="0" i="0" u="none" strike="noStrike" spc="0" baseline="0" dirty="0">
-                <a:ln>
-                  <a:noFill/>
-                </a:ln>
-                <a:solidFill>
-                  <a:srgbClr val="424242"/>
-                </a:solidFill>
-                <a:effectLst/>
-                <a:latin typeface="Arial" panose="020B0604020202020204" pitchFamily="34" charset="0"/>
-              </a:rPr>
-              <a:t>Support Vector Machine</a:t>
-            </a:r>
-            <a:endParaRPr lang="en-US" sz="1800" b="0" i="0" u="none" strike="noStrike" dirty="0">
-              <a:effectLst/>
-              <a:latin typeface="Arial" panose="020B0604020202020204" pitchFamily="34" charset="0"/>
-            </a:endParaRPr>
-          </a:p>
-          <a:p>
-            <a:pPr marR="0" algn="l" rtl="0" fontAlgn="t">
-              <a:spcBef>
-                <a:spcPts val="0"/>
-              </a:spcBef>
-              <a:spcAft>
-                <a:spcPts val="0"/>
-              </a:spcAft>
-            </a:pPr>
-            <a:r>
-              <a:rPr lang="en-US" sz="1800" b="0" i="0" u="none" strike="noStrike" dirty="0">
-                <a:solidFill>
-                  <a:srgbClr val="424242"/>
-                </a:solidFill>
-                <a:effectLst/>
-                <a:latin typeface="Arial" panose="020B0604020202020204" pitchFamily="34" charset="0"/>
-              </a:rPr>
-              <a:t>87.228%</a:t>
-            </a:r>
-            <a:endParaRPr lang="en-US" sz="1800" b="0" i="0" u="none" strike="noStrike" dirty="0">
-              <a:effectLst/>
-              <a:latin typeface="Arial" panose="020B0604020202020204" pitchFamily="34" charset="0"/>
-            </a:endParaRPr>
-          </a:p>
-          <a:p>
-            <a:pPr marL="0" marR="0" indent="0" algn="l" rtl="0" eaLnBrk="1" fontAlgn="auto" latinLnBrk="0" hangingPunct="1">
-              <a:lnSpc>
-                <a:spcPct val="115000"/>
-              </a:lnSpc>
-              <a:spcBef>
-                <a:spcPts val="0"/>
-              </a:spcBef>
-              <a:spcAft>
-                <a:spcPts val="1200"/>
-              </a:spcAft>
-            </a:pPr>
-            <a:r>
-              <a:rPr lang="en-US" sz="1800" b="0" i="0" u="none" strike="noStrike" spc="0" baseline="0" dirty="0">
-                <a:ln>
-                  <a:noFill/>
-                </a:ln>
-                <a:solidFill>
-                  <a:srgbClr val="424242"/>
-                </a:solidFill>
-                <a:effectLst/>
-                <a:latin typeface="Arial" panose="020B0604020202020204" pitchFamily="34" charset="0"/>
-              </a:rPr>
-              <a:t>XG Boost</a:t>
-            </a:r>
-            <a:endParaRPr lang="en-US" sz="1800" b="0" i="0" u="none" strike="noStrike" dirty="0">
-              <a:effectLst/>
-              <a:latin typeface="Arial" panose="020B0604020202020204" pitchFamily="34" charset="0"/>
-            </a:endParaRPr>
-          </a:p>
-          <a:p>
-            <a:pPr marR="0" algn="l" rtl="0" fontAlgn="t">
-              <a:spcBef>
-                <a:spcPts val="0"/>
-              </a:spcBef>
-              <a:spcAft>
-                <a:spcPts val="0"/>
-              </a:spcAft>
-            </a:pPr>
-            <a:r>
-              <a:rPr lang="en-US" sz="1800" b="0" i="0" u="none" strike="noStrike" dirty="0">
-                <a:solidFill>
-                  <a:srgbClr val="424242"/>
-                </a:solidFill>
-                <a:effectLst/>
-                <a:latin typeface="Arial" panose="020B0604020202020204" pitchFamily="34" charset="0"/>
-              </a:rPr>
-              <a:t>88.315%</a:t>
-            </a:r>
-            <a:endParaRPr lang="en-US" sz="1800" b="0" i="0" u="none" strike="noStrike" dirty="0">
-              <a:effectLst/>
-              <a:latin typeface="Arial" panose="020B0604020202020204" pitchFamily="34" charset="0"/>
-            </a:endParaRPr>
-          </a:p>
-          <a:p>
-            <a:pPr marL="0" marR="0" indent="0" algn="l" rtl="0" eaLnBrk="1" fontAlgn="auto" latinLnBrk="0" hangingPunct="1">
-              <a:lnSpc>
-                <a:spcPct val="115000"/>
-              </a:lnSpc>
-              <a:spcBef>
-                <a:spcPts val="0"/>
-              </a:spcBef>
-              <a:spcAft>
-                <a:spcPts val="1200"/>
-              </a:spcAft>
-            </a:pPr>
-            <a:r>
-              <a:rPr lang="en-US" sz="1800" b="0" i="0" u="none" strike="noStrike" spc="0" baseline="0" dirty="0">
-                <a:ln>
-                  <a:noFill/>
-                </a:ln>
-                <a:solidFill>
-                  <a:srgbClr val="424242"/>
-                </a:solidFill>
-                <a:effectLst/>
-                <a:latin typeface="Arial" panose="020B0604020202020204" pitchFamily="34" charset="0"/>
-              </a:rPr>
-              <a:t>Naïve Bayes</a:t>
-            </a:r>
-            <a:endParaRPr lang="en-US" sz="1800" b="0" i="0" u="none" strike="noStrike" dirty="0">
-              <a:effectLst/>
-              <a:latin typeface="Arial" panose="020B0604020202020204" pitchFamily="34" charset="0"/>
-            </a:endParaRPr>
-          </a:p>
-          <a:p>
-            <a:pPr marR="0" algn="l" rtl="0" fontAlgn="t">
-              <a:spcBef>
-                <a:spcPts val="0"/>
-              </a:spcBef>
-              <a:spcAft>
-                <a:spcPts val="0"/>
-              </a:spcAft>
-            </a:pPr>
-            <a:r>
-              <a:rPr lang="en-US" sz="1800" b="0" i="0" u="none" strike="noStrike" dirty="0">
-                <a:solidFill>
-                  <a:srgbClr val="424242"/>
-                </a:solidFill>
-                <a:effectLst/>
-                <a:latin typeface="Arial" panose="020B0604020202020204" pitchFamily="34" charset="0"/>
-              </a:rPr>
-              <a:t>71.467%</a:t>
-            </a:r>
-            <a:endParaRPr lang="en-US" sz="1800" b="0" i="0" u="none" strike="noStrike" dirty="0">
-              <a:effectLst/>
-              <a:latin typeface="Arial" panose="020B0604020202020204" pitchFamily="34" charset="0"/>
-            </a:endParaRPr>
-          </a:p>
-          <a:p>
-            <a:pPr marL="0" lvl="0" indent="0" algn="l" rtl="0">
-              <a:spcBef>
-                <a:spcPts val="0"/>
-              </a:spcBef>
-              <a:spcAft>
-                <a:spcPts val="0"/>
-              </a:spcAft>
-              <a:buNone/>
-            </a:pPr>
             <a:endParaRPr dirty="0"/>
           </a:p>
         </p:txBody>
@@ -16072,11 +18750,11 @@
 </file>
 
 <file path=ppt/slides/slide1.xml><?xml version="1.0" encoding="utf-8"?>
-<p:sld xmlns:a="http://schemas.openxmlformats.org/drawingml/2006/main" xmlns:r="http://schemas.openxmlformats.org/officeDocument/2006/relationships" xmlns:p="http://schemas.openxmlformats.org/presentationml/2006/main">
+<p:sld xmlns:a="http://schemas.openxmlformats.org/drawingml/2006/main" xmlns:r="http://schemas.openxmlformats.org/officeDocument/2006/relationships" xmlns:p="http://schemas.openxmlformats.org/presentationml/2006/main" show="0">
   <p:cSld>
     <p:spTree>
       <p:nvGrpSpPr>
-        <p:cNvPr id="1" name="Shape 276"/>
+        <p:cNvPr id="1" name=""/>
         <p:cNvGrpSpPr/>
         <p:nvPr/>
       </p:nvGrpSpPr>
@@ -16090,85 +18768,1113 @@
       </p:grpSpPr>
       <p:sp>
         <p:nvSpPr>
-          <p:cNvPr id="277" name="Google Shape;277;p13"/>
-          <p:cNvSpPr txBox="1">
+          <p:cNvPr id="3" name="Text Placeholder 2">
+            <a:extLst>
+              <a:ext uri="{FF2B5EF4-FFF2-40B4-BE49-F238E27FC236}">
+                <a16:creationId xmlns:a16="http://schemas.microsoft.com/office/drawing/2014/main" id="{A4A900CD-3895-45D9-98FC-0B57BF40EE80}"/>
+              </a:ext>
+            </a:extLst>
+          </p:cNvPr>
+          <p:cNvSpPr>
             <a:spLocks noGrp="1"/>
           </p:cNvSpPr>
           <p:nvPr>
-            <p:ph type="ctrTitle"/>
+            <p:ph type="body" idx="4294967295"/>
           </p:nvPr>
         </p:nvSpPr>
         <p:spPr>
           <a:xfrm>
-            <a:off x="824000" y="1613825"/>
-            <a:ext cx="4830900" cy="1872900"/>
+            <a:off x="0" y="249352"/>
+            <a:ext cx="2873829" cy="4758643"/>
           </a:xfrm>
-          <a:prstGeom prst="rect">
-            <a:avLst/>
-          </a:prstGeom>
         </p:spPr>
         <p:txBody>
-          <a:bodyPr spcFirstLastPara="1" wrap="square" lIns="91425" tIns="91425" rIns="91425" bIns="91425" anchor="ctr" anchorCtr="0">
+          <a:bodyPr>
             <a:normAutofit/>
           </a:bodyPr>
           <a:lstStyle/>
           <a:p>
-            <a:pPr marL="0" lvl="0" indent="0" algn="l" rtl="0">
-              <a:spcBef>
-                <a:spcPts val="0"/>
-              </a:spcBef>
-              <a:spcAft>
-                <a:spcPts val="0"/>
-              </a:spcAft>
+            <a:pPr marL="146050" indent="0">
               <a:buNone/>
             </a:pPr>
             <a:r>
-              <a:rPr lang="en"/>
-              <a:t>Employee Attrition Rate</a:t>
+              <a:rPr lang="en-US" b="1" dirty="0"/>
+              <a:t>1. Ron &amp; MeLea do </a:t>
             </a:r>
-            <a:endParaRPr/>
+            <a:r>
+              <a:rPr lang="en-US" b="1" dirty="0" err="1"/>
+              <a:t>powerpoint</a:t>
+            </a:r>
+            <a:r>
+              <a:rPr lang="en-US" b="1" dirty="0"/>
+              <a:t>, Erik, Priya &amp; Reilly do visualizations &amp; demos</a:t>
+            </a:r>
+          </a:p>
+          <a:p>
+            <a:pPr marL="146050" indent="0">
+              <a:buNone/>
+            </a:pPr>
+            <a:endParaRPr lang="en-US" b="1" dirty="0"/>
+          </a:p>
+          <a:p>
+            <a:pPr marL="146050" indent="0">
+              <a:buNone/>
+            </a:pPr>
+            <a:r>
+              <a:rPr lang="en-US" b="1" dirty="0"/>
+              <a:t>Ron</a:t>
+            </a:r>
+          </a:p>
+          <a:p>
+            <a:pPr marL="146050" indent="0">
+              <a:buNone/>
+            </a:pPr>
+            <a:r>
+              <a:rPr lang="en-US" dirty="0"/>
+              <a:t>Intro: 1-4</a:t>
+            </a:r>
+          </a:p>
+          <a:p>
+            <a:pPr marL="146050" indent="0">
+              <a:buNone/>
+            </a:pPr>
+            <a:r>
+              <a:rPr lang="en-US" dirty="0"/>
+              <a:t>Database: 5</a:t>
+            </a:r>
+          </a:p>
+          <a:p>
+            <a:pPr marL="146050" indent="0">
+              <a:buNone/>
+            </a:pPr>
+            <a:r>
+              <a:rPr lang="en-US" dirty="0"/>
+              <a:t>Data exploration: 6-8</a:t>
+            </a:r>
+          </a:p>
+          <a:p>
+            <a:pPr marL="146050" indent="0">
+              <a:buNone/>
+            </a:pPr>
+            <a:r>
+              <a:rPr lang="en-US" b="1" dirty="0"/>
+              <a:t>MeLea</a:t>
+            </a:r>
+          </a:p>
+          <a:p>
+            <a:pPr marL="146050" indent="0">
+              <a:buNone/>
+            </a:pPr>
+            <a:r>
+              <a:rPr lang="en-US" dirty="0"/>
+              <a:t>Prelim feature selection: 9</a:t>
+            </a:r>
+          </a:p>
+          <a:p>
+            <a:pPr marL="146050" indent="0">
+              <a:buNone/>
+            </a:pPr>
+            <a:r>
+              <a:rPr lang="en-US" dirty="0"/>
+              <a:t>Data Processing: 10</a:t>
+            </a:r>
+          </a:p>
+          <a:p>
+            <a:pPr marL="146050" indent="0">
+              <a:buNone/>
+            </a:pPr>
+            <a:r>
+              <a:rPr lang="en-US" dirty="0"/>
+              <a:t>Model Performance: 11</a:t>
+            </a:r>
+          </a:p>
+          <a:p>
+            <a:pPr marL="146050" indent="0">
+              <a:buNone/>
+            </a:pPr>
+            <a:r>
+              <a:rPr lang="en-US" dirty="0"/>
+              <a:t>Feature Importance: 12-13</a:t>
+            </a:r>
+          </a:p>
+          <a:p>
+            <a:pPr marL="146050" indent="0">
+              <a:buNone/>
+            </a:pPr>
+            <a:r>
+              <a:rPr lang="en-US" dirty="0"/>
+              <a:t>Project Eval/takeaways: 15</a:t>
+            </a:r>
+          </a:p>
+          <a:p>
+            <a:pPr marL="146050" indent="0">
+              <a:buNone/>
+            </a:pPr>
+            <a:r>
+              <a:rPr lang="en-US" b="1" dirty="0"/>
+              <a:t>Priya</a:t>
+            </a:r>
+          </a:p>
+          <a:p>
+            <a:pPr marL="146050" indent="0">
+              <a:buNone/>
+            </a:pPr>
+            <a:r>
+              <a:rPr lang="en-US" dirty="0"/>
+              <a:t>Dashboard demo</a:t>
+            </a:r>
+          </a:p>
+          <a:p>
+            <a:pPr marL="146050" indent="0">
+              <a:buNone/>
+            </a:pPr>
+            <a:r>
+              <a:rPr lang="en-US" b="1" dirty="0"/>
+              <a:t>Erik &amp; Reilly</a:t>
+            </a:r>
+          </a:p>
+          <a:p>
+            <a:pPr marL="146050" indent="0">
+              <a:buNone/>
+            </a:pPr>
+            <a:r>
+              <a:rPr lang="en-US" dirty="0"/>
+              <a:t>Visualizations</a:t>
+            </a:r>
+          </a:p>
+          <a:p>
+            <a:pPr marL="146050" indent="0">
+              <a:buNone/>
+            </a:pPr>
+            <a:endParaRPr lang="en-US" dirty="0"/>
           </a:p>
         </p:txBody>
       </p:sp>
       <p:sp>
         <p:nvSpPr>
-          <p:cNvPr id="278" name="Google Shape;278;p13"/>
+          <p:cNvPr id="4" name="Text Placeholder 2">
+            <a:extLst>
+              <a:ext uri="{FF2B5EF4-FFF2-40B4-BE49-F238E27FC236}">
+                <a16:creationId xmlns:a16="http://schemas.microsoft.com/office/drawing/2014/main" id="{81AB7C23-9ACC-453E-809B-543252D6F7AF}"/>
+              </a:ext>
+            </a:extLst>
+          </p:cNvPr>
           <p:cNvSpPr txBox="1">
-            <a:spLocks noGrp="1"/>
+            <a:spLocks/>
           </p:cNvSpPr>
-          <p:nvPr>
-            <p:ph type="subTitle" idx="1"/>
-          </p:nvPr>
+          <p:nvPr/>
         </p:nvSpPr>
         <p:spPr>
           <a:xfrm>
-            <a:off x="824000" y="3596300"/>
-            <a:ext cx="4255500" cy="695400"/>
+            <a:off x="3222786" y="249352"/>
+            <a:ext cx="2423272" cy="4963928"/>
           </a:xfrm>
           <a:prstGeom prst="rect">
             <a:avLst/>
           </a:prstGeom>
+          <a:noFill/>
+          <a:ln>
+            <a:noFill/>
+          </a:ln>
         </p:spPr>
         <p:txBody>
           <a:bodyPr spcFirstLastPara="1" wrap="square" lIns="91425" tIns="91425" rIns="91425" bIns="91425" anchor="t" anchorCtr="0">
             <a:normAutofit/>
           </a:bodyPr>
-          <a:lstStyle/>
+          <a:lstStyle>
+            <a:defPPr marR="0" lvl="0" algn="l" rtl="0">
+              <a:lnSpc>
+                <a:spcPct val="100000"/>
+              </a:lnSpc>
+              <a:spcBef>
+                <a:spcPts val="0"/>
+              </a:spcBef>
+              <a:spcAft>
+                <a:spcPts val="0"/>
+              </a:spcAft>
+            </a:defPPr>
+            <a:lvl1pPr marL="457200" marR="0" lvl="0" indent="-311150" algn="l" rtl="0">
+              <a:lnSpc>
+                <a:spcPct val="115000"/>
+              </a:lnSpc>
+              <a:spcBef>
+                <a:spcPts val="0"/>
+              </a:spcBef>
+              <a:spcAft>
+                <a:spcPts val="0"/>
+              </a:spcAft>
+              <a:buClr>
+                <a:schemeClr val="dk2"/>
+              </a:buClr>
+              <a:buSzPts val="1300"/>
+              <a:buFont typeface="Nunito"/>
+              <a:buChar char="●"/>
+              <a:defRPr sz="1300" b="0" i="0" u="none" strike="noStrike" cap="none">
+                <a:solidFill>
+                  <a:schemeClr val="dk2"/>
+                </a:solidFill>
+                <a:latin typeface="Nunito"/>
+                <a:ea typeface="Nunito"/>
+                <a:cs typeface="Nunito"/>
+                <a:sym typeface="Nunito"/>
+              </a:defRPr>
+            </a:lvl1pPr>
+            <a:lvl2pPr marL="914400" marR="0" lvl="1" indent="-298450" algn="l" rtl="0">
+              <a:lnSpc>
+                <a:spcPct val="115000"/>
+              </a:lnSpc>
+              <a:spcBef>
+                <a:spcPts val="0"/>
+              </a:spcBef>
+              <a:spcAft>
+                <a:spcPts val="0"/>
+              </a:spcAft>
+              <a:buClr>
+                <a:schemeClr val="dk2"/>
+              </a:buClr>
+              <a:buSzPts val="1100"/>
+              <a:buFont typeface="Nunito"/>
+              <a:buChar char="○"/>
+              <a:defRPr sz="1100" b="0" i="0" u="none" strike="noStrike" cap="none">
+                <a:solidFill>
+                  <a:schemeClr val="dk2"/>
+                </a:solidFill>
+                <a:latin typeface="Nunito"/>
+                <a:ea typeface="Nunito"/>
+                <a:cs typeface="Nunito"/>
+                <a:sym typeface="Nunito"/>
+              </a:defRPr>
+            </a:lvl2pPr>
+            <a:lvl3pPr marL="1371600" marR="0" lvl="2" indent="-298450" algn="l" rtl="0">
+              <a:lnSpc>
+                <a:spcPct val="115000"/>
+              </a:lnSpc>
+              <a:spcBef>
+                <a:spcPts val="0"/>
+              </a:spcBef>
+              <a:spcAft>
+                <a:spcPts val="0"/>
+              </a:spcAft>
+              <a:buClr>
+                <a:schemeClr val="dk2"/>
+              </a:buClr>
+              <a:buSzPts val="1100"/>
+              <a:buFont typeface="Nunito"/>
+              <a:buChar char="■"/>
+              <a:defRPr sz="1100" b="0" i="0" u="none" strike="noStrike" cap="none">
+                <a:solidFill>
+                  <a:schemeClr val="dk2"/>
+                </a:solidFill>
+                <a:latin typeface="Nunito"/>
+                <a:ea typeface="Nunito"/>
+                <a:cs typeface="Nunito"/>
+                <a:sym typeface="Nunito"/>
+              </a:defRPr>
+            </a:lvl3pPr>
+            <a:lvl4pPr marL="1828800" marR="0" lvl="3" indent="-298450" algn="l" rtl="0">
+              <a:lnSpc>
+                <a:spcPct val="115000"/>
+              </a:lnSpc>
+              <a:spcBef>
+                <a:spcPts val="0"/>
+              </a:spcBef>
+              <a:spcAft>
+                <a:spcPts val="0"/>
+              </a:spcAft>
+              <a:buClr>
+                <a:schemeClr val="dk2"/>
+              </a:buClr>
+              <a:buSzPts val="1100"/>
+              <a:buFont typeface="Nunito"/>
+              <a:buChar char="●"/>
+              <a:defRPr sz="1100" b="0" i="0" u="none" strike="noStrike" cap="none">
+                <a:solidFill>
+                  <a:schemeClr val="dk2"/>
+                </a:solidFill>
+                <a:latin typeface="Nunito"/>
+                <a:ea typeface="Nunito"/>
+                <a:cs typeface="Nunito"/>
+                <a:sym typeface="Nunito"/>
+              </a:defRPr>
+            </a:lvl4pPr>
+            <a:lvl5pPr marL="2286000" marR="0" lvl="4" indent="-298450" algn="l" rtl="0">
+              <a:lnSpc>
+                <a:spcPct val="115000"/>
+              </a:lnSpc>
+              <a:spcBef>
+                <a:spcPts val="0"/>
+              </a:spcBef>
+              <a:spcAft>
+                <a:spcPts val="0"/>
+              </a:spcAft>
+              <a:buClr>
+                <a:schemeClr val="dk2"/>
+              </a:buClr>
+              <a:buSzPts val="1100"/>
+              <a:buFont typeface="Nunito"/>
+              <a:buChar char="○"/>
+              <a:defRPr sz="1100" b="0" i="0" u="none" strike="noStrike" cap="none">
+                <a:solidFill>
+                  <a:schemeClr val="dk2"/>
+                </a:solidFill>
+                <a:latin typeface="Nunito"/>
+                <a:ea typeface="Nunito"/>
+                <a:cs typeface="Nunito"/>
+                <a:sym typeface="Nunito"/>
+              </a:defRPr>
+            </a:lvl5pPr>
+            <a:lvl6pPr marL="2743200" marR="0" lvl="5" indent="-298450" algn="l" rtl="0">
+              <a:lnSpc>
+                <a:spcPct val="115000"/>
+              </a:lnSpc>
+              <a:spcBef>
+                <a:spcPts val="0"/>
+              </a:spcBef>
+              <a:spcAft>
+                <a:spcPts val="0"/>
+              </a:spcAft>
+              <a:buClr>
+                <a:schemeClr val="dk2"/>
+              </a:buClr>
+              <a:buSzPts val="1100"/>
+              <a:buFont typeface="Nunito"/>
+              <a:buChar char="■"/>
+              <a:defRPr sz="1100" b="0" i="0" u="none" strike="noStrike" cap="none">
+                <a:solidFill>
+                  <a:schemeClr val="dk2"/>
+                </a:solidFill>
+                <a:latin typeface="Nunito"/>
+                <a:ea typeface="Nunito"/>
+                <a:cs typeface="Nunito"/>
+                <a:sym typeface="Nunito"/>
+              </a:defRPr>
+            </a:lvl6pPr>
+            <a:lvl7pPr marL="3200400" marR="0" lvl="6" indent="-298450" algn="l" rtl="0">
+              <a:lnSpc>
+                <a:spcPct val="115000"/>
+              </a:lnSpc>
+              <a:spcBef>
+                <a:spcPts val="0"/>
+              </a:spcBef>
+              <a:spcAft>
+                <a:spcPts val="0"/>
+              </a:spcAft>
+              <a:buClr>
+                <a:schemeClr val="dk2"/>
+              </a:buClr>
+              <a:buSzPts val="1100"/>
+              <a:buFont typeface="Nunito"/>
+              <a:buChar char="●"/>
+              <a:defRPr sz="1100" b="0" i="0" u="none" strike="noStrike" cap="none">
+                <a:solidFill>
+                  <a:schemeClr val="dk2"/>
+                </a:solidFill>
+                <a:latin typeface="Nunito"/>
+                <a:ea typeface="Nunito"/>
+                <a:cs typeface="Nunito"/>
+                <a:sym typeface="Nunito"/>
+              </a:defRPr>
+            </a:lvl7pPr>
+            <a:lvl8pPr marL="3657600" marR="0" lvl="7" indent="-298450" algn="l" rtl="0">
+              <a:lnSpc>
+                <a:spcPct val="115000"/>
+              </a:lnSpc>
+              <a:spcBef>
+                <a:spcPts val="0"/>
+              </a:spcBef>
+              <a:spcAft>
+                <a:spcPts val="0"/>
+              </a:spcAft>
+              <a:buClr>
+                <a:schemeClr val="dk2"/>
+              </a:buClr>
+              <a:buSzPts val="1100"/>
+              <a:buFont typeface="Nunito"/>
+              <a:buChar char="○"/>
+              <a:defRPr sz="1100" b="0" i="0" u="none" strike="noStrike" cap="none">
+                <a:solidFill>
+                  <a:schemeClr val="dk2"/>
+                </a:solidFill>
+                <a:latin typeface="Nunito"/>
+                <a:ea typeface="Nunito"/>
+                <a:cs typeface="Nunito"/>
+                <a:sym typeface="Nunito"/>
+              </a:defRPr>
+            </a:lvl8pPr>
+            <a:lvl9pPr marL="4114800" marR="0" lvl="8" indent="-298450" algn="l" rtl="0">
+              <a:lnSpc>
+                <a:spcPct val="115000"/>
+              </a:lnSpc>
+              <a:spcBef>
+                <a:spcPts val="0"/>
+              </a:spcBef>
+              <a:spcAft>
+                <a:spcPts val="0"/>
+              </a:spcAft>
+              <a:buClr>
+                <a:schemeClr val="dk2"/>
+              </a:buClr>
+              <a:buSzPts val="1100"/>
+              <a:buFont typeface="Nunito"/>
+              <a:buChar char="■"/>
+              <a:defRPr sz="1100" b="0" i="0" u="none" strike="noStrike" cap="none">
+                <a:solidFill>
+                  <a:schemeClr val="dk2"/>
+                </a:solidFill>
+                <a:latin typeface="Nunito"/>
+                <a:ea typeface="Nunito"/>
+                <a:cs typeface="Nunito"/>
+                <a:sym typeface="Nunito"/>
+              </a:defRPr>
+            </a:lvl9pPr>
+          </a:lstStyle>
           <a:p>
-            <a:pPr marL="0" lvl="0" indent="0" algn="l" rtl="0">
-              <a:spcBef>
-                <a:spcPts val="0"/>
-              </a:spcBef>
-              <a:spcAft>
-                <a:spcPts val="0"/>
-              </a:spcAft>
+            <a:pPr marL="146050" indent="0">
               <a:buNone/>
             </a:pPr>
-            <a:endParaRPr/>
+            <a:r>
+              <a:rPr lang="en-US" b="1" dirty="0"/>
+              <a:t>2. Reilly, Ron &amp; MeLea do </a:t>
+            </a:r>
+            <a:r>
+              <a:rPr lang="en-US" b="1" dirty="0" err="1"/>
+              <a:t>powerpoint</a:t>
+            </a:r>
+            <a:r>
+              <a:rPr lang="en-US" b="1" dirty="0"/>
+              <a:t>, Erik &amp; Priya do visualizations &amp; demos</a:t>
+            </a:r>
+          </a:p>
+          <a:p>
+            <a:pPr marL="146050" indent="0">
+              <a:buNone/>
+            </a:pPr>
+            <a:endParaRPr lang="en-US" b="1" dirty="0"/>
+          </a:p>
+          <a:p>
+            <a:pPr marL="146050" indent="0">
+              <a:buFont typeface="Nunito"/>
+              <a:buNone/>
+            </a:pPr>
+            <a:r>
+              <a:rPr lang="en-US" b="1" dirty="0"/>
+              <a:t>Reilly</a:t>
+            </a:r>
+          </a:p>
+          <a:p>
+            <a:pPr marL="146050" indent="0">
+              <a:buFont typeface="Nunito"/>
+              <a:buNone/>
+            </a:pPr>
+            <a:r>
+              <a:rPr lang="en-US" dirty="0"/>
+              <a:t>Intro: 1-4</a:t>
+            </a:r>
+          </a:p>
+          <a:p>
+            <a:pPr marL="146050" indent="0">
+              <a:buFont typeface="Nunito"/>
+              <a:buNone/>
+            </a:pPr>
+            <a:r>
+              <a:rPr lang="en-US" b="1" dirty="0"/>
+              <a:t>Ron</a:t>
+            </a:r>
+          </a:p>
+          <a:p>
+            <a:pPr marL="146050" indent="0">
+              <a:buFont typeface="Nunito"/>
+              <a:buNone/>
+            </a:pPr>
+            <a:r>
+              <a:rPr lang="en-US" dirty="0"/>
+              <a:t>Database: 5</a:t>
+            </a:r>
+          </a:p>
+          <a:p>
+            <a:pPr marL="146050" indent="0">
+              <a:buFont typeface="Nunito"/>
+              <a:buNone/>
+            </a:pPr>
+            <a:r>
+              <a:rPr lang="en-US" dirty="0"/>
+              <a:t>Data exploration: 6-8</a:t>
+            </a:r>
+          </a:p>
+          <a:p>
+            <a:pPr marL="146050" indent="0">
+              <a:buFont typeface="Nunito"/>
+              <a:buNone/>
+            </a:pPr>
+            <a:r>
+              <a:rPr lang="en-US" dirty="0"/>
+              <a:t>Prelim feature selection: 9</a:t>
+            </a:r>
+          </a:p>
+          <a:p>
+            <a:pPr marL="146050" indent="0">
+              <a:buNone/>
+            </a:pPr>
+            <a:r>
+              <a:rPr lang="en-US" b="1" dirty="0"/>
+              <a:t>MeLea</a:t>
+            </a:r>
+          </a:p>
+          <a:p>
+            <a:pPr marL="146050" indent="0">
+              <a:buFont typeface="Nunito"/>
+              <a:buNone/>
+            </a:pPr>
+            <a:r>
+              <a:rPr lang="en-US" dirty="0"/>
+              <a:t>Data Processing: 10</a:t>
+            </a:r>
+          </a:p>
+          <a:p>
+            <a:pPr marL="146050" indent="0">
+              <a:buFont typeface="Nunito"/>
+              <a:buNone/>
+            </a:pPr>
+            <a:r>
+              <a:rPr lang="en-US" dirty="0"/>
+              <a:t>Model Performance: 11</a:t>
+            </a:r>
+          </a:p>
+          <a:p>
+            <a:pPr marL="146050" indent="0">
+              <a:buFont typeface="Nunito"/>
+              <a:buNone/>
+            </a:pPr>
+            <a:r>
+              <a:rPr lang="en-US" dirty="0"/>
+              <a:t>Feature Importance: 12-13</a:t>
+            </a:r>
+          </a:p>
+          <a:p>
+            <a:pPr marL="146050" indent="0">
+              <a:buFont typeface="Nunito"/>
+              <a:buNone/>
+            </a:pPr>
+            <a:r>
+              <a:rPr lang="en-US" dirty="0"/>
+              <a:t>Project Eval/takeaways: 15</a:t>
+            </a:r>
+          </a:p>
+          <a:p>
+            <a:pPr marL="146050" indent="0">
+              <a:buFont typeface="Nunito"/>
+              <a:buNone/>
+            </a:pPr>
+            <a:r>
+              <a:rPr lang="en-US" b="1" dirty="0"/>
+              <a:t>Priya</a:t>
+            </a:r>
+          </a:p>
+          <a:p>
+            <a:pPr marL="146050" indent="0">
+              <a:buFont typeface="Nunito"/>
+              <a:buNone/>
+            </a:pPr>
+            <a:r>
+              <a:rPr lang="en-US" dirty="0"/>
+              <a:t>Dashboard demo</a:t>
+            </a:r>
+          </a:p>
+          <a:p>
+            <a:pPr marL="146050" indent="0">
+              <a:buFont typeface="Nunito"/>
+              <a:buNone/>
+            </a:pPr>
+            <a:r>
+              <a:rPr lang="en-US" b="1" dirty="0"/>
+              <a:t>Erik</a:t>
+            </a:r>
+          </a:p>
+          <a:p>
+            <a:pPr marL="146050" indent="0">
+              <a:buFont typeface="Nunito"/>
+              <a:buNone/>
+            </a:pPr>
+            <a:r>
+              <a:rPr lang="en-US" dirty="0"/>
+              <a:t>Visualizations</a:t>
+            </a:r>
+          </a:p>
+          <a:p>
+            <a:pPr marL="146050" indent="0">
+              <a:buFont typeface="Nunito"/>
+              <a:buNone/>
+            </a:pPr>
+            <a:endParaRPr lang="en-US" dirty="0"/>
+          </a:p>
+        </p:txBody>
+      </p:sp>
+      <p:sp>
+        <p:nvSpPr>
+          <p:cNvPr id="5" name="Text Placeholder 2">
+            <a:extLst>
+              <a:ext uri="{FF2B5EF4-FFF2-40B4-BE49-F238E27FC236}">
+                <a16:creationId xmlns:a16="http://schemas.microsoft.com/office/drawing/2014/main" id="{F150D0C7-2F8E-4E1B-80D9-87BB1BC9624E}"/>
+              </a:ext>
+            </a:extLst>
+          </p:cNvPr>
+          <p:cNvSpPr txBox="1">
+            <a:spLocks/>
+          </p:cNvSpPr>
+          <p:nvPr/>
+        </p:nvSpPr>
+        <p:spPr>
+          <a:xfrm>
+            <a:off x="6270173" y="251393"/>
+            <a:ext cx="2423272" cy="4963928"/>
+          </a:xfrm>
+          <a:prstGeom prst="rect">
+            <a:avLst/>
+          </a:prstGeom>
+          <a:noFill/>
+          <a:ln>
+            <a:noFill/>
+          </a:ln>
+        </p:spPr>
+        <p:txBody>
+          <a:bodyPr spcFirstLastPara="1" wrap="square" lIns="91425" tIns="91425" rIns="91425" bIns="91425" anchor="t" anchorCtr="0">
+            <a:normAutofit/>
+          </a:bodyPr>
+          <a:lstStyle>
+            <a:defPPr marR="0" lvl="0" algn="l" rtl="0">
+              <a:lnSpc>
+                <a:spcPct val="100000"/>
+              </a:lnSpc>
+              <a:spcBef>
+                <a:spcPts val="0"/>
+              </a:spcBef>
+              <a:spcAft>
+                <a:spcPts val="0"/>
+              </a:spcAft>
+            </a:defPPr>
+            <a:lvl1pPr marL="457200" marR="0" lvl="0" indent="-311150" algn="l" rtl="0">
+              <a:lnSpc>
+                <a:spcPct val="115000"/>
+              </a:lnSpc>
+              <a:spcBef>
+                <a:spcPts val="0"/>
+              </a:spcBef>
+              <a:spcAft>
+                <a:spcPts val="0"/>
+              </a:spcAft>
+              <a:buClr>
+                <a:schemeClr val="dk2"/>
+              </a:buClr>
+              <a:buSzPts val="1300"/>
+              <a:buFont typeface="Nunito"/>
+              <a:buChar char="●"/>
+              <a:defRPr sz="1300" b="0" i="0" u="none" strike="noStrike" cap="none">
+                <a:solidFill>
+                  <a:schemeClr val="dk2"/>
+                </a:solidFill>
+                <a:latin typeface="Nunito"/>
+                <a:ea typeface="Nunito"/>
+                <a:cs typeface="Nunito"/>
+                <a:sym typeface="Nunito"/>
+              </a:defRPr>
+            </a:lvl1pPr>
+            <a:lvl2pPr marL="914400" marR="0" lvl="1" indent="-298450" algn="l" rtl="0">
+              <a:lnSpc>
+                <a:spcPct val="115000"/>
+              </a:lnSpc>
+              <a:spcBef>
+                <a:spcPts val="0"/>
+              </a:spcBef>
+              <a:spcAft>
+                <a:spcPts val="0"/>
+              </a:spcAft>
+              <a:buClr>
+                <a:schemeClr val="dk2"/>
+              </a:buClr>
+              <a:buSzPts val="1100"/>
+              <a:buFont typeface="Nunito"/>
+              <a:buChar char="○"/>
+              <a:defRPr sz="1100" b="0" i="0" u="none" strike="noStrike" cap="none">
+                <a:solidFill>
+                  <a:schemeClr val="dk2"/>
+                </a:solidFill>
+                <a:latin typeface="Nunito"/>
+                <a:ea typeface="Nunito"/>
+                <a:cs typeface="Nunito"/>
+                <a:sym typeface="Nunito"/>
+              </a:defRPr>
+            </a:lvl2pPr>
+            <a:lvl3pPr marL="1371600" marR="0" lvl="2" indent="-298450" algn="l" rtl="0">
+              <a:lnSpc>
+                <a:spcPct val="115000"/>
+              </a:lnSpc>
+              <a:spcBef>
+                <a:spcPts val="0"/>
+              </a:spcBef>
+              <a:spcAft>
+                <a:spcPts val="0"/>
+              </a:spcAft>
+              <a:buClr>
+                <a:schemeClr val="dk2"/>
+              </a:buClr>
+              <a:buSzPts val="1100"/>
+              <a:buFont typeface="Nunito"/>
+              <a:buChar char="■"/>
+              <a:defRPr sz="1100" b="0" i="0" u="none" strike="noStrike" cap="none">
+                <a:solidFill>
+                  <a:schemeClr val="dk2"/>
+                </a:solidFill>
+                <a:latin typeface="Nunito"/>
+                <a:ea typeface="Nunito"/>
+                <a:cs typeface="Nunito"/>
+                <a:sym typeface="Nunito"/>
+              </a:defRPr>
+            </a:lvl3pPr>
+            <a:lvl4pPr marL="1828800" marR="0" lvl="3" indent="-298450" algn="l" rtl="0">
+              <a:lnSpc>
+                <a:spcPct val="115000"/>
+              </a:lnSpc>
+              <a:spcBef>
+                <a:spcPts val="0"/>
+              </a:spcBef>
+              <a:spcAft>
+                <a:spcPts val="0"/>
+              </a:spcAft>
+              <a:buClr>
+                <a:schemeClr val="dk2"/>
+              </a:buClr>
+              <a:buSzPts val="1100"/>
+              <a:buFont typeface="Nunito"/>
+              <a:buChar char="●"/>
+              <a:defRPr sz="1100" b="0" i="0" u="none" strike="noStrike" cap="none">
+                <a:solidFill>
+                  <a:schemeClr val="dk2"/>
+                </a:solidFill>
+                <a:latin typeface="Nunito"/>
+                <a:ea typeface="Nunito"/>
+                <a:cs typeface="Nunito"/>
+                <a:sym typeface="Nunito"/>
+              </a:defRPr>
+            </a:lvl4pPr>
+            <a:lvl5pPr marL="2286000" marR="0" lvl="4" indent="-298450" algn="l" rtl="0">
+              <a:lnSpc>
+                <a:spcPct val="115000"/>
+              </a:lnSpc>
+              <a:spcBef>
+                <a:spcPts val="0"/>
+              </a:spcBef>
+              <a:spcAft>
+                <a:spcPts val="0"/>
+              </a:spcAft>
+              <a:buClr>
+                <a:schemeClr val="dk2"/>
+              </a:buClr>
+              <a:buSzPts val="1100"/>
+              <a:buFont typeface="Nunito"/>
+              <a:buChar char="○"/>
+              <a:defRPr sz="1100" b="0" i="0" u="none" strike="noStrike" cap="none">
+                <a:solidFill>
+                  <a:schemeClr val="dk2"/>
+                </a:solidFill>
+                <a:latin typeface="Nunito"/>
+                <a:ea typeface="Nunito"/>
+                <a:cs typeface="Nunito"/>
+                <a:sym typeface="Nunito"/>
+              </a:defRPr>
+            </a:lvl5pPr>
+            <a:lvl6pPr marL="2743200" marR="0" lvl="5" indent="-298450" algn="l" rtl="0">
+              <a:lnSpc>
+                <a:spcPct val="115000"/>
+              </a:lnSpc>
+              <a:spcBef>
+                <a:spcPts val="0"/>
+              </a:spcBef>
+              <a:spcAft>
+                <a:spcPts val="0"/>
+              </a:spcAft>
+              <a:buClr>
+                <a:schemeClr val="dk2"/>
+              </a:buClr>
+              <a:buSzPts val="1100"/>
+              <a:buFont typeface="Nunito"/>
+              <a:buChar char="■"/>
+              <a:defRPr sz="1100" b="0" i="0" u="none" strike="noStrike" cap="none">
+                <a:solidFill>
+                  <a:schemeClr val="dk2"/>
+                </a:solidFill>
+                <a:latin typeface="Nunito"/>
+                <a:ea typeface="Nunito"/>
+                <a:cs typeface="Nunito"/>
+                <a:sym typeface="Nunito"/>
+              </a:defRPr>
+            </a:lvl6pPr>
+            <a:lvl7pPr marL="3200400" marR="0" lvl="6" indent="-298450" algn="l" rtl="0">
+              <a:lnSpc>
+                <a:spcPct val="115000"/>
+              </a:lnSpc>
+              <a:spcBef>
+                <a:spcPts val="0"/>
+              </a:spcBef>
+              <a:spcAft>
+                <a:spcPts val="0"/>
+              </a:spcAft>
+              <a:buClr>
+                <a:schemeClr val="dk2"/>
+              </a:buClr>
+              <a:buSzPts val="1100"/>
+              <a:buFont typeface="Nunito"/>
+              <a:buChar char="●"/>
+              <a:defRPr sz="1100" b="0" i="0" u="none" strike="noStrike" cap="none">
+                <a:solidFill>
+                  <a:schemeClr val="dk2"/>
+                </a:solidFill>
+                <a:latin typeface="Nunito"/>
+                <a:ea typeface="Nunito"/>
+                <a:cs typeface="Nunito"/>
+                <a:sym typeface="Nunito"/>
+              </a:defRPr>
+            </a:lvl7pPr>
+            <a:lvl8pPr marL="3657600" marR="0" lvl="7" indent="-298450" algn="l" rtl="0">
+              <a:lnSpc>
+                <a:spcPct val="115000"/>
+              </a:lnSpc>
+              <a:spcBef>
+                <a:spcPts val="0"/>
+              </a:spcBef>
+              <a:spcAft>
+                <a:spcPts val="0"/>
+              </a:spcAft>
+              <a:buClr>
+                <a:schemeClr val="dk2"/>
+              </a:buClr>
+              <a:buSzPts val="1100"/>
+              <a:buFont typeface="Nunito"/>
+              <a:buChar char="○"/>
+              <a:defRPr sz="1100" b="0" i="0" u="none" strike="noStrike" cap="none">
+                <a:solidFill>
+                  <a:schemeClr val="dk2"/>
+                </a:solidFill>
+                <a:latin typeface="Nunito"/>
+                <a:ea typeface="Nunito"/>
+                <a:cs typeface="Nunito"/>
+                <a:sym typeface="Nunito"/>
+              </a:defRPr>
+            </a:lvl8pPr>
+            <a:lvl9pPr marL="4114800" marR="0" lvl="8" indent="-298450" algn="l" rtl="0">
+              <a:lnSpc>
+                <a:spcPct val="115000"/>
+              </a:lnSpc>
+              <a:spcBef>
+                <a:spcPts val="0"/>
+              </a:spcBef>
+              <a:spcAft>
+                <a:spcPts val="0"/>
+              </a:spcAft>
+              <a:buClr>
+                <a:schemeClr val="dk2"/>
+              </a:buClr>
+              <a:buSzPts val="1100"/>
+              <a:buFont typeface="Nunito"/>
+              <a:buChar char="■"/>
+              <a:defRPr sz="1100" b="0" i="0" u="none" strike="noStrike" cap="none">
+                <a:solidFill>
+                  <a:schemeClr val="dk2"/>
+                </a:solidFill>
+                <a:latin typeface="Nunito"/>
+                <a:ea typeface="Nunito"/>
+                <a:cs typeface="Nunito"/>
+                <a:sym typeface="Nunito"/>
+              </a:defRPr>
+            </a:lvl9pPr>
+          </a:lstStyle>
+          <a:p>
+            <a:pPr marL="146050" indent="0">
+              <a:buNone/>
+            </a:pPr>
+            <a:r>
+              <a:rPr lang="en-US" b="1" dirty="0"/>
+              <a:t>3. Priya, Ron &amp; MeLea do </a:t>
+            </a:r>
+            <a:r>
+              <a:rPr lang="en-US" b="1" dirty="0" err="1"/>
+              <a:t>powerpoint</a:t>
+            </a:r>
+            <a:r>
+              <a:rPr lang="en-US" b="1" dirty="0"/>
+              <a:t>, Erik &amp; Reilly do visualizations &amp; demos</a:t>
+            </a:r>
+          </a:p>
+          <a:p>
+            <a:pPr marL="146050" indent="0">
+              <a:buFont typeface="Nunito"/>
+              <a:buNone/>
+            </a:pPr>
+            <a:endParaRPr lang="en-US" b="1" dirty="0"/>
+          </a:p>
+          <a:p>
+            <a:pPr marL="146050" indent="0">
+              <a:buFont typeface="Nunito"/>
+              <a:buNone/>
+            </a:pPr>
+            <a:r>
+              <a:rPr lang="en-US" b="1" dirty="0"/>
+              <a:t>Priya</a:t>
+            </a:r>
+          </a:p>
+          <a:p>
+            <a:pPr marL="146050" indent="0">
+              <a:buFont typeface="Nunito"/>
+              <a:buNone/>
+            </a:pPr>
+            <a:r>
+              <a:rPr lang="en-US" dirty="0"/>
+              <a:t>Intro: 1-4</a:t>
+            </a:r>
+          </a:p>
+          <a:p>
+            <a:pPr marL="146050" indent="0">
+              <a:buFont typeface="Nunito"/>
+              <a:buNone/>
+            </a:pPr>
+            <a:r>
+              <a:rPr lang="en-US" b="1" dirty="0"/>
+              <a:t>Ron</a:t>
+            </a:r>
+          </a:p>
+          <a:p>
+            <a:pPr marL="146050" indent="0">
+              <a:buFont typeface="Nunito"/>
+              <a:buNone/>
+            </a:pPr>
+            <a:r>
+              <a:rPr lang="en-US" dirty="0"/>
+              <a:t>Database: 5</a:t>
+            </a:r>
+          </a:p>
+          <a:p>
+            <a:pPr marL="146050" indent="0">
+              <a:buFont typeface="Nunito"/>
+              <a:buNone/>
+            </a:pPr>
+            <a:r>
+              <a:rPr lang="en-US" dirty="0"/>
+              <a:t>Data exploration: 6-8</a:t>
+            </a:r>
+          </a:p>
+          <a:p>
+            <a:pPr marL="146050" indent="0">
+              <a:buFont typeface="Nunito"/>
+              <a:buNone/>
+            </a:pPr>
+            <a:r>
+              <a:rPr lang="en-US" dirty="0"/>
+              <a:t>Prelim feature selection: 9</a:t>
+            </a:r>
+          </a:p>
+          <a:p>
+            <a:pPr marL="146050" indent="0">
+              <a:buNone/>
+            </a:pPr>
+            <a:r>
+              <a:rPr lang="en-US" b="1" dirty="0"/>
+              <a:t>MeLea</a:t>
+            </a:r>
+          </a:p>
+          <a:p>
+            <a:pPr marL="146050" indent="0">
+              <a:buFont typeface="Nunito"/>
+              <a:buNone/>
+            </a:pPr>
+            <a:r>
+              <a:rPr lang="en-US" dirty="0"/>
+              <a:t>Data Processing: 10</a:t>
+            </a:r>
+          </a:p>
+          <a:p>
+            <a:pPr marL="146050" indent="0">
+              <a:buFont typeface="Nunito"/>
+              <a:buNone/>
+            </a:pPr>
+            <a:r>
+              <a:rPr lang="en-US" dirty="0"/>
+              <a:t>Model Performance: 11</a:t>
+            </a:r>
+          </a:p>
+          <a:p>
+            <a:pPr marL="146050" indent="0">
+              <a:buFont typeface="Nunito"/>
+              <a:buNone/>
+            </a:pPr>
+            <a:r>
+              <a:rPr lang="en-US" dirty="0"/>
+              <a:t>Feature Importance: 12-13</a:t>
+            </a:r>
+          </a:p>
+          <a:p>
+            <a:pPr marL="146050" indent="0">
+              <a:buFont typeface="Nunito"/>
+              <a:buNone/>
+            </a:pPr>
+            <a:r>
+              <a:rPr lang="en-US" dirty="0"/>
+              <a:t>Project Eval/takeaways: 15</a:t>
+            </a:r>
+          </a:p>
+          <a:p>
+            <a:pPr marL="146050" indent="0">
+              <a:buFont typeface="Nunito"/>
+              <a:buNone/>
+            </a:pPr>
+            <a:r>
+              <a:rPr lang="en-US" b="1" dirty="0"/>
+              <a:t>Erik</a:t>
+            </a:r>
+          </a:p>
+          <a:p>
+            <a:pPr marL="146050" indent="0">
+              <a:buFont typeface="Nunito"/>
+              <a:buNone/>
+            </a:pPr>
+            <a:r>
+              <a:rPr lang="en-US" dirty="0"/>
+              <a:t>Dashboard demo</a:t>
+            </a:r>
+          </a:p>
+          <a:p>
+            <a:pPr marL="146050" indent="0">
+              <a:buFont typeface="Nunito"/>
+              <a:buNone/>
+            </a:pPr>
+            <a:r>
+              <a:rPr lang="en-US" b="1" dirty="0"/>
+              <a:t>Reilly</a:t>
+            </a:r>
+          </a:p>
+          <a:p>
+            <a:pPr marL="146050" indent="0">
+              <a:buFont typeface="Nunito"/>
+              <a:buNone/>
+            </a:pPr>
+            <a:r>
+              <a:rPr lang="en-US" dirty="0"/>
+              <a:t>Visualizations</a:t>
+            </a:r>
+          </a:p>
+          <a:p>
+            <a:pPr marL="146050" indent="0">
+              <a:buFont typeface="Nunito"/>
+              <a:buNone/>
+            </a:pPr>
+            <a:endParaRPr lang="en-US" dirty="0"/>
           </a:p>
         </p:txBody>
       </p:sp>
     </p:spTree>
+    <p:extLst>
+      <p:ext uri="{BB962C8B-B14F-4D97-AF65-F5344CB8AC3E}">
+        <p14:creationId xmlns:p14="http://schemas.microsoft.com/office/powerpoint/2010/main" val="1700832677"/>
+      </p:ext>
+    </p:extLst>
   </p:cSld>
   <p:clrMapOvr>
     <a:masterClrMapping/>
@@ -16177,6 +19883,225 @@
 </file>
 
 <file path=ppt/slides/slide10.xml><?xml version="1.0" encoding="utf-8"?>
+<p:sld xmlns:a="http://schemas.openxmlformats.org/drawingml/2006/main" xmlns:r="http://schemas.openxmlformats.org/officeDocument/2006/relationships" xmlns:p="http://schemas.openxmlformats.org/presentationml/2006/main">
+  <p:cSld>
+    <p:spTree>
+      <p:nvGrpSpPr>
+        <p:cNvPr id="1" name=""/>
+        <p:cNvGrpSpPr/>
+        <p:nvPr/>
+      </p:nvGrpSpPr>
+      <p:grpSpPr>
+        <a:xfrm>
+          <a:off x="0" y="0"/>
+          <a:ext cx="0" cy="0"/>
+          <a:chOff x="0" y="0"/>
+          <a:chExt cx="0" cy="0"/>
+        </a:xfrm>
+      </p:grpSpPr>
+      <p:sp>
+        <p:nvSpPr>
+          <p:cNvPr id="2" name="Title 1">
+            <a:extLst>
+              <a:ext uri="{FF2B5EF4-FFF2-40B4-BE49-F238E27FC236}">
+                <a16:creationId xmlns:a16="http://schemas.microsoft.com/office/drawing/2014/main" id="{B8D36673-3479-45EC-87E0-28D0B7ECE709}"/>
+              </a:ext>
+            </a:extLst>
+          </p:cNvPr>
+          <p:cNvSpPr>
+            <a:spLocks noGrp="1"/>
+          </p:cNvSpPr>
+          <p:nvPr>
+            <p:ph type="title"/>
+          </p:nvPr>
+        </p:nvSpPr>
+        <p:spPr>
+          <a:xfrm>
+            <a:off x="1303800" y="598575"/>
+            <a:ext cx="7611600" cy="999300"/>
+          </a:xfrm>
+        </p:spPr>
+        <p:txBody>
+          <a:bodyPr>
+            <a:normAutofit/>
+          </a:bodyPr>
+          <a:lstStyle/>
+          <a:p>
+            <a:r>
+              <a:rPr lang="en-US" dirty="0"/>
+              <a:t>Preliminary Feature Selection: </a:t>
+            </a:r>
+            <a:br>
+              <a:rPr lang="en-US" dirty="0"/>
+            </a:br>
+            <a:r>
+              <a:rPr lang="en-US" sz="2200" dirty="0"/>
+              <a:t>Eliminate columns that do not provide information</a:t>
+            </a:r>
+            <a:endParaRPr lang="en-US" dirty="0"/>
+          </a:p>
+        </p:txBody>
+      </p:sp>
+      <p:pic>
+        <p:nvPicPr>
+          <p:cNvPr id="4" name="Picture 3">
+            <a:extLst>
+              <a:ext uri="{FF2B5EF4-FFF2-40B4-BE49-F238E27FC236}">
+                <a16:creationId xmlns:a16="http://schemas.microsoft.com/office/drawing/2014/main" id="{6D1B96F5-9D67-4BDC-ADDD-903BC7223348}"/>
+              </a:ext>
+            </a:extLst>
+          </p:cNvPr>
+          <p:cNvPicPr>
+            <a:picLocks noChangeAspect="1"/>
+          </p:cNvPicPr>
+          <p:nvPr/>
+        </p:nvPicPr>
+        <p:blipFill>
+          <a:blip r:embed="rId3"/>
+          <a:stretch>
+            <a:fillRect/>
+          </a:stretch>
+        </p:blipFill>
+        <p:spPr>
+          <a:xfrm>
+            <a:off x="4822019" y="2201084"/>
+            <a:ext cx="3369406" cy="2945678"/>
+          </a:xfrm>
+          <a:prstGeom prst="rect">
+            <a:avLst/>
+          </a:prstGeom>
+        </p:spPr>
+      </p:pic>
+      <p:pic>
+        <p:nvPicPr>
+          <p:cNvPr id="5" name="Picture 4">
+            <a:extLst>
+              <a:ext uri="{FF2B5EF4-FFF2-40B4-BE49-F238E27FC236}">
+                <a16:creationId xmlns:a16="http://schemas.microsoft.com/office/drawing/2014/main" id="{CD914706-051F-43E5-AB9F-5A2A26456F10}"/>
+              </a:ext>
+            </a:extLst>
+          </p:cNvPr>
+          <p:cNvPicPr>
+            <a:picLocks noChangeAspect="1"/>
+          </p:cNvPicPr>
+          <p:nvPr/>
+        </p:nvPicPr>
+        <p:blipFill>
+          <a:blip r:embed="rId4"/>
+          <a:stretch>
+            <a:fillRect/>
+          </a:stretch>
+        </p:blipFill>
+        <p:spPr>
+          <a:xfrm>
+            <a:off x="703868" y="2201084"/>
+            <a:ext cx="3420458" cy="2945678"/>
+          </a:xfrm>
+          <a:prstGeom prst="rect">
+            <a:avLst/>
+          </a:prstGeom>
+        </p:spPr>
+      </p:pic>
+      <p:sp>
+        <p:nvSpPr>
+          <p:cNvPr id="7" name="TextBox 6">
+            <a:extLst>
+              <a:ext uri="{FF2B5EF4-FFF2-40B4-BE49-F238E27FC236}">
+                <a16:creationId xmlns:a16="http://schemas.microsoft.com/office/drawing/2014/main" id="{200258C1-198B-4B13-8DEF-3280262FF227}"/>
+              </a:ext>
+            </a:extLst>
+          </p:cNvPr>
+          <p:cNvSpPr txBox="1"/>
+          <p:nvPr/>
+        </p:nvSpPr>
+        <p:spPr>
+          <a:xfrm>
+            <a:off x="1184240" y="1751271"/>
+            <a:ext cx="3625285" cy="523220"/>
+          </a:xfrm>
+          <a:prstGeom prst="rect">
+            <a:avLst/>
+          </a:prstGeom>
+          <a:noFill/>
+        </p:spPr>
+        <p:txBody>
+          <a:bodyPr wrap="square">
+            <a:spAutoFit/>
+          </a:bodyPr>
+          <a:lstStyle/>
+          <a:p>
+            <a:pPr lvl="1"/>
+            <a:r>
+              <a:rPr lang="en-US" sz="1400" dirty="0"/>
+              <a:t>Employee Number:</a:t>
+            </a:r>
+          </a:p>
+          <a:p>
+            <a:pPr lvl="1"/>
+            <a:r>
+              <a:rPr lang="en-US" sz="1400" dirty="0"/>
+              <a:t>1470 rows with 1470 unique values </a:t>
+            </a:r>
+          </a:p>
+        </p:txBody>
+      </p:sp>
+      <p:sp>
+        <p:nvSpPr>
+          <p:cNvPr id="8" name="TextBox 7">
+            <a:extLst>
+              <a:ext uri="{FF2B5EF4-FFF2-40B4-BE49-F238E27FC236}">
+                <a16:creationId xmlns:a16="http://schemas.microsoft.com/office/drawing/2014/main" id="{9890D4BC-840C-4208-8A05-55498E8FBA76}"/>
+              </a:ext>
+            </a:extLst>
+          </p:cNvPr>
+          <p:cNvSpPr txBox="1"/>
+          <p:nvPr/>
+        </p:nvSpPr>
+        <p:spPr>
+          <a:xfrm>
+            <a:off x="5218935" y="1751271"/>
+            <a:ext cx="4280916" cy="523220"/>
+          </a:xfrm>
+          <a:prstGeom prst="rect">
+            <a:avLst/>
+          </a:prstGeom>
+          <a:noFill/>
+        </p:spPr>
+        <p:txBody>
+          <a:bodyPr wrap="square">
+            <a:spAutoFit/>
+          </a:bodyPr>
+          <a:lstStyle/>
+          <a:p>
+            <a:pPr lvl="1"/>
+            <a:r>
+              <a:rPr lang="en-US" sz="1400" dirty="0"/>
+              <a:t>Employee Count, Standard Hours, Over 18:</a:t>
+            </a:r>
+          </a:p>
+          <a:p>
+            <a:pPr lvl="1"/>
+            <a:r>
+              <a:rPr lang="en-US" sz="1400" dirty="0"/>
+              <a:t>1 unique value per row</a:t>
+            </a:r>
+          </a:p>
+        </p:txBody>
+      </p:sp>
+    </p:spTree>
+    <p:extLst>
+      <p:ext uri="{BB962C8B-B14F-4D97-AF65-F5344CB8AC3E}">
+        <p14:creationId xmlns:p14="http://schemas.microsoft.com/office/powerpoint/2010/main" val="3692123054"/>
+      </p:ext>
+    </p:extLst>
+  </p:cSld>
+  <p:clrMapOvr>
+    <a:masterClrMapping/>
+  </p:clrMapOvr>
+</p:sld>
+</file>
+
+<file path=ppt/slides/slide11.xml><?xml version="1.0" encoding="utf-8"?>
 <p:sld xmlns:a="http://schemas.openxmlformats.org/drawingml/2006/main" xmlns:r="http://schemas.openxmlformats.org/officeDocument/2006/relationships" xmlns:p="http://schemas.openxmlformats.org/presentationml/2006/main">
   <p:cSld>
     <p:spTree>
@@ -16247,8 +20172,8 @@
         </p:nvSpPr>
         <p:spPr>
           <a:xfrm>
-            <a:off x="1303800" y="1990050"/>
-            <a:ext cx="7030500" cy="2541600"/>
+            <a:off x="1303800" y="1314449"/>
+            <a:ext cx="3163425" cy="3495675"/>
           </a:xfrm>
           <a:prstGeom prst="rect">
             <a:avLst/>
@@ -16267,7 +20192,34 @@
             </a:pPr>
             <a:r>
               <a:rPr lang="en-US" dirty="0"/>
-              <a:t>Split data shapes:</a:t>
+              <a:t>Transform categorical columns using </a:t>
+            </a:r>
+            <a:r>
+              <a:rPr lang="en-US" dirty="0" err="1"/>
+              <a:t>OneHotEncoder</a:t>
+            </a:r>
+            <a:endParaRPr lang="en-US" dirty="0"/>
+          </a:p>
+          <a:p>
+            <a:pPr marL="742950" lvl="1" indent="-285750">
+              <a:spcAft>
+                <a:spcPts val="1200"/>
+              </a:spcAft>
+            </a:pPr>
+            <a:r>
+              <a:rPr lang="en-US" dirty="0"/>
+              <a:t>8 of 33 columns transformed</a:t>
+            </a:r>
+          </a:p>
+          <a:p>
+            <a:pPr marL="285750" indent="-285750">
+              <a:spcAft>
+                <a:spcPts val="1200"/>
+              </a:spcAft>
+            </a:pPr>
+            <a:r>
+              <a:rPr lang="en-US" dirty="0"/>
+              <a:t>Split data into feature &amp; target</a:t>
             </a:r>
           </a:p>
           <a:p>
@@ -16277,12 +20229,16 @@
               </a:spcAft>
             </a:pPr>
             <a:r>
-              <a:rPr lang="fr-FR" dirty="0" err="1"/>
-              <a:t>X_train</a:t>
+              <a:rPr lang="en-US" dirty="0"/>
+              <a:t>Target: ‘</a:t>
             </a:r>
             <a:r>
-              <a:rPr lang="fr-FR" dirty="0"/>
-              <a:t> (1176, 53)</a:t>
+              <a:rPr lang="en-US" dirty="0" err="1"/>
+              <a:t>Attrition_Yes</a:t>
+            </a:r>
+            <a:r>
+              <a:rPr lang="en-US" dirty="0"/>
+              <a:t>’</a:t>
             </a:r>
           </a:p>
           <a:p>
@@ -16292,12 +20248,28 @@
               </a:spcAft>
             </a:pPr>
             <a:r>
-              <a:rPr lang="fr-FR" dirty="0" err="1"/>
-              <a:t>X_test</a:t>
+              <a:rPr lang="en-US" dirty="0"/>
+              <a:t>Split using </a:t>
             </a:r>
             <a:r>
-              <a:rPr lang="fr-FR" dirty="0"/>
-              <a:t> (294, 53)</a:t>
+              <a:rPr lang="en-US" dirty="0" err="1"/>
+              <a:t>train_test_split</a:t>
+            </a:r>
+            <a:endParaRPr lang="en-US" dirty="0"/>
+          </a:p>
+          <a:p>
+            <a:pPr marL="742950" lvl="1" indent="-285750">
+              <a:spcAft>
+                <a:spcPts val="1200"/>
+              </a:spcAft>
+            </a:pPr>
+            <a:r>
+              <a:rPr lang="en-US" dirty="0" err="1"/>
+              <a:t>test_size</a:t>
+            </a:r>
+            <a:r>
+              <a:rPr lang="en-US" dirty="0"/>
+              <a:t> = 0.20</a:t>
             </a:r>
           </a:p>
           <a:p>
@@ -16307,33 +20279,84 @@
               </a:spcAft>
             </a:pPr>
             <a:r>
-              <a:rPr lang="fr-FR" dirty="0" err="1"/>
-              <a:t>y_train</a:t>
+              <a:rPr lang="en-US" dirty="0" err="1"/>
+              <a:t>random_state</a:t>
             </a:r>
             <a:r>
-              <a:rPr lang="fr-FR" dirty="0"/>
-              <a:t> (1176,)</a:t>
+              <a:rPr lang="en-US" dirty="0"/>
+              <a:t>=78</a:t>
             </a:r>
           </a:p>
           <a:p>
-            <a:pPr marL="742950" lvl="1" indent="-285750">
+            <a:pPr marL="285750" indent="-285750">
               <a:spcAft>
                 <a:spcPts val="1200"/>
               </a:spcAft>
             </a:pPr>
             <a:r>
-              <a:rPr lang="fr-FR" dirty="0" err="1"/>
-              <a:t>y_test</a:t>
+              <a:rPr lang="en-US" dirty="0"/>
+              <a:t>Scaling: </a:t>
             </a:r>
             <a:r>
-              <a:rPr lang="fr-FR" dirty="0"/>
-              <a:t> (294,)</a:t>
+              <a:rPr lang="en-US" dirty="0" err="1"/>
+              <a:t>StandardScaler</a:t>
             </a:r>
+            <a:endParaRPr lang="en-US" dirty="0"/>
+          </a:p>
+          <a:p>
+            <a:pPr marL="285750" indent="-285750">
+              <a:spcAft>
+                <a:spcPts val="1200"/>
+              </a:spcAft>
+            </a:pPr>
+            <a:endParaRPr lang="en-US" dirty="0"/>
+          </a:p>
+          <a:p>
+            <a:pPr marL="742950" lvl="1" indent="-285750">
+              <a:spcAft>
+                <a:spcPts val="1200"/>
+              </a:spcAft>
+            </a:pPr>
             <a:endParaRPr dirty="0"/>
           </a:p>
         </p:txBody>
       </p:sp>
+      <p:pic>
+        <p:nvPicPr>
+          <p:cNvPr id="3" name="Picture 2">
+            <a:extLst>
+              <a:ext uri="{FF2B5EF4-FFF2-40B4-BE49-F238E27FC236}">
+                <a16:creationId xmlns:a16="http://schemas.microsoft.com/office/drawing/2014/main" id="{378EEB67-0FCD-4E86-8F1A-27028E94F1CD}"/>
+              </a:ext>
+            </a:extLst>
+          </p:cNvPr>
+          <p:cNvPicPr>
+            <a:picLocks noChangeAspect="1"/>
+          </p:cNvPicPr>
+          <p:nvPr/>
+        </p:nvPicPr>
+        <p:blipFill>
+          <a:blip r:embed="rId3"/>
+          <a:stretch>
+            <a:fillRect/>
+          </a:stretch>
+        </p:blipFill>
+        <p:spPr>
+          <a:xfrm>
+            <a:off x="4438049" y="925498"/>
+            <a:ext cx="4705951" cy="4094177"/>
+          </a:xfrm>
+          <a:prstGeom prst="rect">
+            <a:avLst/>
+          </a:prstGeom>
+        </p:spPr>
+      </p:pic>
     </p:spTree>
+    <p:extLst>
+      <p:ext uri="{BB962C8B-B14F-4D97-AF65-F5344CB8AC3E}">
+        <p14:creationId xmlns:p14="http://schemas.microsoft.com/office/powerpoint/2010/main" val="1012585142"/>
+      </p:ext>
+    </p:extLst>
   </p:cSld>
   <p:clrMapOvr>
     <a:masterClrMapping/>
@@ -16341,7 +20364,7 @@
 </p:sld>
 </file>
 
-<file path=ppt/slides/slide11.xml><?xml version="1.0" encoding="utf-8"?>
+<file path=ppt/slides/slide12.xml><?xml version="1.0" encoding="utf-8"?>
 <p:sld xmlns:a="http://schemas.openxmlformats.org/drawingml/2006/main" xmlns:r="http://schemas.openxmlformats.org/officeDocument/2006/relationships" xmlns:p="http://schemas.openxmlformats.org/presentationml/2006/main">
   <p:cSld>
     <p:spTree>
@@ -17042,10 +21065,88 @@
   <p:clrMapOvr>
     <a:masterClrMapping/>
   </p:clrMapOvr>
+  <p:timing>
+    <p:tnLst>
+      <p:par>
+        <p:cTn id="1" dur="indefinite" restart="never" nodeType="tmRoot">
+          <p:childTnLst>
+            <p:seq concurrent="1" nextAc="seek">
+              <p:cTn id="2" dur="indefinite" nodeType="mainSeq">
+                <p:childTnLst>
+                  <p:par>
+                    <p:cTn id="3" fill="hold">
+                      <p:stCondLst>
+                        <p:cond delay="indefinite"/>
+                      </p:stCondLst>
+                      <p:childTnLst>
+                        <p:par>
+                          <p:cTn id="4" fill="hold">
+                            <p:stCondLst>
+                              <p:cond delay="0"/>
+                            </p:stCondLst>
+                            <p:childTnLst>
+                              <p:par>
+                                <p:cTn id="5" presetID="1" presetClass="entr" presetSubtype="0" fill="hold" grpId="0" nodeType="clickEffect">
+                                  <p:stCondLst>
+                                    <p:cond delay="0"/>
+                                  </p:stCondLst>
+                                  <p:childTnLst>
+                                    <p:set>
+                                      <p:cBhvr>
+                                        <p:cTn id="6" dur="1" fill="hold">
+                                          <p:stCondLst>
+                                            <p:cond delay="0"/>
+                                          </p:stCondLst>
+                                        </p:cTn>
+                                        <p:tgtEl>
+                                          <p:spTgt spid="3"/>
+                                        </p:tgtEl>
+                                        <p:attrNameLst>
+                                          <p:attrName>style.visibility</p:attrName>
+                                        </p:attrNameLst>
+                                      </p:cBhvr>
+                                      <p:to>
+                                        <p:strVal val="visible"/>
+                                      </p:to>
+                                    </p:set>
+                                  </p:childTnLst>
+                                </p:cTn>
+                              </p:par>
+                            </p:childTnLst>
+                          </p:cTn>
+                        </p:par>
+                      </p:childTnLst>
+                    </p:cTn>
+                  </p:par>
+                </p:childTnLst>
+              </p:cTn>
+              <p:prevCondLst>
+                <p:cond evt="onPrev" delay="0">
+                  <p:tgtEl>
+                    <p:sldTgt/>
+                  </p:tgtEl>
+                </p:cond>
+              </p:prevCondLst>
+              <p:nextCondLst>
+                <p:cond evt="onNext" delay="0">
+                  <p:tgtEl>
+                    <p:sldTgt/>
+                  </p:tgtEl>
+                </p:cond>
+              </p:nextCondLst>
+            </p:seq>
+          </p:childTnLst>
+        </p:cTn>
+      </p:par>
+    </p:tnLst>
+    <p:bldLst>
+      <p:bldP spid="3" grpId="0" animBg="1"/>
+    </p:bldLst>
+  </p:timing>
 </p:sld>
 </file>
 
-<file path=ppt/slides/slide12.xml><?xml version="1.0" encoding="utf-8"?>
+<file path=ppt/slides/slide13.xml><?xml version="1.0" encoding="utf-8"?>
 <p:sld xmlns:a="http://schemas.openxmlformats.org/drawingml/2006/main" xmlns:r="http://schemas.openxmlformats.org/officeDocument/2006/relationships" xmlns:p="http://schemas.openxmlformats.org/presentationml/2006/main">
   <p:cSld>
     <p:spTree>
@@ -17064,10 +21165,10 @@
       </p:grpSpPr>
       <p:pic>
         <p:nvPicPr>
-          <p:cNvPr id="4" name="Picture 2">
+          <p:cNvPr id="1026" name="Picture 2">
             <a:extLst>
               <a:ext uri="{FF2B5EF4-FFF2-40B4-BE49-F238E27FC236}">
-                <a16:creationId xmlns:a16="http://schemas.microsoft.com/office/drawing/2014/main" id="{577E0B18-9366-4AE8-B314-146950823AF9}"/>
+                <a16:creationId xmlns:a16="http://schemas.microsoft.com/office/drawing/2014/main" id="{7123C518-AD77-4FB5-B3C4-BCB839A0D2E1}"/>
               </a:ext>
             </a:extLst>
           </p:cNvPr>
@@ -17076,7 +21177,7 @@
           </p:cNvPicPr>
           <p:nvPr/>
         </p:nvPicPr>
-        <p:blipFill rotWithShape="1">
+        <p:blipFill>
           <a:blip r:embed="rId2">
             <a:extLst>
               <a:ext uri="{28A0092B-C50C-407E-A947-70E740481C1C}">
@@ -17084,13 +21185,15 @@
               </a:ext>
             </a:extLst>
           </a:blip>
-          <a:srcRect t="4867"/>
-          <a:stretch/>
+          <a:srcRect/>
+          <a:stretch>
+            <a:fillRect/>
+          </a:stretch>
         </p:blipFill>
         <p:spPr bwMode="auto">
           <a:xfrm>
-            <a:off x="3840745" y="1543050"/>
-            <a:ext cx="4224652" cy="3598161"/>
+            <a:off x="3098800" y="205333"/>
+            <a:ext cx="5976455" cy="4820442"/>
           </a:xfrm>
           <a:prstGeom prst="rect">
             <a:avLst/>
@@ -17123,7 +21226,12 @@
             <p:ph type="title"/>
           </p:nvPr>
         </p:nvSpPr>
-        <p:spPr/>
+        <p:spPr>
+          <a:xfrm>
+            <a:off x="1303800" y="598575"/>
+            <a:ext cx="2379200" cy="1590000"/>
+          </a:xfrm>
+        </p:spPr>
         <p:txBody>
           <a:bodyPr>
             <a:normAutofit fontScale="90000"/>
@@ -17144,375 +21252,6 @@
           </a:p>
         </p:txBody>
       </p:sp>
-      <p:sp>
-        <p:nvSpPr>
-          <p:cNvPr id="8" name="TextBox 7">
-            <a:extLst>
-              <a:ext uri="{FF2B5EF4-FFF2-40B4-BE49-F238E27FC236}">
-                <a16:creationId xmlns:a16="http://schemas.microsoft.com/office/drawing/2014/main" id="{E4C71649-2B7D-4671-8A4A-1A0563A0B0A2}"/>
-              </a:ext>
-            </a:extLst>
-          </p:cNvPr>
-          <p:cNvSpPr txBox="1"/>
-          <p:nvPr/>
-        </p:nvSpPr>
-        <p:spPr>
-          <a:xfrm>
-            <a:off x="-595311" y="1589608"/>
-            <a:ext cx="4572000" cy="307777"/>
-          </a:xfrm>
-          <a:prstGeom prst="rect">
-            <a:avLst/>
-          </a:prstGeom>
-          <a:noFill/>
-        </p:spPr>
-        <p:txBody>
-          <a:bodyPr wrap="square">
-            <a:spAutoFit/>
-          </a:bodyPr>
-          <a:lstStyle/>
-          <a:p>
-            <a:pPr algn="r"/>
-            <a:r>
-              <a:rPr lang="en-US" dirty="0" err="1"/>
-              <a:t>NumCompaniesWorked</a:t>
-            </a:r>
-            <a:endParaRPr lang="en-US" dirty="0"/>
-          </a:p>
-        </p:txBody>
-      </p:sp>
-      <p:sp>
-        <p:nvSpPr>
-          <p:cNvPr id="10" name="TextBox 9">
-            <a:extLst>
-              <a:ext uri="{FF2B5EF4-FFF2-40B4-BE49-F238E27FC236}">
-                <a16:creationId xmlns:a16="http://schemas.microsoft.com/office/drawing/2014/main" id="{048A0B49-B633-4909-996A-C1F57911DFB8}"/>
-              </a:ext>
-            </a:extLst>
-          </p:cNvPr>
-          <p:cNvSpPr txBox="1"/>
-          <p:nvPr/>
-        </p:nvSpPr>
-        <p:spPr>
-          <a:xfrm>
-            <a:off x="-595311" y="1914992"/>
-            <a:ext cx="4572000" cy="307777"/>
-          </a:xfrm>
-          <a:prstGeom prst="rect">
-            <a:avLst/>
-          </a:prstGeom>
-          <a:noFill/>
-        </p:spPr>
-        <p:txBody>
-          <a:bodyPr wrap="square">
-            <a:spAutoFit/>
-          </a:bodyPr>
-          <a:lstStyle/>
-          <a:p>
-            <a:pPr algn="r"/>
-            <a:r>
-              <a:rPr lang="en-US" dirty="0" err="1"/>
-              <a:t>PercentSalaryHike</a:t>
-            </a:r>
-            <a:endParaRPr lang="en-US" dirty="0"/>
-          </a:p>
-        </p:txBody>
-      </p:sp>
-      <p:sp>
-        <p:nvSpPr>
-          <p:cNvPr id="12" name="TextBox 11">
-            <a:extLst>
-              <a:ext uri="{FF2B5EF4-FFF2-40B4-BE49-F238E27FC236}">
-                <a16:creationId xmlns:a16="http://schemas.microsoft.com/office/drawing/2014/main" id="{03125472-A38E-4D7E-B356-6660D650A652}"/>
-              </a:ext>
-            </a:extLst>
-          </p:cNvPr>
-          <p:cNvSpPr txBox="1"/>
-          <p:nvPr/>
-        </p:nvSpPr>
-        <p:spPr>
-          <a:xfrm>
-            <a:off x="-595311" y="2240376"/>
-            <a:ext cx="4572000" cy="307777"/>
-          </a:xfrm>
-          <a:prstGeom prst="rect">
-            <a:avLst/>
-          </a:prstGeom>
-          <a:noFill/>
-        </p:spPr>
-        <p:txBody>
-          <a:bodyPr wrap="square">
-            <a:spAutoFit/>
-          </a:bodyPr>
-          <a:lstStyle/>
-          <a:p>
-            <a:pPr algn="r"/>
-            <a:r>
-              <a:rPr lang="en-US" dirty="0" err="1"/>
-              <a:t>DistanceFromHome</a:t>
-            </a:r>
-            <a:endParaRPr lang="en-US" dirty="0"/>
-          </a:p>
-        </p:txBody>
-      </p:sp>
-      <p:sp>
-        <p:nvSpPr>
-          <p:cNvPr id="14" name="TextBox 13">
-            <a:extLst>
-              <a:ext uri="{FF2B5EF4-FFF2-40B4-BE49-F238E27FC236}">
-                <a16:creationId xmlns:a16="http://schemas.microsoft.com/office/drawing/2014/main" id="{D1A0F82F-5A86-4C14-8707-638151C478FD}"/>
-              </a:ext>
-            </a:extLst>
-          </p:cNvPr>
-          <p:cNvSpPr txBox="1"/>
-          <p:nvPr/>
-        </p:nvSpPr>
-        <p:spPr>
-          <a:xfrm>
-            <a:off x="-595311" y="2565760"/>
-            <a:ext cx="4572000" cy="307777"/>
-          </a:xfrm>
-          <a:prstGeom prst="rect">
-            <a:avLst/>
-          </a:prstGeom>
-          <a:noFill/>
-        </p:spPr>
-        <p:txBody>
-          <a:bodyPr wrap="square">
-            <a:spAutoFit/>
-          </a:bodyPr>
-          <a:lstStyle/>
-          <a:p>
-            <a:pPr algn="r"/>
-            <a:r>
-              <a:rPr lang="en-US" dirty="0" err="1"/>
-              <a:t>MonthlyRate</a:t>
-            </a:r>
-            <a:endParaRPr lang="en-US" dirty="0"/>
-          </a:p>
-        </p:txBody>
-      </p:sp>
-      <p:sp>
-        <p:nvSpPr>
-          <p:cNvPr id="16" name="TextBox 15">
-            <a:extLst>
-              <a:ext uri="{FF2B5EF4-FFF2-40B4-BE49-F238E27FC236}">
-                <a16:creationId xmlns:a16="http://schemas.microsoft.com/office/drawing/2014/main" id="{F18200CC-DC6E-4D2D-A98F-6432E3C0A848}"/>
-              </a:ext>
-            </a:extLst>
-          </p:cNvPr>
-          <p:cNvSpPr txBox="1"/>
-          <p:nvPr/>
-        </p:nvSpPr>
-        <p:spPr>
-          <a:xfrm>
-            <a:off x="-595311" y="2891144"/>
-            <a:ext cx="4572000" cy="307777"/>
-          </a:xfrm>
-          <a:prstGeom prst="rect">
-            <a:avLst/>
-          </a:prstGeom>
-          <a:noFill/>
-        </p:spPr>
-        <p:txBody>
-          <a:bodyPr wrap="square">
-            <a:spAutoFit/>
-          </a:bodyPr>
-          <a:lstStyle/>
-          <a:p>
-            <a:pPr algn="r"/>
-            <a:r>
-              <a:rPr lang="en-US" dirty="0" err="1"/>
-              <a:t>HourlyRate</a:t>
-            </a:r>
-            <a:endParaRPr lang="en-US" dirty="0"/>
-          </a:p>
-        </p:txBody>
-      </p:sp>
-      <p:sp>
-        <p:nvSpPr>
-          <p:cNvPr id="18" name="TextBox 17">
-            <a:extLst>
-              <a:ext uri="{FF2B5EF4-FFF2-40B4-BE49-F238E27FC236}">
-                <a16:creationId xmlns:a16="http://schemas.microsoft.com/office/drawing/2014/main" id="{77A079BE-167F-4B15-8496-EFCE0A1821E0}"/>
-              </a:ext>
-            </a:extLst>
-          </p:cNvPr>
-          <p:cNvSpPr txBox="1"/>
-          <p:nvPr/>
-        </p:nvSpPr>
-        <p:spPr>
-          <a:xfrm>
-            <a:off x="-595311" y="3216528"/>
-            <a:ext cx="4572000" cy="307777"/>
-          </a:xfrm>
-          <a:prstGeom prst="rect">
-            <a:avLst/>
-          </a:prstGeom>
-          <a:noFill/>
-        </p:spPr>
-        <p:txBody>
-          <a:bodyPr wrap="square">
-            <a:spAutoFit/>
-          </a:bodyPr>
-          <a:lstStyle/>
-          <a:p>
-            <a:pPr algn="r"/>
-            <a:r>
-              <a:rPr lang="en-US" dirty="0" err="1"/>
-              <a:t>DailyRate</a:t>
-            </a:r>
-            <a:endParaRPr lang="en-US" dirty="0"/>
-          </a:p>
-        </p:txBody>
-      </p:sp>
-      <p:sp>
-        <p:nvSpPr>
-          <p:cNvPr id="20" name="TextBox 19">
-            <a:extLst>
-              <a:ext uri="{FF2B5EF4-FFF2-40B4-BE49-F238E27FC236}">
-                <a16:creationId xmlns:a16="http://schemas.microsoft.com/office/drawing/2014/main" id="{DD9CF0E2-DD1A-4204-9615-B806904D39D1}"/>
-              </a:ext>
-            </a:extLst>
-          </p:cNvPr>
-          <p:cNvSpPr txBox="1"/>
-          <p:nvPr/>
-        </p:nvSpPr>
-        <p:spPr>
-          <a:xfrm>
-            <a:off x="-595311" y="3541912"/>
-            <a:ext cx="4572000" cy="307777"/>
-          </a:xfrm>
-          <a:prstGeom prst="rect">
-            <a:avLst/>
-          </a:prstGeom>
-          <a:noFill/>
-        </p:spPr>
-        <p:txBody>
-          <a:bodyPr wrap="square">
-            <a:spAutoFit/>
-          </a:bodyPr>
-          <a:lstStyle/>
-          <a:p>
-            <a:pPr algn="r"/>
-            <a:r>
-              <a:rPr lang="en-US" dirty="0" err="1"/>
-              <a:t>TotalWorkingYears</a:t>
-            </a:r>
-            <a:endParaRPr lang="en-US" dirty="0"/>
-          </a:p>
-        </p:txBody>
-      </p:sp>
-      <p:sp>
-        <p:nvSpPr>
-          <p:cNvPr id="22" name="TextBox 21">
-            <a:extLst>
-              <a:ext uri="{FF2B5EF4-FFF2-40B4-BE49-F238E27FC236}">
-                <a16:creationId xmlns:a16="http://schemas.microsoft.com/office/drawing/2014/main" id="{BAE3456C-A8C5-48A8-9A41-C2CC5EE845B7}"/>
-              </a:ext>
-            </a:extLst>
-          </p:cNvPr>
-          <p:cNvSpPr txBox="1"/>
-          <p:nvPr/>
-        </p:nvSpPr>
-        <p:spPr>
-          <a:xfrm>
-            <a:off x="-595311" y="3867296"/>
-            <a:ext cx="4572000" cy="307777"/>
-          </a:xfrm>
-          <a:prstGeom prst="rect">
-            <a:avLst/>
-          </a:prstGeom>
-          <a:noFill/>
-        </p:spPr>
-        <p:txBody>
-          <a:bodyPr wrap="square">
-            <a:spAutoFit/>
-          </a:bodyPr>
-          <a:lstStyle/>
-          <a:p>
-            <a:pPr algn="r"/>
-            <a:r>
-              <a:rPr lang="en-US" dirty="0" err="1"/>
-              <a:t>YearsAtCompany</a:t>
-            </a:r>
-            <a:endParaRPr lang="en-US" dirty="0"/>
-          </a:p>
-        </p:txBody>
-      </p:sp>
-      <p:sp>
-        <p:nvSpPr>
-          <p:cNvPr id="24" name="TextBox 23">
-            <a:extLst>
-              <a:ext uri="{FF2B5EF4-FFF2-40B4-BE49-F238E27FC236}">
-                <a16:creationId xmlns:a16="http://schemas.microsoft.com/office/drawing/2014/main" id="{63FFFD61-7A3A-41E4-9422-6629DD265965}"/>
-              </a:ext>
-            </a:extLst>
-          </p:cNvPr>
-          <p:cNvSpPr txBox="1"/>
-          <p:nvPr/>
-        </p:nvSpPr>
-        <p:spPr>
-          <a:xfrm>
-            <a:off x="-595311" y="4192680"/>
-            <a:ext cx="4572000" cy="307777"/>
-          </a:xfrm>
-          <a:prstGeom prst="rect">
-            <a:avLst/>
-          </a:prstGeom>
-          <a:noFill/>
-        </p:spPr>
-        <p:txBody>
-          <a:bodyPr wrap="square">
-            <a:spAutoFit/>
-          </a:bodyPr>
-          <a:lstStyle/>
-          <a:p>
-            <a:pPr algn="r"/>
-            <a:r>
-              <a:rPr lang="en-US" dirty="0"/>
-              <a:t>Age</a:t>
-            </a:r>
-          </a:p>
-        </p:txBody>
-      </p:sp>
-      <p:sp>
-        <p:nvSpPr>
-          <p:cNvPr id="28" name="TextBox 27">
-            <a:extLst>
-              <a:ext uri="{FF2B5EF4-FFF2-40B4-BE49-F238E27FC236}">
-                <a16:creationId xmlns:a16="http://schemas.microsoft.com/office/drawing/2014/main" id="{8453C82D-7321-4ECB-A8F9-7A99665E65D4}"/>
-              </a:ext>
-            </a:extLst>
-          </p:cNvPr>
-          <p:cNvSpPr txBox="1"/>
-          <p:nvPr/>
-        </p:nvSpPr>
-        <p:spPr>
-          <a:xfrm>
-            <a:off x="-595311" y="4518062"/>
-            <a:ext cx="4572000" cy="307777"/>
-          </a:xfrm>
-          <a:prstGeom prst="rect">
-            <a:avLst/>
-          </a:prstGeom>
-          <a:noFill/>
-        </p:spPr>
-        <p:txBody>
-          <a:bodyPr wrap="square">
-            <a:spAutoFit/>
-          </a:bodyPr>
-          <a:lstStyle/>
-          <a:p>
-            <a:pPr algn="r"/>
-            <a:r>
-              <a:rPr lang="en-US" dirty="0" err="1"/>
-              <a:t>MonthlyIncome</a:t>
-            </a:r>
-            <a:endParaRPr lang="en-US" dirty="0"/>
-          </a:p>
-        </p:txBody>
-      </p:sp>
     </p:spTree>
     <p:extLst>
       <p:ext uri="{BB962C8B-B14F-4D97-AF65-F5344CB8AC3E}">
@@ -17526,7 +21265,102 @@
 </p:sld>
 </file>
 
-<file path=ppt/slides/slide13.xml><?xml version="1.0" encoding="utf-8"?>
+<file path=ppt/slides/slide14.xml><?xml version="1.0" encoding="utf-8"?>
+<p:sld xmlns:a="http://schemas.openxmlformats.org/drawingml/2006/main" xmlns:r="http://schemas.openxmlformats.org/officeDocument/2006/relationships" xmlns:p="http://schemas.openxmlformats.org/presentationml/2006/main">
+  <p:cSld>
+    <p:spTree>
+      <p:nvGrpSpPr>
+        <p:cNvPr id="1" name=""/>
+        <p:cNvGrpSpPr/>
+        <p:nvPr/>
+      </p:nvGrpSpPr>
+      <p:grpSpPr>
+        <a:xfrm>
+          <a:off x="0" y="0"/>
+          <a:ext cx="0" cy="0"/>
+          <a:chOff x="0" y="0"/>
+          <a:chExt cx="0" cy="0"/>
+        </a:xfrm>
+      </p:grpSpPr>
+      <p:sp>
+        <p:nvSpPr>
+          <p:cNvPr id="2" name="Title 1">
+            <a:extLst>
+              <a:ext uri="{FF2B5EF4-FFF2-40B4-BE49-F238E27FC236}">
+                <a16:creationId xmlns:a16="http://schemas.microsoft.com/office/drawing/2014/main" id="{B8D36673-3479-45EC-87E0-28D0B7ECE709}"/>
+              </a:ext>
+            </a:extLst>
+          </p:cNvPr>
+          <p:cNvSpPr>
+            <a:spLocks noGrp="1"/>
+          </p:cNvSpPr>
+          <p:nvPr>
+            <p:ph type="title"/>
+          </p:nvPr>
+        </p:nvSpPr>
+        <p:spPr>
+          <a:xfrm>
+            <a:off x="1303800" y="598575"/>
+            <a:ext cx="6322550" cy="1590000"/>
+          </a:xfrm>
+        </p:spPr>
+        <p:txBody>
+          <a:bodyPr>
+            <a:normAutofit/>
+          </a:bodyPr>
+          <a:lstStyle/>
+          <a:p>
+            <a:r>
+              <a:rPr lang="en-US" dirty="0"/>
+              <a:t>Logistic Regression Top 10 Features</a:t>
+            </a:r>
+          </a:p>
+        </p:txBody>
+      </p:sp>
+      <p:pic>
+        <p:nvPicPr>
+          <p:cNvPr id="3" name="Picture 2">
+            <a:extLst>
+              <a:ext uri="{FF2B5EF4-FFF2-40B4-BE49-F238E27FC236}">
+                <a16:creationId xmlns:a16="http://schemas.microsoft.com/office/drawing/2014/main" id="{81F99630-ABBA-4BC6-A6DF-B3AAFE4D7F59}"/>
+              </a:ext>
+            </a:extLst>
+          </p:cNvPr>
+          <p:cNvPicPr>
+            <a:picLocks noChangeAspect="1"/>
+          </p:cNvPicPr>
+          <p:nvPr/>
+        </p:nvPicPr>
+        <p:blipFill>
+          <a:blip r:embed="rId2"/>
+          <a:stretch>
+            <a:fillRect/>
+          </a:stretch>
+        </p:blipFill>
+        <p:spPr>
+          <a:xfrm>
+            <a:off x="-668015" y="1822470"/>
+            <a:ext cx="9530075" cy="1851385"/>
+          </a:xfrm>
+          <a:prstGeom prst="rect">
+            <a:avLst/>
+          </a:prstGeom>
+        </p:spPr>
+      </p:pic>
+    </p:spTree>
+    <p:extLst>
+      <p:ext uri="{BB962C8B-B14F-4D97-AF65-F5344CB8AC3E}">
+        <p14:creationId xmlns:p14="http://schemas.microsoft.com/office/powerpoint/2010/main" val="2735038076"/>
+      </p:ext>
+    </p:extLst>
+  </p:cSld>
+  <p:clrMapOvr>
+    <a:masterClrMapping/>
+  </p:clrMapOvr>
+</p:sld>
+</file>
+
+<file path=ppt/slides/slide15.xml><?xml version="1.0" encoding="utf-8"?>
 <p:sld xmlns:a="http://schemas.openxmlformats.org/drawingml/2006/main" xmlns:r="http://schemas.openxmlformats.org/officeDocument/2006/relationships" xmlns:p="http://schemas.openxmlformats.org/presentationml/2006/main">
   <p:cSld>
     <p:spTree>
@@ -17559,15 +21393,26 @@
             <p:ph type="title"/>
           </p:nvPr>
         </p:nvSpPr>
-        <p:spPr/>
+        <p:spPr>
+          <a:xfrm>
+            <a:off x="1303800" y="598575"/>
+            <a:ext cx="3125325" cy="1990200"/>
+          </a:xfrm>
+        </p:spPr>
         <p:txBody>
-          <a:bodyPr/>
+          <a:bodyPr>
+            <a:normAutofit/>
+          </a:bodyPr>
           <a:lstStyle/>
           <a:p>
             <a:r>
               <a:rPr lang="en-US" dirty="0"/>
-              <a:t>Recommendation for Future Analysis</a:t>
+              <a:t>What we would have done differently:</a:t>
             </a:r>
+            <a:br>
+              <a:rPr lang="en-US" dirty="0"/>
+            </a:br>
+            <a:endParaRPr lang="en-US" dirty="0"/>
           </a:p>
         </p:txBody>
       </p:sp>
@@ -17584,19 +21429,33 @@
             <a:spLocks noGrp="1"/>
           </p:cNvSpPr>
           <p:nvPr>
-            <p:ph type="body" idx="1"/>
+            <p:ph type="body" idx="2"/>
           </p:nvPr>
         </p:nvSpPr>
-        <p:spPr/>
+        <p:spPr>
+          <a:xfrm>
+            <a:off x="4981574" y="661000"/>
+            <a:ext cx="3596369" cy="3870600"/>
+          </a:xfrm>
+        </p:spPr>
         <p:txBody>
           <a:bodyPr>
             <a:normAutofit/>
           </a:bodyPr>
           <a:lstStyle/>
           <a:p>
+            <a:pPr marL="146050" indent="0">
+              <a:buNone/>
+            </a:pPr>
+            <a:r>
+              <a:rPr lang="en-US" sz="2000" dirty="0"/>
+              <a:t>Focus on improving model accuracy:</a:t>
+            </a:r>
+          </a:p>
+          <a:p>
             <a:r>
               <a:rPr lang="en-US" sz="1800" dirty="0"/>
-              <a:t>Explore parameter tuning options</a:t>
+              <a:t>Explore additional hyperparameter tuning options</a:t>
             </a:r>
           </a:p>
           <a:p>
@@ -17606,6 +21465,322 @@
             </a:r>
           </a:p>
           <a:p>
+            <a:r>
+              <a:rPr lang="en-US" sz="1800" dirty="0"/>
+              <a:t>Try additional models</a:t>
+            </a:r>
+          </a:p>
+          <a:p>
+            <a:r>
+              <a:rPr lang="en-US" sz="1800" dirty="0"/>
+              <a:t>Play with modifying variables</a:t>
+            </a:r>
+          </a:p>
+          <a:p>
+            <a:r>
+              <a:rPr lang="en-US" sz="1800" dirty="0"/>
+              <a:t>Evaluate neural network </a:t>
+            </a:r>
+          </a:p>
+          <a:p>
+            <a:endParaRPr lang="en-US" sz="1800" dirty="0"/>
+          </a:p>
+        </p:txBody>
+      </p:sp>
+      <p:sp>
+        <p:nvSpPr>
+          <p:cNvPr id="5" name="Title 1">
+            <a:extLst>
+              <a:ext uri="{FF2B5EF4-FFF2-40B4-BE49-F238E27FC236}">
+                <a16:creationId xmlns:a16="http://schemas.microsoft.com/office/drawing/2014/main" id="{A3493499-C713-4E86-ABE2-9798D3ECFE5D}"/>
+              </a:ext>
+            </a:extLst>
+          </p:cNvPr>
+          <p:cNvSpPr txBox="1">
+            <a:spLocks/>
+          </p:cNvSpPr>
+          <p:nvPr/>
+        </p:nvSpPr>
+        <p:spPr>
+          <a:xfrm>
+            <a:off x="1303800" y="2046375"/>
+            <a:ext cx="3125325" cy="1990200"/>
+          </a:xfrm>
+          <a:prstGeom prst="rect">
+            <a:avLst/>
+          </a:prstGeom>
+          <a:noFill/>
+          <a:ln w="9525" cap="flat" cmpd="sng">
+            <a:solidFill>
+              <a:schemeClr val="lt1"/>
+            </a:solidFill>
+            <a:prstDash val="solid"/>
+            <a:round/>
+            <a:headEnd type="none" w="sm" len="sm"/>
+            <a:tailEnd type="none" w="sm" len="sm"/>
+          </a:ln>
+        </p:spPr>
+        <p:txBody>
+          <a:bodyPr spcFirstLastPara="1" wrap="square" lIns="91425" tIns="91425" rIns="91425" bIns="91425" anchor="t" anchorCtr="0">
+            <a:normAutofit/>
+          </a:bodyPr>
+          <a:lstStyle>
+            <a:defPPr marR="0" lvl="0" algn="l" rtl="0">
+              <a:lnSpc>
+                <a:spcPct val="100000"/>
+              </a:lnSpc>
+              <a:spcBef>
+                <a:spcPts val="0"/>
+              </a:spcBef>
+              <a:spcAft>
+                <a:spcPts val="0"/>
+              </a:spcAft>
+            </a:defPPr>
+            <a:lvl1pPr marR="0" lvl="0" algn="l" rtl="0">
+              <a:lnSpc>
+                <a:spcPct val="100000"/>
+              </a:lnSpc>
+              <a:spcBef>
+                <a:spcPts val="0"/>
+              </a:spcBef>
+              <a:spcAft>
+                <a:spcPts val="0"/>
+              </a:spcAft>
+              <a:buClr>
+                <a:schemeClr val="dk2"/>
+              </a:buClr>
+              <a:buSzPts val="2800"/>
+              <a:buFont typeface="Maven Pro"/>
+              <a:buNone/>
+              <a:defRPr sz="2800" b="1" i="0" u="none" strike="noStrike" cap="none">
+                <a:solidFill>
+                  <a:schemeClr val="dk2"/>
+                </a:solidFill>
+                <a:latin typeface="Maven Pro"/>
+                <a:ea typeface="Maven Pro"/>
+                <a:cs typeface="Maven Pro"/>
+                <a:sym typeface="Maven Pro"/>
+              </a:defRPr>
+            </a:lvl1pPr>
+            <a:lvl2pPr marR="0" lvl="1" algn="l" rtl="0">
+              <a:lnSpc>
+                <a:spcPct val="100000"/>
+              </a:lnSpc>
+              <a:spcBef>
+                <a:spcPts val="0"/>
+              </a:spcBef>
+              <a:spcAft>
+                <a:spcPts val="0"/>
+              </a:spcAft>
+              <a:buClr>
+                <a:schemeClr val="dk2"/>
+              </a:buClr>
+              <a:buSzPts val="2800"/>
+              <a:buFont typeface="Maven Pro"/>
+              <a:buNone/>
+              <a:defRPr sz="2800" b="1" i="0" u="none" strike="noStrike" cap="none">
+                <a:solidFill>
+                  <a:schemeClr val="dk2"/>
+                </a:solidFill>
+                <a:latin typeface="Maven Pro"/>
+                <a:ea typeface="Maven Pro"/>
+                <a:cs typeface="Maven Pro"/>
+                <a:sym typeface="Maven Pro"/>
+              </a:defRPr>
+            </a:lvl2pPr>
+            <a:lvl3pPr marR="0" lvl="2" algn="l" rtl="0">
+              <a:lnSpc>
+                <a:spcPct val="100000"/>
+              </a:lnSpc>
+              <a:spcBef>
+                <a:spcPts val="0"/>
+              </a:spcBef>
+              <a:spcAft>
+                <a:spcPts val="0"/>
+              </a:spcAft>
+              <a:buClr>
+                <a:schemeClr val="dk2"/>
+              </a:buClr>
+              <a:buSzPts val="2800"/>
+              <a:buFont typeface="Maven Pro"/>
+              <a:buNone/>
+              <a:defRPr sz="2800" b="1" i="0" u="none" strike="noStrike" cap="none">
+                <a:solidFill>
+                  <a:schemeClr val="dk2"/>
+                </a:solidFill>
+                <a:latin typeface="Maven Pro"/>
+                <a:ea typeface="Maven Pro"/>
+                <a:cs typeface="Maven Pro"/>
+                <a:sym typeface="Maven Pro"/>
+              </a:defRPr>
+            </a:lvl3pPr>
+            <a:lvl4pPr marR="0" lvl="3" algn="l" rtl="0">
+              <a:lnSpc>
+                <a:spcPct val="100000"/>
+              </a:lnSpc>
+              <a:spcBef>
+                <a:spcPts val="0"/>
+              </a:spcBef>
+              <a:spcAft>
+                <a:spcPts val="0"/>
+              </a:spcAft>
+              <a:buClr>
+                <a:schemeClr val="dk2"/>
+              </a:buClr>
+              <a:buSzPts val="2800"/>
+              <a:buFont typeface="Maven Pro"/>
+              <a:buNone/>
+              <a:defRPr sz="2800" b="1" i="0" u="none" strike="noStrike" cap="none">
+                <a:solidFill>
+                  <a:schemeClr val="dk2"/>
+                </a:solidFill>
+                <a:latin typeface="Maven Pro"/>
+                <a:ea typeface="Maven Pro"/>
+                <a:cs typeface="Maven Pro"/>
+                <a:sym typeface="Maven Pro"/>
+              </a:defRPr>
+            </a:lvl4pPr>
+            <a:lvl5pPr marR="0" lvl="4" algn="l" rtl="0">
+              <a:lnSpc>
+                <a:spcPct val="100000"/>
+              </a:lnSpc>
+              <a:spcBef>
+                <a:spcPts val="0"/>
+              </a:spcBef>
+              <a:spcAft>
+                <a:spcPts val="0"/>
+              </a:spcAft>
+              <a:buClr>
+                <a:schemeClr val="dk2"/>
+              </a:buClr>
+              <a:buSzPts val="2800"/>
+              <a:buFont typeface="Maven Pro"/>
+              <a:buNone/>
+              <a:defRPr sz="2800" b="1" i="0" u="none" strike="noStrike" cap="none">
+                <a:solidFill>
+                  <a:schemeClr val="dk2"/>
+                </a:solidFill>
+                <a:latin typeface="Maven Pro"/>
+                <a:ea typeface="Maven Pro"/>
+                <a:cs typeface="Maven Pro"/>
+                <a:sym typeface="Maven Pro"/>
+              </a:defRPr>
+            </a:lvl5pPr>
+            <a:lvl6pPr marR="0" lvl="5" algn="l" rtl="0">
+              <a:lnSpc>
+                <a:spcPct val="100000"/>
+              </a:lnSpc>
+              <a:spcBef>
+                <a:spcPts val="0"/>
+              </a:spcBef>
+              <a:spcAft>
+                <a:spcPts val="0"/>
+              </a:spcAft>
+              <a:buClr>
+                <a:schemeClr val="dk2"/>
+              </a:buClr>
+              <a:buSzPts val="2800"/>
+              <a:buFont typeface="Maven Pro"/>
+              <a:buNone/>
+              <a:defRPr sz="2800" b="1" i="0" u="none" strike="noStrike" cap="none">
+                <a:solidFill>
+                  <a:schemeClr val="dk2"/>
+                </a:solidFill>
+                <a:latin typeface="Maven Pro"/>
+                <a:ea typeface="Maven Pro"/>
+                <a:cs typeface="Maven Pro"/>
+                <a:sym typeface="Maven Pro"/>
+              </a:defRPr>
+            </a:lvl6pPr>
+            <a:lvl7pPr marR="0" lvl="6" algn="l" rtl="0">
+              <a:lnSpc>
+                <a:spcPct val="100000"/>
+              </a:lnSpc>
+              <a:spcBef>
+                <a:spcPts val="0"/>
+              </a:spcBef>
+              <a:spcAft>
+                <a:spcPts val="0"/>
+              </a:spcAft>
+              <a:buClr>
+                <a:schemeClr val="dk2"/>
+              </a:buClr>
+              <a:buSzPts val="2800"/>
+              <a:buFont typeface="Maven Pro"/>
+              <a:buNone/>
+              <a:defRPr sz="2800" b="1" i="0" u="none" strike="noStrike" cap="none">
+                <a:solidFill>
+                  <a:schemeClr val="dk2"/>
+                </a:solidFill>
+                <a:latin typeface="Maven Pro"/>
+                <a:ea typeface="Maven Pro"/>
+                <a:cs typeface="Maven Pro"/>
+                <a:sym typeface="Maven Pro"/>
+              </a:defRPr>
+            </a:lvl7pPr>
+            <a:lvl8pPr marR="0" lvl="7" algn="l" rtl="0">
+              <a:lnSpc>
+                <a:spcPct val="100000"/>
+              </a:lnSpc>
+              <a:spcBef>
+                <a:spcPts val="0"/>
+              </a:spcBef>
+              <a:spcAft>
+                <a:spcPts val="0"/>
+              </a:spcAft>
+              <a:buClr>
+                <a:schemeClr val="dk2"/>
+              </a:buClr>
+              <a:buSzPts val="2800"/>
+              <a:buFont typeface="Maven Pro"/>
+              <a:buNone/>
+              <a:defRPr sz="2800" b="1" i="0" u="none" strike="noStrike" cap="none">
+                <a:solidFill>
+                  <a:schemeClr val="dk2"/>
+                </a:solidFill>
+                <a:latin typeface="Maven Pro"/>
+                <a:ea typeface="Maven Pro"/>
+                <a:cs typeface="Maven Pro"/>
+                <a:sym typeface="Maven Pro"/>
+              </a:defRPr>
+            </a:lvl8pPr>
+            <a:lvl9pPr marR="0" lvl="8" algn="l" rtl="0">
+              <a:lnSpc>
+                <a:spcPct val="100000"/>
+              </a:lnSpc>
+              <a:spcBef>
+                <a:spcPts val="0"/>
+              </a:spcBef>
+              <a:spcAft>
+                <a:spcPts val="0"/>
+              </a:spcAft>
+              <a:buClr>
+                <a:schemeClr val="dk2"/>
+              </a:buClr>
+              <a:buSzPts val="2800"/>
+              <a:buFont typeface="Maven Pro"/>
+              <a:buNone/>
+              <a:defRPr sz="2800" b="1" i="0" u="none" strike="noStrike" cap="none">
+                <a:solidFill>
+                  <a:schemeClr val="dk2"/>
+                </a:solidFill>
+                <a:latin typeface="Maven Pro"/>
+                <a:ea typeface="Maven Pro"/>
+                <a:cs typeface="Maven Pro"/>
+                <a:sym typeface="Maven Pro"/>
+              </a:defRPr>
+            </a:lvl9pPr>
+          </a:lstStyle>
+          <a:p>
+            <a:r>
+              <a:rPr lang="en-US" sz="2000" dirty="0"/>
+              <a:t>Recommendations for Future Analysis</a:t>
+            </a:r>
+          </a:p>
+          <a:p>
+            <a:br>
+              <a:rPr lang="en-US" sz="1800" dirty="0"/>
+            </a:br>
             <a:endParaRPr lang="en-US" sz="1800" dirty="0"/>
           </a:p>
         </p:txBody>
@@ -17623,115 +21798,7 @@
 </p:sld>
 </file>
 
-<file path=ppt/slides/slide14.xml><?xml version="1.0" encoding="utf-8"?>
-<p:sld xmlns:a="http://schemas.openxmlformats.org/drawingml/2006/main" xmlns:r="http://schemas.openxmlformats.org/officeDocument/2006/relationships" xmlns:p="http://schemas.openxmlformats.org/presentationml/2006/main">
-  <p:cSld>
-    <p:spTree>
-      <p:nvGrpSpPr>
-        <p:cNvPr id="1" name=""/>
-        <p:cNvGrpSpPr/>
-        <p:nvPr/>
-      </p:nvGrpSpPr>
-      <p:grpSpPr>
-        <a:xfrm>
-          <a:off x="0" y="0"/>
-          <a:ext cx="0" cy="0"/>
-          <a:chOff x="0" y="0"/>
-          <a:chExt cx="0" cy="0"/>
-        </a:xfrm>
-      </p:grpSpPr>
-      <p:sp>
-        <p:nvSpPr>
-          <p:cNvPr id="2" name="Title 1">
-            <a:extLst>
-              <a:ext uri="{FF2B5EF4-FFF2-40B4-BE49-F238E27FC236}">
-                <a16:creationId xmlns:a16="http://schemas.microsoft.com/office/drawing/2014/main" id="{FB6C3D3E-0437-49B1-9C57-C71422888C11}"/>
-              </a:ext>
-            </a:extLst>
-          </p:cNvPr>
-          <p:cNvSpPr>
-            <a:spLocks noGrp="1"/>
-          </p:cNvSpPr>
-          <p:nvPr>
-            <p:ph type="title"/>
-          </p:nvPr>
-        </p:nvSpPr>
-        <p:spPr/>
-        <p:txBody>
-          <a:bodyPr>
-            <a:noAutofit/>
-          </a:bodyPr>
-          <a:lstStyle/>
-          <a:p>
-            <a:r>
-              <a:rPr lang="en-US" dirty="0"/>
-              <a:t>Anything the team would have done differently?</a:t>
-            </a:r>
-          </a:p>
-        </p:txBody>
-      </p:sp>
-      <p:sp>
-        <p:nvSpPr>
-          <p:cNvPr id="3" name="Text Placeholder 2">
-            <a:extLst>
-              <a:ext uri="{FF2B5EF4-FFF2-40B4-BE49-F238E27FC236}">
-                <a16:creationId xmlns:a16="http://schemas.microsoft.com/office/drawing/2014/main" id="{994AAC1C-DF27-48D7-9CAF-A960B6642EA1}"/>
-              </a:ext>
-            </a:extLst>
-          </p:cNvPr>
-          <p:cNvSpPr>
-            <a:spLocks noGrp="1"/>
-          </p:cNvSpPr>
-          <p:nvPr>
-            <p:ph type="body" idx="1"/>
-          </p:nvPr>
-        </p:nvSpPr>
-        <p:spPr/>
-        <p:txBody>
-          <a:bodyPr>
-            <a:normAutofit/>
-          </a:bodyPr>
-          <a:lstStyle/>
-          <a:p>
-            <a:r>
-              <a:rPr lang="en-US" sz="1800" dirty="0"/>
-              <a:t>Try additional models</a:t>
-            </a:r>
-          </a:p>
-          <a:p>
-            <a:r>
-              <a:rPr lang="en-US" sz="1800" dirty="0"/>
-              <a:t>Explore additional hyperparameter tuning options</a:t>
-            </a:r>
-          </a:p>
-          <a:p>
-            <a:r>
-              <a:rPr lang="en-US" sz="1800" dirty="0"/>
-              <a:t>Play with modifying variables</a:t>
-            </a:r>
-          </a:p>
-          <a:p>
-            <a:endParaRPr lang="en-US" sz="1800" dirty="0"/>
-          </a:p>
-          <a:p>
-            <a:endParaRPr lang="en-US" sz="1800" dirty="0"/>
-          </a:p>
-        </p:txBody>
-      </p:sp>
-    </p:spTree>
-    <p:extLst>
-      <p:ext uri="{BB962C8B-B14F-4D97-AF65-F5344CB8AC3E}">
-        <p14:creationId xmlns:p14="http://schemas.microsoft.com/office/powerpoint/2010/main" val="1748518353"/>
-      </p:ext>
-    </p:extLst>
-  </p:cSld>
-  <p:clrMapOvr>
-    <a:masterClrMapping/>
-  </p:clrMapOvr>
-</p:sld>
-</file>
-
-<file path=ppt/slides/slide15.xml><?xml version="1.0" encoding="utf-8"?>
+<file path=ppt/slides/slide16.xml><?xml version="1.0" encoding="utf-8"?>
 <p:sld xmlns:a="http://schemas.openxmlformats.org/drawingml/2006/main" xmlns:r="http://schemas.openxmlformats.org/officeDocument/2006/relationships" xmlns:p="http://schemas.openxmlformats.org/presentationml/2006/main">
   <p:cSld>
     <p:spTree>
@@ -17783,10 +21850,10 @@
               <a:buNone/>
             </a:pPr>
             <a:r>
-              <a:rPr lang="en"/>
-              <a:t>Dashboard Creation</a:t>
+              <a:rPr lang="en" dirty="0"/>
+              <a:t>Dashboard &amp; Visualizations</a:t>
             </a:r>
-            <a:endParaRPr/>
+            <a:endParaRPr dirty="0"/>
           </a:p>
         </p:txBody>
       </p:sp>
@@ -17854,12 +21921,12 @@
 </p:sld>
 </file>
 
-<file path=ppt/slides/slide16.xml><?xml version="1.0" encoding="utf-8"?>
+<file path=ppt/slides/slide2.xml><?xml version="1.0" encoding="utf-8"?>
 <p:sld xmlns:a="http://schemas.openxmlformats.org/drawingml/2006/main" xmlns:r="http://schemas.openxmlformats.org/officeDocument/2006/relationships" xmlns:p="http://schemas.openxmlformats.org/presentationml/2006/main">
   <p:cSld>
     <p:spTree>
       <p:nvGrpSpPr>
-        <p:cNvPr id="1" name="Shape 324"/>
+        <p:cNvPr id="1" name="Shape 276"/>
         <p:cNvGrpSpPr/>
         <p:nvPr/>
       </p:nvGrpSpPr>
@@ -17873,18 +21940,60 @@
       </p:grpSpPr>
       <p:sp>
         <p:nvSpPr>
-          <p:cNvPr id="325" name="Google Shape;325;p21"/>
+          <p:cNvPr id="277" name="Google Shape;277;p13"/>
           <p:cNvSpPr txBox="1">
             <a:spLocks noGrp="1"/>
           </p:cNvSpPr>
           <p:nvPr>
-            <p:ph type="title"/>
+            <p:ph type="ctrTitle"/>
           </p:nvPr>
         </p:nvSpPr>
         <p:spPr>
           <a:xfrm>
-            <a:off x="1303800" y="598575"/>
-            <a:ext cx="7030500" cy="999300"/>
+            <a:off x="824000" y="1613825"/>
+            <a:ext cx="4830900" cy="1872900"/>
+          </a:xfrm>
+          <a:prstGeom prst="rect">
+            <a:avLst/>
+          </a:prstGeom>
+        </p:spPr>
+        <p:txBody>
+          <a:bodyPr spcFirstLastPara="1" wrap="square" lIns="91425" tIns="91425" rIns="91425" bIns="91425" anchor="ctr" anchorCtr="0">
+            <a:normAutofit/>
+          </a:bodyPr>
+          <a:lstStyle/>
+          <a:p>
+            <a:pPr marL="0" lvl="0" indent="0" algn="l" rtl="0">
+              <a:spcBef>
+                <a:spcPts val="0"/>
+              </a:spcBef>
+              <a:spcAft>
+                <a:spcPts val="0"/>
+              </a:spcAft>
+              <a:buNone/>
+            </a:pPr>
+            <a:r>
+              <a:rPr lang="en" dirty="0"/>
+              <a:t>Employee Attrition</a:t>
+            </a:r>
+            <a:endParaRPr dirty="0"/>
+          </a:p>
+        </p:txBody>
+      </p:sp>
+      <p:sp>
+        <p:nvSpPr>
+          <p:cNvPr id="278" name="Google Shape;278;p13"/>
+          <p:cNvSpPr txBox="1">
+            <a:spLocks noGrp="1"/>
+          </p:cNvSpPr>
+          <p:nvPr>
+            <p:ph type="subTitle" idx="1"/>
+          </p:nvPr>
+        </p:nvSpPr>
+        <p:spPr>
+          <a:xfrm>
+            <a:off x="824000" y="3596300"/>
+            <a:ext cx="4255500" cy="695400"/>
           </a:xfrm>
           <a:prstGeom prst="rect">
             <a:avLst/>
@@ -17905,67 +22014,7 @@
               </a:spcAft>
               <a:buNone/>
             </a:pPr>
-            <a:r>
-              <a:rPr lang="en"/>
-              <a:t>Visualizations</a:t>
-            </a:r>
             <a:endParaRPr/>
-          </a:p>
-        </p:txBody>
-      </p:sp>
-      <p:sp>
-        <p:nvSpPr>
-          <p:cNvPr id="326" name="Google Shape;326;p21"/>
-          <p:cNvSpPr txBox="1">
-            <a:spLocks noGrp="1"/>
-          </p:cNvSpPr>
-          <p:nvPr>
-            <p:ph type="body" idx="1"/>
-          </p:nvPr>
-        </p:nvSpPr>
-        <p:spPr>
-          <a:xfrm>
-            <a:off x="1303800" y="1990050"/>
-            <a:ext cx="7030500" cy="2541600"/>
-          </a:xfrm>
-          <a:prstGeom prst="rect">
-            <a:avLst/>
-          </a:prstGeom>
-        </p:spPr>
-        <p:txBody>
-          <a:bodyPr spcFirstLastPara="1" wrap="square" lIns="91425" tIns="91425" rIns="91425" bIns="91425" anchor="t" anchorCtr="0">
-            <a:normAutofit/>
-          </a:bodyPr>
-          <a:lstStyle/>
-          <a:p>
-            <a:pPr marL="0" lvl="0" indent="0" algn="l" rtl="0">
-              <a:spcBef>
-                <a:spcPts val="0"/>
-              </a:spcBef>
-              <a:spcAft>
-                <a:spcPts val="1200"/>
-              </a:spcAft>
-              <a:buNone/>
-            </a:pPr>
-            <a:r>
-              <a:rPr lang="en-US" dirty="0">
-                <a:hlinkClick r:id="rId3"/>
-              </a:rPr>
-              <a:t>https://public.tableau.com/app/profile/erik.svoboda/viz/EmployeeAttrition_16528352408970/FinalProject?publish=yes</a:t>
-            </a:r>
-            <a:endParaRPr lang="en-US" dirty="0"/>
-          </a:p>
-          <a:p>
-            <a:pPr marL="0" lvl="0" indent="0" algn="l" rtl="0">
-              <a:spcBef>
-                <a:spcPts val="0"/>
-              </a:spcBef>
-              <a:spcAft>
-                <a:spcPts val="1200"/>
-              </a:spcAft>
-              <a:buNone/>
-            </a:pPr>
-            <a:endParaRPr dirty="0"/>
           </a:p>
         </p:txBody>
       </p:sp>
@@ -17977,7 +22026,7 @@
 </p:sld>
 </file>
 
-<file path=ppt/slides/slide2.xml><?xml version="1.0" encoding="utf-8"?>
+<file path=ppt/slides/slide3.xml><?xml version="1.0" encoding="utf-8"?>
 <p:sld xmlns:a="http://schemas.openxmlformats.org/drawingml/2006/main" xmlns:r="http://schemas.openxmlformats.org/officeDocument/2006/relationships" xmlns:p="http://schemas.openxmlformats.org/presentationml/2006/main">
   <p:cSld>
     <p:spTree>
@@ -18005,10 +22054,6 @@
           </p:nvPr>
         </p:nvSpPr>
         <p:spPr>
-          <a:xfrm>
-            <a:off x="1303800" y="598575"/>
-            <a:ext cx="7030500" cy="999300"/>
-          </a:xfrm>
           <a:prstGeom prst="rect">
             <a:avLst/>
           </a:prstGeom>
@@ -18048,10 +22093,6 @@
           </p:nvPr>
         </p:nvSpPr>
         <p:spPr>
-          <a:xfrm>
-            <a:off x="1303800" y="1990050"/>
-            <a:ext cx="7030500" cy="2541600"/>
-          </a:xfrm>
           <a:prstGeom prst="rect">
             <a:avLst/>
           </a:prstGeom>
@@ -18072,30 +22113,108 @@
               <a:buNone/>
             </a:pPr>
             <a:r>
-              <a:rPr lang="en"/>
+              <a:rPr lang="en" sz="1600" dirty="0"/>
               <a:t>With the prevalence of remote work it is easy for employees to change companies. There are many hidden costs of hiring a new employee, which makes turnover very expensive for all companies. </a:t>
             </a:r>
-            <a:endParaRPr/>
+          </a:p>
+        </p:txBody>
+      </p:sp>
+      <p:sp>
+        <p:nvSpPr>
+          <p:cNvPr id="2" name="Text Placeholder 1">
+            <a:extLst>
+              <a:ext uri="{FF2B5EF4-FFF2-40B4-BE49-F238E27FC236}">
+                <a16:creationId xmlns:a16="http://schemas.microsoft.com/office/drawing/2014/main" id="{B994A446-212C-4E18-86EC-EF3D4657EC4E}"/>
+              </a:ext>
+            </a:extLst>
+          </p:cNvPr>
+          <p:cNvSpPr>
+            <a:spLocks noGrp="1"/>
+          </p:cNvSpPr>
+          <p:nvPr>
+            <p:ph type="body" idx="2"/>
+          </p:nvPr>
+        </p:nvSpPr>
+        <p:spPr/>
+        <p:txBody>
+          <a:bodyPr/>
+          <a:lstStyle/>
+          <a:p>
+            <a:pPr marL="0" lvl="0" indent="0" algn="l" rtl="0">
+              <a:spcBef>
+                <a:spcPts val="0"/>
+              </a:spcBef>
+              <a:spcAft>
+                <a:spcPts val="0"/>
+              </a:spcAft>
+              <a:buNone/>
+            </a:pPr>
+            <a:r>
+              <a:rPr lang="en" sz="1400" dirty="0"/>
+              <a:t>Hidden Costs of Attrition</a:t>
+            </a:r>
           </a:p>
           <a:p>
-            <a:pPr marL="0" lvl="0" indent="0" algn="l" rtl="0">
-              <a:spcBef>
-                <a:spcPts val="1200"/>
-              </a:spcBef>
-              <a:spcAft>
-                <a:spcPts val="1200"/>
-              </a:spcAft>
-              <a:buNone/>
-            </a:pPr>
+            <a:pPr marL="285750" indent="-285750"/>
             <a:r>
-              <a:rPr lang="en"/>
-              <a:t>Based on data collected by Human Resources, are we able to predict the factors that cause an employee to leave the company? </a:t>
+              <a:rPr lang="en" sz="1400" dirty="0"/>
+              <a:t>Recruiting</a:t>
             </a:r>
-            <a:endParaRPr/>
+          </a:p>
+          <a:p>
+            <a:pPr marL="285750" indent="-285750"/>
+            <a:r>
+              <a:rPr lang="en" sz="1400" dirty="0"/>
+              <a:t>HR costs</a:t>
+            </a:r>
+          </a:p>
+          <a:p>
+            <a:pPr marL="285750" indent="-285750"/>
+            <a:r>
+              <a:rPr lang="en-US" sz="1400" dirty="0"/>
+              <a:t>B</a:t>
+            </a:r>
+            <a:r>
+              <a:rPr lang="en" sz="1400" dirty="0"/>
+              <a:t>ackground checks</a:t>
+            </a:r>
+          </a:p>
+          <a:p>
+            <a:pPr marL="285750" indent="-285750"/>
+            <a:r>
+              <a:rPr lang="en-US" sz="1400" dirty="0"/>
+              <a:t>L</a:t>
+            </a:r>
+            <a:r>
+              <a:rPr lang="en" sz="1400" dirty="0"/>
+              <a:t>oss of productive hours</a:t>
+            </a:r>
+          </a:p>
+          <a:p>
+            <a:pPr marL="285750" indent="-285750"/>
+            <a:r>
+              <a:rPr lang="en" sz="1400" dirty="0"/>
+              <a:t>Training hours</a:t>
+            </a:r>
+          </a:p>
+          <a:p>
+            <a:pPr marL="285750" indent="-285750"/>
+            <a:r>
+              <a:rPr lang="en" sz="1400" dirty="0"/>
+              <a:t>Costs of benefits packages</a:t>
+            </a:r>
+          </a:p>
+          <a:p>
+            <a:endParaRPr lang="en-US" dirty="0"/>
           </a:p>
         </p:txBody>
       </p:sp>
     </p:spTree>
+    <p:extLst>
+      <p:ext uri="{BB962C8B-B14F-4D97-AF65-F5344CB8AC3E}">
+        <p14:creationId xmlns:p14="http://schemas.microsoft.com/office/powerpoint/2010/main" val="459331957"/>
+      </p:ext>
+    </p:extLst>
   </p:cSld>
   <p:clrMapOvr>
     <a:masterClrMapping/>
@@ -18103,7 +22222,7 @@
 </p:sld>
 </file>
 
-<file path=ppt/slides/slide3.xml><?xml version="1.0" encoding="utf-8"?>
+<file path=ppt/slides/slide4.xml><?xml version="1.0" encoding="utf-8"?>
 <p:sld xmlns:a="http://schemas.openxmlformats.org/drawingml/2006/main" xmlns:r="http://schemas.openxmlformats.org/officeDocument/2006/relationships" xmlns:p="http://schemas.openxmlformats.org/presentationml/2006/main">
   <p:cSld>
     <p:spTree>
@@ -18155,10 +22274,10 @@
               <a:buNone/>
             </a:pPr>
             <a:r>
-              <a:rPr lang="en"/>
-              <a:t>Data and Technologies</a:t>
+              <a:rPr lang="en" dirty="0"/>
+              <a:t>Question and Data</a:t>
             </a:r>
-            <a:endParaRPr/>
+            <a:endParaRPr dirty="0"/>
           </a:p>
         </p:txBody>
       </p:sp>
@@ -18187,20 +22306,41 @@
           </a:bodyPr>
           <a:lstStyle/>
           <a:p>
-            <a:pPr marL="0" lvl="0" indent="0" algn="l" rtl="0">
-              <a:spcBef>
-                <a:spcPts val="0"/>
-              </a:spcBef>
-              <a:spcAft>
-                <a:spcPts val="0"/>
-              </a:spcAft>
+            <a:pPr marL="0" indent="0">
               <a:buNone/>
             </a:pPr>
             <a:r>
-              <a:rPr lang="en" dirty="0"/>
+              <a:rPr lang="en-US" sz="1600" dirty="0"/>
+              <a:t>Based on data collected by Human Resources, are we able to predict the factors that cause an employee to leave the company? </a:t>
+            </a:r>
+          </a:p>
+          <a:p>
+            <a:pPr marL="0" lvl="0" indent="0" algn="l" rtl="0">
+              <a:spcBef>
+                <a:spcPts val="0"/>
+              </a:spcBef>
+              <a:spcAft>
+                <a:spcPts val="0"/>
+              </a:spcAft>
+              <a:buNone/>
+            </a:pPr>
+            <a:endParaRPr lang="en" sz="1600" dirty="0"/>
+          </a:p>
+          <a:p>
+            <a:pPr marL="0" lvl="0" indent="0" algn="l" rtl="0">
+              <a:spcBef>
+                <a:spcPts val="0"/>
+              </a:spcBef>
+              <a:spcAft>
+                <a:spcPts val="0"/>
+              </a:spcAft>
+              <a:buNone/>
+            </a:pPr>
+            <a:r>
+              <a:rPr lang="en" sz="1600" dirty="0"/>
               <a:t>Data Source: IBM Human Resources data collected across the company</a:t>
             </a:r>
-            <a:endParaRPr dirty="0"/>
+            <a:endParaRPr sz="1600" dirty="0"/>
           </a:p>
           <a:p>
             <a:pPr marL="457200" lvl="0" indent="-304800" algn="l" rtl="0">
@@ -18215,7 +22355,7 @@
               <a:buChar char="-"/>
             </a:pPr>
             <a:r>
-              <a:rPr lang="en" sz="1200" dirty="0">
+              <a:rPr lang="en" sz="1600" dirty="0">
                 <a:solidFill>
                   <a:schemeClr val="hlink"/>
                 </a:solidFill>
@@ -18230,7 +22370,20 @@
               </a:rPr>
               <a:t>https://github.com/IBM/employee-attrition-aif360/blob/master/data/emp_attrition.csv</a:t>
             </a:r>
-            <a:endParaRPr dirty="0"/>
+            <a:endParaRPr sz="1600" dirty="0"/>
+          </a:p>
+          <a:p>
+            <a:pPr marL="457200" lvl="0" indent="-311150" algn="l" rtl="0">
+              <a:spcBef>
+                <a:spcPts val="0"/>
+              </a:spcBef>
+              <a:spcAft>
+                <a:spcPts val="0"/>
+              </a:spcAft>
+              <a:buSzPts val="1300"/>
+              <a:buChar char="-"/>
+            </a:pPr>
+            <a:endParaRPr sz="1600" dirty="0"/>
           </a:p>
           <a:p>
             <a:pPr marL="0" lvl="0" indent="0" algn="l" rtl="0">
@@ -18242,127 +22395,7 @@
               </a:spcAft>
               <a:buNone/>
             </a:pPr>
-            <a:r>
-              <a:rPr lang="en" dirty="0"/>
-              <a:t>Technologies used:</a:t>
-            </a:r>
-            <a:endParaRPr dirty="0"/>
-          </a:p>
-          <a:p>
-            <a:pPr lvl="0" indent="-311150" algn="l" rtl="0">
-              <a:spcAft>
-                <a:spcPts val="0"/>
-              </a:spcAft>
-              <a:buSzPts val="1300"/>
-              <a:buChar char="-"/>
-            </a:pPr>
-            <a:r>
-              <a:rPr lang="en" sz="1200" dirty="0"/>
-              <a:t>Jupyter Notebook</a:t>
-            </a:r>
-          </a:p>
-          <a:p>
-            <a:pPr>
-              <a:buFont typeface="Nunito"/>
-              <a:buChar char="-"/>
-            </a:pPr>
-            <a:r>
-              <a:rPr lang="en-US" sz="1200" dirty="0"/>
-              <a:t>Python</a:t>
-            </a:r>
-          </a:p>
-          <a:p>
-            <a:pPr lvl="0" indent="-311150" algn="l" rtl="0">
-              <a:spcAft>
-                <a:spcPts val="0"/>
-              </a:spcAft>
-              <a:buSzPts val="1300"/>
-              <a:buChar char="-"/>
-            </a:pPr>
-            <a:r>
-              <a:rPr lang="en-US" sz="1200" dirty="0"/>
-              <a:t>Pandas</a:t>
-            </a:r>
-          </a:p>
-          <a:p>
-            <a:pPr lvl="0" indent="-311150" algn="l" rtl="0">
-              <a:spcAft>
-                <a:spcPts val="0"/>
-              </a:spcAft>
-              <a:buSzPts val="1300"/>
-              <a:buChar char="-"/>
-            </a:pPr>
-            <a:r>
-              <a:rPr lang="en-US" sz="1200" dirty="0" err="1"/>
-              <a:t>Numpy</a:t>
-            </a:r>
-            <a:r>
-              <a:rPr lang="en-US" sz="1200" dirty="0"/>
-              <a:t> </a:t>
-            </a:r>
-          </a:p>
-          <a:p>
-            <a:pPr lvl="0" indent="-311150" algn="l" rtl="0">
-              <a:spcAft>
-                <a:spcPts val="0"/>
-              </a:spcAft>
-              <a:buSzPts val="1300"/>
-              <a:buChar char="-"/>
-            </a:pPr>
-            <a:r>
-              <a:rPr lang="en-US" sz="1200" dirty="0"/>
-              <a:t>Matplotlib</a:t>
-            </a:r>
-          </a:p>
-          <a:p>
-            <a:pPr lvl="0" indent="-311150" algn="l" rtl="0">
-              <a:spcAft>
-                <a:spcPts val="0"/>
-              </a:spcAft>
-              <a:buSzPts val="1300"/>
-              <a:buChar char="-"/>
-            </a:pPr>
-            <a:r>
-              <a:rPr lang="en-US" sz="1200" dirty="0"/>
-              <a:t>Seaborn </a:t>
-            </a:r>
-            <a:endParaRPr sz="1200" dirty="0"/>
-          </a:p>
-          <a:p>
-            <a:pPr lvl="0" indent="-311150" algn="l" rtl="0">
-              <a:spcAft>
-                <a:spcPts val="0"/>
-              </a:spcAft>
-              <a:buSzPts val="1300"/>
-              <a:buChar char="-"/>
-            </a:pPr>
-            <a:r>
-              <a:rPr lang="en" sz="1200" dirty="0"/>
-              <a:t>Tableau</a:t>
-            </a:r>
-          </a:p>
-          <a:p>
-            <a:pPr>
-              <a:buFont typeface="Nunito"/>
-              <a:buChar char="-"/>
-            </a:pPr>
-            <a:r>
-              <a:rPr lang="en" sz="1200" dirty="0"/>
-              <a:t>PostgreSQL</a:t>
-            </a:r>
-          </a:p>
-          <a:p>
-            <a:pPr marL="457200" lvl="0" indent="-311150" algn="l" rtl="0">
-              <a:spcBef>
-                <a:spcPts val="0"/>
-              </a:spcBef>
-              <a:spcAft>
-                <a:spcPts val="0"/>
-              </a:spcAft>
-              <a:buSzPts val="1300"/>
-              <a:buChar char="-"/>
-            </a:pPr>
-            <a:endParaRPr dirty="0"/>
+            <a:endParaRPr sz="1600" dirty="0"/>
           </a:p>
           <a:p>
             <a:pPr marL="0" lvl="0" indent="0" algn="l" rtl="0">
@@ -18370,23 +22403,11 @@
                 <a:spcPts val="1200"/>
               </a:spcBef>
               <a:spcAft>
-                <a:spcPts val="0"/>
+                <a:spcPts val="1200"/>
               </a:spcAft>
               <a:buNone/>
             </a:pPr>
-            <a:endParaRPr dirty="0"/>
-          </a:p>
-          <a:p>
-            <a:pPr marL="0" lvl="0" indent="0" algn="l" rtl="0">
-              <a:spcBef>
-                <a:spcPts val="1200"/>
-              </a:spcBef>
-              <a:spcAft>
-                <a:spcPts val="1200"/>
-              </a:spcAft>
-              <a:buNone/>
-            </a:pPr>
-            <a:endParaRPr dirty="0"/>
+            <a:endParaRPr sz="1600" dirty="0"/>
           </a:p>
         </p:txBody>
       </p:sp>
@@ -18398,7 +22419,94 @@
 </p:sld>
 </file>
 
-<file path=ppt/slides/slide4.xml><?xml version="1.0" encoding="utf-8"?>
+<file path=ppt/slides/slide5.xml><?xml version="1.0" encoding="utf-8"?>
+<p:sld xmlns:a="http://schemas.openxmlformats.org/drawingml/2006/main" xmlns:r="http://schemas.openxmlformats.org/officeDocument/2006/relationships" xmlns:p="http://schemas.openxmlformats.org/presentationml/2006/main">
+  <p:cSld>
+    <p:spTree>
+      <p:nvGrpSpPr>
+        <p:cNvPr id="1" name=""/>
+        <p:cNvGrpSpPr/>
+        <p:nvPr/>
+      </p:nvGrpSpPr>
+      <p:grpSpPr>
+        <a:xfrm>
+          <a:off x="0" y="0"/>
+          <a:ext cx="0" cy="0"/>
+          <a:chOff x="0" y="0"/>
+          <a:chExt cx="0" cy="0"/>
+        </a:xfrm>
+      </p:grpSpPr>
+      <p:sp>
+        <p:nvSpPr>
+          <p:cNvPr id="2" name="Title 1">
+            <a:extLst>
+              <a:ext uri="{FF2B5EF4-FFF2-40B4-BE49-F238E27FC236}">
+                <a16:creationId xmlns:a16="http://schemas.microsoft.com/office/drawing/2014/main" id="{67F1D893-2AFC-4357-8F05-B9F18141A240}"/>
+              </a:ext>
+            </a:extLst>
+          </p:cNvPr>
+          <p:cNvSpPr>
+            <a:spLocks noGrp="1"/>
+          </p:cNvSpPr>
+          <p:nvPr>
+            <p:ph type="title"/>
+          </p:nvPr>
+        </p:nvSpPr>
+        <p:spPr/>
+        <p:txBody>
+          <a:bodyPr/>
+          <a:lstStyle/>
+          <a:p>
+            <a:r>
+              <a:rPr lang="en-US" sz="2800" dirty="0"/>
+              <a:t>Technologies Used</a:t>
+            </a:r>
+            <a:endParaRPr lang="en-US" dirty="0"/>
+          </a:p>
+        </p:txBody>
+      </p:sp>
+      <p:graphicFrame>
+        <p:nvGraphicFramePr>
+          <p:cNvPr id="4" name="Diagram 3">
+            <a:extLst>
+              <a:ext uri="{FF2B5EF4-FFF2-40B4-BE49-F238E27FC236}">
+                <a16:creationId xmlns:a16="http://schemas.microsoft.com/office/drawing/2014/main" id="{114111F3-7817-44FF-9057-B7992D7B7611}"/>
+              </a:ext>
+            </a:extLst>
+          </p:cNvPr>
+          <p:cNvGraphicFramePr/>
+          <p:nvPr>
+            <p:extLst>
+              <p:ext uri="{D42A27DB-BD31-4B8C-83A1-F6EECF244321}">
+                <p14:modId xmlns:p14="http://schemas.microsoft.com/office/powerpoint/2010/main" val="3810052545"/>
+              </p:ext>
+            </p:extLst>
+          </p:nvPr>
+        </p:nvGraphicFramePr>
+        <p:xfrm>
+          <a:off x="191029" y="1438217"/>
+          <a:ext cx="8761941" cy="3366011"/>
+        </p:xfrm>
+        <a:graphic>
+          <a:graphicData uri="http://schemas.openxmlformats.org/drawingml/2006/diagram">
+            <dgm:relIds xmlns:dgm="http://schemas.openxmlformats.org/drawingml/2006/diagram" xmlns:r="http://schemas.openxmlformats.org/officeDocument/2006/relationships" r:dm="rId2" r:lo="rId3" r:qs="rId4" r:cs="rId5"/>
+          </a:graphicData>
+        </a:graphic>
+      </p:graphicFrame>
+    </p:spTree>
+    <p:extLst>
+      <p:ext uri="{BB962C8B-B14F-4D97-AF65-F5344CB8AC3E}">
+        <p14:creationId xmlns:p14="http://schemas.microsoft.com/office/powerpoint/2010/main" val="1367575339"/>
+      </p:ext>
+    </p:extLst>
+  </p:cSld>
+  <p:clrMapOvr>
+    <a:masterClrMapping/>
+  </p:clrMapOvr>
+</p:sld>
+</file>
+
+<file path=ppt/slides/slide6.xml><?xml version="1.0" encoding="utf-8"?>
 <p:sld xmlns:a="http://schemas.openxmlformats.org/drawingml/2006/main" xmlns:r="http://schemas.openxmlformats.org/officeDocument/2006/relationships" xmlns:p="http://schemas.openxmlformats.org/presentationml/2006/main">
   <p:cSld>
     <p:spTree>
@@ -18511,7 +22619,7 @@
 </p:sld>
 </file>
 
-<file path=ppt/slides/slide5.xml><?xml version="1.0" encoding="utf-8"?>
+<file path=ppt/slides/slide7.xml><?xml version="1.0" encoding="utf-8"?>
 <p:sld xmlns:a="http://schemas.openxmlformats.org/drawingml/2006/main" xmlns:r="http://schemas.openxmlformats.org/officeDocument/2006/relationships" xmlns:p="http://schemas.openxmlformats.org/presentationml/2006/main">
   <p:cSld>
     <p:spTree>
@@ -18706,7 +22814,7 @@
 </p:sld>
 </file>
 
-<file path=ppt/slides/slide6.xml><?xml version="1.0" encoding="utf-8"?>
+<file path=ppt/slides/slide8.xml><?xml version="1.0" encoding="utf-8"?>
 <p:sld xmlns:a="http://schemas.openxmlformats.org/drawingml/2006/main" xmlns:r="http://schemas.openxmlformats.org/officeDocument/2006/relationships" xmlns:p="http://schemas.openxmlformats.org/presentationml/2006/main">
   <p:cSld>
     <p:spTree>
@@ -18856,7 +22964,7 @@
 </p:sld>
 </file>
 
-<file path=ppt/slides/slide7.xml><?xml version="1.0" encoding="utf-8"?>
+<file path=ppt/slides/slide9.xml><?xml version="1.0" encoding="utf-8"?>
 <p:sld xmlns:a="http://schemas.openxmlformats.org/drawingml/2006/main" xmlns:r="http://schemas.openxmlformats.org/officeDocument/2006/relationships" xmlns:p="http://schemas.openxmlformats.org/presentationml/2006/main">
   <p:cSld>
     <p:spTree>
@@ -19015,311 +23123,6 @@
     <p:extLst>
       <p:ext uri="{BB962C8B-B14F-4D97-AF65-F5344CB8AC3E}">
         <p14:creationId xmlns:p14="http://schemas.microsoft.com/office/powerpoint/2010/main" val="379423037"/>
-      </p:ext>
-    </p:extLst>
-  </p:cSld>
-  <p:clrMapOvr>
-    <a:masterClrMapping/>
-  </p:clrMapOvr>
-</p:sld>
-</file>
-
-<file path=ppt/slides/slide8.xml><?xml version="1.0" encoding="utf-8"?>
-<p:sld xmlns:a="http://schemas.openxmlformats.org/drawingml/2006/main" xmlns:r="http://schemas.openxmlformats.org/officeDocument/2006/relationships" xmlns:p="http://schemas.openxmlformats.org/presentationml/2006/main">
-  <p:cSld>
-    <p:spTree>
-      <p:nvGrpSpPr>
-        <p:cNvPr id="1" name=""/>
-        <p:cNvGrpSpPr/>
-        <p:nvPr/>
-      </p:nvGrpSpPr>
-      <p:grpSpPr>
-        <a:xfrm>
-          <a:off x="0" y="0"/>
-          <a:ext cx="0" cy="0"/>
-          <a:chOff x="0" y="0"/>
-          <a:chExt cx="0" cy="0"/>
-        </a:xfrm>
-      </p:grpSpPr>
-      <p:sp>
-        <p:nvSpPr>
-          <p:cNvPr id="2" name="Title 1">
-            <a:extLst>
-              <a:ext uri="{FF2B5EF4-FFF2-40B4-BE49-F238E27FC236}">
-                <a16:creationId xmlns:a16="http://schemas.microsoft.com/office/drawing/2014/main" id="{B8D36673-3479-45EC-87E0-28D0B7ECE709}"/>
-              </a:ext>
-            </a:extLst>
-          </p:cNvPr>
-          <p:cNvSpPr>
-            <a:spLocks noGrp="1"/>
-          </p:cNvSpPr>
-          <p:nvPr>
-            <p:ph type="title"/>
-          </p:nvPr>
-        </p:nvSpPr>
-        <p:spPr/>
-        <p:txBody>
-          <a:bodyPr/>
-          <a:lstStyle/>
-          <a:p>
-            <a:r>
-              <a:rPr lang="en-US" dirty="0"/>
-              <a:t>Preliminary Feature Selection</a:t>
-            </a:r>
-          </a:p>
-        </p:txBody>
-      </p:sp>
-      <p:sp>
-        <p:nvSpPr>
-          <p:cNvPr id="3" name="Text Placeholder 2">
-            <a:extLst>
-              <a:ext uri="{FF2B5EF4-FFF2-40B4-BE49-F238E27FC236}">
-                <a16:creationId xmlns:a16="http://schemas.microsoft.com/office/drawing/2014/main" id="{827E25CA-4FF6-4BF4-A398-2DA766940524}"/>
-              </a:ext>
-            </a:extLst>
-          </p:cNvPr>
-          <p:cNvSpPr>
-            <a:spLocks noGrp="1"/>
-          </p:cNvSpPr>
-          <p:nvPr>
-            <p:ph type="body" idx="1"/>
-          </p:nvPr>
-        </p:nvSpPr>
-        <p:spPr/>
-        <p:txBody>
-          <a:bodyPr>
-            <a:normAutofit/>
-          </a:bodyPr>
-          <a:lstStyle/>
-          <a:p>
-            <a:r>
-              <a:rPr lang="en-US" sz="1400" dirty="0"/>
-              <a:t>Eliminate columns that are not useful: 4 columns dropped</a:t>
-            </a:r>
-          </a:p>
-          <a:p>
-            <a:pPr lvl="1"/>
-            <a:r>
-              <a:rPr lang="en-US" sz="1200" dirty="0"/>
-              <a:t>ID numbers</a:t>
-            </a:r>
-          </a:p>
-          <a:p>
-            <a:pPr lvl="1"/>
-            <a:r>
-              <a:rPr lang="en-US" sz="1200" dirty="0"/>
-              <a:t>Columns with 1 unique value</a:t>
-            </a:r>
-          </a:p>
-        </p:txBody>
-      </p:sp>
-    </p:spTree>
-    <p:extLst>
-      <p:ext uri="{BB962C8B-B14F-4D97-AF65-F5344CB8AC3E}">
-        <p14:creationId xmlns:p14="http://schemas.microsoft.com/office/powerpoint/2010/main" val="3692123054"/>
-      </p:ext>
-    </p:extLst>
-  </p:cSld>
-  <p:clrMapOvr>
-    <a:masterClrMapping/>
-  </p:clrMapOvr>
-</p:sld>
-</file>
-
-<file path=ppt/slides/slide9.xml><?xml version="1.0" encoding="utf-8"?>
-<p:sld xmlns:a="http://schemas.openxmlformats.org/drawingml/2006/main" xmlns:r="http://schemas.openxmlformats.org/officeDocument/2006/relationships" xmlns:p="http://schemas.openxmlformats.org/presentationml/2006/main">
-  <p:cSld>
-    <p:spTree>
-      <p:nvGrpSpPr>
-        <p:cNvPr id="1" name="Shape 300"/>
-        <p:cNvGrpSpPr/>
-        <p:nvPr/>
-      </p:nvGrpSpPr>
-      <p:grpSpPr>
-        <a:xfrm>
-          <a:off x="0" y="0"/>
-          <a:ext cx="0" cy="0"/>
-          <a:chOff x="0" y="0"/>
-          <a:chExt cx="0" cy="0"/>
-        </a:xfrm>
-      </p:grpSpPr>
-      <p:sp>
-        <p:nvSpPr>
-          <p:cNvPr id="301" name="Google Shape;301;p17"/>
-          <p:cNvSpPr txBox="1">
-            <a:spLocks noGrp="1"/>
-          </p:cNvSpPr>
-          <p:nvPr>
-            <p:ph type="title"/>
-          </p:nvPr>
-        </p:nvSpPr>
-        <p:spPr>
-          <a:xfrm>
-            <a:off x="1303800" y="598575"/>
-            <a:ext cx="7030500" cy="999300"/>
-          </a:xfrm>
-          <a:prstGeom prst="rect">
-            <a:avLst/>
-          </a:prstGeom>
-        </p:spPr>
-        <p:txBody>
-          <a:bodyPr spcFirstLastPara="1" wrap="square" lIns="91425" tIns="91425" rIns="91425" bIns="91425" anchor="t" anchorCtr="0">
-            <a:normAutofit/>
-          </a:bodyPr>
-          <a:lstStyle/>
-          <a:p>
-            <a:pPr marL="0" lvl="0" indent="0" algn="l" rtl="0">
-              <a:spcBef>
-                <a:spcPts val="0"/>
-              </a:spcBef>
-              <a:spcAft>
-                <a:spcPts val="0"/>
-              </a:spcAft>
-              <a:buNone/>
-            </a:pPr>
-            <a:r>
-              <a:rPr lang="en"/>
-              <a:t>Data Processing</a:t>
-            </a:r>
-            <a:endParaRPr/>
-          </a:p>
-        </p:txBody>
-      </p:sp>
-      <p:sp>
-        <p:nvSpPr>
-          <p:cNvPr id="302" name="Google Shape;302;p17"/>
-          <p:cNvSpPr txBox="1">
-            <a:spLocks noGrp="1"/>
-          </p:cNvSpPr>
-          <p:nvPr>
-            <p:ph type="body" idx="1"/>
-          </p:nvPr>
-        </p:nvSpPr>
-        <p:spPr>
-          <a:xfrm>
-            <a:off x="1303800" y="1990050"/>
-            <a:ext cx="7030500" cy="2541600"/>
-          </a:xfrm>
-          <a:prstGeom prst="rect">
-            <a:avLst/>
-          </a:prstGeom>
-        </p:spPr>
-        <p:txBody>
-          <a:bodyPr spcFirstLastPara="1" wrap="square" lIns="91425" tIns="91425" rIns="91425" bIns="91425" anchor="t" anchorCtr="0">
-            <a:normAutofit/>
-          </a:bodyPr>
-          <a:lstStyle/>
-          <a:p>
-            <a:pPr marL="285750" indent="-285750">
-              <a:spcAft>
-                <a:spcPts val="1200"/>
-              </a:spcAft>
-            </a:pPr>
-            <a:r>
-              <a:rPr lang="en-US" dirty="0"/>
-              <a:t>Transform categorical columns using </a:t>
-            </a:r>
-            <a:r>
-              <a:rPr lang="en-US" dirty="0" err="1"/>
-              <a:t>OneHotEncoder</a:t>
-            </a:r>
-            <a:endParaRPr lang="en-US" dirty="0"/>
-          </a:p>
-          <a:p>
-            <a:pPr marL="742950" lvl="1" indent="-285750">
-              <a:spcAft>
-                <a:spcPts val="1200"/>
-              </a:spcAft>
-            </a:pPr>
-            <a:r>
-              <a:rPr lang="en-US" dirty="0"/>
-              <a:t>8 of 33 columns transformed</a:t>
-            </a:r>
-          </a:p>
-          <a:p>
-            <a:pPr marL="285750" indent="-285750">
-              <a:spcAft>
-                <a:spcPts val="1200"/>
-              </a:spcAft>
-            </a:pPr>
-            <a:r>
-              <a:rPr lang="en-US" dirty="0"/>
-              <a:t>Split data into feature &amp; target</a:t>
-            </a:r>
-          </a:p>
-          <a:p>
-            <a:pPr marL="742950" lvl="1" indent="-285750">
-              <a:spcAft>
-                <a:spcPts val="1200"/>
-              </a:spcAft>
-            </a:pPr>
-            <a:r>
-              <a:rPr lang="en-US" dirty="0"/>
-              <a:t>Target: ‘</a:t>
-            </a:r>
-            <a:r>
-              <a:rPr lang="en-US" dirty="0" err="1"/>
-              <a:t>Attrition_Yes</a:t>
-            </a:r>
-            <a:r>
-              <a:rPr lang="en-US" dirty="0"/>
-              <a:t>’</a:t>
-            </a:r>
-          </a:p>
-          <a:p>
-            <a:pPr marL="742950" lvl="1" indent="-285750">
-              <a:spcAft>
-                <a:spcPts val="1200"/>
-              </a:spcAft>
-            </a:pPr>
-            <a:r>
-              <a:rPr lang="en-US" dirty="0"/>
-              <a:t>Split using </a:t>
-            </a:r>
-            <a:r>
-              <a:rPr lang="en-US" dirty="0" err="1"/>
-              <a:t>train_test_split</a:t>
-            </a:r>
-            <a:endParaRPr lang="en-US" dirty="0"/>
-          </a:p>
-          <a:p>
-            <a:pPr marL="285750" indent="-285750">
-              <a:spcAft>
-                <a:spcPts val="1200"/>
-              </a:spcAft>
-            </a:pPr>
-            <a:r>
-              <a:rPr lang="en-US" dirty="0"/>
-              <a:t>Scaling: </a:t>
-            </a:r>
-            <a:r>
-              <a:rPr lang="en-US" dirty="0" err="1"/>
-              <a:t>StandardScaler</a:t>
-            </a:r>
-            <a:endParaRPr lang="en-US" dirty="0"/>
-          </a:p>
-          <a:p>
-            <a:pPr marL="285750" indent="-285750">
-              <a:spcAft>
-                <a:spcPts val="1200"/>
-              </a:spcAft>
-            </a:pPr>
-            <a:endParaRPr lang="en-US" dirty="0"/>
-          </a:p>
-          <a:p>
-            <a:pPr marL="742950" lvl="1" indent="-285750">
-              <a:spcAft>
-                <a:spcPts val="1200"/>
-              </a:spcAft>
-            </a:pPr>
-            <a:endParaRPr dirty="0"/>
-          </a:p>
-        </p:txBody>
-      </p:sp>
-    </p:spTree>
-    <p:extLst>
-      <p:ext uri="{BB962C8B-B14F-4D97-AF65-F5344CB8AC3E}">
-        <p14:creationId xmlns:p14="http://schemas.microsoft.com/office/powerpoint/2010/main" val="1012585142"/>
       </p:ext>
     </p:extLst>
   </p:cSld>

--- a/Presentation/Final Project Presentation.pptx
+++ b/Presentation/Final Project Presentation.pptx
@@ -18768,190 +18768,6 @@
       </p:grpSpPr>
       <p:sp>
         <p:nvSpPr>
-          <p:cNvPr id="3" name="Text Placeholder 2">
-            <a:extLst>
-              <a:ext uri="{FF2B5EF4-FFF2-40B4-BE49-F238E27FC236}">
-                <a16:creationId xmlns:a16="http://schemas.microsoft.com/office/drawing/2014/main" id="{A4A900CD-3895-45D9-98FC-0B57BF40EE80}"/>
-              </a:ext>
-            </a:extLst>
-          </p:cNvPr>
-          <p:cNvSpPr>
-            <a:spLocks noGrp="1"/>
-          </p:cNvSpPr>
-          <p:nvPr>
-            <p:ph type="body" idx="4294967295"/>
-          </p:nvPr>
-        </p:nvSpPr>
-        <p:spPr>
-          <a:xfrm>
-            <a:off x="0" y="249352"/>
-            <a:ext cx="2873829" cy="4758643"/>
-          </a:xfrm>
-        </p:spPr>
-        <p:txBody>
-          <a:bodyPr>
-            <a:normAutofit/>
-          </a:bodyPr>
-          <a:lstStyle/>
-          <a:p>
-            <a:pPr marL="146050" indent="0">
-              <a:buNone/>
-            </a:pPr>
-            <a:r>
-              <a:rPr lang="en-US" b="1" dirty="0"/>
-              <a:t>1. Ron &amp; MeLea do </a:t>
-            </a:r>
-            <a:r>
-              <a:rPr lang="en-US" b="1" dirty="0" err="1"/>
-              <a:t>powerpoint</a:t>
-            </a:r>
-            <a:r>
-              <a:rPr lang="en-US" b="1" dirty="0"/>
-              <a:t>, Erik, Priya &amp; Reilly do visualizations &amp; demos</a:t>
-            </a:r>
-          </a:p>
-          <a:p>
-            <a:pPr marL="146050" indent="0">
-              <a:buNone/>
-            </a:pPr>
-            <a:endParaRPr lang="en-US" b="1" dirty="0"/>
-          </a:p>
-          <a:p>
-            <a:pPr marL="146050" indent="0">
-              <a:buNone/>
-            </a:pPr>
-            <a:r>
-              <a:rPr lang="en-US" b="1" dirty="0"/>
-              <a:t>Ron</a:t>
-            </a:r>
-          </a:p>
-          <a:p>
-            <a:pPr marL="146050" indent="0">
-              <a:buNone/>
-            </a:pPr>
-            <a:r>
-              <a:rPr lang="en-US" dirty="0"/>
-              <a:t>Intro: 1-4</a:t>
-            </a:r>
-          </a:p>
-          <a:p>
-            <a:pPr marL="146050" indent="0">
-              <a:buNone/>
-            </a:pPr>
-            <a:r>
-              <a:rPr lang="en-US" dirty="0"/>
-              <a:t>Database: 5</a:t>
-            </a:r>
-          </a:p>
-          <a:p>
-            <a:pPr marL="146050" indent="0">
-              <a:buNone/>
-            </a:pPr>
-            <a:r>
-              <a:rPr lang="en-US" dirty="0"/>
-              <a:t>Data exploration: 6-8</a:t>
-            </a:r>
-          </a:p>
-          <a:p>
-            <a:pPr marL="146050" indent="0">
-              <a:buNone/>
-            </a:pPr>
-            <a:r>
-              <a:rPr lang="en-US" b="1" dirty="0"/>
-              <a:t>MeLea</a:t>
-            </a:r>
-          </a:p>
-          <a:p>
-            <a:pPr marL="146050" indent="0">
-              <a:buNone/>
-            </a:pPr>
-            <a:r>
-              <a:rPr lang="en-US" dirty="0"/>
-              <a:t>Prelim feature selection: 9</a:t>
-            </a:r>
-          </a:p>
-          <a:p>
-            <a:pPr marL="146050" indent="0">
-              <a:buNone/>
-            </a:pPr>
-            <a:r>
-              <a:rPr lang="en-US" dirty="0"/>
-              <a:t>Data Processing: 10</a:t>
-            </a:r>
-          </a:p>
-          <a:p>
-            <a:pPr marL="146050" indent="0">
-              <a:buNone/>
-            </a:pPr>
-            <a:r>
-              <a:rPr lang="en-US" dirty="0"/>
-              <a:t>Model Performance: 11</a:t>
-            </a:r>
-          </a:p>
-          <a:p>
-            <a:pPr marL="146050" indent="0">
-              <a:buNone/>
-            </a:pPr>
-            <a:r>
-              <a:rPr lang="en-US" dirty="0"/>
-              <a:t>Feature Importance: 12-13</a:t>
-            </a:r>
-          </a:p>
-          <a:p>
-            <a:pPr marL="146050" indent="0">
-              <a:buNone/>
-            </a:pPr>
-            <a:r>
-              <a:rPr lang="en-US" dirty="0"/>
-              <a:t>Project Eval/takeaways: 15</a:t>
-            </a:r>
-          </a:p>
-          <a:p>
-            <a:pPr marL="146050" indent="0">
-              <a:buNone/>
-            </a:pPr>
-            <a:r>
-              <a:rPr lang="en-US" b="1" dirty="0"/>
-              <a:t>Priya</a:t>
-            </a:r>
-          </a:p>
-          <a:p>
-            <a:pPr marL="146050" indent="0">
-              <a:buNone/>
-            </a:pPr>
-            <a:r>
-              <a:rPr lang="en-US" dirty="0"/>
-              <a:t>Dashboard demo</a:t>
-            </a:r>
-          </a:p>
-          <a:p>
-            <a:pPr marL="146050" indent="0">
-              <a:buNone/>
-            </a:pPr>
-            <a:r>
-              <a:rPr lang="en-US" b="1" dirty="0"/>
-              <a:t>Erik &amp; Reilly</a:t>
-            </a:r>
-          </a:p>
-          <a:p>
-            <a:pPr marL="146050" indent="0">
-              <a:buNone/>
-            </a:pPr>
-            <a:r>
-              <a:rPr lang="en-US" dirty="0"/>
-              <a:t>Visualizations</a:t>
-            </a:r>
-          </a:p>
-          <a:p>
-            <a:pPr marL="146050" indent="0">
-              <a:buNone/>
-            </a:pPr>
-            <a:endParaRPr lang="en-US" dirty="0"/>
-          </a:p>
-        </p:txBody>
-      </p:sp>
-      <p:sp>
-        <p:nvSpPr>
           <p:cNvPr id="4" name="Text Placeholder 2">
             <a:extLst>
               <a:ext uri="{FF2B5EF4-FFF2-40B4-BE49-F238E27FC236}">
@@ -18966,8 +18782,8 @@
         </p:nvSpPr>
         <p:spPr>
           <a:xfrm>
-            <a:off x="3222786" y="249352"/>
-            <a:ext cx="2423272" cy="4963928"/>
+            <a:off x="273108" y="237553"/>
+            <a:ext cx="3573271" cy="4963928"/>
           </a:xfrm>
           <a:prstGeom prst="rect">
             <a:avLst/>
@@ -19388,466 +19204,6 @@
             <a:r>
               <a:rPr lang="en-US" b="1" dirty="0"/>
               <a:t>Erik</a:t>
-            </a:r>
-          </a:p>
-          <a:p>
-            <a:pPr marL="146050" indent="0">
-              <a:buFont typeface="Nunito"/>
-              <a:buNone/>
-            </a:pPr>
-            <a:r>
-              <a:rPr lang="en-US" dirty="0"/>
-              <a:t>Visualizations</a:t>
-            </a:r>
-          </a:p>
-          <a:p>
-            <a:pPr marL="146050" indent="0">
-              <a:buFont typeface="Nunito"/>
-              <a:buNone/>
-            </a:pPr>
-            <a:endParaRPr lang="en-US" dirty="0"/>
-          </a:p>
-        </p:txBody>
-      </p:sp>
-      <p:sp>
-        <p:nvSpPr>
-          <p:cNvPr id="5" name="Text Placeholder 2">
-            <a:extLst>
-              <a:ext uri="{FF2B5EF4-FFF2-40B4-BE49-F238E27FC236}">
-                <a16:creationId xmlns:a16="http://schemas.microsoft.com/office/drawing/2014/main" id="{F150D0C7-2F8E-4E1B-80D9-87BB1BC9624E}"/>
-              </a:ext>
-            </a:extLst>
-          </p:cNvPr>
-          <p:cNvSpPr txBox="1">
-            <a:spLocks/>
-          </p:cNvSpPr>
-          <p:nvPr/>
-        </p:nvSpPr>
-        <p:spPr>
-          <a:xfrm>
-            <a:off x="6270173" y="251393"/>
-            <a:ext cx="2423272" cy="4963928"/>
-          </a:xfrm>
-          <a:prstGeom prst="rect">
-            <a:avLst/>
-          </a:prstGeom>
-          <a:noFill/>
-          <a:ln>
-            <a:noFill/>
-          </a:ln>
-        </p:spPr>
-        <p:txBody>
-          <a:bodyPr spcFirstLastPara="1" wrap="square" lIns="91425" tIns="91425" rIns="91425" bIns="91425" anchor="t" anchorCtr="0">
-            <a:normAutofit/>
-          </a:bodyPr>
-          <a:lstStyle>
-            <a:defPPr marR="0" lvl="0" algn="l" rtl="0">
-              <a:lnSpc>
-                <a:spcPct val="100000"/>
-              </a:lnSpc>
-              <a:spcBef>
-                <a:spcPts val="0"/>
-              </a:spcBef>
-              <a:spcAft>
-                <a:spcPts val="0"/>
-              </a:spcAft>
-            </a:defPPr>
-            <a:lvl1pPr marL="457200" marR="0" lvl="0" indent="-311150" algn="l" rtl="0">
-              <a:lnSpc>
-                <a:spcPct val="115000"/>
-              </a:lnSpc>
-              <a:spcBef>
-                <a:spcPts val="0"/>
-              </a:spcBef>
-              <a:spcAft>
-                <a:spcPts val="0"/>
-              </a:spcAft>
-              <a:buClr>
-                <a:schemeClr val="dk2"/>
-              </a:buClr>
-              <a:buSzPts val="1300"/>
-              <a:buFont typeface="Nunito"/>
-              <a:buChar char="●"/>
-              <a:defRPr sz="1300" b="0" i="0" u="none" strike="noStrike" cap="none">
-                <a:solidFill>
-                  <a:schemeClr val="dk2"/>
-                </a:solidFill>
-                <a:latin typeface="Nunito"/>
-                <a:ea typeface="Nunito"/>
-                <a:cs typeface="Nunito"/>
-                <a:sym typeface="Nunito"/>
-              </a:defRPr>
-            </a:lvl1pPr>
-            <a:lvl2pPr marL="914400" marR="0" lvl="1" indent="-298450" algn="l" rtl="0">
-              <a:lnSpc>
-                <a:spcPct val="115000"/>
-              </a:lnSpc>
-              <a:spcBef>
-                <a:spcPts val="0"/>
-              </a:spcBef>
-              <a:spcAft>
-                <a:spcPts val="0"/>
-              </a:spcAft>
-              <a:buClr>
-                <a:schemeClr val="dk2"/>
-              </a:buClr>
-              <a:buSzPts val="1100"/>
-              <a:buFont typeface="Nunito"/>
-              <a:buChar char="○"/>
-              <a:defRPr sz="1100" b="0" i="0" u="none" strike="noStrike" cap="none">
-                <a:solidFill>
-                  <a:schemeClr val="dk2"/>
-                </a:solidFill>
-                <a:latin typeface="Nunito"/>
-                <a:ea typeface="Nunito"/>
-                <a:cs typeface="Nunito"/>
-                <a:sym typeface="Nunito"/>
-              </a:defRPr>
-            </a:lvl2pPr>
-            <a:lvl3pPr marL="1371600" marR="0" lvl="2" indent="-298450" algn="l" rtl="0">
-              <a:lnSpc>
-                <a:spcPct val="115000"/>
-              </a:lnSpc>
-              <a:spcBef>
-                <a:spcPts val="0"/>
-              </a:spcBef>
-              <a:spcAft>
-                <a:spcPts val="0"/>
-              </a:spcAft>
-              <a:buClr>
-                <a:schemeClr val="dk2"/>
-              </a:buClr>
-              <a:buSzPts val="1100"/>
-              <a:buFont typeface="Nunito"/>
-              <a:buChar char="■"/>
-              <a:defRPr sz="1100" b="0" i="0" u="none" strike="noStrike" cap="none">
-                <a:solidFill>
-                  <a:schemeClr val="dk2"/>
-                </a:solidFill>
-                <a:latin typeface="Nunito"/>
-                <a:ea typeface="Nunito"/>
-                <a:cs typeface="Nunito"/>
-                <a:sym typeface="Nunito"/>
-              </a:defRPr>
-            </a:lvl3pPr>
-            <a:lvl4pPr marL="1828800" marR="0" lvl="3" indent="-298450" algn="l" rtl="0">
-              <a:lnSpc>
-                <a:spcPct val="115000"/>
-              </a:lnSpc>
-              <a:spcBef>
-                <a:spcPts val="0"/>
-              </a:spcBef>
-              <a:spcAft>
-                <a:spcPts val="0"/>
-              </a:spcAft>
-              <a:buClr>
-                <a:schemeClr val="dk2"/>
-              </a:buClr>
-              <a:buSzPts val="1100"/>
-              <a:buFont typeface="Nunito"/>
-              <a:buChar char="●"/>
-              <a:defRPr sz="1100" b="0" i="0" u="none" strike="noStrike" cap="none">
-                <a:solidFill>
-                  <a:schemeClr val="dk2"/>
-                </a:solidFill>
-                <a:latin typeface="Nunito"/>
-                <a:ea typeface="Nunito"/>
-                <a:cs typeface="Nunito"/>
-                <a:sym typeface="Nunito"/>
-              </a:defRPr>
-            </a:lvl4pPr>
-            <a:lvl5pPr marL="2286000" marR="0" lvl="4" indent="-298450" algn="l" rtl="0">
-              <a:lnSpc>
-                <a:spcPct val="115000"/>
-              </a:lnSpc>
-              <a:spcBef>
-                <a:spcPts val="0"/>
-              </a:spcBef>
-              <a:spcAft>
-                <a:spcPts val="0"/>
-              </a:spcAft>
-              <a:buClr>
-                <a:schemeClr val="dk2"/>
-              </a:buClr>
-              <a:buSzPts val="1100"/>
-              <a:buFont typeface="Nunito"/>
-              <a:buChar char="○"/>
-              <a:defRPr sz="1100" b="0" i="0" u="none" strike="noStrike" cap="none">
-                <a:solidFill>
-                  <a:schemeClr val="dk2"/>
-                </a:solidFill>
-                <a:latin typeface="Nunito"/>
-                <a:ea typeface="Nunito"/>
-                <a:cs typeface="Nunito"/>
-                <a:sym typeface="Nunito"/>
-              </a:defRPr>
-            </a:lvl5pPr>
-            <a:lvl6pPr marL="2743200" marR="0" lvl="5" indent="-298450" algn="l" rtl="0">
-              <a:lnSpc>
-                <a:spcPct val="115000"/>
-              </a:lnSpc>
-              <a:spcBef>
-                <a:spcPts val="0"/>
-              </a:spcBef>
-              <a:spcAft>
-                <a:spcPts val="0"/>
-              </a:spcAft>
-              <a:buClr>
-                <a:schemeClr val="dk2"/>
-              </a:buClr>
-              <a:buSzPts val="1100"/>
-              <a:buFont typeface="Nunito"/>
-              <a:buChar char="■"/>
-              <a:defRPr sz="1100" b="0" i="0" u="none" strike="noStrike" cap="none">
-                <a:solidFill>
-                  <a:schemeClr val="dk2"/>
-                </a:solidFill>
-                <a:latin typeface="Nunito"/>
-                <a:ea typeface="Nunito"/>
-                <a:cs typeface="Nunito"/>
-                <a:sym typeface="Nunito"/>
-              </a:defRPr>
-            </a:lvl6pPr>
-            <a:lvl7pPr marL="3200400" marR="0" lvl="6" indent="-298450" algn="l" rtl="0">
-              <a:lnSpc>
-                <a:spcPct val="115000"/>
-              </a:lnSpc>
-              <a:spcBef>
-                <a:spcPts val="0"/>
-              </a:spcBef>
-              <a:spcAft>
-                <a:spcPts val="0"/>
-              </a:spcAft>
-              <a:buClr>
-                <a:schemeClr val="dk2"/>
-              </a:buClr>
-              <a:buSzPts val="1100"/>
-              <a:buFont typeface="Nunito"/>
-              <a:buChar char="●"/>
-              <a:defRPr sz="1100" b="0" i="0" u="none" strike="noStrike" cap="none">
-                <a:solidFill>
-                  <a:schemeClr val="dk2"/>
-                </a:solidFill>
-                <a:latin typeface="Nunito"/>
-                <a:ea typeface="Nunito"/>
-                <a:cs typeface="Nunito"/>
-                <a:sym typeface="Nunito"/>
-              </a:defRPr>
-            </a:lvl7pPr>
-            <a:lvl8pPr marL="3657600" marR="0" lvl="7" indent="-298450" algn="l" rtl="0">
-              <a:lnSpc>
-                <a:spcPct val="115000"/>
-              </a:lnSpc>
-              <a:spcBef>
-                <a:spcPts val="0"/>
-              </a:spcBef>
-              <a:spcAft>
-                <a:spcPts val="0"/>
-              </a:spcAft>
-              <a:buClr>
-                <a:schemeClr val="dk2"/>
-              </a:buClr>
-              <a:buSzPts val="1100"/>
-              <a:buFont typeface="Nunito"/>
-              <a:buChar char="○"/>
-              <a:defRPr sz="1100" b="0" i="0" u="none" strike="noStrike" cap="none">
-                <a:solidFill>
-                  <a:schemeClr val="dk2"/>
-                </a:solidFill>
-                <a:latin typeface="Nunito"/>
-                <a:ea typeface="Nunito"/>
-                <a:cs typeface="Nunito"/>
-                <a:sym typeface="Nunito"/>
-              </a:defRPr>
-            </a:lvl8pPr>
-            <a:lvl9pPr marL="4114800" marR="0" lvl="8" indent="-298450" algn="l" rtl="0">
-              <a:lnSpc>
-                <a:spcPct val="115000"/>
-              </a:lnSpc>
-              <a:spcBef>
-                <a:spcPts val="0"/>
-              </a:spcBef>
-              <a:spcAft>
-                <a:spcPts val="0"/>
-              </a:spcAft>
-              <a:buClr>
-                <a:schemeClr val="dk2"/>
-              </a:buClr>
-              <a:buSzPts val="1100"/>
-              <a:buFont typeface="Nunito"/>
-              <a:buChar char="■"/>
-              <a:defRPr sz="1100" b="0" i="0" u="none" strike="noStrike" cap="none">
-                <a:solidFill>
-                  <a:schemeClr val="dk2"/>
-                </a:solidFill>
-                <a:latin typeface="Nunito"/>
-                <a:ea typeface="Nunito"/>
-                <a:cs typeface="Nunito"/>
-                <a:sym typeface="Nunito"/>
-              </a:defRPr>
-            </a:lvl9pPr>
-          </a:lstStyle>
-          <a:p>
-            <a:pPr marL="146050" indent="0">
-              <a:buNone/>
-            </a:pPr>
-            <a:r>
-              <a:rPr lang="en-US" b="1" dirty="0"/>
-              <a:t>3. Priya, Ron &amp; MeLea do </a:t>
-            </a:r>
-            <a:r>
-              <a:rPr lang="en-US" b="1" dirty="0" err="1"/>
-              <a:t>powerpoint</a:t>
-            </a:r>
-            <a:r>
-              <a:rPr lang="en-US" b="1" dirty="0"/>
-              <a:t>, Erik &amp; Reilly do visualizations &amp; demos</a:t>
-            </a:r>
-          </a:p>
-          <a:p>
-            <a:pPr marL="146050" indent="0">
-              <a:buFont typeface="Nunito"/>
-              <a:buNone/>
-            </a:pPr>
-            <a:endParaRPr lang="en-US" b="1" dirty="0"/>
-          </a:p>
-          <a:p>
-            <a:pPr marL="146050" indent="0">
-              <a:buFont typeface="Nunito"/>
-              <a:buNone/>
-            </a:pPr>
-            <a:r>
-              <a:rPr lang="en-US" b="1" dirty="0"/>
-              <a:t>Priya</a:t>
-            </a:r>
-          </a:p>
-          <a:p>
-            <a:pPr marL="146050" indent="0">
-              <a:buFont typeface="Nunito"/>
-              <a:buNone/>
-            </a:pPr>
-            <a:r>
-              <a:rPr lang="en-US" dirty="0"/>
-              <a:t>Intro: 1-4</a:t>
-            </a:r>
-          </a:p>
-          <a:p>
-            <a:pPr marL="146050" indent="0">
-              <a:buFont typeface="Nunito"/>
-              <a:buNone/>
-            </a:pPr>
-            <a:r>
-              <a:rPr lang="en-US" b="1" dirty="0"/>
-              <a:t>Ron</a:t>
-            </a:r>
-          </a:p>
-          <a:p>
-            <a:pPr marL="146050" indent="0">
-              <a:buFont typeface="Nunito"/>
-              <a:buNone/>
-            </a:pPr>
-            <a:r>
-              <a:rPr lang="en-US" dirty="0"/>
-              <a:t>Database: 5</a:t>
-            </a:r>
-          </a:p>
-          <a:p>
-            <a:pPr marL="146050" indent="0">
-              <a:buFont typeface="Nunito"/>
-              <a:buNone/>
-            </a:pPr>
-            <a:r>
-              <a:rPr lang="en-US" dirty="0"/>
-              <a:t>Data exploration: 6-8</a:t>
-            </a:r>
-          </a:p>
-          <a:p>
-            <a:pPr marL="146050" indent="0">
-              <a:buFont typeface="Nunito"/>
-              <a:buNone/>
-            </a:pPr>
-            <a:r>
-              <a:rPr lang="en-US" dirty="0"/>
-              <a:t>Prelim feature selection: 9</a:t>
-            </a:r>
-          </a:p>
-          <a:p>
-            <a:pPr marL="146050" indent="0">
-              <a:buNone/>
-            </a:pPr>
-            <a:r>
-              <a:rPr lang="en-US" b="1" dirty="0"/>
-              <a:t>MeLea</a:t>
-            </a:r>
-          </a:p>
-          <a:p>
-            <a:pPr marL="146050" indent="0">
-              <a:buFont typeface="Nunito"/>
-              <a:buNone/>
-            </a:pPr>
-            <a:r>
-              <a:rPr lang="en-US" dirty="0"/>
-              <a:t>Data Processing: 10</a:t>
-            </a:r>
-          </a:p>
-          <a:p>
-            <a:pPr marL="146050" indent="0">
-              <a:buFont typeface="Nunito"/>
-              <a:buNone/>
-            </a:pPr>
-            <a:r>
-              <a:rPr lang="en-US" dirty="0"/>
-              <a:t>Model Performance: 11</a:t>
-            </a:r>
-          </a:p>
-          <a:p>
-            <a:pPr marL="146050" indent="0">
-              <a:buFont typeface="Nunito"/>
-              <a:buNone/>
-            </a:pPr>
-            <a:r>
-              <a:rPr lang="en-US" dirty="0"/>
-              <a:t>Feature Importance: 12-13</a:t>
-            </a:r>
-          </a:p>
-          <a:p>
-            <a:pPr marL="146050" indent="0">
-              <a:buFont typeface="Nunito"/>
-              <a:buNone/>
-            </a:pPr>
-            <a:r>
-              <a:rPr lang="en-US" dirty="0"/>
-              <a:t>Project Eval/takeaways: 15</a:t>
-            </a:r>
-          </a:p>
-          <a:p>
-            <a:pPr marL="146050" indent="0">
-              <a:buFont typeface="Nunito"/>
-              <a:buNone/>
-            </a:pPr>
-            <a:r>
-              <a:rPr lang="en-US" b="1" dirty="0"/>
-              <a:t>Erik</a:t>
-            </a:r>
-          </a:p>
-          <a:p>
-            <a:pPr marL="146050" indent="0">
-              <a:buFont typeface="Nunito"/>
-              <a:buNone/>
-            </a:pPr>
-            <a:r>
-              <a:rPr lang="en-US" dirty="0"/>
-              <a:t>Dashboard demo</a:t>
-            </a:r>
-          </a:p>
-          <a:p>
-            <a:pPr marL="146050" indent="0">
-              <a:buFont typeface="Nunito"/>
-              <a:buNone/>
-            </a:pPr>
-            <a:r>
-              <a:rPr lang="en-US" b="1" dirty="0"/>
-              <a:t>Reilly</a:t>
             </a:r>
           </a:p>
           <a:p>
@@ -21909,6 +21265,54 @@
               </a:spcAft>
               <a:buNone/>
             </a:pPr>
+            <a:r>
+              <a:rPr lang="en-US" dirty="0">
+                <a:hlinkClick r:id="rId4"/>
+              </a:rPr>
+              <a:t>https://public.tableau.com/app/profile/erik.svoboda/viz/EmployeeAttrition_16528352408970/FinalProject?publish=yes</a:t>
+            </a:r>
+            <a:endParaRPr lang="en-US" dirty="0"/>
+          </a:p>
+          <a:p>
+            <a:pPr marL="0" lvl="0" indent="0" algn="l" rtl="0">
+              <a:spcBef>
+                <a:spcPts val="0"/>
+              </a:spcBef>
+              <a:spcAft>
+                <a:spcPts val="1200"/>
+              </a:spcAft>
+              <a:buNone/>
+            </a:pPr>
+            <a:r>
+              <a:rPr lang="en-US" dirty="0">
+                <a:hlinkClick r:id="rId5"/>
+              </a:rPr>
+              <a:t>https://public.tableau.com/app/profile/reilly.thompson/viz/Group6_Final_Tab/Story1</a:t>
+            </a:r>
+            <a:endParaRPr lang="en-US" dirty="0"/>
+          </a:p>
+          <a:p>
+            <a:pPr marL="0" lvl="0" indent="0" algn="l" rtl="0">
+              <a:spcBef>
+                <a:spcPts val="0"/>
+              </a:spcBef>
+              <a:spcAft>
+                <a:spcPts val="1200"/>
+              </a:spcAft>
+              <a:buNone/>
+            </a:pPr>
+            <a:endParaRPr lang="en-US" dirty="0"/>
+          </a:p>
+          <a:p>
+            <a:pPr marL="0" lvl="0" indent="0" algn="l" rtl="0">
+              <a:spcBef>
+                <a:spcPts val="0"/>
+              </a:spcBef>
+              <a:spcAft>
+                <a:spcPts val="1200"/>
+              </a:spcAft>
+              <a:buNone/>
+            </a:pPr>
             <a:endParaRPr dirty="0"/>
           </a:p>
         </p:txBody>

--- a/Presentation/Final Project Presentation.pptx
+++ b/Presentation/Final Project Presentation.pptx
@@ -34,7 +34,7 @@
       <p:bold r:id="rId20"/>
     </p:embeddedFont>
     <p:embeddedFont>
-      <p:font typeface="Nunito" pitchFamily="2" charset="0"/>
+      <p:font typeface="Nunito" panose="020B0604020202020204" charset="0"/>
       <p:regular r:id="rId21"/>
       <p:bold r:id="rId22"/>
       <p:italic r:id="rId23"/>
@@ -1490,7 +1490,7 @@
   <dgm:whole/>
   <dgm:extLst>
     <a:ext uri="http://schemas.microsoft.com/office/drawing/2008/diagram">
-      <dsp:dataModelExt xmlns:dsp="http://schemas.microsoft.com/office/drawing/2008/diagram" relId="rId6" minVer="http://schemas.openxmlformats.org/drawingml/2006/diagram"/>
+      <dsp:dataModelExt xmlns:dsp="http://schemas.microsoft.com/office/drawing/2008/diagram" relId="rId7" minVer="http://schemas.openxmlformats.org/drawingml/2006/diagram"/>
     </a:ext>
   </dgm:extLst>
 </dgm:dataModel>
@@ -3864,6 +3864,114 @@
   <p:cSld>
     <p:spTree>
       <p:nvGrpSpPr>
+        <p:cNvPr id="1" name="Shape 303"/>
+        <p:cNvGrpSpPr/>
+        <p:nvPr/>
+      </p:nvGrpSpPr>
+      <p:grpSpPr>
+        <a:xfrm>
+          <a:off x="0" y="0"/>
+          <a:ext cx="0" cy="0"/>
+          <a:chOff x="0" y="0"/>
+          <a:chExt cx="0" cy="0"/>
+        </a:xfrm>
+      </p:grpSpPr>
+      <p:sp>
+        <p:nvSpPr>
+          <p:cNvPr id="304" name="Google Shape;304;g12a981a8416_0_334:notes"/>
+          <p:cNvSpPr>
+            <a:spLocks noGrp="1" noRot="1" noChangeAspect="1"/>
+          </p:cNvSpPr>
+          <p:nvPr>
+            <p:ph type="sldImg" idx="2"/>
+          </p:nvPr>
+        </p:nvSpPr>
+        <p:spPr>
+          <a:xfrm>
+            <a:off x="381000" y="685800"/>
+            <a:ext cx="6096000" cy="3429000"/>
+          </a:xfrm>
+          <a:custGeom>
+            <a:avLst/>
+            <a:gdLst/>
+            <a:ahLst/>
+            <a:cxnLst/>
+            <a:rect l="l" t="t" r="r" b="b"/>
+            <a:pathLst>
+              <a:path w="120000" h="120000" extrusionOk="0">
+                <a:moveTo>
+                  <a:pt x="0" y="0"/>
+                </a:moveTo>
+                <a:lnTo>
+                  <a:pt x="120000" y="0"/>
+                </a:lnTo>
+                <a:lnTo>
+                  <a:pt x="120000" y="120000"/>
+                </a:lnTo>
+                <a:lnTo>
+                  <a:pt x="0" y="120000"/>
+                </a:lnTo>
+                <a:close/>
+              </a:path>
+            </a:pathLst>
+          </a:custGeom>
+        </p:spPr>
+      </p:sp>
+      <p:sp>
+        <p:nvSpPr>
+          <p:cNvPr id="305" name="Google Shape;305;g12a981a8416_0_334:notes"/>
+          <p:cNvSpPr txBox="1">
+            <a:spLocks noGrp="1"/>
+          </p:cNvSpPr>
+          <p:nvPr>
+            <p:ph type="body" idx="1"/>
+          </p:nvPr>
+        </p:nvSpPr>
+        <p:spPr>
+          <a:xfrm>
+            <a:off x="685800" y="4343400"/>
+            <a:ext cx="5486400" cy="4114800"/>
+          </a:xfrm>
+          <a:prstGeom prst="rect">
+            <a:avLst/>
+          </a:prstGeom>
+        </p:spPr>
+        <p:txBody>
+          <a:bodyPr spcFirstLastPara="1" wrap="square" lIns="91425" tIns="91425" rIns="91425" bIns="91425" anchor="t" anchorCtr="0">
+            <a:noAutofit/>
+          </a:bodyPr>
+          <a:lstStyle/>
+          <a:p>
+            <a:pPr marL="0" lvl="0" indent="0" algn="l" rtl="0">
+              <a:spcBef>
+                <a:spcPts val="0"/>
+              </a:spcBef>
+              <a:spcAft>
+                <a:spcPts val="0"/>
+              </a:spcAft>
+              <a:buNone/>
+            </a:pPr>
+            <a:r>
+              <a:rPr lang="en-US" dirty="0"/>
+              <a:t>Based on accuracy score, we selected logistic regression</a:t>
+            </a:r>
+            <a:endParaRPr dirty="0"/>
+          </a:p>
+        </p:txBody>
+      </p:sp>
+    </p:spTree>
+  </p:cSld>
+  <p:clrMapOvr>
+    <a:masterClrMapping/>
+  </p:clrMapOvr>
+</p:notes>
+</file>
+
+<file path=ppt/notesSlides/notesSlide11.xml><?xml version="1.0" encoding="utf-8"?>
+<p:notes xmlns:a="http://schemas.openxmlformats.org/drawingml/2006/main" xmlns:r="http://schemas.openxmlformats.org/officeDocument/2006/relationships" xmlns:p="http://schemas.openxmlformats.org/presentationml/2006/main" showMasterSp="0" showMasterPhAnim="0">
+  <p:cSld>
+    <p:spTree>
+      <p:nvGrpSpPr>
         <p:cNvPr id="1" name="Shape 315"/>
         <p:cNvGrpSpPr/>
         <p:nvPr/>
@@ -4177,11 +4285,11 @@
 </file>
 
 <file path=ppt/notesSlides/notesSlide4.xml><?xml version="1.0" encoding="utf-8"?>
-<p:notes xmlns:a="http://schemas.openxmlformats.org/drawingml/2006/main" xmlns:r="http://schemas.openxmlformats.org/officeDocument/2006/relationships" xmlns:p="http://schemas.openxmlformats.org/presentationml/2006/main" showMasterSp="0" showMasterPhAnim="0">
+<p:notes xmlns:a="http://schemas.openxmlformats.org/drawingml/2006/main" xmlns:r="http://schemas.openxmlformats.org/officeDocument/2006/relationships" xmlns:p="http://schemas.openxmlformats.org/presentationml/2006/main">
   <p:cSld>
     <p:spTree>
       <p:nvGrpSpPr>
-        <p:cNvPr id="1" name="Shape 291"/>
+        <p:cNvPr id="1" name=""/>
         <p:cNvGrpSpPr/>
         <p:nvPr/>
       </p:nvGrpSpPr>
@@ -4195,12 +4303,12 @@
       </p:grpSpPr>
       <p:sp>
         <p:nvSpPr>
-          <p:cNvPr id="292" name="Google Shape;292;g12a981a8416_0_324:notes"/>
+          <p:cNvPr id="2" name="Slide Image Placeholder 1"/>
           <p:cNvSpPr>
             <a:spLocks noGrp="1" noRot="1" noChangeAspect="1"/>
           </p:cNvSpPr>
           <p:nvPr>
-            <p:ph type="sldImg" idx="2"/>
+            <p:ph type="sldImg"/>
           </p:nvPr>
         </p:nvSpPr>
         <p:spPr>
@@ -4208,74 +4316,76 @@
             <a:off x="381000" y="685800"/>
             <a:ext cx="6096000" cy="3429000"/>
           </a:xfrm>
-          <a:custGeom>
-            <a:avLst/>
-            <a:gdLst/>
-            <a:ahLst/>
-            <a:cxnLst/>
-            <a:rect l="l" t="t" r="r" b="b"/>
-            <a:pathLst>
-              <a:path w="120000" h="120000" extrusionOk="0">
-                <a:moveTo>
-                  <a:pt x="0" y="0"/>
-                </a:moveTo>
-                <a:lnTo>
-                  <a:pt x="120000" y="0"/>
-                </a:lnTo>
-                <a:lnTo>
-                  <a:pt x="120000" y="120000"/>
-                </a:lnTo>
-                <a:lnTo>
-                  <a:pt x="0" y="120000"/>
-                </a:lnTo>
-                <a:close/>
-              </a:path>
-            </a:pathLst>
-          </a:custGeom>
         </p:spPr>
       </p:sp>
       <p:sp>
         <p:nvSpPr>
-          <p:cNvPr id="293" name="Google Shape;293;g12a981a8416_0_324:notes"/>
-          <p:cNvSpPr txBox="1">
+          <p:cNvPr id="3" name="Notes Placeholder 2"/>
+          <p:cNvSpPr>
             <a:spLocks noGrp="1"/>
           </p:cNvSpPr>
           <p:nvPr>
             <p:ph type="body" idx="1"/>
           </p:nvPr>
         </p:nvSpPr>
-        <p:spPr>
-          <a:xfrm>
-            <a:off x="685800" y="4343400"/>
-            <a:ext cx="5486400" cy="4114800"/>
-          </a:xfrm>
-          <a:prstGeom prst="rect">
-            <a:avLst/>
-          </a:prstGeom>
-        </p:spPr>
+        <p:spPr/>
         <p:txBody>
-          <a:bodyPr spcFirstLastPara="1" wrap="square" lIns="91425" tIns="91425" rIns="91425" bIns="91425" anchor="t" anchorCtr="0">
-            <a:noAutofit/>
-          </a:bodyPr>
+          <a:bodyPr/>
           <a:lstStyle/>
           <a:p>
-            <a:pPr marL="0" lvl="0" indent="0" algn="l" rtl="0">
-              <a:spcBef>
-                <a:spcPts val="0"/>
-              </a:spcBef>
-              <a:spcAft>
-                <a:spcPts val="0"/>
-              </a:spcAft>
-              <a:buNone/>
-            </a:pPr>
-            <a:endParaRPr/>
+            <a:r>
+              <a:rPr lang="en-US" dirty="0"/>
+              <a:t>Data processing: python, </a:t>
+            </a:r>
+            <a:r>
+              <a:rPr lang="en-US" dirty="0" err="1"/>
+              <a:t>numpy</a:t>
+            </a:r>
+            <a:r>
+              <a:rPr lang="en-US" dirty="0"/>
+              <a:t> &amp; pandas in </a:t>
+            </a:r>
+            <a:r>
+              <a:rPr lang="en-US" dirty="0" err="1"/>
+              <a:t>jupyter</a:t>
+            </a:r>
+            <a:r>
+              <a:rPr lang="en-US" dirty="0"/>
+              <a:t> notebook</a:t>
+            </a:r>
+          </a:p>
+          <a:p>
+            <a:r>
+              <a:rPr lang="en-US" dirty="0"/>
+              <a:t>Database: </a:t>
+            </a:r>
+            <a:r>
+              <a:rPr lang="en-US" dirty="0" err="1"/>
+              <a:t>postgresql</a:t>
+            </a:r>
+            <a:endParaRPr lang="en-US" dirty="0"/>
+          </a:p>
+          <a:p>
+            <a:r>
+              <a:rPr lang="en-US" dirty="0"/>
+              <a:t>Data exploration visualizations: matplotlib &amp; seaborn</a:t>
+            </a:r>
+          </a:p>
+          <a:p>
+            <a:r>
+              <a:rPr lang="en-US" dirty="0"/>
+              <a:t>Final visualizations: Tableau</a:t>
+            </a:r>
+          </a:p>
+          <a:p>
+            <a:endParaRPr lang="en-US" dirty="0"/>
           </a:p>
         </p:txBody>
       </p:sp>
     </p:spTree>
     <p:extLst>
       <p:ext uri="{BB962C8B-B14F-4D97-AF65-F5344CB8AC3E}">
-        <p14:creationId xmlns:p14="http://schemas.microsoft.com/office/powerpoint/2010/main" val="162903394"/>
+        <p14:creationId xmlns:p14="http://schemas.microsoft.com/office/powerpoint/2010/main" val="3070842750"/>
       </p:ext>
     </p:extLst>
   </p:cSld>
@@ -4384,7 +4494,7 @@
     </p:spTree>
     <p:extLst>
       <p:ext uri="{BB962C8B-B14F-4D97-AF65-F5344CB8AC3E}">
-        <p14:creationId xmlns:p14="http://schemas.microsoft.com/office/powerpoint/2010/main" val="2219406720"/>
+        <p14:creationId xmlns:p14="http://schemas.microsoft.com/office/powerpoint/2010/main" val="162903394"/>
       </p:ext>
     </p:extLst>
   </p:cSld>
@@ -4493,6 +4603,115 @@
     </p:spTree>
     <p:extLst>
       <p:ext uri="{BB962C8B-B14F-4D97-AF65-F5344CB8AC3E}">
+        <p14:creationId xmlns:p14="http://schemas.microsoft.com/office/powerpoint/2010/main" val="2219406720"/>
+      </p:ext>
+    </p:extLst>
+  </p:cSld>
+  <p:clrMapOvr>
+    <a:masterClrMapping/>
+  </p:clrMapOvr>
+</p:notes>
+</file>
+
+<file path=ppt/notesSlides/notesSlide7.xml><?xml version="1.0" encoding="utf-8"?>
+<p:notes xmlns:a="http://schemas.openxmlformats.org/drawingml/2006/main" xmlns:r="http://schemas.openxmlformats.org/officeDocument/2006/relationships" xmlns:p="http://schemas.openxmlformats.org/presentationml/2006/main" showMasterSp="0" showMasterPhAnim="0">
+  <p:cSld>
+    <p:spTree>
+      <p:nvGrpSpPr>
+        <p:cNvPr id="1" name="Shape 291"/>
+        <p:cNvGrpSpPr/>
+        <p:nvPr/>
+      </p:nvGrpSpPr>
+      <p:grpSpPr>
+        <a:xfrm>
+          <a:off x="0" y="0"/>
+          <a:ext cx="0" cy="0"/>
+          <a:chOff x="0" y="0"/>
+          <a:chExt cx="0" cy="0"/>
+        </a:xfrm>
+      </p:grpSpPr>
+      <p:sp>
+        <p:nvSpPr>
+          <p:cNvPr id="292" name="Google Shape;292;g12a981a8416_0_324:notes"/>
+          <p:cNvSpPr>
+            <a:spLocks noGrp="1" noRot="1" noChangeAspect="1"/>
+          </p:cNvSpPr>
+          <p:nvPr>
+            <p:ph type="sldImg" idx="2"/>
+          </p:nvPr>
+        </p:nvSpPr>
+        <p:spPr>
+          <a:xfrm>
+            <a:off x="381000" y="685800"/>
+            <a:ext cx="6096000" cy="3429000"/>
+          </a:xfrm>
+          <a:custGeom>
+            <a:avLst/>
+            <a:gdLst/>
+            <a:ahLst/>
+            <a:cxnLst/>
+            <a:rect l="l" t="t" r="r" b="b"/>
+            <a:pathLst>
+              <a:path w="120000" h="120000" extrusionOk="0">
+                <a:moveTo>
+                  <a:pt x="0" y="0"/>
+                </a:moveTo>
+                <a:lnTo>
+                  <a:pt x="120000" y="0"/>
+                </a:lnTo>
+                <a:lnTo>
+                  <a:pt x="120000" y="120000"/>
+                </a:lnTo>
+                <a:lnTo>
+                  <a:pt x="0" y="120000"/>
+                </a:lnTo>
+                <a:close/>
+              </a:path>
+            </a:pathLst>
+          </a:custGeom>
+        </p:spPr>
+      </p:sp>
+      <p:sp>
+        <p:nvSpPr>
+          <p:cNvPr id="293" name="Google Shape;293;g12a981a8416_0_324:notes"/>
+          <p:cNvSpPr txBox="1">
+            <a:spLocks noGrp="1"/>
+          </p:cNvSpPr>
+          <p:nvPr>
+            <p:ph type="body" idx="1"/>
+          </p:nvPr>
+        </p:nvSpPr>
+        <p:spPr>
+          <a:xfrm>
+            <a:off x="685800" y="4343400"/>
+            <a:ext cx="5486400" cy="4114800"/>
+          </a:xfrm>
+          <a:prstGeom prst="rect">
+            <a:avLst/>
+          </a:prstGeom>
+        </p:spPr>
+        <p:txBody>
+          <a:bodyPr spcFirstLastPara="1" wrap="square" lIns="91425" tIns="91425" rIns="91425" bIns="91425" anchor="t" anchorCtr="0">
+            <a:noAutofit/>
+          </a:bodyPr>
+          <a:lstStyle/>
+          <a:p>
+            <a:pPr marL="0" lvl="0" indent="0" algn="l" rtl="0">
+              <a:spcBef>
+                <a:spcPts val="0"/>
+              </a:spcBef>
+              <a:spcAft>
+                <a:spcPts val="0"/>
+              </a:spcAft>
+              <a:buNone/>
+            </a:pPr>
+            <a:endParaRPr/>
+          </a:p>
+        </p:txBody>
+      </p:sp>
+    </p:spTree>
+    <p:extLst>
+      <p:ext uri="{BB962C8B-B14F-4D97-AF65-F5344CB8AC3E}">
         <p14:creationId xmlns:p14="http://schemas.microsoft.com/office/powerpoint/2010/main" val="2870374241"/>
       </p:ext>
     </p:extLst>
@@ -4503,7 +4722,7 @@
 </p:notes>
 </file>
 
-<file path=ppt/notesSlides/notesSlide7.xml><?xml version="1.0" encoding="utf-8"?>
+<file path=ppt/notesSlides/notesSlide8.xml><?xml version="1.0" encoding="utf-8"?>
 <p:notes xmlns:a="http://schemas.openxmlformats.org/drawingml/2006/main" xmlns:r="http://schemas.openxmlformats.org/officeDocument/2006/relationships" xmlns:p="http://schemas.openxmlformats.org/presentationml/2006/main">
   <p:cSld>
     <p:spTree>
@@ -4569,7 +4788,7 @@
 </p:notes>
 </file>
 
-<file path=ppt/notesSlides/notesSlide8.xml><?xml version="1.0" encoding="utf-8"?>
+<file path=ppt/notesSlides/notesSlide9.xml><?xml version="1.0" encoding="utf-8"?>
 <p:notes xmlns:a="http://schemas.openxmlformats.org/drawingml/2006/main" xmlns:r="http://schemas.openxmlformats.org/officeDocument/2006/relationships" xmlns:p="http://schemas.openxmlformats.org/presentationml/2006/main" showMasterSp="0" showMasterPhAnim="0">
   <p:cSld>
     <p:spTree>
@@ -4769,114 +4988,6 @@
         <p14:creationId xmlns:p14="http://schemas.microsoft.com/office/powerpoint/2010/main" val="1775244555"/>
       </p:ext>
     </p:extLst>
-  </p:cSld>
-  <p:clrMapOvr>
-    <a:masterClrMapping/>
-  </p:clrMapOvr>
-</p:notes>
-</file>
-
-<file path=ppt/notesSlides/notesSlide9.xml><?xml version="1.0" encoding="utf-8"?>
-<p:notes xmlns:a="http://schemas.openxmlformats.org/drawingml/2006/main" xmlns:r="http://schemas.openxmlformats.org/officeDocument/2006/relationships" xmlns:p="http://schemas.openxmlformats.org/presentationml/2006/main" showMasterSp="0" showMasterPhAnim="0">
-  <p:cSld>
-    <p:spTree>
-      <p:nvGrpSpPr>
-        <p:cNvPr id="1" name="Shape 303"/>
-        <p:cNvGrpSpPr/>
-        <p:nvPr/>
-      </p:nvGrpSpPr>
-      <p:grpSpPr>
-        <a:xfrm>
-          <a:off x="0" y="0"/>
-          <a:ext cx="0" cy="0"/>
-          <a:chOff x="0" y="0"/>
-          <a:chExt cx="0" cy="0"/>
-        </a:xfrm>
-      </p:grpSpPr>
-      <p:sp>
-        <p:nvSpPr>
-          <p:cNvPr id="304" name="Google Shape;304;g12a981a8416_0_334:notes"/>
-          <p:cNvSpPr>
-            <a:spLocks noGrp="1" noRot="1" noChangeAspect="1"/>
-          </p:cNvSpPr>
-          <p:nvPr>
-            <p:ph type="sldImg" idx="2"/>
-          </p:nvPr>
-        </p:nvSpPr>
-        <p:spPr>
-          <a:xfrm>
-            <a:off x="381000" y="685800"/>
-            <a:ext cx="6096000" cy="3429000"/>
-          </a:xfrm>
-          <a:custGeom>
-            <a:avLst/>
-            <a:gdLst/>
-            <a:ahLst/>
-            <a:cxnLst/>
-            <a:rect l="l" t="t" r="r" b="b"/>
-            <a:pathLst>
-              <a:path w="120000" h="120000" extrusionOk="0">
-                <a:moveTo>
-                  <a:pt x="0" y="0"/>
-                </a:moveTo>
-                <a:lnTo>
-                  <a:pt x="120000" y="0"/>
-                </a:lnTo>
-                <a:lnTo>
-                  <a:pt x="120000" y="120000"/>
-                </a:lnTo>
-                <a:lnTo>
-                  <a:pt x="0" y="120000"/>
-                </a:lnTo>
-                <a:close/>
-              </a:path>
-            </a:pathLst>
-          </a:custGeom>
-        </p:spPr>
-      </p:sp>
-      <p:sp>
-        <p:nvSpPr>
-          <p:cNvPr id="305" name="Google Shape;305;g12a981a8416_0_334:notes"/>
-          <p:cNvSpPr txBox="1">
-            <a:spLocks noGrp="1"/>
-          </p:cNvSpPr>
-          <p:nvPr>
-            <p:ph type="body" idx="1"/>
-          </p:nvPr>
-        </p:nvSpPr>
-        <p:spPr>
-          <a:xfrm>
-            <a:off x="685800" y="4343400"/>
-            <a:ext cx="5486400" cy="4114800"/>
-          </a:xfrm>
-          <a:prstGeom prst="rect">
-            <a:avLst/>
-          </a:prstGeom>
-        </p:spPr>
-        <p:txBody>
-          <a:bodyPr spcFirstLastPara="1" wrap="square" lIns="91425" tIns="91425" rIns="91425" bIns="91425" anchor="t" anchorCtr="0">
-            <a:noAutofit/>
-          </a:bodyPr>
-          <a:lstStyle/>
-          <a:p>
-            <a:pPr marL="0" lvl="0" indent="0" algn="l" rtl="0">
-              <a:spcBef>
-                <a:spcPts val="0"/>
-              </a:spcBef>
-              <a:spcAft>
-                <a:spcPts val="0"/>
-              </a:spcAft>
-              <a:buNone/>
-            </a:pPr>
-            <a:r>
-              <a:rPr lang="en-US" dirty="0"/>
-              <a:t>Based on accuracy score, we selected logistic regression</a:t>
-            </a:r>
-            <a:endParaRPr dirty="0"/>
-          </a:p>
-        </p:txBody>
-      </p:sp>
-    </p:spTree>
   </p:cSld>
   <p:clrMapOvr>
     <a:masterClrMapping/>
@@ -20519,53 +20630,6 @@
           <a:chExt cx="0" cy="0"/>
         </a:xfrm>
       </p:grpSpPr>
-      <p:pic>
-        <p:nvPicPr>
-          <p:cNvPr id="1026" name="Picture 2">
-            <a:extLst>
-              <a:ext uri="{FF2B5EF4-FFF2-40B4-BE49-F238E27FC236}">
-                <a16:creationId xmlns:a16="http://schemas.microsoft.com/office/drawing/2014/main" id="{7123C518-AD77-4FB5-B3C4-BCB839A0D2E1}"/>
-              </a:ext>
-            </a:extLst>
-          </p:cNvPr>
-          <p:cNvPicPr>
-            <a:picLocks noChangeAspect="1" noChangeArrowheads="1"/>
-          </p:cNvPicPr>
-          <p:nvPr/>
-        </p:nvPicPr>
-        <p:blipFill>
-          <a:blip r:embed="rId2">
-            <a:extLst>
-              <a:ext uri="{28A0092B-C50C-407E-A947-70E740481C1C}">
-                <a14:useLocalDpi xmlns:a14="http://schemas.microsoft.com/office/drawing/2010/main" val="0"/>
-              </a:ext>
-            </a:extLst>
-          </a:blip>
-          <a:srcRect/>
-          <a:stretch>
-            <a:fillRect/>
-          </a:stretch>
-        </p:blipFill>
-        <p:spPr bwMode="auto">
-          <a:xfrm>
-            <a:off x="3098800" y="205333"/>
-            <a:ext cx="5976455" cy="4820442"/>
-          </a:xfrm>
-          <a:prstGeom prst="rect">
-            <a:avLst/>
-          </a:prstGeom>
-          <a:noFill/>
-          <a:extLst>
-            <a:ext uri="{909E8E84-426E-40DD-AFC4-6F175D3DCCD1}">
-              <a14:hiddenFill xmlns:a14="http://schemas.microsoft.com/office/drawing/2010/main">
-                <a:solidFill>
-                  <a:srgbClr val="FFFFFF"/>
-                </a:solidFill>
-              </a14:hiddenFill>
-            </a:ext>
-          </a:extLst>
-        </p:spPr>
-      </p:pic>
       <p:sp>
         <p:nvSpPr>
           <p:cNvPr id="2" name="Title 1">
@@ -20654,12 +20718,7 @@
             <p:ph type="title"/>
           </p:nvPr>
         </p:nvSpPr>
-        <p:spPr>
-          <a:xfrm>
-            <a:off x="1303800" y="598575"/>
-            <a:ext cx="6322550" cy="1590000"/>
-          </a:xfrm>
-        </p:spPr>
+        <p:spPr/>
         <p:txBody>
           <a:bodyPr>
             <a:normAutofit/>
@@ -20668,41 +20727,91 @@
           <a:p>
             <a:r>
               <a:rPr lang="en-US" dirty="0"/>
-              <a:t>Logistic Regression Top 10 Features</a:t>
+              <a:t>Logistic Regression </a:t>
+            </a:r>
+            <a:r>
+              <a:rPr lang="en-US"/>
+              <a:t>Top 5 </a:t>
+            </a:r>
+            <a:r>
+              <a:rPr lang="en-US" dirty="0"/>
+              <a:t>Features</a:t>
             </a:r>
           </a:p>
         </p:txBody>
       </p:sp>
-      <p:pic>
-        <p:nvPicPr>
-          <p:cNvPr id="3" name="Picture 2">
+      <p:sp>
+        <p:nvSpPr>
+          <p:cNvPr id="4" name="Text Placeholder 3">
             <a:extLst>
               <a:ext uri="{FF2B5EF4-FFF2-40B4-BE49-F238E27FC236}">
-                <a16:creationId xmlns:a16="http://schemas.microsoft.com/office/drawing/2014/main" id="{81F99630-ABBA-4BC6-A6DF-B3AAFE4D7F59}"/>
+                <a16:creationId xmlns:a16="http://schemas.microsoft.com/office/drawing/2014/main" id="{D86E0142-69DE-45F3-B33A-D46CCC420A09}"/>
               </a:ext>
             </a:extLst>
           </p:cNvPr>
-          <p:cNvPicPr>
-            <a:picLocks noChangeAspect="1"/>
-          </p:cNvPicPr>
-          <p:nvPr/>
-        </p:nvPicPr>
-        <p:blipFill>
-          <a:blip r:embed="rId2"/>
-          <a:stretch>
-            <a:fillRect/>
-          </a:stretch>
-        </p:blipFill>
-        <p:spPr>
-          <a:xfrm>
-            <a:off x="-668015" y="1822470"/>
-            <a:ext cx="9530075" cy="1851385"/>
-          </a:xfrm>
-          <a:prstGeom prst="rect">
-            <a:avLst/>
-          </a:prstGeom>
-        </p:spPr>
-      </p:pic>
+          <p:cNvSpPr>
+            <a:spLocks noGrp="1"/>
+          </p:cNvSpPr>
+          <p:nvPr>
+            <p:ph type="body" idx="1"/>
+          </p:nvPr>
+        </p:nvSpPr>
+        <p:spPr/>
+        <p:txBody>
+          <a:bodyPr/>
+          <a:lstStyle/>
+          <a:p>
+            <a:r>
+              <a:rPr lang="en-US" dirty="0" err="1"/>
+              <a:t>YearsAtCompany</a:t>
+            </a:r>
+            <a:r>
+              <a:rPr lang="en-US" dirty="0"/>
+              <a:t> (0.622008)</a:t>
+            </a:r>
+          </a:p>
+          <a:p>
+            <a:r>
+              <a:rPr lang="en-US" dirty="0" err="1"/>
+              <a:t>YearsSinceLastPromotion</a:t>
+            </a:r>
+            <a:r>
+              <a:rPr lang="en-US" dirty="0"/>
+              <a:t> (0.55627)</a:t>
+            </a:r>
+          </a:p>
+          <a:p>
+            <a:r>
+              <a:rPr lang="en-US" dirty="0" err="1"/>
+              <a:t>NumCompaniesWorked</a:t>
+            </a:r>
+            <a:r>
+              <a:rPr lang="en-US" dirty="0"/>
+              <a:t>(0.478027)</a:t>
+            </a:r>
+          </a:p>
+          <a:p>
+            <a:r>
+              <a:rPr lang="en-US" dirty="0" err="1"/>
+              <a:t>OverTime_Yes</a:t>
+            </a:r>
+            <a:r>
+              <a:rPr lang="en-US" dirty="0"/>
+              <a:t> (0.406448)</a:t>
+            </a:r>
+          </a:p>
+          <a:p>
+            <a:r>
+              <a:rPr lang="en-US" dirty="0" err="1"/>
+              <a:t>DistanceFromHome</a:t>
+            </a:r>
+            <a:r>
+              <a:rPr lang="en-US" dirty="0"/>
+              <a:t> (0.381806)</a:t>
+            </a:r>
+          </a:p>
+        </p:txBody>
+      </p:sp>
     </p:spTree>
     <p:extLst>
       <p:ext uri="{BB962C8B-B14F-4D97-AF65-F5344CB8AC3E}">
@@ -21893,7 +22002,7 @@
         </p:xfrm>
         <a:graphic>
           <a:graphicData uri="http://schemas.openxmlformats.org/drawingml/2006/diagram">
-            <dgm:relIds xmlns:dgm="http://schemas.openxmlformats.org/drawingml/2006/diagram" xmlns:r="http://schemas.openxmlformats.org/officeDocument/2006/relationships" r:dm="rId2" r:lo="rId3" r:qs="rId4" r:cs="rId5"/>
+            <dgm:relIds xmlns:dgm="http://schemas.openxmlformats.org/drawingml/2006/diagram" xmlns:r="http://schemas.openxmlformats.org/officeDocument/2006/relationships" r:dm="rId3" r:lo="rId4" r:qs="rId5" r:cs="rId6"/>
           </a:graphicData>
         </a:graphic>
       </p:graphicFrame>

--- a/Presentation/Final Project Presentation.pptx
+++ b/Presentation/Final Project Presentation.pptx
@@ -5,7 +5,7 @@
     <p:sldMasterId id="2147483659" r:id="rId1"/>
   </p:sldMasterIdLst>
   <p:notesMasterIdLst>
-    <p:notesMasterId r:id="rId18"/>
+    <p:notesMasterId r:id="rId17"/>
   </p:notesMasterIdLst>
   <p:sldIdLst>
     <p:sldId id="279" r:id="rId2"/>
@@ -21,24 +21,23 @@
     <p:sldId id="269" r:id="rId12"/>
     <p:sldId id="261" r:id="rId13"/>
     <p:sldId id="273" r:id="rId14"/>
-    <p:sldId id="278" r:id="rId15"/>
-    <p:sldId id="274" r:id="rId16"/>
-    <p:sldId id="263" r:id="rId17"/>
+    <p:sldId id="274" r:id="rId15"/>
+    <p:sldId id="263" r:id="rId16"/>
   </p:sldIdLst>
   <p:sldSz cx="9144000" cy="5143500" type="screen16x9"/>
   <p:notesSz cx="6858000" cy="9144000"/>
   <p:embeddedFontLst>
     <p:embeddedFont>
       <p:font typeface="Maven Pro" panose="020B0604020202020204" charset="0"/>
-      <p:regular r:id="rId19"/>
-      <p:bold r:id="rId20"/>
+      <p:regular r:id="rId18"/>
+      <p:bold r:id="rId19"/>
     </p:embeddedFont>
     <p:embeddedFont>
       <p:font typeface="Nunito" panose="020B0604020202020204" charset="0"/>
-      <p:regular r:id="rId21"/>
-      <p:bold r:id="rId22"/>
-      <p:italic r:id="rId23"/>
-      <p:boldItalic r:id="rId24"/>
+      <p:regular r:id="rId20"/>
+      <p:bold r:id="rId21"/>
+      <p:italic r:id="rId22"/>
+      <p:boldItalic r:id="rId23"/>
     </p:embeddedFont>
   </p:embeddedFontLst>
   <p:defaultTextStyle>
@@ -20630,12 +20629,59 @@
           <a:chExt cx="0" cy="0"/>
         </a:xfrm>
       </p:grpSpPr>
+      <p:pic>
+        <p:nvPicPr>
+          <p:cNvPr id="1026" name="Picture 2">
+            <a:extLst>
+              <a:ext uri="{FF2B5EF4-FFF2-40B4-BE49-F238E27FC236}">
+                <a16:creationId xmlns:a16="http://schemas.microsoft.com/office/drawing/2014/main" id="{6DB264A6-2638-4122-8E4B-B916A62038C8}"/>
+              </a:ext>
+            </a:extLst>
+          </p:cNvPr>
+          <p:cNvPicPr>
+            <a:picLocks noChangeAspect="1" noChangeArrowheads="1"/>
+          </p:cNvPicPr>
+          <p:nvPr/>
+        </p:nvPicPr>
+        <p:blipFill>
+          <a:blip r:embed="rId2">
+            <a:extLst>
+              <a:ext uri="{28A0092B-C50C-407E-A947-70E740481C1C}">
+                <a14:useLocalDpi xmlns:a14="http://schemas.microsoft.com/office/drawing/2010/main" val="0"/>
+              </a:ext>
+            </a:extLst>
+          </a:blip>
+          <a:srcRect/>
+          <a:stretch>
+            <a:fillRect/>
+          </a:stretch>
+        </p:blipFill>
+        <p:spPr bwMode="auto">
+          <a:xfrm>
+            <a:off x="127000" y="128942"/>
+            <a:ext cx="6217122" cy="5014558"/>
+          </a:xfrm>
+          <a:prstGeom prst="rect">
+            <a:avLst/>
+          </a:prstGeom>
+          <a:noFill/>
+          <a:extLst>
+            <a:ext uri="{909E8E84-426E-40DD-AFC4-6F175D3DCCD1}">
+              <a14:hiddenFill xmlns:a14="http://schemas.microsoft.com/office/drawing/2010/main">
+                <a:solidFill>
+                  <a:srgbClr val="FFFFFF"/>
+                </a:solidFill>
+              </a14:hiddenFill>
+            </a:ext>
+          </a:extLst>
+        </p:spPr>
+      </p:pic>
       <p:sp>
         <p:nvSpPr>
-          <p:cNvPr id="2" name="Title 1">
+          <p:cNvPr id="4" name="Title 3">
             <a:extLst>
               <a:ext uri="{FF2B5EF4-FFF2-40B4-BE49-F238E27FC236}">
-                <a16:creationId xmlns:a16="http://schemas.microsoft.com/office/drawing/2014/main" id="{B8D36673-3479-45EC-87E0-28D0B7ECE709}"/>
+                <a16:creationId xmlns:a16="http://schemas.microsoft.com/office/drawing/2014/main" id="{8F76A923-BF25-4677-ABB9-4ACDC5E7E31D}"/>
               </a:ext>
             </a:extLst>
           </p:cNvPr>
@@ -20648,16 +20694,17 @@
         </p:nvSpPr>
         <p:spPr>
           <a:xfrm>
-            <a:off x="1303800" y="598575"/>
-            <a:ext cx="2379200" cy="1590000"/>
+            <a:off x="6540500" y="428229"/>
+            <a:ext cx="2403400" cy="4415983"/>
           </a:xfrm>
         </p:spPr>
         <p:txBody>
           <a:bodyPr>
-            <a:normAutofit fontScale="90000"/>
+            <a:normAutofit/>
           </a:bodyPr>
           <a:lstStyle/>
           <a:p>
+            <a:pPr algn="r"/>
             <a:r>
               <a:rPr lang="en-US" dirty="0"/>
               <a:t>Additional Feature Selection: </a:t>
@@ -20669,6 +20716,266 @@
               <a:rPr lang="en-US" dirty="0"/>
               <a:t>Logistic Regression Feature Importance</a:t>
             </a:r>
+          </a:p>
+        </p:txBody>
+      </p:sp>
+      <p:sp>
+        <p:nvSpPr>
+          <p:cNvPr id="5" name="Rectangle 4">
+            <a:extLst>
+              <a:ext uri="{FF2B5EF4-FFF2-40B4-BE49-F238E27FC236}">
+                <a16:creationId xmlns:a16="http://schemas.microsoft.com/office/drawing/2014/main" id="{A86F4771-4E59-4C1B-855A-0DC2C2394889}"/>
+              </a:ext>
+            </a:extLst>
+          </p:cNvPr>
+          <p:cNvSpPr/>
+          <p:nvPr/>
+        </p:nvSpPr>
+        <p:spPr>
+          <a:xfrm>
+            <a:off x="527050" y="330200"/>
+            <a:ext cx="977900" cy="241300"/>
+          </a:xfrm>
+          <a:prstGeom prst="rect">
+            <a:avLst/>
+          </a:prstGeom>
+          <a:noFill/>
+          <a:ln>
+            <a:solidFill>
+              <a:schemeClr val="tx1">
+                <a:lumMod val="75000"/>
+              </a:schemeClr>
+            </a:solidFill>
+          </a:ln>
+        </p:spPr>
+        <p:style>
+          <a:lnRef idx="2">
+            <a:schemeClr val="accent1">
+              <a:shade val="50000"/>
+            </a:schemeClr>
+          </a:lnRef>
+          <a:fillRef idx="1">
+            <a:schemeClr val="accent1"/>
+          </a:fillRef>
+          <a:effectRef idx="0">
+            <a:schemeClr val="accent1"/>
+          </a:effectRef>
+          <a:fontRef idx="minor">
+            <a:schemeClr val="lt1"/>
+          </a:fontRef>
+        </p:style>
+        <p:txBody>
+          <a:bodyPr rtlCol="0" anchor="ctr"/>
+          <a:lstStyle/>
+          <a:p>
+            <a:pPr algn="ctr"/>
+            <a:endParaRPr lang="en-US"/>
+          </a:p>
+        </p:txBody>
+      </p:sp>
+      <p:sp>
+        <p:nvSpPr>
+          <p:cNvPr id="7" name="Rectangle 6">
+            <a:extLst>
+              <a:ext uri="{FF2B5EF4-FFF2-40B4-BE49-F238E27FC236}">
+                <a16:creationId xmlns:a16="http://schemas.microsoft.com/office/drawing/2014/main" id="{65E5379E-16C7-44EB-BB81-52A72D671059}"/>
+              </a:ext>
+            </a:extLst>
+          </p:cNvPr>
+          <p:cNvSpPr/>
+          <p:nvPr/>
+        </p:nvSpPr>
+        <p:spPr>
+          <a:xfrm>
+            <a:off x="527050" y="4394200"/>
+            <a:ext cx="977900" cy="317500"/>
+          </a:xfrm>
+          <a:prstGeom prst="rect">
+            <a:avLst/>
+          </a:prstGeom>
+          <a:noFill/>
+          <a:ln>
+            <a:solidFill>
+              <a:schemeClr val="tx1">
+                <a:lumMod val="75000"/>
+              </a:schemeClr>
+            </a:solidFill>
+          </a:ln>
+        </p:spPr>
+        <p:style>
+          <a:lnRef idx="2">
+            <a:schemeClr val="accent1">
+              <a:shade val="50000"/>
+            </a:schemeClr>
+          </a:lnRef>
+          <a:fillRef idx="1">
+            <a:schemeClr val="accent1"/>
+          </a:fillRef>
+          <a:effectRef idx="0">
+            <a:schemeClr val="accent1"/>
+          </a:effectRef>
+          <a:fontRef idx="minor">
+            <a:schemeClr val="lt1"/>
+          </a:fontRef>
+        </p:style>
+        <p:txBody>
+          <a:bodyPr rtlCol="0" anchor="ctr"/>
+          <a:lstStyle/>
+          <a:p>
+            <a:pPr algn="ctr"/>
+            <a:endParaRPr lang="en-US"/>
+          </a:p>
+        </p:txBody>
+      </p:sp>
+      <p:sp>
+        <p:nvSpPr>
+          <p:cNvPr id="6" name="Rectangle 5">
+            <a:extLst>
+              <a:ext uri="{FF2B5EF4-FFF2-40B4-BE49-F238E27FC236}">
+                <a16:creationId xmlns:a16="http://schemas.microsoft.com/office/drawing/2014/main" id="{E6B65516-4F4B-4549-A836-D23DA39D64A5}"/>
+              </a:ext>
+            </a:extLst>
+          </p:cNvPr>
+          <p:cNvSpPr/>
+          <p:nvPr/>
+        </p:nvSpPr>
+        <p:spPr>
+          <a:xfrm>
+            <a:off x="3949700" y="2153044"/>
+            <a:ext cx="2590800" cy="1496564"/>
+          </a:xfrm>
+          <a:prstGeom prst="rect">
+            <a:avLst/>
+          </a:prstGeom>
+          <a:noFill/>
+        </p:spPr>
+        <p:txBody>
+          <a:bodyPr wrap="square">
+            <a:spAutoFit/>
+          </a:bodyPr>
+          <a:lstStyle/>
+          <a:p>
+            <a:pPr marL="342900" indent="-342900">
+              <a:lnSpc>
+                <a:spcPct val="150000"/>
+              </a:lnSpc>
+              <a:buFont typeface="+mj-lt"/>
+              <a:buAutoNum type="arabicPeriod"/>
+            </a:pPr>
+            <a:r>
+              <a:rPr lang="en-US" sz="1200" dirty="0" err="1">
+                <a:solidFill>
+                  <a:srgbClr val="1D1C1D"/>
+                </a:solidFill>
+                <a:latin typeface="Nunito" panose="020B0604020202020204" charset="0"/>
+              </a:rPr>
+              <a:t>YearsInCurrentRole</a:t>
+            </a:r>
+            <a:r>
+              <a:rPr lang="en-US" sz="1200" dirty="0">
+                <a:solidFill>
+                  <a:srgbClr val="1D1C1D"/>
+                </a:solidFill>
+                <a:latin typeface="Nunito" panose="020B0604020202020204" charset="0"/>
+              </a:rPr>
+              <a:t>            </a:t>
+            </a:r>
+          </a:p>
+          <a:p>
+            <a:pPr marL="342900" indent="-342900">
+              <a:lnSpc>
+                <a:spcPct val="150000"/>
+              </a:lnSpc>
+              <a:buFont typeface="+mj-lt"/>
+              <a:buAutoNum type="arabicPeriod"/>
+            </a:pPr>
+            <a:r>
+              <a:rPr lang="en-US" sz="1200" dirty="0" err="1">
+                <a:solidFill>
+                  <a:srgbClr val="1D1C1D"/>
+                </a:solidFill>
+                <a:latin typeface="Nunito" panose="020B0604020202020204" charset="0"/>
+              </a:rPr>
+              <a:t>YearsAtCompany</a:t>
+            </a:r>
+            <a:endParaRPr lang="en-US" sz="1200" dirty="0">
+              <a:solidFill>
+                <a:srgbClr val="1D1C1D"/>
+              </a:solidFill>
+              <a:latin typeface="Nunito" panose="020B0604020202020204" charset="0"/>
+            </a:endParaRPr>
+          </a:p>
+          <a:p>
+            <a:pPr marL="342900" indent="-342900">
+              <a:lnSpc>
+                <a:spcPct val="150000"/>
+              </a:lnSpc>
+              <a:buFont typeface="+mj-lt"/>
+              <a:buAutoNum type="arabicPeriod"/>
+            </a:pPr>
+            <a:r>
+              <a:rPr lang="en-US" sz="1200" dirty="0" err="1">
+                <a:solidFill>
+                  <a:srgbClr val="1D1C1D"/>
+                </a:solidFill>
+                <a:latin typeface="Nunito" panose="020B0604020202020204" charset="0"/>
+              </a:rPr>
+              <a:t>YearsSinceLastPromotion</a:t>
+            </a:r>
+            <a:endParaRPr lang="en-US" sz="1200" dirty="0">
+              <a:solidFill>
+                <a:srgbClr val="1D1C1D"/>
+              </a:solidFill>
+              <a:latin typeface="Nunito" panose="020B0604020202020204" charset="0"/>
+            </a:endParaRPr>
+          </a:p>
+          <a:p>
+            <a:pPr marL="342900" indent="-342900">
+              <a:lnSpc>
+                <a:spcPct val="150000"/>
+              </a:lnSpc>
+              <a:buFont typeface="+mj-lt"/>
+              <a:buAutoNum type="arabicPeriod"/>
+            </a:pPr>
+            <a:r>
+              <a:rPr lang="en-US" sz="1200" dirty="0" err="1">
+                <a:solidFill>
+                  <a:srgbClr val="1D1C1D"/>
+                </a:solidFill>
+                <a:latin typeface="Nunito" panose="020B0604020202020204" charset="0"/>
+              </a:rPr>
+              <a:t>EnvironmentSatisfaction</a:t>
+            </a:r>
+            <a:endParaRPr lang="en-US" sz="1200" dirty="0">
+              <a:solidFill>
+                <a:srgbClr val="1D1C1D"/>
+              </a:solidFill>
+              <a:latin typeface="Nunito" panose="020B0604020202020204" charset="0"/>
+            </a:endParaRPr>
+          </a:p>
+          <a:p>
+            <a:pPr marL="342900" indent="-342900">
+              <a:lnSpc>
+                <a:spcPct val="150000"/>
+              </a:lnSpc>
+              <a:buFont typeface="+mj-lt"/>
+              <a:buAutoNum type="arabicPeriod"/>
+            </a:pPr>
+            <a:r>
+              <a:rPr lang="en-US" sz="1200" dirty="0" err="1">
+                <a:solidFill>
+                  <a:srgbClr val="1D1C1D"/>
+                </a:solidFill>
+                <a:latin typeface="Nunito" panose="020B0604020202020204" charset="0"/>
+              </a:rPr>
+              <a:t>YearsWithCurrManager</a:t>
+            </a:r>
+            <a:endParaRPr lang="en-US" sz="1200" dirty="0">
+              <a:solidFill>
+                <a:srgbClr val="1D1C1D"/>
+              </a:solidFill>
+              <a:latin typeface="Nunito" panose="020B0604020202020204" charset="0"/>
+            </a:endParaRPr>
           </a:p>
         </p:txBody>
       </p:sp>
@@ -20686,146 +20993,6 @@
 </file>
 
 <file path=ppt/slides/slide14.xml><?xml version="1.0" encoding="utf-8"?>
-<p:sld xmlns:a="http://schemas.openxmlformats.org/drawingml/2006/main" xmlns:r="http://schemas.openxmlformats.org/officeDocument/2006/relationships" xmlns:p="http://schemas.openxmlformats.org/presentationml/2006/main">
-  <p:cSld>
-    <p:spTree>
-      <p:nvGrpSpPr>
-        <p:cNvPr id="1" name=""/>
-        <p:cNvGrpSpPr/>
-        <p:nvPr/>
-      </p:nvGrpSpPr>
-      <p:grpSpPr>
-        <a:xfrm>
-          <a:off x="0" y="0"/>
-          <a:ext cx="0" cy="0"/>
-          <a:chOff x="0" y="0"/>
-          <a:chExt cx="0" cy="0"/>
-        </a:xfrm>
-      </p:grpSpPr>
-      <p:sp>
-        <p:nvSpPr>
-          <p:cNvPr id="2" name="Title 1">
-            <a:extLst>
-              <a:ext uri="{FF2B5EF4-FFF2-40B4-BE49-F238E27FC236}">
-                <a16:creationId xmlns:a16="http://schemas.microsoft.com/office/drawing/2014/main" id="{B8D36673-3479-45EC-87E0-28D0B7ECE709}"/>
-              </a:ext>
-            </a:extLst>
-          </p:cNvPr>
-          <p:cNvSpPr>
-            <a:spLocks noGrp="1"/>
-          </p:cNvSpPr>
-          <p:nvPr>
-            <p:ph type="title"/>
-          </p:nvPr>
-        </p:nvSpPr>
-        <p:spPr/>
-        <p:txBody>
-          <a:bodyPr>
-            <a:normAutofit/>
-          </a:bodyPr>
-          <a:lstStyle/>
-          <a:p>
-            <a:r>
-              <a:rPr lang="en-US" dirty="0"/>
-              <a:t>Logistic Regression </a:t>
-            </a:r>
-            <a:r>
-              <a:rPr lang="en-US"/>
-              <a:t>Top 5 </a:t>
-            </a:r>
-            <a:r>
-              <a:rPr lang="en-US" dirty="0"/>
-              <a:t>Features</a:t>
-            </a:r>
-          </a:p>
-        </p:txBody>
-      </p:sp>
-      <p:sp>
-        <p:nvSpPr>
-          <p:cNvPr id="4" name="Text Placeholder 3">
-            <a:extLst>
-              <a:ext uri="{FF2B5EF4-FFF2-40B4-BE49-F238E27FC236}">
-                <a16:creationId xmlns:a16="http://schemas.microsoft.com/office/drawing/2014/main" id="{D86E0142-69DE-45F3-B33A-D46CCC420A09}"/>
-              </a:ext>
-            </a:extLst>
-          </p:cNvPr>
-          <p:cNvSpPr>
-            <a:spLocks noGrp="1"/>
-          </p:cNvSpPr>
-          <p:nvPr>
-            <p:ph type="body" idx="1"/>
-          </p:nvPr>
-        </p:nvSpPr>
-        <p:spPr/>
-        <p:txBody>
-          <a:bodyPr/>
-          <a:lstStyle/>
-          <a:p>
-            <a:r>
-              <a:rPr lang="en-US" dirty="0" err="1"/>
-              <a:t>YearsAtCompany</a:t>
-            </a:r>
-            <a:r>
-              <a:rPr lang="en-US" dirty="0"/>
-              <a:t> (0.622008)</a:t>
-            </a:r>
-          </a:p>
-          <a:p>
-            <a:r>
-              <a:rPr lang="en-US" dirty="0" err="1"/>
-              <a:t>YearsSinceLastPromotion</a:t>
-            </a:r>
-            <a:r>
-              <a:rPr lang="en-US" dirty="0"/>
-              <a:t> (0.55627)</a:t>
-            </a:r>
-          </a:p>
-          <a:p>
-            <a:r>
-              <a:rPr lang="en-US" dirty="0" err="1"/>
-              <a:t>NumCompaniesWorked</a:t>
-            </a:r>
-            <a:r>
-              <a:rPr lang="en-US" dirty="0"/>
-              <a:t>(0.478027)</a:t>
-            </a:r>
-          </a:p>
-          <a:p>
-            <a:r>
-              <a:rPr lang="en-US" dirty="0" err="1"/>
-              <a:t>OverTime_Yes</a:t>
-            </a:r>
-            <a:r>
-              <a:rPr lang="en-US" dirty="0"/>
-              <a:t> (0.406448)</a:t>
-            </a:r>
-          </a:p>
-          <a:p>
-            <a:r>
-              <a:rPr lang="en-US" dirty="0" err="1"/>
-              <a:t>DistanceFromHome</a:t>
-            </a:r>
-            <a:r>
-              <a:rPr lang="en-US" dirty="0"/>
-              <a:t> (0.381806)</a:t>
-            </a:r>
-          </a:p>
-        </p:txBody>
-      </p:sp>
-    </p:spTree>
-    <p:extLst>
-      <p:ext uri="{BB962C8B-B14F-4D97-AF65-F5344CB8AC3E}">
-        <p14:creationId xmlns:p14="http://schemas.microsoft.com/office/powerpoint/2010/main" val="2735038076"/>
-      </p:ext>
-    </p:extLst>
-  </p:cSld>
-  <p:clrMapOvr>
-    <a:masterClrMapping/>
-  </p:clrMapOvr>
-</p:sld>
-</file>
-
-<file path=ppt/slides/slide15.xml><?xml version="1.0" encoding="utf-8"?>
 <p:sld xmlns:a="http://schemas.openxmlformats.org/drawingml/2006/main" xmlns:r="http://schemas.openxmlformats.org/officeDocument/2006/relationships" xmlns:p="http://schemas.openxmlformats.org/presentationml/2006/main">
   <p:cSld>
     <p:spTree>
@@ -21263,7 +21430,7 @@
 </p:sld>
 </file>
 
-<file path=ppt/slides/slide16.xml><?xml version="1.0" encoding="utf-8"?>
+<file path=ppt/slides/slide15.xml><?xml version="1.0" encoding="utf-8"?>
 <p:sld xmlns:a="http://schemas.openxmlformats.org/drawingml/2006/main" xmlns:r="http://schemas.openxmlformats.org/officeDocument/2006/relationships" xmlns:p="http://schemas.openxmlformats.org/presentationml/2006/main">
   <p:cSld>
     <p:spTree>

--- a/Presentation/Final Project Presentation.pptx
+++ b/Presentation/Final Project Presentation.pptx
@@ -5,39 +5,38 @@
     <p:sldMasterId id="2147483659" r:id="rId1"/>
   </p:sldMasterIdLst>
   <p:notesMasterIdLst>
-    <p:notesMasterId r:id="rId17"/>
+    <p:notesMasterId r:id="rId16"/>
   </p:notesMasterIdLst>
   <p:sldIdLst>
-    <p:sldId id="279" r:id="rId2"/>
-    <p:sldId id="256" r:id="rId3"/>
-    <p:sldId id="276" r:id="rId4"/>
-    <p:sldId id="258" r:id="rId5"/>
-    <p:sldId id="277" r:id="rId6"/>
-    <p:sldId id="272" r:id="rId7"/>
-    <p:sldId id="265" r:id="rId8"/>
-    <p:sldId id="267" r:id="rId9"/>
-    <p:sldId id="268" r:id="rId10"/>
-    <p:sldId id="271" r:id="rId11"/>
-    <p:sldId id="269" r:id="rId12"/>
+    <p:sldId id="256" r:id="rId2"/>
+    <p:sldId id="276" r:id="rId3"/>
+    <p:sldId id="258" r:id="rId4"/>
+    <p:sldId id="277" r:id="rId5"/>
+    <p:sldId id="272" r:id="rId6"/>
+    <p:sldId id="265" r:id="rId7"/>
+    <p:sldId id="267" r:id="rId8"/>
+    <p:sldId id="268" r:id="rId9"/>
+    <p:sldId id="271" r:id="rId10"/>
+    <p:sldId id="269" r:id="rId11"/>
+    <p:sldId id="280" r:id="rId12"/>
     <p:sldId id="261" r:id="rId13"/>
     <p:sldId id="273" r:id="rId14"/>
     <p:sldId id="274" r:id="rId15"/>
-    <p:sldId id="263" r:id="rId16"/>
   </p:sldIdLst>
   <p:sldSz cx="9144000" cy="5143500" type="screen16x9"/>
   <p:notesSz cx="6858000" cy="9144000"/>
   <p:embeddedFontLst>
     <p:embeddedFont>
       <p:font typeface="Maven Pro" panose="020B0604020202020204" charset="0"/>
-      <p:regular r:id="rId18"/>
-      <p:bold r:id="rId19"/>
+      <p:regular r:id="rId17"/>
+      <p:bold r:id="rId18"/>
     </p:embeddedFont>
     <p:embeddedFont>
       <p:font typeface="Nunito" panose="020B0604020202020204" charset="0"/>
-      <p:regular r:id="rId20"/>
-      <p:bold r:id="rId21"/>
-      <p:italic r:id="rId22"/>
-      <p:boldItalic r:id="rId23"/>
+      <p:regular r:id="rId19"/>
+      <p:bold r:id="rId20"/>
+      <p:italic r:id="rId21"/>
+      <p:boldItalic r:id="rId22"/>
     </p:embeddedFont>
   </p:embeddedFontLst>
   <p:defaultTextStyle>
@@ -3959,6 +3958,11 @@
         </p:txBody>
       </p:sp>
     </p:spTree>
+    <p:extLst>
+      <p:ext uri="{BB962C8B-B14F-4D97-AF65-F5344CB8AC3E}">
+        <p14:creationId xmlns:p14="http://schemas.microsoft.com/office/powerpoint/2010/main" val="3046630503"/>
+      </p:ext>
+    </p:extLst>
   </p:cSld>
   <p:clrMapOvr>
     <a:masterClrMapping/>
@@ -3971,7 +3975,7 @@
   <p:cSld>
     <p:spTree>
       <p:nvGrpSpPr>
-        <p:cNvPr id="1" name="Shape 315"/>
+        <p:cNvPr id="1" name="Shape 303"/>
         <p:cNvGrpSpPr/>
         <p:nvPr/>
       </p:nvGrpSpPr>
@@ -3985,7 +3989,7 @@
       </p:grpSpPr>
       <p:sp>
         <p:nvSpPr>
-          <p:cNvPr id="316" name="Google Shape;316;g12a981a8416_0_344:notes"/>
+          <p:cNvPr id="304" name="Google Shape;304;g12a981a8416_0_334:notes"/>
           <p:cNvSpPr>
             <a:spLocks noGrp="1" noRot="1" noChangeAspect="1"/>
           </p:cNvSpPr>
@@ -4026,7 +4030,7 @@
       </p:sp>
       <p:sp>
         <p:nvSpPr>
-          <p:cNvPr id="317" name="Google Shape;317;g12a981a8416_0_344:notes"/>
+          <p:cNvPr id="305" name="Google Shape;305;g12a981a8416_0_334:notes"/>
           <p:cNvSpPr txBox="1">
             <a:spLocks noGrp="1"/>
           </p:cNvSpPr>
@@ -4058,7 +4062,11 @@
               </a:spcAft>
               <a:buNone/>
             </a:pPr>
-            <a:endParaRPr/>
+            <a:r>
+              <a:rPr lang="en-US" dirty="0"/>
+              <a:t>Based on accuracy score, we selected logistic regression</a:t>
+            </a:r>
+            <a:endParaRPr dirty="0"/>
           </a:p>
         </p:txBody>
       </p:sp>
@@ -12331,110 +12339,6 @@
 </p:sldLayout>
 </file>
 
-<file path=ppt/slideLayouts/slideLayout11.xml><?xml version="1.0" encoding="utf-8"?>
-<p:sldLayout xmlns:a="http://schemas.openxmlformats.org/drawingml/2006/main" xmlns:r="http://schemas.openxmlformats.org/officeDocument/2006/relationships" xmlns:p="http://schemas.openxmlformats.org/presentationml/2006/main" matchingName="Blank" type="blank">
-  <p:cSld name="BLANK">
-    <p:spTree>
-      <p:nvGrpSpPr>
-        <p:cNvPr id="1" name="Shape 271"/>
-        <p:cNvGrpSpPr/>
-        <p:nvPr/>
-      </p:nvGrpSpPr>
-      <p:grpSpPr>
-        <a:xfrm>
-          <a:off x="0" y="0"/>
-          <a:ext cx="0" cy="0"/>
-          <a:chOff x="0" y="0"/>
-          <a:chExt cx="0" cy="0"/>
-        </a:xfrm>
-      </p:grpSpPr>
-      <p:sp>
-        <p:nvSpPr>
-          <p:cNvPr id="272" name="Google Shape;272;p12"/>
-          <p:cNvSpPr txBox="1">
-            <a:spLocks noGrp="1"/>
-          </p:cNvSpPr>
-          <p:nvPr>
-            <p:ph type="sldNum" idx="12"/>
-          </p:nvPr>
-        </p:nvSpPr>
-        <p:spPr>
-          <a:xfrm>
-            <a:off x="8451046" y="4736976"/>
-            <a:ext cx="548700" cy="393600"/>
-          </a:xfrm>
-          <a:prstGeom prst="rect">
-            <a:avLst/>
-          </a:prstGeom>
-        </p:spPr>
-        <p:txBody>
-          <a:bodyPr spcFirstLastPara="1" wrap="square" lIns="91425" tIns="91425" rIns="91425" bIns="91425" anchor="ctr" anchorCtr="0">
-            <a:normAutofit/>
-          </a:bodyPr>
-          <a:lstStyle>
-            <a:lvl1pPr lvl="0">
-              <a:buNone/>
-              <a:defRPr/>
-            </a:lvl1pPr>
-            <a:lvl2pPr lvl="1">
-              <a:buNone/>
-              <a:defRPr/>
-            </a:lvl2pPr>
-            <a:lvl3pPr lvl="2">
-              <a:buNone/>
-              <a:defRPr/>
-            </a:lvl3pPr>
-            <a:lvl4pPr lvl="3">
-              <a:buNone/>
-              <a:defRPr/>
-            </a:lvl4pPr>
-            <a:lvl5pPr lvl="4">
-              <a:buNone/>
-              <a:defRPr/>
-            </a:lvl5pPr>
-            <a:lvl6pPr lvl="5">
-              <a:buNone/>
-              <a:defRPr/>
-            </a:lvl6pPr>
-            <a:lvl7pPr lvl="6">
-              <a:buNone/>
-              <a:defRPr/>
-            </a:lvl7pPr>
-            <a:lvl8pPr lvl="7">
-              <a:buNone/>
-              <a:defRPr/>
-            </a:lvl8pPr>
-            <a:lvl9pPr lvl="8">
-              <a:buNone/>
-              <a:defRPr/>
-            </a:lvl9pPr>
-          </a:lstStyle>
-          <a:p>
-            <a:pPr marL="0" lvl="0" indent="0" algn="r" rtl="0">
-              <a:spcBef>
-                <a:spcPts val="0"/>
-              </a:spcBef>
-              <a:spcAft>
-                <a:spcPts val="0"/>
-              </a:spcAft>
-              <a:buNone/>
-            </a:pPr>
-            <a:fld id="{00000000-1234-1234-1234-123412341234}" type="slidenum">
-              <a:rPr lang="en"/>
-              <a:t>‹#›</a:t>
-            </a:fld>
-            <a:endParaRPr/>
-          </a:p>
-        </p:txBody>
-      </p:sp>
-    </p:spTree>
-  </p:cSld>
-  <p:clrMapOvr>
-    <a:masterClrMapping/>
-  </p:clrMapOvr>
-</p:sldLayout>
-</file>
-
 <file path=ppt/slideLayouts/slideLayout2.xml><?xml version="1.0" encoding="utf-8"?>
 <p:sldLayout xmlns:a="http://schemas.openxmlformats.org/drawingml/2006/main" xmlns:r="http://schemas.openxmlformats.org/officeDocument/2006/relationships" xmlns:p="http://schemas.openxmlformats.org/presentationml/2006/main" matchingName="Section header" type="secHead">
   <p:cSld name="SECTION_HEADER">
@@ -18164,7 +18068,6 @@
     <p:sldLayoutId id="2147483655" r:id="rId8"/>
     <p:sldLayoutId id="2147483656" r:id="rId9"/>
     <p:sldLayoutId id="2147483657" r:id="rId10"/>
-    <p:sldLayoutId id="2147483658" r:id="rId11"/>
   </p:sldLayoutIdLst>
   <p:hf sldNum="0" hdr="0" ftr="0" dt="0"/>
   <p:txStyles>
@@ -18860,11 +18763,11 @@
 </file>
 
 <file path=ppt/slides/slide1.xml><?xml version="1.0" encoding="utf-8"?>
-<p:sld xmlns:a="http://schemas.openxmlformats.org/drawingml/2006/main" xmlns:r="http://schemas.openxmlformats.org/officeDocument/2006/relationships" xmlns:p="http://schemas.openxmlformats.org/presentationml/2006/main" show="0">
+<p:sld xmlns:a="http://schemas.openxmlformats.org/drawingml/2006/main" xmlns:r="http://schemas.openxmlformats.org/officeDocument/2006/relationships" xmlns:p="http://schemas.openxmlformats.org/presentationml/2006/main">
   <p:cSld>
     <p:spTree>
       <p:nvGrpSpPr>
-        <p:cNvPr id="1" name=""/>
+        <p:cNvPr id="1" name="Shape 276"/>
         <p:cNvGrpSpPr/>
         <p:nvPr/>
       </p:nvGrpSpPr>
@@ -18878,469 +18781,104 @@
       </p:grpSpPr>
       <p:sp>
         <p:nvSpPr>
-          <p:cNvPr id="4" name="Text Placeholder 2">
-            <a:extLst>
-              <a:ext uri="{FF2B5EF4-FFF2-40B4-BE49-F238E27FC236}">
-                <a16:creationId xmlns:a16="http://schemas.microsoft.com/office/drawing/2014/main" id="{81AB7C23-9ACC-453E-809B-543252D6F7AF}"/>
-              </a:ext>
-            </a:extLst>
-          </p:cNvPr>
+          <p:cNvPr id="277" name="Google Shape;277;p13"/>
           <p:cNvSpPr txBox="1">
-            <a:spLocks/>
+            <a:spLocks noGrp="1"/>
           </p:cNvSpPr>
-          <p:nvPr/>
+          <p:nvPr>
+            <p:ph type="ctrTitle"/>
+          </p:nvPr>
         </p:nvSpPr>
         <p:spPr>
           <a:xfrm>
-            <a:off x="273108" y="237553"/>
-            <a:ext cx="3573271" cy="4963928"/>
+            <a:off x="824000" y="1613825"/>
+            <a:ext cx="4830900" cy="1872900"/>
           </a:xfrm>
           <a:prstGeom prst="rect">
             <a:avLst/>
           </a:prstGeom>
-          <a:noFill/>
-          <a:ln>
-            <a:noFill/>
-          </a:ln>
+        </p:spPr>
+        <p:txBody>
+          <a:bodyPr spcFirstLastPara="1" wrap="square" lIns="91425" tIns="91425" rIns="91425" bIns="91425" anchor="ctr" anchorCtr="0">
+            <a:normAutofit/>
+          </a:bodyPr>
+          <a:lstStyle/>
+          <a:p>
+            <a:pPr marL="0" lvl="0" indent="0" algn="l" rtl="0">
+              <a:spcBef>
+                <a:spcPts val="0"/>
+              </a:spcBef>
+              <a:spcAft>
+                <a:spcPts val="0"/>
+              </a:spcAft>
+              <a:buNone/>
+            </a:pPr>
+            <a:r>
+              <a:rPr lang="en" dirty="0"/>
+              <a:t>Employee Attrition</a:t>
+            </a:r>
+            <a:endParaRPr dirty="0"/>
+          </a:p>
+        </p:txBody>
+      </p:sp>
+      <p:sp>
+        <p:nvSpPr>
+          <p:cNvPr id="278" name="Google Shape;278;p13"/>
+          <p:cNvSpPr txBox="1">
+            <a:spLocks noGrp="1"/>
+          </p:cNvSpPr>
+          <p:nvPr>
+            <p:ph type="subTitle" idx="1"/>
+          </p:nvPr>
+        </p:nvSpPr>
+        <p:spPr>
+          <a:xfrm>
+            <a:off x="824000" y="3244850"/>
+            <a:ext cx="4255500" cy="1046850"/>
+          </a:xfrm>
+          <a:prstGeom prst="rect">
+            <a:avLst/>
+          </a:prstGeom>
         </p:spPr>
         <p:txBody>
           <a:bodyPr spcFirstLastPara="1" wrap="square" lIns="91425" tIns="91425" rIns="91425" bIns="91425" anchor="t" anchorCtr="0">
             <a:normAutofit/>
           </a:bodyPr>
-          <a:lstStyle>
-            <a:defPPr marR="0" lvl="0" algn="l" rtl="0">
-              <a:lnSpc>
-                <a:spcPct val="100000"/>
-              </a:lnSpc>
-              <a:spcBef>
-                <a:spcPts val="0"/>
-              </a:spcBef>
-              <a:spcAft>
-                <a:spcPts val="0"/>
-              </a:spcAft>
-            </a:defPPr>
-            <a:lvl1pPr marL="457200" marR="0" lvl="0" indent="-311150" algn="l" rtl="0">
-              <a:lnSpc>
-                <a:spcPct val="115000"/>
-              </a:lnSpc>
-              <a:spcBef>
-                <a:spcPts val="0"/>
-              </a:spcBef>
-              <a:spcAft>
-                <a:spcPts val="0"/>
-              </a:spcAft>
-              <a:buClr>
-                <a:schemeClr val="dk2"/>
-              </a:buClr>
-              <a:buSzPts val="1300"/>
-              <a:buFont typeface="Nunito"/>
-              <a:buChar char="●"/>
-              <a:defRPr sz="1300" b="0" i="0" u="none" strike="noStrike" cap="none">
-                <a:solidFill>
-                  <a:schemeClr val="dk2"/>
-                </a:solidFill>
-                <a:latin typeface="Nunito"/>
-                <a:ea typeface="Nunito"/>
-                <a:cs typeface="Nunito"/>
-                <a:sym typeface="Nunito"/>
-              </a:defRPr>
-            </a:lvl1pPr>
-            <a:lvl2pPr marL="914400" marR="0" lvl="1" indent="-298450" algn="l" rtl="0">
-              <a:lnSpc>
-                <a:spcPct val="115000"/>
-              </a:lnSpc>
-              <a:spcBef>
-                <a:spcPts val="0"/>
-              </a:spcBef>
-              <a:spcAft>
-                <a:spcPts val="0"/>
-              </a:spcAft>
-              <a:buClr>
-                <a:schemeClr val="dk2"/>
-              </a:buClr>
-              <a:buSzPts val="1100"/>
-              <a:buFont typeface="Nunito"/>
-              <a:buChar char="○"/>
-              <a:defRPr sz="1100" b="0" i="0" u="none" strike="noStrike" cap="none">
-                <a:solidFill>
-                  <a:schemeClr val="dk2"/>
-                </a:solidFill>
-                <a:latin typeface="Nunito"/>
-                <a:ea typeface="Nunito"/>
-                <a:cs typeface="Nunito"/>
-                <a:sym typeface="Nunito"/>
-              </a:defRPr>
-            </a:lvl2pPr>
-            <a:lvl3pPr marL="1371600" marR="0" lvl="2" indent="-298450" algn="l" rtl="0">
-              <a:lnSpc>
-                <a:spcPct val="115000"/>
-              </a:lnSpc>
-              <a:spcBef>
-                <a:spcPts val="0"/>
-              </a:spcBef>
-              <a:spcAft>
-                <a:spcPts val="0"/>
-              </a:spcAft>
-              <a:buClr>
-                <a:schemeClr val="dk2"/>
-              </a:buClr>
-              <a:buSzPts val="1100"/>
-              <a:buFont typeface="Nunito"/>
-              <a:buChar char="■"/>
-              <a:defRPr sz="1100" b="0" i="0" u="none" strike="noStrike" cap="none">
-                <a:solidFill>
-                  <a:schemeClr val="dk2"/>
-                </a:solidFill>
-                <a:latin typeface="Nunito"/>
-                <a:ea typeface="Nunito"/>
-                <a:cs typeface="Nunito"/>
-                <a:sym typeface="Nunito"/>
-              </a:defRPr>
-            </a:lvl3pPr>
-            <a:lvl4pPr marL="1828800" marR="0" lvl="3" indent="-298450" algn="l" rtl="0">
-              <a:lnSpc>
-                <a:spcPct val="115000"/>
-              </a:lnSpc>
-              <a:spcBef>
-                <a:spcPts val="0"/>
-              </a:spcBef>
-              <a:spcAft>
-                <a:spcPts val="0"/>
-              </a:spcAft>
-              <a:buClr>
-                <a:schemeClr val="dk2"/>
-              </a:buClr>
-              <a:buSzPts val="1100"/>
-              <a:buFont typeface="Nunito"/>
-              <a:buChar char="●"/>
-              <a:defRPr sz="1100" b="0" i="0" u="none" strike="noStrike" cap="none">
-                <a:solidFill>
-                  <a:schemeClr val="dk2"/>
-                </a:solidFill>
-                <a:latin typeface="Nunito"/>
-                <a:ea typeface="Nunito"/>
-                <a:cs typeface="Nunito"/>
-                <a:sym typeface="Nunito"/>
-              </a:defRPr>
-            </a:lvl4pPr>
-            <a:lvl5pPr marL="2286000" marR="0" lvl="4" indent="-298450" algn="l" rtl="0">
-              <a:lnSpc>
-                <a:spcPct val="115000"/>
-              </a:lnSpc>
-              <a:spcBef>
-                <a:spcPts val="0"/>
-              </a:spcBef>
-              <a:spcAft>
-                <a:spcPts val="0"/>
-              </a:spcAft>
-              <a:buClr>
-                <a:schemeClr val="dk2"/>
-              </a:buClr>
-              <a:buSzPts val="1100"/>
-              <a:buFont typeface="Nunito"/>
-              <a:buChar char="○"/>
-              <a:defRPr sz="1100" b="0" i="0" u="none" strike="noStrike" cap="none">
-                <a:solidFill>
-                  <a:schemeClr val="dk2"/>
-                </a:solidFill>
-                <a:latin typeface="Nunito"/>
-                <a:ea typeface="Nunito"/>
-                <a:cs typeface="Nunito"/>
-                <a:sym typeface="Nunito"/>
-              </a:defRPr>
-            </a:lvl5pPr>
-            <a:lvl6pPr marL="2743200" marR="0" lvl="5" indent="-298450" algn="l" rtl="0">
-              <a:lnSpc>
-                <a:spcPct val="115000"/>
-              </a:lnSpc>
-              <a:spcBef>
-                <a:spcPts val="0"/>
-              </a:spcBef>
-              <a:spcAft>
-                <a:spcPts val="0"/>
-              </a:spcAft>
-              <a:buClr>
-                <a:schemeClr val="dk2"/>
-              </a:buClr>
-              <a:buSzPts val="1100"/>
-              <a:buFont typeface="Nunito"/>
-              <a:buChar char="■"/>
-              <a:defRPr sz="1100" b="0" i="0" u="none" strike="noStrike" cap="none">
-                <a:solidFill>
-                  <a:schemeClr val="dk2"/>
-                </a:solidFill>
-                <a:latin typeface="Nunito"/>
-                <a:ea typeface="Nunito"/>
-                <a:cs typeface="Nunito"/>
-                <a:sym typeface="Nunito"/>
-              </a:defRPr>
-            </a:lvl6pPr>
-            <a:lvl7pPr marL="3200400" marR="0" lvl="6" indent="-298450" algn="l" rtl="0">
-              <a:lnSpc>
-                <a:spcPct val="115000"/>
-              </a:lnSpc>
-              <a:spcBef>
-                <a:spcPts val="0"/>
-              </a:spcBef>
-              <a:spcAft>
-                <a:spcPts val="0"/>
-              </a:spcAft>
-              <a:buClr>
-                <a:schemeClr val="dk2"/>
-              </a:buClr>
-              <a:buSzPts val="1100"/>
-              <a:buFont typeface="Nunito"/>
-              <a:buChar char="●"/>
-              <a:defRPr sz="1100" b="0" i="0" u="none" strike="noStrike" cap="none">
-                <a:solidFill>
-                  <a:schemeClr val="dk2"/>
-                </a:solidFill>
-                <a:latin typeface="Nunito"/>
-                <a:ea typeface="Nunito"/>
-                <a:cs typeface="Nunito"/>
-                <a:sym typeface="Nunito"/>
-              </a:defRPr>
-            </a:lvl7pPr>
-            <a:lvl8pPr marL="3657600" marR="0" lvl="7" indent="-298450" algn="l" rtl="0">
-              <a:lnSpc>
-                <a:spcPct val="115000"/>
-              </a:lnSpc>
-              <a:spcBef>
-                <a:spcPts val="0"/>
-              </a:spcBef>
-              <a:spcAft>
-                <a:spcPts val="0"/>
-              </a:spcAft>
-              <a:buClr>
-                <a:schemeClr val="dk2"/>
-              </a:buClr>
-              <a:buSzPts val="1100"/>
-              <a:buFont typeface="Nunito"/>
-              <a:buChar char="○"/>
-              <a:defRPr sz="1100" b="0" i="0" u="none" strike="noStrike" cap="none">
-                <a:solidFill>
-                  <a:schemeClr val="dk2"/>
-                </a:solidFill>
-                <a:latin typeface="Nunito"/>
-                <a:ea typeface="Nunito"/>
-                <a:cs typeface="Nunito"/>
-                <a:sym typeface="Nunito"/>
-              </a:defRPr>
-            </a:lvl8pPr>
-            <a:lvl9pPr marL="4114800" marR="0" lvl="8" indent="-298450" algn="l" rtl="0">
-              <a:lnSpc>
-                <a:spcPct val="115000"/>
-              </a:lnSpc>
-              <a:spcBef>
-                <a:spcPts val="0"/>
-              </a:spcBef>
-              <a:spcAft>
-                <a:spcPts val="0"/>
-              </a:spcAft>
-              <a:buClr>
-                <a:schemeClr val="dk2"/>
-              </a:buClr>
-              <a:buSzPts val="1100"/>
-              <a:buFont typeface="Nunito"/>
-              <a:buChar char="■"/>
-              <a:defRPr sz="1100" b="0" i="0" u="none" strike="noStrike" cap="none">
-                <a:solidFill>
-                  <a:schemeClr val="dk2"/>
-                </a:solidFill>
-                <a:latin typeface="Nunito"/>
-                <a:ea typeface="Nunito"/>
-                <a:cs typeface="Nunito"/>
-                <a:sym typeface="Nunito"/>
-              </a:defRPr>
-            </a:lvl9pPr>
-          </a:lstStyle>
+          <a:lstStyle/>
           <a:p>
-            <a:pPr marL="146050" indent="0">
+            <a:pPr marL="0" lvl="0" indent="0" algn="l" rtl="0">
+              <a:spcBef>
+                <a:spcPts val="0"/>
+              </a:spcBef>
+              <a:spcAft>
+                <a:spcPts val="0"/>
+              </a:spcAft>
               <a:buNone/>
             </a:pPr>
             <a:r>
-              <a:rPr lang="en-US" b="1" dirty="0"/>
-              <a:t>2. Reilly, Ron &amp; MeLea do </a:t>
-            </a:r>
-            <a:r>
-              <a:rPr lang="en-US" b="1" dirty="0" err="1"/>
-              <a:t>powerpoint</a:t>
-            </a:r>
-            <a:r>
-              <a:rPr lang="en-US" b="1" dirty="0"/>
-              <a:t>, Erik &amp; Priya do visualizations &amp; demos</a:t>
+              <a:rPr lang="en-US" dirty="0"/>
+              <a:t>Group 6</a:t>
             </a:r>
           </a:p>
           <a:p>
-            <a:pPr marL="146050" indent="0">
-              <a:buNone/>
-            </a:pPr>
-            <a:endParaRPr lang="en-US" b="1" dirty="0"/>
-          </a:p>
-          <a:p>
-            <a:pPr marL="146050" indent="0">
-              <a:buFont typeface="Nunito"/>
-              <a:buNone/>
-            </a:pPr>
-            <a:r>
-              <a:rPr lang="en-US" b="1" dirty="0"/>
-              <a:t>Reilly</a:t>
-            </a:r>
-          </a:p>
-          <a:p>
-            <a:pPr marL="146050" indent="0">
-              <a:buFont typeface="Nunito"/>
+            <a:pPr marL="0" lvl="0" indent="0" algn="l" rtl="0">
+              <a:spcBef>
+                <a:spcPts val="0"/>
+              </a:spcBef>
+              <a:spcAft>
+                <a:spcPts val="0"/>
+              </a:spcAft>
               <a:buNone/>
             </a:pPr>
             <a:r>
               <a:rPr lang="en-US" dirty="0"/>
-              <a:t>Intro: 1-4</a:t>
+              <a:t>Reilly Thompson, Ron Hankey, MeLea Hetrick, Priya McNamara, Erik Svoboda</a:t>
             </a:r>
-          </a:p>
-          <a:p>
-            <a:pPr marL="146050" indent="0">
-              <a:buFont typeface="Nunito"/>
-              <a:buNone/>
-            </a:pPr>
-            <a:r>
-              <a:rPr lang="en-US" b="1" dirty="0"/>
-              <a:t>Ron</a:t>
-            </a:r>
-          </a:p>
-          <a:p>
-            <a:pPr marL="146050" indent="0">
-              <a:buFont typeface="Nunito"/>
-              <a:buNone/>
-            </a:pPr>
-            <a:r>
-              <a:rPr lang="en-US" dirty="0"/>
-              <a:t>Database: 5</a:t>
-            </a:r>
-          </a:p>
-          <a:p>
-            <a:pPr marL="146050" indent="0">
-              <a:buFont typeface="Nunito"/>
-              <a:buNone/>
-            </a:pPr>
-            <a:r>
-              <a:rPr lang="en-US" dirty="0"/>
-              <a:t>Data exploration: 6-8</a:t>
-            </a:r>
-          </a:p>
-          <a:p>
-            <a:pPr marL="146050" indent="0">
-              <a:buFont typeface="Nunito"/>
-              <a:buNone/>
-            </a:pPr>
-            <a:r>
-              <a:rPr lang="en-US" dirty="0"/>
-              <a:t>Prelim feature selection: 9</a:t>
-            </a:r>
-          </a:p>
-          <a:p>
-            <a:pPr marL="146050" indent="0">
-              <a:buNone/>
-            </a:pPr>
-            <a:r>
-              <a:rPr lang="en-US" b="1" dirty="0"/>
-              <a:t>MeLea</a:t>
-            </a:r>
-          </a:p>
-          <a:p>
-            <a:pPr marL="146050" indent="0">
-              <a:buFont typeface="Nunito"/>
-              <a:buNone/>
-            </a:pPr>
-            <a:r>
-              <a:rPr lang="en-US" dirty="0"/>
-              <a:t>Data Processing: 10</a:t>
-            </a:r>
-          </a:p>
-          <a:p>
-            <a:pPr marL="146050" indent="0">
-              <a:buFont typeface="Nunito"/>
-              <a:buNone/>
-            </a:pPr>
-            <a:r>
-              <a:rPr lang="en-US" dirty="0"/>
-              <a:t>Model Performance: 11</a:t>
-            </a:r>
-          </a:p>
-          <a:p>
-            <a:pPr marL="146050" indent="0">
-              <a:buFont typeface="Nunito"/>
-              <a:buNone/>
-            </a:pPr>
-            <a:r>
-              <a:rPr lang="en-US" dirty="0"/>
-              <a:t>Feature Importance: 12-13</a:t>
-            </a:r>
-          </a:p>
-          <a:p>
-            <a:pPr marL="146050" indent="0">
-              <a:buFont typeface="Nunito"/>
-              <a:buNone/>
-            </a:pPr>
-            <a:r>
-              <a:rPr lang="en-US" dirty="0"/>
-              <a:t>Project Eval/takeaways: 15</a:t>
-            </a:r>
-          </a:p>
-          <a:p>
-            <a:pPr marL="146050" indent="0">
-              <a:buFont typeface="Nunito"/>
-              <a:buNone/>
-            </a:pPr>
-            <a:r>
-              <a:rPr lang="en-US" b="1" dirty="0"/>
-              <a:t>Priya</a:t>
-            </a:r>
-          </a:p>
-          <a:p>
-            <a:pPr marL="146050" indent="0">
-              <a:buFont typeface="Nunito"/>
-              <a:buNone/>
-            </a:pPr>
-            <a:r>
-              <a:rPr lang="en-US" dirty="0"/>
-              <a:t>Dashboard demo</a:t>
-            </a:r>
-          </a:p>
-          <a:p>
-            <a:pPr marL="146050" indent="0">
-              <a:buFont typeface="Nunito"/>
-              <a:buNone/>
-            </a:pPr>
-            <a:r>
-              <a:rPr lang="en-US" b="1" dirty="0"/>
-              <a:t>Erik</a:t>
-            </a:r>
-          </a:p>
-          <a:p>
-            <a:pPr marL="146050" indent="0">
-              <a:buFont typeface="Nunito"/>
-              <a:buNone/>
-            </a:pPr>
-            <a:r>
-              <a:rPr lang="en-US" dirty="0"/>
-              <a:t>Visualizations</a:t>
-            </a:r>
-          </a:p>
-          <a:p>
-            <a:pPr marL="146050" indent="0">
-              <a:buFont typeface="Nunito"/>
-              <a:buNone/>
-            </a:pPr>
-            <a:endParaRPr lang="en-US" dirty="0"/>
+            <a:endParaRPr dirty="0"/>
           </a:p>
         </p:txBody>
       </p:sp>
     </p:spTree>
-    <p:extLst>
-      <p:ext uri="{BB962C8B-B14F-4D97-AF65-F5344CB8AC3E}">
-        <p14:creationId xmlns:p14="http://schemas.microsoft.com/office/powerpoint/2010/main" val="1700832677"/>
-      </p:ext>
-    </p:extLst>
   </p:cSld>
   <p:clrMapOvr>
     <a:masterClrMapping/>
@@ -19349,225 +18887,6 @@
 </file>
 
 <file path=ppt/slides/slide10.xml><?xml version="1.0" encoding="utf-8"?>
-<p:sld xmlns:a="http://schemas.openxmlformats.org/drawingml/2006/main" xmlns:r="http://schemas.openxmlformats.org/officeDocument/2006/relationships" xmlns:p="http://schemas.openxmlformats.org/presentationml/2006/main">
-  <p:cSld>
-    <p:spTree>
-      <p:nvGrpSpPr>
-        <p:cNvPr id="1" name=""/>
-        <p:cNvGrpSpPr/>
-        <p:nvPr/>
-      </p:nvGrpSpPr>
-      <p:grpSpPr>
-        <a:xfrm>
-          <a:off x="0" y="0"/>
-          <a:ext cx="0" cy="0"/>
-          <a:chOff x="0" y="0"/>
-          <a:chExt cx="0" cy="0"/>
-        </a:xfrm>
-      </p:grpSpPr>
-      <p:sp>
-        <p:nvSpPr>
-          <p:cNvPr id="2" name="Title 1">
-            <a:extLst>
-              <a:ext uri="{FF2B5EF4-FFF2-40B4-BE49-F238E27FC236}">
-                <a16:creationId xmlns:a16="http://schemas.microsoft.com/office/drawing/2014/main" id="{B8D36673-3479-45EC-87E0-28D0B7ECE709}"/>
-              </a:ext>
-            </a:extLst>
-          </p:cNvPr>
-          <p:cNvSpPr>
-            <a:spLocks noGrp="1"/>
-          </p:cNvSpPr>
-          <p:nvPr>
-            <p:ph type="title"/>
-          </p:nvPr>
-        </p:nvSpPr>
-        <p:spPr>
-          <a:xfrm>
-            <a:off x="1303800" y="598575"/>
-            <a:ext cx="7611600" cy="999300"/>
-          </a:xfrm>
-        </p:spPr>
-        <p:txBody>
-          <a:bodyPr>
-            <a:normAutofit/>
-          </a:bodyPr>
-          <a:lstStyle/>
-          <a:p>
-            <a:r>
-              <a:rPr lang="en-US" dirty="0"/>
-              <a:t>Preliminary Feature Selection: </a:t>
-            </a:r>
-            <a:br>
-              <a:rPr lang="en-US" dirty="0"/>
-            </a:br>
-            <a:r>
-              <a:rPr lang="en-US" sz="2200" dirty="0"/>
-              <a:t>Eliminate columns that do not provide information</a:t>
-            </a:r>
-            <a:endParaRPr lang="en-US" dirty="0"/>
-          </a:p>
-        </p:txBody>
-      </p:sp>
-      <p:pic>
-        <p:nvPicPr>
-          <p:cNvPr id="4" name="Picture 3">
-            <a:extLst>
-              <a:ext uri="{FF2B5EF4-FFF2-40B4-BE49-F238E27FC236}">
-                <a16:creationId xmlns:a16="http://schemas.microsoft.com/office/drawing/2014/main" id="{6D1B96F5-9D67-4BDC-ADDD-903BC7223348}"/>
-              </a:ext>
-            </a:extLst>
-          </p:cNvPr>
-          <p:cNvPicPr>
-            <a:picLocks noChangeAspect="1"/>
-          </p:cNvPicPr>
-          <p:nvPr/>
-        </p:nvPicPr>
-        <p:blipFill>
-          <a:blip r:embed="rId3"/>
-          <a:stretch>
-            <a:fillRect/>
-          </a:stretch>
-        </p:blipFill>
-        <p:spPr>
-          <a:xfrm>
-            <a:off x="4822019" y="2201084"/>
-            <a:ext cx="3369406" cy="2945678"/>
-          </a:xfrm>
-          <a:prstGeom prst="rect">
-            <a:avLst/>
-          </a:prstGeom>
-        </p:spPr>
-      </p:pic>
-      <p:pic>
-        <p:nvPicPr>
-          <p:cNvPr id="5" name="Picture 4">
-            <a:extLst>
-              <a:ext uri="{FF2B5EF4-FFF2-40B4-BE49-F238E27FC236}">
-                <a16:creationId xmlns:a16="http://schemas.microsoft.com/office/drawing/2014/main" id="{CD914706-051F-43E5-AB9F-5A2A26456F10}"/>
-              </a:ext>
-            </a:extLst>
-          </p:cNvPr>
-          <p:cNvPicPr>
-            <a:picLocks noChangeAspect="1"/>
-          </p:cNvPicPr>
-          <p:nvPr/>
-        </p:nvPicPr>
-        <p:blipFill>
-          <a:blip r:embed="rId4"/>
-          <a:stretch>
-            <a:fillRect/>
-          </a:stretch>
-        </p:blipFill>
-        <p:spPr>
-          <a:xfrm>
-            <a:off x="703868" y="2201084"/>
-            <a:ext cx="3420458" cy="2945678"/>
-          </a:xfrm>
-          <a:prstGeom prst="rect">
-            <a:avLst/>
-          </a:prstGeom>
-        </p:spPr>
-      </p:pic>
-      <p:sp>
-        <p:nvSpPr>
-          <p:cNvPr id="7" name="TextBox 6">
-            <a:extLst>
-              <a:ext uri="{FF2B5EF4-FFF2-40B4-BE49-F238E27FC236}">
-                <a16:creationId xmlns:a16="http://schemas.microsoft.com/office/drawing/2014/main" id="{200258C1-198B-4B13-8DEF-3280262FF227}"/>
-              </a:ext>
-            </a:extLst>
-          </p:cNvPr>
-          <p:cNvSpPr txBox="1"/>
-          <p:nvPr/>
-        </p:nvSpPr>
-        <p:spPr>
-          <a:xfrm>
-            <a:off x="1184240" y="1751271"/>
-            <a:ext cx="3625285" cy="523220"/>
-          </a:xfrm>
-          <a:prstGeom prst="rect">
-            <a:avLst/>
-          </a:prstGeom>
-          <a:noFill/>
-        </p:spPr>
-        <p:txBody>
-          <a:bodyPr wrap="square">
-            <a:spAutoFit/>
-          </a:bodyPr>
-          <a:lstStyle/>
-          <a:p>
-            <a:pPr lvl="1"/>
-            <a:r>
-              <a:rPr lang="en-US" sz="1400" dirty="0"/>
-              <a:t>Employee Number:</a:t>
-            </a:r>
-          </a:p>
-          <a:p>
-            <a:pPr lvl="1"/>
-            <a:r>
-              <a:rPr lang="en-US" sz="1400" dirty="0"/>
-              <a:t>1470 rows with 1470 unique values </a:t>
-            </a:r>
-          </a:p>
-        </p:txBody>
-      </p:sp>
-      <p:sp>
-        <p:nvSpPr>
-          <p:cNvPr id="8" name="TextBox 7">
-            <a:extLst>
-              <a:ext uri="{FF2B5EF4-FFF2-40B4-BE49-F238E27FC236}">
-                <a16:creationId xmlns:a16="http://schemas.microsoft.com/office/drawing/2014/main" id="{9890D4BC-840C-4208-8A05-55498E8FBA76}"/>
-              </a:ext>
-            </a:extLst>
-          </p:cNvPr>
-          <p:cNvSpPr txBox="1"/>
-          <p:nvPr/>
-        </p:nvSpPr>
-        <p:spPr>
-          <a:xfrm>
-            <a:off x="5218935" y="1751271"/>
-            <a:ext cx="4280916" cy="523220"/>
-          </a:xfrm>
-          <a:prstGeom prst="rect">
-            <a:avLst/>
-          </a:prstGeom>
-          <a:noFill/>
-        </p:spPr>
-        <p:txBody>
-          <a:bodyPr wrap="square">
-            <a:spAutoFit/>
-          </a:bodyPr>
-          <a:lstStyle/>
-          <a:p>
-            <a:pPr lvl="1"/>
-            <a:r>
-              <a:rPr lang="en-US" sz="1400" dirty="0"/>
-              <a:t>Employee Count, Standard Hours, Over 18:</a:t>
-            </a:r>
-          </a:p>
-          <a:p>
-            <a:pPr lvl="1"/>
-            <a:r>
-              <a:rPr lang="en-US" sz="1400" dirty="0"/>
-              <a:t>1 unique value per row</a:t>
-            </a:r>
-          </a:p>
-        </p:txBody>
-      </p:sp>
-    </p:spTree>
-    <p:extLst>
-      <p:ext uri="{BB962C8B-B14F-4D97-AF65-F5344CB8AC3E}">
-        <p14:creationId xmlns:p14="http://schemas.microsoft.com/office/powerpoint/2010/main" val="3692123054"/>
-      </p:ext>
-    </p:extLst>
-  </p:cSld>
-  <p:clrMapOvr>
-    <a:masterClrMapping/>
-  </p:clrMapOvr>
-</p:sld>
-</file>
-
-<file path=ppt/slides/slide11.xml><?xml version="1.0" encoding="utf-8"?>
 <p:sld xmlns:a="http://schemas.openxmlformats.org/drawingml/2006/main" xmlns:r="http://schemas.openxmlformats.org/officeDocument/2006/relationships" xmlns:p="http://schemas.openxmlformats.org/presentationml/2006/main">
   <p:cSld>
     <p:spTree>
@@ -19830,7 +19149,7 @@
 </p:sld>
 </file>
 
-<file path=ppt/slides/slide12.xml><?xml version="1.0" encoding="utf-8"?>
+<file path=ppt/slides/slide11.xml><?xml version="1.0" encoding="utf-8"?>
 <p:sld xmlns:a="http://schemas.openxmlformats.org/drawingml/2006/main" xmlns:r="http://schemas.openxmlformats.org/officeDocument/2006/relationships" xmlns:p="http://schemas.openxmlformats.org/presentationml/2006/main">
   <p:cSld>
     <p:spTree>
@@ -19897,17 +19216,11 @@
           <p:cNvGraphicFramePr>
             <a:graphicFrameLocks noGrp="1"/>
           </p:cNvGraphicFramePr>
-          <p:nvPr>
-            <p:extLst>
-              <p:ext uri="{D42A27DB-BD31-4B8C-83A1-F6EECF244321}">
-                <p14:modId xmlns:p14="http://schemas.microsoft.com/office/powerpoint/2010/main" val="4008771619"/>
-              </p:ext>
-            </p:extLst>
-          </p:nvPr>
+          <p:nvPr/>
         </p:nvGraphicFramePr>
         <p:xfrm>
           <a:off x="2058896" y="1774926"/>
-          <a:ext cx="5026208" cy="2372360"/>
+          <a:ext cx="3852351" cy="2415477"/>
         </p:xfrm>
         <a:graphic>
           <a:graphicData uri="http://schemas.openxmlformats.org/drawingml/2006/table">
@@ -19920,13 +19233,6 @@
                   <a:extLst>
                     <a:ext uri="{9D8B030D-6E8A-4147-A177-3AD203B41FA5}">
                       <a16:colId xmlns:a16="http://schemas.microsoft.com/office/drawing/2014/main" val="1484092443"/>
-                    </a:ext>
-                  </a:extLst>
-                </a:gridCol>
-                <a:gridCol w="1173857">
-                  <a:extLst>
-                    <a:ext uri="{9D8B030D-6E8A-4147-A177-3AD203B41FA5}">
-                      <a16:colId xmlns:a16="http://schemas.microsoft.com/office/drawing/2014/main" val="2334171009"/>
                     </a:ext>
                   </a:extLst>
                 </a:gridCol>
@@ -19965,19 +19271,6 @@
                   </a:txBody>
                   <a:tcPr anchor="ctr"/>
                 </a:tc>
-                <a:tc>
-                  <a:txBody>
-                    <a:bodyPr/>
-                    <a:lstStyle/>
-                    <a:p>
-                      <a:r>
-                        <a:rPr lang="en-US" dirty="0"/>
-                        <a:t>Tuned Accuracy Score</a:t>
-                      </a:r>
-                    </a:p>
-                  </a:txBody>
-                  <a:tcPr anchor="ctr"/>
-                </a:tc>
                 <a:extLst>
                   <a:ext uri="{0D108BD9-81ED-4DB2-BD59-A6C34878D82A}">
                     <a16:rowId xmlns:a16="http://schemas.microsoft.com/office/drawing/2014/main" val="1435900287"/>
@@ -19998,43 +19291,6 @@
                           <a:latin typeface="+mj-lt"/>
                         </a:rPr>
                         <a:t>Logistic Regression</a:t>
-                      </a:r>
-                    </a:p>
-                  </a:txBody>
-                  <a:tcPr anchor="ctr"/>
-                </a:tc>
-                <a:tc>
-                  <a:txBody>
-                    <a:bodyPr/>
-                    <a:lstStyle/>
-                    <a:p>
-                      <a:pPr marL="0" marR="0" lvl="0" indent="0" algn="l" defTabSz="914400" rtl="0" eaLnBrk="1" fontAlgn="auto" latinLnBrk="0" hangingPunct="1">
-                        <a:lnSpc>
-                          <a:spcPct val="100000"/>
-                        </a:lnSpc>
-                        <a:spcBef>
-                          <a:spcPts val="0"/>
-                        </a:spcBef>
-                        <a:spcAft>
-                          <a:spcPts val="0"/>
-                        </a:spcAft>
-                        <a:buClr>
-                          <a:srgbClr val="000000"/>
-                        </a:buClr>
-                        <a:buSzTx/>
-                        <a:buFont typeface="Arial"/>
-                        <a:buNone/>
-                        <a:tabLst/>
-                        <a:defRPr/>
-                      </a:pPr>
-                      <a:r>
-                        <a:rPr lang="en-US" sz="1400" dirty="0">
-                          <a:solidFill>
-                            <a:schemeClr val="bg2"/>
-                          </a:solidFill>
-                          <a:latin typeface="+mj-lt"/>
-                        </a:rPr>
-                        <a:t>87.228%</a:t>
                       </a:r>
                     </a:p>
                   </a:txBody>
@@ -20145,24 +19401,6 @@
                     <a:lstStyle/>
                     <a:p>
                       <a:r>
-                        <a:rPr lang="en-US" sz="1400" dirty="0">
-                          <a:solidFill>
-                            <a:schemeClr val="bg2"/>
-                          </a:solidFill>
-                          <a:latin typeface="+mj-lt"/>
-                        </a:rPr>
-                        <a:t>87.772%</a:t>
-                      </a:r>
-                    </a:p>
-                  </a:txBody>
-                  <a:tcPr anchor="ctr"/>
-                </a:tc>
-                <a:tc>
-                  <a:txBody>
-                    <a:bodyPr/>
-                    <a:lstStyle/>
-                    <a:p>
-                      <a:r>
                         <a:rPr lang="en-US" dirty="0">
                           <a:solidFill>
                             <a:schemeClr val="bg2"/>
@@ -20225,25 +19463,7 @@
                           <a:latin typeface="+mj-lt"/>
                           <a:sym typeface="Nunito"/>
                         </a:rPr>
-                        <a:t>Support Vector Machine</a:t>
-                      </a:r>
-                    </a:p>
-                  </a:txBody>
-                  <a:tcPr anchor="ctr"/>
-                </a:tc>
-                <a:tc>
-                  <a:txBody>
-                    <a:bodyPr/>
-                    <a:lstStyle/>
-                    <a:p>
-                      <a:r>
-                        <a:rPr lang="en-US" sz="1400" dirty="0">
-                          <a:solidFill>
-                            <a:schemeClr val="bg2"/>
-                          </a:solidFill>
-                          <a:latin typeface="+mj-lt"/>
-                        </a:rPr>
-                        <a:t>87.228%</a:t>
+                        <a:t>Support Vector Machine Classifier</a:t>
                       </a:r>
                     </a:p>
                   </a:txBody>
@@ -20318,24 +19538,6 @@
                           <a:sym typeface="Nunito"/>
                         </a:rPr>
                         <a:t>XG Boost</a:t>
-                      </a:r>
-                    </a:p>
-                  </a:txBody>
-                  <a:tcPr anchor="ctr"/>
-                </a:tc>
-                <a:tc>
-                  <a:txBody>
-                    <a:bodyPr/>
-                    <a:lstStyle/>
-                    <a:p>
-                      <a:r>
-                        <a:rPr lang="en-US" sz="1400" dirty="0">
-                          <a:solidFill>
-                            <a:schemeClr val="bg2"/>
-                          </a:solidFill>
-                          <a:latin typeface="+mj-lt"/>
-                        </a:rPr>
-                        <a:t>88.315%</a:t>
                       </a:r>
                     </a:p>
                   </a:txBody>
@@ -20427,24 +19629,6 @@
                     <a:lstStyle/>
                     <a:p>
                       <a:r>
-                        <a:rPr lang="en-US" sz="1400" dirty="0">
-                          <a:solidFill>
-                            <a:schemeClr val="bg2"/>
-                          </a:solidFill>
-                          <a:latin typeface="+mj-lt"/>
-                        </a:rPr>
-                        <a:t>71.467%</a:t>
-                      </a:r>
-                    </a:p>
-                  </a:txBody>
-                  <a:tcPr anchor="ctr"/>
-                </a:tc>
-                <a:tc>
-                  <a:txBody>
-                    <a:bodyPr/>
-                    <a:lstStyle/>
-                    <a:p>
-                      <a:r>
                         <a:rPr lang="en-US" dirty="0">
                           <a:solidFill>
                             <a:schemeClr val="bg2"/>
@@ -20486,8 +19670,62 @@
         </p:nvSpPr>
         <p:spPr>
           <a:xfrm>
-            <a:off x="2058896" y="2318446"/>
-            <a:ext cx="5026208" cy="348062"/>
+            <a:off x="2058896" y="2146996"/>
+            <a:ext cx="3852351" cy="348062"/>
+          </a:xfrm>
+          <a:prstGeom prst="rect">
+            <a:avLst/>
+          </a:prstGeom>
+          <a:noFill/>
+          <a:ln>
+            <a:solidFill>
+              <a:schemeClr val="tx2">
+                <a:lumMod val="50000"/>
+              </a:schemeClr>
+            </a:solidFill>
+          </a:ln>
+        </p:spPr>
+        <p:style>
+          <a:lnRef idx="2">
+            <a:schemeClr val="accent1">
+              <a:shade val="50000"/>
+            </a:schemeClr>
+          </a:lnRef>
+          <a:fillRef idx="1">
+            <a:schemeClr val="accent1"/>
+          </a:fillRef>
+          <a:effectRef idx="0">
+            <a:schemeClr val="accent1"/>
+          </a:effectRef>
+          <a:fontRef idx="minor">
+            <a:schemeClr val="lt1"/>
+          </a:fontRef>
+        </p:style>
+        <p:txBody>
+          <a:bodyPr rtlCol="0" anchor="ctr"/>
+          <a:lstStyle/>
+          <a:p>
+            <a:pPr algn="ctr"/>
+            <a:endParaRPr lang="en-US"/>
+          </a:p>
+        </p:txBody>
+      </p:sp>
+      <p:sp>
+        <p:nvSpPr>
+          <p:cNvPr id="5" name="Rectangle 4">
+            <a:extLst>
+              <a:ext uri="{FF2B5EF4-FFF2-40B4-BE49-F238E27FC236}">
+                <a16:creationId xmlns:a16="http://schemas.microsoft.com/office/drawing/2014/main" id="{86619704-C9FC-4BF6-ADD2-C909927AAAAA}"/>
+              </a:ext>
+            </a:extLst>
+          </p:cNvPr>
+          <p:cNvSpPr/>
+          <p:nvPr/>
+        </p:nvSpPr>
+        <p:spPr>
+          <a:xfrm>
+            <a:off x="2058895" y="2867128"/>
+            <a:ext cx="3852351" cy="580922"/>
           </a:xfrm>
           <a:prstGeom prst="rect">
             <a:avLst/>
@@ -20527,6 +19765,11 @@
         </p:txBody>
       </p:sp>
     </p:spTree>
+    <p:extLst>
+      <p:ext uri="{BB962C8B-B14F-4D97-AF65-F5344CB8AC3E}">
+        <p14:creationId xmlns:p14="http://schemas.microsoft.com/office/powerpoint/2010/main" val="2074937547"/>
+      </p:ext>
+    </p:extLst>
   </p:cSld>
   <p:clrMapOvr>
     <a:masterClrMapping/>
@@ -20584,6 +19827,51 @@
                       </p:childTnLst>
                     </p:cTn>
                   </p:par>
+                  <p:par>
+                    <p:cTn id="7" fill="hold">
+                      <p:stCondLst>
+                        <p:cond delay="indefinite"/>
+                      </p:stCondLst>
+                      <p:childTnLst>
+                        <p:par>
+                          <p:cTn id="8" fill="hold">
+                            <p:stCondLst>
+                              <p:cond delay="0"/>
+                            </p:stCondLst>
+                            <p:childTnLst>
+                              <p:par>
+                                <p:cTn id="9" presetID="1" presetClass="entr" presetSubtype="0" fill="hold" grpId="0" nodeType="clickEffect">
+                                  <p:stCondLst>
+                                    <p:cond delay="0"/>
+                                  </p:stCondLst>
+                                  <p:childTnLst>
+                                    <p:set>
+                                      <p:cBhvr>
+                                        <p:cTn id="10" dur="1" fill="hold">
+                                          <p:stCondLst>
+                                            <p:cond delay="0"/>
+                                          </p:stCondLst>
+                                        </p:cTn>
+                                        <p:tgtEl>
+                                          <p:spTgt spid="5"/>
+                                        </p:tgtEl>
+                                        <p:attrNameLst>
+                                          <p:attrName>style.visibility</p:attrName>
+                                        </p:attrNameLst>
+                                      </p:cBhvr>
+                                      <p:to>
+                                        <p:strVal val="visible"/>
+                                      </p:to>
+                                    </p:set>
+                                  </p:childTnLst>
+                                </p:cTn>
+                              </p:par>
+                            </p:childTnLst>
+                          </p:cTn>
+                        </p:par>
+                      </p:childTnLst>
+                    </p:cTn>
+                  </p:par>
                 </p:childTnLst>
               </p:cTn>
               <p:prevCondLst>
@@ -20607,8 +19895,413 @@
     </p:tnLst>
     <p:bldLst>
       <p:bldP spid="3" grpId="0" animBg="1"/>
+      <p:bldP spid="5" grpId="0" animBg="1"/>
     </p:bldLst>
   </p:timing>
+</p:sld>
+</file>
+
+<file path=ppt/slides/slide12.xml><?xml version="1.0" encoding="utf-8"?>
+<p:sld xmlns:a="http://schemas.openxmlformats.org/drawingml/2006/main" xmlns:r="http://schemas.openxmlformats.org/officeDocument/2006/relationships" xmlns:p="http://schemas.openxmlformats.org/presentationml/2006/main">
+  <p:cSld>
+    <p:spTree>
+      <p:nvGrpSpPr>
+        <p:cNvPr id="1" name="Shape 306"/>
+        <p:cNvGrpSpPr/>
+        <p:nvPr/>
+      </p:nvGrpSpPr>
+      <p:grpSpPr>
+        <a:xfrm>
+          <a:off x="0" y="0"/>
+          <a:ext cx="0" cy="0"/>
+          <a:chOff x="0" y="0"/>
+          <a:chExt cx="0" cy="0"/>
+        </a:xfrm>
+      </p:grpSpPr>
+      <p:sp>
+        <p:nvSpPr>
+          <p:cNvPr id="307" name="Google Shape;307;p18"/>
+          <p:cNvSpPr txBox="1">
+            <a:spLocks noGrp="1"/>
+          </p:cNvSpPr>
+          <p:nvPr>
+            <p:ph type="title"/>
+          </p:nvPr>
+        </p:nvSpPr>
+        <p:spPr>
+          <a:prstGeom prst="rect">
+            <a:avLst/>
+          </a:prstGeom>
+        </p:spPr>
+        <p:txBody>
+          <a:bodyPr spcFirstLastPara="1" wrap="square" lIns="91425" tIns="91425" rIns="91425" bIns="91425" anchor="t" anchorCtr="0">
+            <a:normAutofit fontScale="90000"/>
+          </a:bodyPr>
+          <a:lstStyle/>
+          <a:p>
+            <a:pPr marL="0" lvl="0" indent="0" algn="l" rtl="0">
+              <a:spcBef>
+                <a:spcPts val="0"/>
+              </a:spcBef>
+              <a:spcAft>
+                <a:spcPts val="0"/>
+              </a:spcAft>
+              <a:buNone/>
+            </a:pPr>
+            <a:r>
+              <a:rPr lang="en" dirty="0"/>
+              <a:t>Top Two Machine Learning Models:</a:t>
+            </a:r>
+            <a:br>
+              <a:rPr lang="en" dirty="0"/>
+            </a:br>
+            <a:r>
+              <a:rPr lang="en" dirty="0"/>
+              <a:t>Hyperparameter Tuning</a:t>
+            </a:r>
+            <a:endParaRPr dirty="0"/>
+          </a:p>
+        </p:txBody>
+      </p:sp>
+      <p:graphicFrame>
+        <p:nvGraphicFramePr>
+          <p:cNvPr id="2" name="Table 2">
+            <a:extLst>
+              <a:ext uri="{FF2B5EF4-FFF2-40B4-BE49-F238E27FC236}">
+                <a16:creationId xmlns:a16="http://schemas.microsoft.com/office/drawing/2014/main" id="{9B32D9C4-E82F-4582-873F-BE1B3293F41B}"/>
+              </a:ext>
+            </a:extLst>
+          </p:cNvPr>
+          <p:cNvGraphicFramePr>
+            <a:graphicFrameLocks noGrp="1"/>
+          </p:cNvGraphicFramePr>
+          <p:nvPr>
+            <p:extLst>
+              <p:ext uri="{D42A27DB-BD31-4B8C-83A1-F6EECF244321}">
+                <p14:modId xmlns:p14="http://schemas.microsoft.com/office/powerpoint/2010/main" val="2885940615"/>
+              </p:ext>
+            </p:extLst>
+          </p:nvPr>
+        </p:nvGraphicFramePr>
+        <p:xfrm>
+          <a:off x="1657350" y="2095349"/>
+          <a:ext cx="5534025" cy="1450277"/>
+        </p:xfrm>
+        <a:graphic>
+          <a:graphicData uri="http://schemas.openxmlformats.org/drawingml/2006/table">
+            <a:tbl>
+              <a:tblPr firstRow="1" bandRow="1">
+                <a:tableStyleId>{5C22544A-7EE6-4342-B048-85BDC9FD1C3A}</a:tableStyleId>
+              </a:tblPr>
+              <a:tblGrid>
+                <a:gridCol w="2316997">
+                  <a:extLst>
+                    <a:ext uri="{9D8B030D-6E8A-4147-A177-3AD203B41FA5}">
+                      <a16:colId xmlns:a16="http://schemas.microsoft.com/office/drawing/2014/main" val="1484092443"/>
+                    </a:ext>
+                  </a:extLst>
+                </a:gridCol>
+                <a:gridCol w="1608514">
+                  <a:extLst>
+                    <a:ext uri="{9D8B030D-6E8A-4147-A177-3AD203B41FA5}">
+                      <a16:colId xmlns:a16="http://schemas.microsoft.com/office/drawing/2014/main" val="1603424885"/>
+                    </a:ext>
+                  </a:extLst>
+                </a:gridCol>
+                <a:gridCol w="1608514">
+                  <a:extLst>
+                    <a:ext uri="{9D8B030D-6E8A-4147-A177-3AD203B41FA5}">
+                      <a16:colId xmlns:a16="http://schemas.microsoft.com/office/drawing/2014/main" val="3888716357"/>
+                    </a:ext>
+                  </a:extLst>
+                </a:gridCol>
+              </a:tblGrid>
+              <a:tr h="370840">
+                <a:tc>
+                  <a:txBody>
+                    <a:bodyPr/>
+                    <a:lstStyle/>
+                    <a:p>
+                      <a:r>
+                        <a:rPr lang="en-US" dirty="0"/>
+                        <a:t>Model</a:t>
+                      </a:r>
+                    </a:p>
+                  </a:txBody>
+                  <a:tcPr anchor="ctr"/>
+                </a:tc>
+                <a:tc>
+                  <a:txBody>
+                    <a:bodyPr/>
+                    <a:lstStyle/>
+                    <a:p>
+                      <a:r>
+                        <a:rPr lang="en-US" dirty="0"/>
+                        <a:t>Accuracy Score</a:t>
+                      </a:r>
+                    </a:p>
+                  </a:txBody>
+                  <a:tcPr anchor="ctr"/>
+                </a:tc>
+                <a:tc>
+                  <a:txBody>
+                    <a:bodyPr/>
+                    <a:lstStyle/>
+                    <a:p>
+                      <a:r>
+                        <a:rPr lang="en-US" dirty="0"/>
+                        <a:t>Final Accuracy Score</a:t>
+                      </a:r>
+                    </a:p>
+                  </a:txBody>
+                  <a:tcPr anchor="ctr"/>
+                </a:tc>
+                <a:extLst>
+                  <a:ext uri="{0D108BD9-81ED-4DB2-BD59-A6C34878D82A}">
+                    <a16:rowId xmlns:a16="http://schemas.microsoft.com/office/drawing/2014/main" val="1435900287"/>
+                  </a:ext>
+                </a:extLst>
+              </a:tr>
+              <a:tr h="370840">
+                <a:tc>
+                  <a:txBody>
+                    <a:bodyPr/>
+                    <a:lstStyle/>
+                    <a:p>
+                      <a:r>
+                        <a:rPr lang="en-US" sz="1400" dirty="0">
+                          <a:solidFill>
+                            <a:schemeClr val="bg2"/>
+                          </a:solidFill>
+                          <a:latin typeface="+mj-lt"/>
+                        </a:rPr>
+                        <a:t>Logistic Regression</a:t>
+                      </a:r>
+                    </a:p>
+                  </a:txBody>
+                  <a:tcPr anchor="ctr"/>
+                </a:tc>
+                <a:tc>
+                  <a:txBody>
+                    <a:bodyPr/>
+                    <a:lstStyle/>
+                    <a:p>
+                      <a:pPr marL="0" marR="0" lvl="0" indent="0" algn="l" defTabSz="914400" rtl="0" eaLnBrk="1" fontAlgn="auto" latinLnBrk="0" hangingPunct="1">
+                        <a:lnSpc>
+                          <a:spcPct val="100000"/>
+                        </a:lnSpc>
+                        <a:spcBef>
+                          <a:spcPts val="0"/>
+                        </a:spcBef>
+                        <a:spcAft>
+                          <a:spcPts val="0"/>
+                        </a:spcAft>
+                        <a:buClr>
+                          <a:srgbClr val="000000"/>
+                        </a:buClr>
+                        <a:buSzTx/>
+                        <a:buFont typeface="Arial"/>
+                        <a:buNone/>
+                        <a:tabLst/>
+                        <a:defRPr/>
+                      </a:pPr>
+                      <a:r>
+                        <a:rPr lang="en-US" dirty="0">
+                          <a:solidFill>
+                            <a:schemeClr val="bg2"/>
+                          </a:solidFill>
+                        </a:rPr>
+                        <a:t>89.796%</a:t>
+                      </a:r>
+                      <a:endParaRPr lang="en-US" sz="1400" dirty="0">
+                        <a:solidFill>
+                          <a:schemeClr val="bg2"/>
+                        </a:solidFill>
+                        <a:latin typeface="+mj-lt"/>
+                      </a:endParaRPr>
+                    </a:p>
+                  </a:txBody>
+                  <a:tcPr anchor="ctr"/>
+                </a:tc>
+                <a:tc>
+                  <a:txBody>
+                    <a:bodyPr/>
+                    <a:lstStyle/>
+                    <a:p>
+                      <a:pPr marL="0" marR="0" lvl="0" indent="0" algn="l" defTabSz="914400" rtl="0" eaLnBrk="1" fontAlgn="auto" latinLnBrk="0" hangingPunct="1">
+                        <a:lnSpc>
+                          <a:spcPct val="100000"/>
+                        </a:lnSpc>
+                        <a:spcBef>
+                          <a:spcPts val="0"/>
+                        </a:spcBef>
+                        <a:spcAft>
+                          <a:spcPts val="0"/>
+                        </a:spcAft>
+                        <a:buClr>
+                          <a:srgbClr val="000000"/>
+                        </a:buClr>
+                        <a:buSzTx/>
+                        <a:buFont typeface="Arial"/>
+                        <a:buNone/>
+                        <a:tabLst/>
+                        <a:defRPr/>
+                      </a:pPr>
+                      <a:r>
+                        <a:rPr lang="en-US" dirty="0">
+                          <a:solidFill>
+                            <a:schemeClr val="bg2"/>
+                          </a:solidFill>
+                        </a:rPr>
+                        <a:t>89.796%</a:t>
+                      </a:r>
+                      <a:endParaRPr lang="en-US" sz="1400" b="0" i="0" u="none" strike="noStrike" cap="none" dirty="0">
+                        <a:solidFill>
+                          <a:schemeClr val="bg2"/>
+                        </a:solidFill>
+                        <a:latin typeface="+mn-lt"/>
+                        <a:ea typeface="+mn-ea"/>
+                        <a:cs typeface="+mn-cs"/>
+                        <a:sym typeface="Arial"/>
+                      </a:endParaRPr>
+                    </a:p>
+                  </a:txBody>
+                  <a:tcPr anchor="ctr"/>
+                </a:tc>
+                <a:extLst>
+                  <a:ext uri="{0D108BD9-81ED-4DB2-BD59-A6C34878D82A}">
+                    <a16:rowId xmlns:a16="http://schemas.microsoft.com/office/drawing/2014/main" val="3227272523"/>
+                  </a:ext>
+                </a:extLst>
+              </a:tr>
+              <a:tr h="370840">
+                <a:tc>
+                  <a:txBody>
+                    <a:bodyPr/>
+                    <a:lstStyle/>
+                    <a:p>
+                      <a:pPr marL="0" marR="0" lvl="0" indent="0" algn="l" defTabSz="914400" rtl="0" eaLnBrk="1" fontAlgn="auto" latinLnBrk="0" hangingPunct="1">
+                        <a:lnSpc>
+                          <a:spcPct val="115000"/>
+                        </a:lnSpc>
+                        <a:spcBef>
+                          <a:spcPts val="0"/>
+                        </a:spcBef>
+                        <a:spcAft>
+                          <a:spcPts val="1200"/>
+                        </a:spcAft>
+                        <a:buClr>
+                          <a:srgbClr val="424242"/>
+                        </a:buClr>
+                        <a:buSzPts val="1300"/>
+                        <a:buFont typeface="Nunito"/>
+                        <a:buNone/>
+                        <a:tabLst/>
+                        <a:defRPr/>
+                      </a:pPr>
+                      <a:r>
+                        <a:rPr kumimoji="0" lang="en-US" sz="1400" b="0" i="0" u="none" strike="noStrike" kern="0" cap="none" spc="0" normalizeH="0" baseline="0" noProof="0" dirty="0">
+                          <a:ln>
+                            <a:noFill/>
+                          </a:ln>
+                          <a:solidFill>
+                            <a:schemeClr val="bg2"/>
+                          </a:solidFill>
+                          <a:effectLst/>
+                          <a:uLnTx/>
+                          <a:uFillTx/>
+                          <a:latin typeface="+mj-lt"/>
+                          <a:sym typeface="Nunito"/>
+                        </a:rPr>
+                        <a:t>Support Vector Machine Classifier</a:t>
+                      </a:r>
+                    </a:p>
+                  </a:txBody>
+                  <a:tcPr anchor="ctr"/>
+                </a:tc>
+                <a:tc>
+                  <a:txBody>
+                    <a:bodyPr/>
+                    <a:lstStyle/>
+                    <a:p>
+                      <a:r>
+                        <a:rPr lang="en-US" dirty="0">
+                          <a:solidFill>
+                            <a:schemeClr val="bg2"/>
+                          </a:solidFill>
+                        </a:rPr>
+                        <a:t>89.116%</a:t>
+                      </a:r>
+                      <a:endParaRPr lang="en-US" sz="1400" dirty="0">
+                        <a:solidFill>
+                          <a:schemeClr val="bg2"/>
+                        </a:solidFill>
+                        <a:latin typeface="+mj-lt"/>
+                      </a:endParaRPr>
+                    </a:p>
+                  </a:txBody>
+                  <a:tcPr anchor="ctr"/>
+                </a:tc>
+                <a:tc>
+                  <a:txBody>
+                    <a:bodyPr/>
+                    <a:lstStyle/>
+                    <a:p>
+                      <a:pPr marL="0" marR="0" lvl="0" indent="0" algn="l" defTabSz="914400" rtl="0" eaLnBrk="1" fontAlgn="auto" latinLnBrk="0" hangingPunct="1">
+                        <a:lnSpc>
+                          <a:spcPct val="100000"/>
+                        </a:lnSpc>
+                        <a:spcBef>
+                          <a:spcPts val="0"/>
+                        </a:spcBef>
+                        <a:spcAft>
+                          <a:spcPts val="0"/>
+                        </a:spcAft>
+                        <a:buClr>
+                          <a:srgbClr val="000000"/>
+                        </a:buClr>
+                        <a:buSzTx/>
+                        <a:buFont typeface="Arial"/>
+                        <a:buNone/>
+                        <a:tabLst/>
+                        <a:defRPr/>
+                      </a:pPr>
+                      <a:r>
+                        <a:rPr lang="en-US" dirty="0">
+                          <a:solidFill>
+                            <a:schemeClr val="bg2"/>
+                          </a:solidFill>
+                        </a:rPr>
+                        <a:t>89.796%</a:t>
+                      </a:r>
+                      <a:endParaRPr lang="en-US" sz="1400" b="0" i="0" u="none" strike="noStrike" cap="none" dirty="0">
+                        <a:solidFill>
+                          <a:schemeClr val="bg2"/>
+                        </a:solidFill>
+                        <a:latin typeface="+mn-lt"/>
+                        <a:ea typeface="+mn-ea"/>
+                        <a:cs typeface="+mn-cs"/>
+                        <a:sym typeface="Arial"/>
+                      </a:endParaRPr>
+                    </a:p>
+                  </a:txBody>
+                  <a:tcPr anchor="ctr"/>
+                </a:tc>
+                <a:extLst>
+                  <a:ext uri="{0D108BD9-81ED-4DB2-BD59-A6C34878D82A}">
+                    <a16:rowId xmlns:a16="http://schemas.microsoft.com/office/drawing/2014/main" val="1691465788"/>
+                  </a:ext>
+                </a:extLst>
+              </a:tr>
+            </a:tbl>
+          </a:graphicData>
+        </a:graphic>
+      </p:graphicFrame>
+    </p:spTree>
+  </p:cSld>
+  <p:clrMapOvr>
+    <a:masterClrMapping/>
+  </p:clrMapOvr>
 </p:sld>
 </file>
 
@@ -21430,283 +21123,7 @@
 </p:sld>
 </file>
 
-<file path=ppt/slides/slide15.xml><?xml version="1.0" encoding="utf-8"?>
-<p:sld xmlns:a="http://schemas.openxmlformats.org/drawingml/2006/main" xmlns:r="http://schemas.openxmlformats.org/officeDocument/2006/relationships" xmlns:p="http://schemas.openxmlformats.org/presentationml/2006/main">
-  <p:cSld>
-    <p:spTree>
-      <p:nvGrpSpPr>
-        <p:cNvPr id="1" name="Shape 318"/>
-        <p:cNvGrpSpPr/>
-        <p:nvPr/>
-      </p:nvGrpSpPr>
-      <p:grpSpPr>
-        <a:xfrm>
-          <a:off x="0" y="0"/>
-          <a:ext cx="0" cy="0"/>
-          <a:chOff x="0" y="0"/>
-          <a:chExt cx="0" cy="0"/>
-        </a:xfrm>
-      </p:grpSpPr>
-      <p:sp>
-        <p:nvSpPr>
-          <p:cNvPr id="319" name="Google Shape;319;p20"/>
-          <p:cNvSpPr txBox="1">
-            <a:spLocks noGrp="1"/>
-          </p:cNvSpPr>
-          <p:nvPr>
-            <p:ph type="title"/>
-          </p:nvPr>
-        </p:nvSpPr>
-        <p:spPr>
-          <a:xfrm>
-            <a:off x="1303800" y="598575"/>
-            <a:ext cx="7030500" cy="999300"/>
-          </a:xfrm>
-          <a:prstGeom prst="rect">
-            <a:avLst/>
-          </a:prstGeom>
-        </p:spPr>
-        <p:txBody>
-          <a:bodyPr spcFirstLastPara="1" wrap="square" lIns="91425" tIns="91425" rIns="91425" bIns="91425" anchor="t" anchorCtr="0">
-            <a:normAutofit/>
-          </a:bodyPr>
-          <a:lstStyle/>
-          <a:p>
-            <a:pPr marL="0" lvl="0" indent="0" algn="l" rtl="0">
-              <a:spcBef>
-                <a:spcPts val="0"/>
-              </a:spcBef>
-              <a:spcAft>
-                <a:spcPts val="0"/>
-              </a:spcAft>
-              <a:buNone/>
-            </a:pPr>
-            <a:r>
-              <a:rPr lang="en" dirty="0"/>
-              <a:t>Dashboard &amp; Visualizations</a:t>
-            </a:r>
-            <a:endParaRPr dirty="0"/>
-          </a:p>
-        </p:txBody>
-      </p:sp>
-      <p:sp>
-        <p:nvSpPr>
-          <p:cNvPr id="320" name="Google Shape;320;p20"/>
-          <p:cNvSpPr txBox="1">
-            <a:spLocks noGrp="1"/>
-          </p:cNvSpPr>
-          <p:nvPr>
-            <p:ph type="body" idx="1"/>
-          </p:nvPr>
-        </p:nvSpPr>
-        <p:spPr>
-          <a:xfrm>
-            <a:off x="1303800" y="1990050"/>
-            <a:ext cx="7030500" cy="2541600"/>
-          </a:xfrm>
-          <a:prstGeom prst="rect">
-            <a:avLst/>
-          </a:prstGeom>
-        </p:spPr>
-        <p:txBody>
-          <a:bodyPr spcFirstLastPara="1" wrap="square" lIns="91425" tIns="91425" rIns="91425" bIns="91425" anchor="t" anchorCtr="0">
-            <a:normAutofit/>
-          </a:bodyPr>
-          <a:lstStyle/>
-          <a:p>
-            <a:pPr marL="0" lvl="0" indent="0" algn="l" rtl="0">
-              <a:spcBef>
-                <a:spcPts val="0"/>
-              </a:spcBef>
-              <a:spcAft>
-                <a:spcPts val="1200"/>
-              </a:spcAft>
-              <a:buNone/>
-            </a:pPr>
-            <a:r>
-              <a:rPr lang="en-US" dirty="0">
-                <a:hlinkClick r:id="rId3"/>
-              </a:rPr>
-              <a:t>https://github.com/lykkelig/Group6_Final_Project/tree/Erik_branch/Web</a:t>
-            </a:r>
-            <a:endParaRPr lang="en-US" dirty="0"/>
-          </a:p>
-          <a:p>
-            <a:pPr marL="0" lvl="0" indent="0" algn="l" rtl="0">
-              <a:spcBef>
-                <a:spcPts val="0"/>
-              </a:spcBef>
-              <a:spcAft>
-                <a:spcPts val="1200"/>
-              </a:spcAft>
-              <a:buNone/>
-            </a:pPr>
-            <a:r>
-              <a:rPr lang="en-US" dirty="0">
-                <a:hlinkClick r:id="rId4"/>
-              </a:rPr>
-              <a:t>https://public.tableau.com/app/profile/erik.svoboda/viz/EmployeeAttrition_16528352408970/FinalProject?publish=yes</a:t>
-            </a:r>
-            <a:endParaRPr lang="en-US" dirty="0"/>
-          </a:p>
-          <a:p>
-            <a:pPr marL="0" lvl="0" indent="0" algn="l" rtl="0">
-              <a:spcBef>
-                <a:spcPts val="0"/>
-              </a:spcBef>
-              <a:spcAft>
-                <a:spcPts val="1200"/>
-              </a:spcAft>
-              <a:buNone/>
-            </a:pPr>
-            <a:r>
-              <a:rPr lang="en-US" dirty="0">
-                <a:hlinkClick r:id="rId5"/>
-              </a:rPr>
-              <a:t>https://public.tableau.com/app/profile/reilly.thompson/viz/Group6_Final_Tab/Story1</a:t>
-            </a:r>
-            <a:endParaRPr lang="en-US" dirty="0"/>
-          </a:p>
-          <a:p>
-            <a:pPr marL="0" lvl="0" indent="0" algn="l" rtl="0">
-              <a:spcBef>
-                <a:spcPts val="0"/>
-              </a:spcBef>
-              <a:spcAft>
-                <a:spcPts val="1200"/>
-              </a:spcAft>
-              <a:buNone/>
-            </a:pPr>
-            <a:endParaRPr lang="en-US" dirty="0"/>
-          </a:p>
-          <a:p>
-            <a:pPr marL="0" lvl="0" indent="0" algn="l" rtl="0">
-              <a:spcBef>
-                <a:spcPts val="0"/>
-              </a:spcBef>
-              <a:spcAft>
-                <a:spcPts val="1200"/>
-              </a:spcAft>
-              <a:buNone/>
-            </a:pPr>
-            <a:endParaRPr dirty="0"/>
-          </a:p>
-        </p:txBody>
-      </p:sp>
-    </p:spTree>
-  </p:cSld>
-  <p:clrMapOvr>
-    <a:masterClrMapping/>
-  </p:clrMapOvr>
-</p:sld>
-</file>
-
 <file path=ppt/slides/slide2.xml><?xml version="1.0" encoding="utf-8"?>
-<p:sld xmlns:a="http://schemas.openxmlformats.org/drawingml/2006/main" xmlns:r="http://schemas.openxmlformats.org/officeDocument/2006/relationships" xmlns:p="http://schemas.openxmlformats.org/presentationml/2006/main">
-  <p:cSld>
-    <p:spTree>
-      <p:nvGrpSpPr>
-        <p:cNvPr id="1" name="Shape 276"/>
-        <p:cNvGrpSpPr/>
-        <p:nvPr/>
-      </p:nvGrpSpPr>
-      <p:grpSpPr>
-        <a:xfrm>
-          <a:off x="0" y="0"/>
-          <a:ext cx="0" cy="0"/>
-          <a:chOff x="0" y="0"/>
-          <a:chExt cx="0" cy="0"/>
-        </a:xfrm>
-      </p:grpSpPr>
-      <p:sp>
-        <p:nvSpPr>
-          <p:cNvPr id="277" name="Google Shape;277;p13"/>
-          <p:cNvSpPr txBox="1">
-            <a:spLocks noGrp="1"/>
-          </p:cNvSpPr>
-          <p:nvPr>
-            <p:ph type="ctrTitle"/>
-          </p:nvPr>
-        </p:nvSpPr>
-        <p:spPr>
-          <a:xfrm>
-            <a:off x="824000" y="1613825"/>
-            <a:ext cx="4830900" cy="1872900"/>
-          </a:xfrm>
-          <a:prstGeom prst="rect">
-            <a:avLst/>
-          </a:prstGeom>
-        </p:spPr>
-        <p:txBody>
-          <a:bodyPr spcFirstLastPara="1" wrap="square" lIns="91425" tIns="91425" rIns="91425" bIns="91425" anchor="ctr" anchorCtr="0">
-            <a:normAutofit/>
-          </a:bodyPr>
-          <a:lstStyle/>
-          <a:p>
-            <a:pPr marL="0" lvl="0" indent="0" algn="l" rtl="0">
-              <a:spcBef>
-                <a:spcPts val="0"/>
-              </a:spcBef>
-              <a:spcAft>
-                <a:spcPts val="0"/>
-              </a:spcAft>
-              <a:buNone/>
-            </a:pPr>
-            <a:r>
-              <a:rPr lang="en" dirty="0"/>
-              <a:t>Employee Attrition</a:t>
-            </a:r>
-            <a:endParaRPr dirty="0"/>
-          </a:p>
-        </p:txBody>
-      </p:sp>
-      <p:sp>
-        <p:nvSpPr>
-          <p:cNvPr id="278" name="Google Shape;278;p13"/>
-          <p:cNvSpPr txBox="1">
-            <a:spLocks noGrp="1"/>
-          </p:cNvSpPr>
-          <p:nvPr>
-            <p:ph type="subTitle" idx="1"/>
-          </p:nvPr>
-        </p:nvSpPr>
-        <p:spPr>
-          <a:xfrm>
-            <a:off x="824000" y="3596300"/>
-            <a:ext cx="4255500" cy="695400"/>
-          </a:xfrm>
-          <a:prstGeom prst="rect">
-            <a:avLst/>
-          </a:prstGeom>
-        </p:spPr>
-        <p:txBody>
-          <a:bodyPr spcFirstLastPara="1" wrap="square" lIns="91425" tIns="91425" rIns="91425" bIns="91425" anchor="t" anchorCtr="0">
-            <a:normAutofit/>
-          </a:bodyPr>
-          <a:lstStyle/>
-          <a:p>
-            <a:pPr marL="0" lvl="0" indent="0" algn="l" rtl="0">
-              <a:spcBef>
-                <a:spcPts val="0"/>
-              </a:spcBef>
-              <a:spcAft>
-                <a:spcPts val="0"/>
-              </a:spcAft>
-              <a:buNone/>
-            </a:pPr>
-            <a:endParaRPr/>
-          </a:p>
-        </p:txBody>
-      </p:sp>
-    </p:spTree>
-  </p:cSld>
-  <p:clrMapOvr>
-    <a:masterClrMapping/>
-  </p:clrMapOvr>
-</p:sld>
-</file>
-
-<file path=ppt/slides/slide3.xml><?xml version="1.0" encoding="utf-8"?>
 <p:sld xmlns:a="http://schemas.openxmlformats.org/drawingml/2006/main" xmlns:r="http://schemas.openxmlformats.org/officeDocument/2006/relationships" xmlns:p="http://schemas.openxmlformats.org/presentationml/2006/main">
   <p:cSld>
     <p:spTree>
@@ -21902,7 +21319,7 @@
 </p:sld>
 </file>
 
-<file path=ppt/slides/slide4.xml><?xml version="1.0" encoding="utf-8"?>
+<file path=ppt/slides/slide3.xml><?xml version="1.0" encoding="utf-8"?>
 <p:sld xmlns:a="http://schemas.openxmlformats.org/drawingml/2006/main" xmlns:r="http://schemas.openxmlformats.org/officeDocument/2006/relationships" xmlns:p="http://schemas.openxmlformats.org/presentationml/2006/main">
   <p:cSld>
     <p:spTree>
@@ -22099,7 +21516,7 @@
 </p:sld>
 </file>
 
-<file path=ppt/slides/slide5.xml><?xml version="1.0" encoding="utf-8"?>
+<file path=ppt/slides/slide4.xml><?xml version="1.0" encoding="utf-8"?>
 <p:sld xmlns:a="http://schemas.openxmlformats.org/drawingml/2006/main" xmlns:r="http://schemas.openxmlformats.org/officeDocument/2006/relationships" xmlns:p="http://schemas.openxmlformats.org/presentationml/2006/main">
   <p:cSld>
     <p:spTree>
@@ -22186,7 +21603,7 @@
 </p:sld>
 </file>
 
-<file path=ppt/slides/slide6.xml><?xml version="1.0" encoding="utf-8"?>
+<file path=ppt/slides/slide5.xml><?xml version="1.0" encoding="utf-8"?>
 <p:sld xmlns:a="http://schemas.openxmlformats.org/drawingml/2006/main" xmlns:r="http://schemas.openxmlformats.org/officeDocument/2006/relationships" xmlns:p="http://schemas.openxmlformats.org/presentationml/2006/main">
   <p:cSld>
     <p:spTree>
@@ -22299,7 +21716,7 @@
 </p:sld>
 </file>
 
-<file path=ppt/slides/slide7.xml><?xml version="1.0" encoding="utf-8"?>
+<file path=ppt/slides/slide6.xml><?xml version="1.0" encoding="utf-8"?>
 <p:sld xmlns:a="http://schemas.openxmlformats.org/drawingml/2006/main" xmlns:r="http://schemas.openxmlformats.org/officeDocument/2006/relationships" xmlns:p="http://schemas.openxmlformats.org/presentationml/2006/main">
   <p:cSld>
     <p:spTree>
@@ -22494,7 +21911,7 @@
 </p:sld>
 </file>
 
-<file path=ppt/slides/slide8.xml><?xml version="1.0" encoding="utf-8"?>
+<file path=ppt/slides/slide7.xml><?xml version="1.0" encoding="utf-8"?>
 <p:sld xmlns:a="http://schemas.openxmlformats.org/drawingml/2006/main" xmlns:r="http://schemas.openxmlformats.org/officeDocument/2006/relationships" xmlns:p="http://schemas.openxmlformats.org/presentationml/2006/main">
   <p:cSld>
     <p:spTree>
@@ -22595,10 +22012,10 @@
               <a:buNone/>
             </a:pPr>
             <a:r>
-              <a:rPr lang="en-US" dirty="0"/>
+              <a:rPr lang="en-US" sz="1800" dirty="0"/>
               <a:t>Examine correlations between features</a:t>
             </a:r>
-            <a:endParaRPr dirty="0"/>
+            <a:endParaRPr sz="1800" dirty="0"/>
           </a:p>
         </p:txBody>
       </p:sp>
@@ -22644,7 +22061,7 @@
 </p:sld>
 </file>
 
-<file path=ppt/slides/slide9.xml><?xml version="1.0" encoding="utf-8"?>
+<file path=ppt/slides/slide8.xml><?xml version="1.0" encoding="utf-8"?>
 <p:sld xmlns:a="http://schemas.openxmlformats.org/drawingml/2006/main" xmlns:r="http://schemas.openxmlformats.org/officeDocument/2006/relationships" xmlns:p="http://schemas.openxmlformats.org/presentationml/2006/main">
   <p:cSld>
     <p:spTree>
@@ -22803,6 +22220,225 @@
     <p:extLst>
       <p:ext uri="{BB962C8B-B14F-4D97-AF65-F5344CB8AC3E}">
         <p14:creationId xmlns:p14="http://schemas.microsoft.com/office/powerpoint/2010/main" val="379423037"/>
+      </p:ext>
+    </p:extLst>
+  </p:cSld>
+  <p:clrMapOvr>
+    <a:masterClrMapping/>
+  </p:clrMapOvr>
+</p:sld>
+</file>
+
+<file path=ppt/slides/slide9.xml><?xml version="1.0" encoding="utf-8"?>
+<p:sld xmlns:a="http://schemas.openxmlformats.org/drawingml/2006/main" xmlns:r="http://schemas.openxmlformats.org/officeDocument/2006/relationships" xmlns:p="http://schemas.openxmlformats.org/presentationml/2006/main">
+  <p:cSld>
+    <p:spTree>
+      <p:nvGrpSpPr>
+        <p:cNvPr id="1" name=""/>
+        <p:cNvGrpSpPr/>
+        <p:nvPr/>
+      </p:nvGrpSpPr>
+      <p:grpSpPr>
+        <a:xfrm>
+          <a:off x="0" y="0"/>
+          <a:ext cx="0" cy="0"/>
+          <a:chOff x="0" y="0"/>
+          <a:chExt cx="0" cy="0"/>
+        </a:xfrm>
+      </p:grpSpPr>
+      <p:sp>
+        <p:nvSpPr>
+          <p:cNvPr id="2" name="Title 1">
+            <a:extLst>
+              <a:ext uri="{FF2B5EF4-FFF2-40B4-BE49-F238E27FC236}">
+                <a16:creationId xmlns:a16="http://schemas.microsoft.com/office/drawing/2014/main" id="{B8D36673-3479-45EC-87E0-28D0B7ECE709}"/>
+              </a:ext>
+            </a:extLst>
+          </p:cNvPr>
+          <p:cNvSpPr>
+            <a:spLocks noGrp="1"/>
+          </p:cNvSpPr>
+          <p:nvPr>
+            <p:ph type="title"/>
+          </p:nvPr>
+        </p:nvSpPr>
+        <p:spPr>
+          <a:xfrm>
+            <a:off x="1303800" y="598575"/>
+            <a:ext cx="7611600" cy="999300"/>
+          </a:xfrm>
+        </p:spPr>
+        <p:txBody>
+          <a:bodyPr>
+            <a:normAutofit/>
+          </a:bodyPr>
+          <a:lstStyle/>
+          <a:p>
+            <a:r>
+              <a:rPr lang="en-US" dirty="0"/>
+              <a:t>Preliminary Feature Selection: </a:t>
+            </a:r>
+            <a:br>
+              <a:rPr lang="en-US" dirty="0"/>
+            </a:br>
+            <a:r>
+              <a:rPr lang="en-US" sz="2200" dirty="0"/>
+              <a:t>Eliminate columns that do not provide information</a:t>
+            </a:r>
+            <a:endParaRPr lang="en-US" dirty="0"/>
+          </a:p>
+        </p:txBody>
+      </p:sp>
+      <p:pic>
+        <p:nvPicPr>
+          <p:cNvPr id="4" name="Picture 3">
+            <a:extLst>
+              <a:ext uri="{FF2B5EF4-FFF2-40B4-BE49-F238E27FC236}">
+                <a16:creationId xmlns:a16="http://schemas.microsoft.com/office/drawing/2014/main" id="{6D1B96F5-9D67-4BDC-ADDD-903BC7223348}"/>
+              </a:ext>
+            </a:extLst>
+          </p:cNvPr>
+          <p:cNvPicPr>
+            <a:picLocks noChangeAspect="1"/>
+          </p:cNvPicPr>
+          <p:nvPr/>
+        </p:nvPicPr>
+        <p:blipFill>
+          <a:blip r:embed="rId3"/>
+          <a:stretch>
+            <a:fillRect/>
+          </a:stretch>
+        </p:blipFill>
+        <p:spPr>
+          <a:xfrm>
+            <a:off x="4822019" y="2201084"/>
+            <a:ext cx="3369406" cy="2945678"/>
+          </a:xfrm>
+          <a:prstGeom prst="rect">
+            <a:avLst/>
+          </a:prstGeom>
+        </p:spPr>
+      </p:pic>
+      <p:pic>
+        <p:nvPicPr>
+          <p:cNvPr id="5" name="Picture 4">
+            <a:extLst>
+              <a:ext uri="{FF2B5EF4-FFF2-40B4-BE49-F238E27FC236}">
+                <a16:creationId xmlns:a16="http://schemas.microsoft.com/office/drawing/2014/main" id="{CD914706-051F-43E5-AB9F-5A2A26456F10}"/>
+              </a:ext>
+            </a:extLst>
+          </p:cNvPr>
+          <p:cNvPicPr>
+            <a:picLocks noChangeAspect="1"/>
+          </p:cNvPicPr>
+          <p:nvPr/>
+        </p:nvPicPr>
+        <p:blipFill>
+          <a:blip r:embed="rId4"/>
+          <a:stretch>
+            <a:fillRect/>
+          </a:stretch>
+        </p:blipFill>
+        <p:spPr>
+          <a:xfrm>
+            <a:off x="703868" y="2201084"/>
+            <a:ext cx="3420458" cy="2945678"/>
+          </a:xfrm>
+          <a:prstGeom prst="rect">
+            <a:avLst/>
+          </a:prstGeom>
+        </p:spPr>
+      </p:pic>
+      <p:sp>
+        <p:nvSpPr>
+          <p:cNvPr id="7" name="TextBox 6">
+            <a:extLst>
+              <a:ext uri="{FF2B5EF4-FFF2-40B4-BE49-F238E27FC236}">
+                <a16:creationId xmlns:a16="http://schemas.microsoft.com/office/drawing/2014/main" id="{200258C1-198B-4B13-8DEF-3280262FF227}"/>
+              </a:ext>
+            </a:extLst>
+          </p:cNvPr>
+          <p:cNvSpPr txBox="1"/>
+          <p:nvPr/>
+        </p:nvSpPr>
+        <p:spPr>
+          <a:xfrm>
+            <a:off x="1184240" y="1751271"/>
+            <a:ext cx="3625285" cy="523220"/>
+          </a:xfrm>
+          <a:prstGeom prst="rect">
+            <a:avLst/>
+          </a:prstGeom>
+          <a:noFill/>
+        </p:spPr>
+        <p:txBody>
+          <a:bodyPr wrap="square">
+            <a:spAutoFit/>
+          </a:bodyPr>
+          <a:lstStyle/>
+          <a:p>
+            <a:pPr lvl="1"/>
+            <a:r>
+              <a:rPr lang="en-US" sz="1400" dirty="0"/>
+              <a:t>Employee Number:</a:t>
+            </a:r>
+          </a:p>
+          <a:p>
+            <a:pPr lvl="1"/>
+            <a:r>
+              <a:rPr lang="en-US" sz="1400" dirty="0"/>
+              <a:t>1470 rows with 1470 unique values </a:t>
+            </a:r>
+          </a:p>
+        </p:txBody>
+      </p:sp>
+      <p:sp>
+        <p:nvSpPr>
+          <p:cNvPr id="8" name="TextBox 7">
+            <a:extLst>
+              <a:ext uri="{FF2B5EF4-FFF2-40B4-BE49-F238E27FC236}">
+                <a16:creationId xmlns:a16="http://schemas.microsoft.com/office/drawing/2014/main" id="{9890D4BC-840C-4208-8A05-55498E8FBA76}"/>
+              </a:ext>
+            </a:extLst>
+          </p:cNvPr>
+          <p:cNvSpPr txBox="1"/>
+          <p:nvPr/>
+        </p:nvSpPr>
+        <p:spPr>
+          <a:xfrm>
+            <a:off x="5218935" y="1751271"/>
+            <a:ext cx="4280916" cy="523220"/>
+          </a:xfrm>
+          <a:prstGeom prst="rect">
+            <a:avLst/>
+          </a:prstGeom>
+          <a:noFill/>
+        </p:spPr>
+        <p:txBody>
+          <a:bodyPr wrap="square">
+            <a:spAutoFit/>
+          </a:bodyPr>
+          <a:lstStyle/>
+          <a:p>
+            <a:pPr lvl="1"/>
+            <a:r>
+              <a:rPr lang="en-US" sz="1400" dirty="0"/>
+              <a:t>Employee Count, Standard Hours, Over 18:</a:t>
+            </a:r>
+          </a:p>
+          <a:p>
+            <a:pPr lvl="1"/>
+            <a:r>
+              <a:rPr lang="en-US" sz="1400" dirty="0"/>
+              <a:t>1 unique value per row</a:t>
+            </a:r>
+          </a:p>
+        </p:txBody>
+      </p:sp>
+    </p:spTree>
+    <p:extLst>
+      <p:ext uri="{BB962C8B-B14F-4D97-AF65-F5344CB8AC3E}">
+        <p14:creationId xmlns:p14="http://schemas.microsoft.com/office/powerpoint/2010/main" val="3692123054"/>
       </p:ext>
     </p:extLst>
   </p:cSld>
